--- a/material/12_CSharp_심화문법 (상속).pptx
+++ b/material/12_CSharp_심화문법 (상속).pptx
@@ -5,7 +5,7 @@
     <p:sldMasterId id="2147483672" r:id="rId1"/>
   </p:sldMasterIdLst>
   <p:notesMasterIdLst>
-    <p:notesMasterId r:id="rId38"/>
+    <p:notesMasterId r:id="rId29"/>
   </p:notesMasterIdLst>
   <p:sldIdLst>
     <p:sldId id="853" r:id="rId2"/>
@@ -20,55 +20,46 @@
     <p:sldId id="818" r:id="rId11"/>
     <p:sldId id="819" r:id="rId12"/>
     <p:sldId id="820" r:id="rId13"/>
-    <p:sldId id="855" r:id="rId14"/>
-    <p:sldId id="813" r:id="rId15"/>
-    <p:sldId id="814" r:id="rId16"/>
-    <p:sldId id="812" r:id="rId17"/>
-    <p:sldId id="816" r:id="rId18"/>
-    <p:sldId id="857" r:id="rId19"/>
-    <p:sldId id="858" r:id="rId20"/>
-    <p:sldId id="856" r:id="rId21"/>
-    <p:sldId id="810" r:id="rId22"/>
-    <p:sldId id="811" r:id="rId23"/>
-    <p:sldId id="801" r:id="rId24"/>
-    <p:sldId id="800" r:id="rId25"/>
-    <p:sldId id="764" r:id="rId26"/>
-    <p:sldId id="722" r:id="rId27"/>
-    <p:sldId id="714" r:id="rId28"/>
-    <p:sldId id="727" r:id="rId29"/>
-    <p:sldId id="728" r:id="rId30"/>
-    <p:sldId id="729" r:id="rId31"/>
-    <p:sldId id="730" r:id="rId32"/>
-    <p:sldId id="731" r:id="rId33"/>
-    <p:sldId id="821" r:id="rId34"/>
-    <p:sldId id="822" r:id="rId35"/>
-    <p:sldId id="823" r:id="rId36"/>
-    <p:sldId id="746" r:id="rId37"/>
+    <p:sldId id="859" r:id="rId14"/>
+    <p:sldId id="855" r:id="rId15"/>
+    <p:sldId id="813" r:id="rId16"/>
+    <p:sldId id="814" r:id="rId17"/>
+    <p:sldId id="812" r:id="rId18"/>
+    <p:sldId id="816" r:id="rId19"/>
+    <p:sldId id="857" r:id="rId20"/>
+    <p:sldId id="858" r:id="rId21"/>
+    <p:sldId id="856" r:id="rId22"/>
+    <p:sldId id="810" r:id="rId23"/>
+    <p:sldId id="811" r:id="rId24"/>
+    <p:sldId id="801" r:id="rId25"/>
+    <p:sldId id="800" r:id="rId26"/>
+    <p:sldId id="764" r:id="rId27"/>
+    <p:sldId id="722" r:id="rId28"/>
   </p:sldIdLst>
   <p:sldSz cx="12192000" cy="6858000"/>
   <p:notesSz cx="6858000" cy="9144000"/>
   <p:embeddedFontLst>
     <p:embeddedFont>
-      <p:font typeface="Pretendard"/>
-      <p:regular r:id="rId39"/>
-      <p:bold r:id="rId40"/>
+      <p:font typeface="Cambria Math" panose="02040503050406030204" pitchFamily="18" charset="0"/>
+      <p:regular r:id="rId30"/>
     </p:embeddedFont>
     <p:embeddedFont>
-      <p:font typeface="Pretendard Black" panose="02000A03000000020004"/>
-      <p:bold r:id="rId41"/>
+      <p:font typeface="Pretendard Black" panose="02000A03000000020004" pitchFamily="2" charset="-127"/>
+      <p:bold r:id="rId31"/>
     </p:embeddedFont>
     <p:embeddedFont>
-      <p:font typeface="Pretendard GOV SemiBold" panose="02000703000000020004" pitchFamily="2" charset="-127"/>
-      <p:bold r:id="rId42"/>
-    </p:embeddedFont>
-    <p:embeddedFont>
-      <p:font typeface="Cambria Math" panose="02040503050406030204" pitchFamily="18" charset="0"/>
-      <p:regular r:id="rId43"/>
+      <p:font typeface="Pretendard" panose="02000503000000020004" pitchFamily="2" charset="-127"/>
+      <p:regular r:id="rId32"/>
+      <p:bold r:id="rId33"/>
     </p:embeddedFont>
     <p:embeddedFont>
       <p:font typeface="맑은 고딕" panose="020B0503020000020004" pitchFamily="50" charset="-127"/>
-      <p:regular r:id="rId44"/>
-      <p:bold r:id="rId45"/>
+      <p:regular r:id="rId34"/>
+      <p:bold r:id="rId35"/>
+    </p:embeddedFont>
+    <p:embeddedFont>
+      <p:font typeface="Pretendard GOV SemiBold" panose="020B0600000101010101" charset="-127"/>
+      <p:bold r:id="rId36"/>
     </p:embeddedFont>
   </p:embeddedFontLst>
   <p:defaultTextStyle>
@@ -618,7 +609,13 @@
   <p:cSld>
     <p:spTree>
       <p:nvGrpSpPr>
-        <p:cNvPr id="1" name=""/>
+        <p:cNvPr id="1" name="">
+          <a:extLst>
+            <a:ext uri="{FF2B5EF4-FFF2-40B4-BE49-F238E27FC236}">
+              <a16:creationId xmlns:a16="http://schemas.microsoft.com/office/drawing/2014/main" id="{0ABF567A-5C74-7974-58D7-CD41ABAD0D7E}"/>
+            </a:ext>
+          </a:extLst>
+        </p:cNvPr>
         <p:cNvGrpSpPr/>
         <p:nvPr/>
       </p:nvGrpSpPr>
@@ -632,7 +629,13 @@
       </p:grpSpPr>
       <p:sp>
         <p:nvSpPr>
-          <p:cNvPr id="2" name="슬라이드 이미지 개체 틀 1"/>
+          <p:cNvPr id="2" name="슬라이드 이미지 개체 틀 1">
+            <a:extLst>
+              <a:ext uri="{FF2B5EF4-FFF2-40B4-BE49-F238E27FC236}">
+                <a16:creationId xmlns:a16="http://schemas.microsoft.com/office/drawing/2014/main" id="{FE066A93-1634-12AE-3084-F470AE4813AA}"/>
+              </a:ext>
+            </a:extLst>
+          </p:cNvPr>
           <p:cNvSpPr>
             <a:spLocks noGrp="1" noRot="1" noChangeAspect="1"/>
           </p:cNvSpPr>
@@ -644,7 +647,13 @@
       </p:sp>
       <p:sp>
         <p:nvSpPr>
-          <p:cNvPr id="3" name="슬라이드 노트 개체 틀 2"/>
+          <p:cNvPr id="3" name="슬라이드 노트 개체 틀 2">
+            <a:extLst>
+              <a:ext uri="{FF2B5EF4-FFF2-40B4-BE49-F238E27FC236}">
+                <a16:creationId xmlns:a16="http://schemas.microsoft.com/office/drawing/2014/main" id="{824B3A10-5773-AB73-97B7-2853B57F6462}"/>
+              </a:ext>
+            </a:extLst>
+          </p:cNvPr>
           <p:cNvSpPr>
             <a:spLocks noGrp="1"/>
           </p:cNvSpPr>
@@ -657,74 +666,22 @@
           <a:bodyPr/>
           <a:lstStyle/>
           <a:p>
-            <a:pPr marL="0" marR="0" lvl="0" indent="0" algn="l" defTabSz="914400" rtl="0" eaLnBrk="1" fontAlgn="auto" latinLnBrk="1" hangingPunct="1">
-              <a:lnSpc>
-                <a:spcPct val="100000"/>
-              </a:lnSpc>
-              <a:spcBef>
-                <a:spcPts val="0"/>
-              </a:spcBef>
-              <a:spcAft>
-                <a:spcPts val="0"/>
-              </a:spcAft>
-              <a:buClrTx/>
-              <a:buSzTx/>
-              <a:buFontTx/>
-              <a:buNone/>
-              <a:tabLst/>
-              <a:defRPr/>
-            </a:pPr>
-            <a:r>
-              <a:rPr lang="ko-KR" altLang="en-US" dirty="0"/>
-              <a:t>같은 이름</a:t>
-            </a:r>
-            <a:r>
-              <a:rPr lang="en-US" altLang="ko-KR" dirty="0"/>
-              <a:t>, </a:t>
-            </a:r>
-            <a:r>
-              <a:rPr lang="ko-KR" altLang="en-US" dirty="0"/>
-              <a:t>다른 입출력을 갖는 메소드를 정의하고 필요에 따라 골라 사용</a:t>
-            </a:r>
-          </a:p>
-          <a:p>
-            <a:pPr marL="171450" indent="-171450">
-              <a:buFontTx/>
-              <a:buChar char="-"/>
-            </a:pPr>
-            <a:r>
-              <a:rPr lang="ko-KR" altLang="en-US" dirty="0"/>
-              <a:t>한 클래스 안에서 여러 개 정의 가능</a:t>
-            </a:r>
-            <a:r>
-              <a:rPr lang="en-US" altLang="ko-KR" dirty="0"/>
-              <a:t>.</a:t>
-            </a:r>
-          </a:p>
-          <a:p>
-            <a:pPr marL="0" indent="0">
-              <a:buFontTx/>
-              <a:buNone/>
-            </a:pPr>
-            <a:r>
-              <a:rPr lang="en-US" altLang="ko-KR" dirty="0"/>
-              <a:t>(</a:t>
-            </a:r>
-            <a:r>
-              <a:rPr lang="ko-KR" altLang="en-US" dirty="0"/>
-              <a:t>그냥 편의성을 위한 문법적 기능</a:t>
-            </a:r>
-            <a:r>
-              <a:rPr lang="en-US" altLang="ko-KR" dirty="0"/>
-              <a:t>)</a:t>
-            </a:r>
+            <a:endParaRPr lang="en-US" altLang="ko-KR" dirty="0"/>
+          </a:p>
+          <a:p>
             <a:endParaRPr lang="ko-KR" altLang="en-US" dirty="0"/>
           </a:p>
         </p:txBody>
       </p:sp>
       <p:sp>
         <p:nvSpPr>
-          <p:cNvPr id="4" name="슬라이드 번호 개체 틀 3"/>
+          <p:cNvPr id="4" name="슬라이드 번호 개체 틀 3">
+            <a:extLst>
+              <a:ext uri="{FF2B5EF4-FFF2-40B4-BE49-F238E27FC236}">
+                <a16:creationId xmlns:a16="http://schemas.microsoft.com/office/drawing/2014/main" id="{BF80333C-47F5-FE1D-4A8E-E601E243530F}"/>
+              </a:ext>
+            </a:extLst>
+          </p:cNvPr>
           <p:cNvSpPr>
             <a:spLocks noGrp="1"/>
           </p:cNvSpPr>
@@ -748,7 +705,7 @@
     </p:spTree>
     <p:extLst>
       <p:ext uri="{BB962C8B-B14F-4D97-AF65-F5344CB8AC3E}">
-        <p14:creationId xmlns:p14="http://schemas.microsoft.com/office/powerpoint/2010/main" val="1140813431"/>
+        <p14:creationId xmlns:p14="http://schemas.microsoft.com/office/powerpoint/2010/main" val="555663182"/>
       </p:ext>
     </p:extLst>
   </p:cSld>
@@ -802,10 +759,68 @@
           <a:bodyPr/>
           <a:lstStyle/>
           <a:p>
-            <a:r>
-              <a:rPr lang="ko-KR" altLang="en-US" dirty="0"/>
-              <a:t>부모 클래스의 메서드를 자식 클래스가 재정의 하는 것</a:t>
-            </a:r>
+            <a:pPr marL="0" marR="0" lvl="0" indent="0" algn="l" defTabSz="914400" rtl="0" eaLnBrk="1" fontAlgn="auto" latinLnBrk="1" hangingPunct="1">
+              <a:lnSpc>
+                <a:spcPct val="100000"/>
+              </a:lnSpc>
+              <a:spcBef>
+                <a:spcPts val="0"/>
+              </a:spcBef>
+              <a:spcAft>
+                <a:spcPts val="0"/>
+              </a:spcAft>
+              <a:buClrTx/>
+              <a:buSzTx/>
+              <a:buFontTx/>
+              <a:buNone/>
+              <a:tabLst/>
+              <a:defRPr/>
+            </a:pPr>
+            <a:r>
+              <a:rPr lang="ko-KR" altLang="en-US" dirty="0"/>
+              <a:t>같은 이름</a:t>
+            </a:r>
+            <a:r>
+              <a:rPr lang="en-US" altLang="ko-KR" dirty="0"/>
+              <a:t>, </a:t>
+            </a:r>
+            <a:r>
+              <a:rPr lang="ko-KR" altLang="en-US" dirty="0"/>
+              <a:t>다른 입출력을 갖는 메소드를 정의하고 필요에 따라 골라 사용</a:t>
+            </a:r>
+          </a:p>
+          <a:p>
+            <a:pPr marL="171450" indent="-171450">
+              <a:buFontTx/>
+              <a:buChar char="-"/>
+            </a:pPr>
+            <a:r>
+              <a:rPr lang="ko-KR" altLang="en-US" dirty="0"/>
+              <a:t>한 클래스 안에서 여러 개 정의 가능</a:t>
+            </a:r>
+            <a:r>
+              <a:rPr lang="en-US" altLang="ko-KR" dirty="0"/>
+              <a:t>.</a:t>
+            </a:r>
+          </a:p>
+          <a:p>
+            <a:pPr marL="0" indent="0">
+              <a:buFontTx/>
+              <a:buNone/>
+            </a:pPr>
+            <a:r>
+              <a:rPr lang="en-US" altLang="ko-KR" dirty="0"/>
+              <a:t>(</a:t>
+            </a:r>
+            <a:r>
+              <a:rPr lang="ko-KR" altLang="en-US" dirty="0"/>
+              <a:t>그냥 편의성을 위한 문법적 기능</a:t>
+            </a:r>
+            <a:r>
+              <a:rPr lang="en-US" altLang="ko-KR" dirty="0"/>
+              <a:t>)</a:t>
+            </a:r>
+            <a:endParaRPr lang="ko-KR" altLang="en-US" dirty="0"/>
           </a:p>
         </p:txBody>
       </p:sp>
@@ -835,7 +850,7 @@
     </p:spTree>
     <p:extLst>
       <p:ext uri="{BB962C8B-B14F-4D97-AF65-F5344CB8AC3E}">
-        <p14:creationId xmlns:p14="http://schemas.microsoft.com/office/powerpoint/2010/main" val="1697855351"/>
+        <p14:creationId xmlns:p14="http://schemas.microsoft.com/office/powerpoint/2010/main" val="1140813431"/>
       </p:ext>
     </p:extLst>
   </p:cSld>
@@ -889,312 +904,10 @@
           <a:bodyPr/>
           <a:lstStyle/>
           <a:p>
-            <a:pPr marL="0" marR="0" lvl="0" indent="0" algn="l" defTabSz="914400" rtl="0" eaLnBrk="1" fontAlgn="auto" latinLnBrk="1" hangingPunct="1">
-              <a:lnSpc>
-                <a:spcPct val="100000"/>
-              </a:lnSpc>
-              <a:spcBef>
-                <a:spcPts val="0"/>
-              </a:spcBef>
-              <a:spcAft>
-                <a:spcPts val="0"/>
-              </a:spcAft>
-              <a:buClrTx/>
-              <a:buSzTx/>
-              <a:buFontTx/>
-              <a:buNone/>
-              <a:tabLst/>
-              <a:defRPr/>
-            </a:pPr>
-            <a:r>
-              <a:rPr lang="ko-KR" altLang="en-US" b="1" dirty="0"/>
-              <a:t>“굳이 </a:t>
-            </a:r>
-            <a:r>
-              <a:rPr lang="en-US" altLang="ko-KR" b="1" dirty="0"/>
-              <a:t>virtual, override, </a:t>
-            </a:r>
-            <a:r>
-              <a:rPr lang="ko-KR" altLang="en-US" b="1" dirty="0"/>
-              <a:t>업캐스팅</a:t>
-            </a:r>
-            <a:r>
-              <a:rPr lang="en-US" altLang="ko-KR" b="1" dirty="0"/>
-              <a:t>, </a:t>
-            </a:r>
-            <a:r>
-              <a:rPr lang="ko-KR" altLang="en-US" b="1" dirty="0"/>
-              <a:t>다형성까지 써가면서 왜 이렇게 복잡하게 코딩해요</a:t>
-            </a:r>
-            <a:r>
-              <a:rPr lang="en-US" altLang="ko-KR" b="1" dirty="0"/>
-              <a:t>?”</a:t>
-            </a:r>
-            <a:br>
-              <a:rPr lang="ko-KR" altLang="en-US" dirty="0"/>
-            </a:br>
-            <a:r>
-              <a:rPr lang="ko-KR" altLang="en-US" dirty="0"/>
-              <a:t>그냥 </a:t>
-            </a:r>
-            <a:r>
-              <a:rPr lang="en-US" altLang="ko-KR" dirty="0"/>
-              <a:t>Square </a:t>
-            </a:r>
-            <a:r>
-              <a:rPr lang="en-US" altLang="ko-KR" dirty="0" err="1"/>
-              <a:t>square</a:t>
-            </a:r>
-            <a:r>
-              <a:rPr lang="en-US" altLang="ko-KR" dirty="0"/>
-              <a:t> = new Square(); </a:t>
-            </a:r>
-            <a:r>
-              <a:rPr lang="ko-KR" altLang="en-US" dirty="0"/>
-              <a:t>하고 </a:t>
-            </a:r>
-            <a:r>
-              <a:rPr lang="en-US" altLang="ko-KR" dirty="0" err="1"/>
-              <a:t>square.getShape</a:t>
-            </a:r>
-            <a:r>
-              <a:rPr lang="en-US" altLang="ko-KR" dirty="0"/>
-              <a:t>() </a:t>
-            </a:r>
-            <a:r>
-              <a:rPr lang="ko-KR" altLang="en-US" dirty="0"/>
-              <a:t>호출하면 되는 거 아닌가요</a:t>
-            </a:r>
-            <a:r>
-              <a:rPr lang="en-US" altLang="ko-KR" dirty="0"/>
-              <a:t>?</a:t>
-            </a:r>
-          </a:p>
-          <a:p>
-            <a:endParaRPr lang="en-US" altLang="ko-KR" dirty="0"/>
-          </a:p>
-          <a:p>
-            <a:r>
-              <a:rPr lang="en-US" altLang="ko-KR" dirty="0"/>
-              <a:t>Square s = new Square();</a:t>
-            </a:r>
-          </a:p>
-          <a:p>
-            <a:r>
-              <a:rPr lang="en-US" altLang="ko-KR" dirty="0"/>
-              <a:t>Circle c = new Circle();</a:t>
-            </a:r>
-          </a:p>
-          <a:p>
-            <a:r>
-              <a:rPr lang="en-US" altLang="ko-KR" dirty="0"/>
-              <a:t>Triangle t = new Triangle();</a:t>
-            </a:r>
-          </a:p>
-          <a:p>
-            <a:endParaRPr lang="en-US" altLang="ko-KR" dirty="0"/>
-          </a:p>
-          <a:p>
-            <a:r>
-              <a:rPr lang="en-US" altLang="ko-KR" dirty="0" err="1"/>
-              <a:t>textBox.Text</a:t>
-            </a:r>
-            <a:r>
-              <a:rPr lang="en-US" altLang="ko-KR" dirty="0"/>
-              <a:t> += </a:t>
-            </a:r>
-            <a:r>
-              <a:rPr lang="en-US" altLang="ko-KR" dirty="0" err="1"/>
-              <a:t>s.getShape</a:t>
-            </a:r>
-            <a:r>
-              <a:rPr lang="en-US" altLang="ko-KR" dirty="0"/>
-              <a:t>();</a:t>
-            </a:r>
-          </a:p>
-          <a:p>
-            <a:r>
-              <a:rPr lang="en-US" altLang="ko-KR" dirty="0" err="1"/>
-              <a:t>textBox.Text</a:t>
-            </a:r>
-            <a:r>
-              <a:rPr lang="en-US" altLang="ko-KR" dirty="0"/>
-              <a:t> += </a:t>
-            </a:r>
-            <a:r>
-              <a:rPr lang="en-US" altLang="ko-KR" dirty="0" err="1"/>
-              <a:t>c.getShape</a:t>
-            </a:r>
-            <a:r>
-              <a:rPr lang="en-US" altLang="ko-KR" dirty="0"/>
-              <a:t>();</a:t>
-            </a:r>
-          </a:p>
-          <a:p>
-            <a:r>
-              <a:rPr lang="en-US" altLang="ko-KR" dirty="0" err="1"/>
-              <a:t>textBox.Text</a:t>
-            </a:r>
-            <a:r>
-              <a:rPr lang="en-US" altLang="ko-KR" dirty="0"/>
-              <a:t> += </a:t>
-            </a:r>
-            <a:r>
-              <a:rPr lang="en-US" altLang="ko-KR" dirty="0" err="1"/>
-              <a:t>t.getShape</a:t>
-            </a:r>
-            <a:r>
-              <a:rPr lang="en-US" altLang="ko-KR" dirty="0"/>
-              <a:t>();</a:t>
-            </a:r>
-          </a:p>
-          <a:p>
-            <a:r>
-              <a:rPr lang="ko-KR" altLang="en-US" dirty="0"/>
-              <a:t>이렇게 일일이 다 클래스가 추가될 </a:t>
-            </a:r>
-            <a:r>
-              <a:rPr lang="ko-KR" altLang="en-US" dirty="0" err="1"/>
-              <a:t>떄마다</a:t>
-            </a:r>
-            <a:r>
-              <a:rPr lang="ko-KR" altLang="en-US" dirty="0"/>
-              <a:t> 코드를 </a:t>
-            </a:r>
-            <a:r>
-              <a:rPr lang="ko-KR" altLang="en-US" dirty="0" err="1"/>
-              <a:t>수정해야함</a:t>
-            </a:r>
-            <a:r>
-              <a:rPr lang="en-US" altLang="ko-KR" dirty="0"/>
-              <a:t>. (</a:t>
-            </a:r>
-            <a:r>
-              <a:rPr lang="ko-KR" altLang="en-US" dirty="0"/>
-              <a:t>공통 처리 불가능 </a:t>
-            </a:r>
-            <a:r>
-              <a:rPr lang="en-US" altLang="ko-KR" dirty="0"/>
-              <a:t>– </a:t>
-            </a:r>
-            <a:r>
-              <a:rPr lang="ko-KR" altLang="en-US" dirty="0" err="1"/>
-              <a:t>반복문</a:t>
-            </a:r>
-            <a:r>
-              <a:rPr lang="en-US" altLang="ko-KR" dirty="0"/>
-              <a:t>,</a:t>
-            </a:r>
-            <a:r>
-              <a:rPr lang="ko-KR" altLang="en-US" dirty="0"/>
-              <a:t>배열</a:t>
-            </a:r>
-            <a:r>
-              <a:rPr lang="en-US" altLang="ko-KR" dirty="0"/>
-              <a:t> </a:t>
-            </a:r>
-            <a:r>
-              <a:rPr lang="ko-KR" altLang="en-US" dirty="0"/>
-              <a:t>등</a:t>
-            </a:r>
-            <a:r>
-              <a:rPr lang="en-US" altLang="ko-KR" dirty="0"/>
-              <a:t>) </a:t>
-            </a:r>
-            <a:r>
-              <a:rPr lang="ko-KR" altLang="en-US" dirty="0"/>
-              <a:t>유지보수 어려움</a:t>
-            </a:r>
-            <a:r>
-              <a:rPr lang="en-US" altLang="ko-KR" dirty="0"/>
-              <a:t>. </a:t>
-            </a:r>
-            <a:r>
-              <a:rPr lang="ko-KR" altLang="en-US" dirty="0"/>
-              <a:t>코드 재사용이 낮음</a:t>
-            </a:r>
-            <a:r>
-              <a:rPr lang="en-US" altLang="ko-KR" dirty="0"/>
-              <a:t>.</a:t>
-            </a:r>
-          </a:p>
-          <a:p>
-            <a:r>
-              <a:rPr lang="en-US" altLang="ko-KR" dirty="0"/>
-              <a:t>&lt;</a:t>
-            </a:r>
-            <a:r>
-              <a:rPr lang="ko-KR" altLang="en-US" dirty="0"/>
-              <a:t>결론</a:t>
-            </a:r>
-            <a:r>
-              <a:rPr lang="en-US" altLang="ko-KR" dirty="0"/>
-              <a:t>&gt;</a:t>
-            </a:r>
-          </a:p>
-          <a:p>
-            <a:r>
-              <a:rPr lang="ko-KR" altLang="en-US" dirty="0"/>
-              <a:t>**“다양한 객체를 </a:t>
-            </a:r>
-            <a:r>
-              <a:rPr lang="ko-KR" altLang="en-US" i="1" dirty="0"/>
-              <a:t>하나의 방식</a:t>
-            </a:r>
-            <a:r>
-              <a:rPr lang="ko-KR" altLang="en-US" dirty="0"/>
-              <a:t>으로 다루고 싶기 때문에”**입니다</a:t>
-            </a:r>
-            <a:r>
-              <a:rPr lang="en-US" altLang="ko-KR" dirty="0"/>
-              <a:t>.</a:t>
-            </a:r>
-            <a:br>
-              <a:rPr lang="en-US" altLang="ko-KR" dirty="0"/>
-            </a:br>
-            <a:r>
-              <a:rPr lang="en-US" altLang="ko-KR" dirty="0"/>
-              <a:t>→ </a:t>
-            </a:r>
-            <a:r>
-              <a:rPr lang="ko-KR" altLang="en-US" dirty="0"/>
-              <a:t>유지보수</a:t>
-            </a:r>
-            <a:r>
-              <a:rPr lang="en-US" altLang="ko-KR" dirty="0"/>
-              <a:t>, </a:t>
-            </a:r>
-            <a:r>
-              <a:rPr lang="ko-KR" altLang="en-US" dirty="0"/>
-              <a:t>확장성</a:t>
-            </a:r>
-            <a:r>
-              <a:rPr lang="en-US" altLang="ko-KR" dirty="0"/>
-              <a:t>, </a:t>
-            </a:r>
-            <a:r>
-              <a:rPr lang="ko-KR" altLang="en-US" dirty="0"/>
-              <a:t>유연한 설계 때문이에요</a:t>
-            </a:r>
-            <a:r>
-              <a:rPr lang="en-US" altLang="ko-KR" dirty="0"/>
-              <a:t>.</a:t>
-            </a:r>
-          </a:p>
-          <a:p>
-            <a:r>
-              <a:rPr lang="en-US" altLang="ko-KR" dirty="0"/>
-              <a:t>"</a:t>
-            </a:r>
-            <a:r>
-              <a:rPr lang="ko-KR" altLang="en-US" dirty="0"/>
-              <a:t>다형성은 객체 수가 많아질수록 빛을 발하는 설계 방식입니다</a:t>
-            </a:r>
-            <a:r>
-              <a:rPr lang="en-US" altLang="ko-KR" dirty="0"/>
-              <a:t>."</a:t>
-            </a:r>
-            <a:endParaRPr lang="ko-KR" altLang="en-US" dirty="0"/>
+            <a:r>
+              <a:rPr lang="ko-KR" altLang="en-US" dirty="0"/>
+              <a:t>부모 클래스의 메서드를 자식 클래스가 재정의 하는 것</a:t>
+            </a:r>
           </a:p>
         </p:txBody>
       </p:sp>
@@ -1224,7 +937,7 @@
     </p:spTree>
     <p:extLst>
       <p:ext uri="{BB962C8B-B14F-4D97-AF65-F5344CB8AC3E}">
-        <p14:creationId xmlns:p14="http://schemas.microsoft.com/office/powerpoint/2010/main" val="56128907"/>
+        <p14:creationId xmlns:p14="http://schemas.microsoft.com/office/powerpoint/2010/main" val="1697855351"/>
       </p:ext>
     </p:extLst>
   </p:cSld>
@@ -1278,6 +991,399 @@
           <a:bodyPr/>
           <a:lstStyle/>
           <a:p>
+            <a:pPr marL="0" marR="0" lvl="0" indent="0" algn="l" defTabSz="914400" rtl="0" eaLnBrk="1" fontAlgn="auto" latinLnBrk="1" hangingPunct="1">
+              <a:lnSpc>
+                <a:spcPct val="100000"/>
+              </a:lnSpc>
+              <a:spcBef>
+                <a:spcPts val="0"/>
+              </a:spcBef>
+              <a:spcAft>
+                <a:spcPts val="0"/>
+              </a:spcAft>
+              <a:buClrTx/>
+              <a:buSzTx/>
+              <a:buFontTx/>
+              <a:buNone/>
+              <a:tabLst/>
+              <a:defRPr/>
+            </a:pPr>
+            <a:r>
+              <a:rPr lang="ko-KR" altLang="en-US" b="1" dirty="0"/>
+              <a:t>“굳이 </a:t>
+            </a:r>
+            <a:r>
+              <a:rPr lang="en-US" altLang="ko-KR" b="1" dirty="0"/>
+              <a:t>virtual, override, </a:t>
+            </a:r>
+            <a:r>
+              <a:rPr lang="ko-KR" altLang="en-US" b="1" dirty="0"/>
+              <a:t>업캐스팅</a:t>
+            </a:r>
+            <a:r>
+              <a:rPr lang="en-US" altLang="ko-KR" b="1" dirty="0"/>
+              <a:t>, </a:t>
+            </a:r>
+            <a:r>
+              <a:rPr lang="ko-KR" altLang="en-US" b="1" dirty="0"/>
+              <a:t>다형성까지 써가면서 왜 이렇게 복잡하게 코딩해요</a:t>
+            </a:r>
+            <a:r>
+              <a:rPr lang="en-US" altLang="ko-KR" b="1" dirty="0"/>
+              <a:t>?”</a:t>
+            </a:r>
+            <a:r>
+              <a:rPr lang="ko-KR" altLang="en-US" dirty="0"/>
+              <a:t/>
+            </a:r>
+            <a:br>
+              <a:rPr lang="ko-KR" altLang="en-US" dirty="0"/>
+            </a:br>
+            <a:r>
+              <a:rPr lang="ko-KR" altLang="en-US" dirty="0"/>
+              <a:t>그냥 </a:t>
+            </a:r>
+            <a:r>
+              <a:rPr lang="en-US" altLang="ko-KR" dirty="0"/>
+              <a:t>Square </a:t>
+            </a:r>
+            <a:r>
+              <a:rPr lang="en-US" altLang="ko-KR" dirty="0" err="1"/>
+              <a:t>square</a:t>
+            </a:r>
+            <a:r>
+              <a:rPr lang="en-US" altLang="ko-KR" dirty="0"/>
+              <a:t> = new Square(); </a:t>
+            </a:r>
+            <a:r>
+              <a:rPr lang="ko-KR" altLang="en-US" dirty="0"/>
+              <a:t>하고 </a:t>
+            </a:r>
+            <a:r>
+              <a:rPr lang="en-US" altLang="ko-KR" dirty="0" err="1"/>
+              <a:t>square.getShape</a:t>
+            </a:r>
+            <a:r>
+              <a:rPr lang="en-US" altLang="ko-KR" dirty="0"/>
+              <a:t>() </a:t>
+            </a:r>
+            <a:r>
+              <a:rPr lang="ko-KR" altLang="en-US" dirty="0"/>
+              <a:t>호출하면 되는 거 아닌가요</a:t>
+            </a:r>
+            <a:r>
+              <a:rPr lang="en-US" altLang="ko-KR" dirty="0"/>
+              <a:t>?</a:t>
+            </a:r>
+          </a:p>
+          <a:p>
+            <a:endParaRPr lang="en-US" altLang="ko-KR" dirty="0"/>
+          </a:p>
+          <a:p>
+            <a:r>
+              <a:rPr lang="en-US" altLang="ko-KR" dirty="0"/>
+              <a:t>Square s = new Square();</a:t>
+            </a:r>
+          </a:p>
+          <a:p>
+            <a:r>
+              <a:rPr lang="en-US" altLang="ko-KR" dirty="0"/>
+              <a:t>Circle c = new Circle();</a:t>
+            </a:r>
+          </a:p>
+          <a:p>
+            <a:r>
+              <a:rPr lang="en-US" altLang="ko-KR" dirty="0"/>
+              <a:t>Triangle t = new Triangle();</a:t>
+            </a:r>
+          </a:p>
+          <a:p>
+            <a:endParaRPr lang="en-US" altLang="ko-KR" dirty="0"/>
+          </a:p>
+          <a:p>
+            <a:r>
+              <a:rPr lang="en-US" altLang="ko-KR" dirty="0" err="1"/>
+              <a:t>textBox.Text</a:t>
+            </a:r>
+            <a:r>
+              <a:rPr lang="en-US" altLang="ko-KR" dirty="0"/>
+              <a:t> += </a:t>
+            </a:r>
+            <a:r>
+              <a:rPr lang="en-US" altLang="ko-KR" dirty="0" err="1"/>
+              <a:t>s.getShape</a:t>
+            </a:r>
+            <a:r>
+              <a:rPr lang="en-US" altLang="ko-KR" dirty="0"/>
+              <a:t>();</a:t>
+            </a:r>
+          </a:p>
+          <a:p>
+            <a:r>
+              <a:rPr lang="en-US" altLang="ko-KR" dirty="0" err="1"/>
+              <a:t>textBox.Text</a:t>
+            </a:r>
+            <a:r>
+              <a:rPr lang="en-US" altLang="ko-KR" dirty="0"/>
+              <a:t> += </a:t>
+            </a:r>
+            <a:r>
+              <a:rPr lang="en-US" altLang="ko-KR" dirty="0" err="1"/>
+              <a:t>c.getShape</a:t>
+            </a:r>
+            <a:r>
+              <a:rPr lang="en-US" altLang="ko-KR" dirty="0"/>
+              <a:t>();</a:t>
+            </a:r>
+          </a:p>
+          <a:p>
+            <a:r>
+              <a:rPr lang="en-US" altLang="ko-KR" dirty="0" err="1"/>
+              <a:t>textBox.Text</a:t>
+            </a:r>
+            <a:r>
+              <a:rPr lang="en-US" altLang="ko-KR" dirty="0"/>
+              <a:t> += </a:t>
+            </a:r>
+            <a:r>
+              <a:rPr lang="en-US" altLang="ko-KR" dirty="0" err="1"/>
+              <a:t>t.getShape</a:t>
+            </a:r>
+            <a:r>
+              <a:rPr lang="en-US" altLang="ko-KR" dirty="0"/>
+              <a:t>();</a:t>
+            </a:r>
+          </a:p>
+          <a:p>
+            <a:r>
+              <a:rPr lang="ko-KR" altLang="en-US" dirty="0"/>
+              <a:t>이렇게 일일이 다 클래스가 추가될 </a:t>
+            </a:r>
+            <a:r>
+              <a:rPr lang="ko-KR" altLang="en-US" dirty="0" err="1"/>
+              <a:t>떄마다</a:t>
+            </a:r>
+            <a:r>
+              <a:rPr lang="ko-KR" altLang="en-US" dirty="0"/>
+              <a:t> 코드를 </a:t>
+            </a:r>
+            <a:r>
+              <a:rPr lang="ko-KR" altLang="en-US" dirty="0" err="1"/>
+              <a:t>수정해야함</a:t>
+            </a:r>
+            <a:r>
+              <a:rPr lang="en-US" altLang="ko-KR" dirty="0"/>
+              <a:t>. (</a:t>
+            </a:r>
+            <a:r>
+              <a:rPr lang="ko-KR" altLang="en-US" dirty="0"/>
+              <a:t>공통 처리 불가능 </a:t>
+            </a:r>
+            <a:r>
+              <a:rPr lang="en-US" altLang="ko-KR" dirty="0"/>
+              <a:t>– </a:t>
+            </a:r>
+            <a:r>
+              <a:rPr lang="ko-KR" altLang="en-US" dirty="0" err="1"/>
+              <a:t>반복문</a:t>
+            </a:r>
+            <a:r>
+              <a:rPr lang="en-US" altLang="ko-KR" dirty="0"/>
+              <a:t>,</a:t>
+            </a:r>
+            <a:r>
+              <a:rPr lang="ko-KR" altLang="en-US" dirty="0"/>
+              <a:t>배열</a:t>
+            </a:r>
+            <a:r>
+              <a:rPr lang="en-US" altLang="ko-KR" dirty="0"/>
+              <a:t> </a:t>
+            </a:r>
+            <a:r>
+              <a:rPr lang="ko-KR" altLang="en-US" dirty="0"/>
+              <a:t>등</a:t>
+            </a:r>
+            <a:r>
+              <a:rPr lang="en-US" altLang="ko-KR" dirty="0"/>
+              <a:t>) </a:t>
+            </a:r>
+            <a:r>
+              <a:rPr lang="ko-KR" altLang="en-US" dirty="0"/>
+              <a:t>유지보수 어려움</a:t>
+            </a:r>
+            <a:r>
+              <a:rPr lang="en-US" altLang="ko-KR" dirty="0"/>
+              <a:t>. </a:t>
+            </a:r>
+            <a:r>
+              <a:rPr lang="ko-KR" altLang="en-US" dirty="0"/>
+              <a:t>코드 재사용이 낮음</a:t>
+            </a:r>
+            <a:r>
+              <a:rPr lang="en-US" altLang="ko-KR" dirty="0"/>
+              <a:t>.</a:t>
+            </a:r>
+          </a:p>
+          <a:p>
+            <a:r>
+              <a:rPr lang="en-US" altLang="ko-KR" dirty="0"/>
+              <a:t>&lt;</a:t>
+            </a:r>
+            <a:r>
+              <a:rPr lang="ko-KR" altLang="en-US" dirty="0"/>
+              <a:t>결론</a:t>
+            </a:r>
+            <a:r>
+              <a:rPr lang="en-US" altLang="ko-KR" dirty="0"/>
+              <a:t>&gt;</a:t>
+            </a:r>
+          </a:p>
+          <a:p>
+            <a:r>
+              <a:rPr lang="ko-KR" altLang="en-US" dirty="0"/>
+              <a:t>**“다양한 객체를 </a:t>
+            </a:r>
+            <a:r>
+              <a:rPr lang="ko-KR" altLang="en-US" i="1" dirty="0"/>
+              <a:t>하나의 방식</a:t>
+            </a:r>
+            <a:r>
+              <a:rPr lang="ko-KR" altLang="en-US" dirty="0"/>
+              <a:t>으로 다루고 싶기 때문에”**입니다</a:t>
+            </a:r>
+            <a:r>
+              <a:rPr lang="en-US" altLang="ko-KR" dirty="0"/>
+              <a:t>.</a:t>
+            </a:r>
+            <a:br>
+              <a:rPr lang="en-US" altLang="ko-KR" dirty="0"/>
+            </a:br>
+            <a:r>
+              <a:rPr lang="en-US" altLang="ko-KR" dirty="0"/>
+              <a:t>→ </a:t>
+            </a:r>
+            <a:r>
+              <a:rPr lang="ko-KR" altLang="en-US" dirty="0"/>
+              <a:t>유지보수</a:t>
+            </a:r>
+            <a:r>
+              <a:rPr lang="en-US" altLang="ko-KR" dirty="0"/>
+              <a:t>, </a:t>
+            </a:r>
+            <a:r>
+              <a:rPr lang="ko-KR" altLang="en-US" dirty="0"/>
+              <a:t>확장성</a:t>
+            </a:r>
+            <a:r>
+              <a:rPr lang="en-US" altLang="ko-KR" dirty="0"/>
+              <a:t>, </a:t>
+            </a:r>
+            <a:r>
+              <a:rPr lang="ko-KR" altLang="en-US" dirty="0"/>
+              <a:t>유연한 설계 때문이에요</a:t>
+            </a:r>
+            <a:r>
+              <a:rPr lang="en-US" altLang="ko-KR" dirty="0"/>
+              <a:t>.</a:t>
+            </a:r>
+          </a:p>
+          <a:p>
+            <a:r>
+              <a:rPr lang="en-US" altLang="ko-KR" dirty="0"/>
+              <a:t>"</a:t>
+            </a:r>
+            <a:r>
+              <a:rPr lang="ko-KR" altLang="en-US" dirty="0"/>
+              <a:t>다형성은 객체 수가 많아질수록 빛을 발하는 설계 방식입니다</a:t>
+            </a:r>
+            <a:r>
+              <a:rPr lang="en-US" altLang="ko-KR" dirty="0"/>
+              <a:t>."</a:t>
+            </a:r>
+            <a:endParaRPr lang="ko-KR" altLang="en-US" dirty="0"/>
+          </a:p>
+        </p:txBody>
+      </p:sp>
+      <p:sp>
+        <p:nvSpPr>
+          <p:cNvPr id="4" name="슬라이드 번호 개체 틀 3"/>
+          <p:cNvSpPr>
+            <a:spLocks noGrp="1"/>
+          </p:cNvSpPr>
+          <p:nvPr>
+            <p:ph type="sldNum" sz="quarter" idx="5"/>
+          </p:nvPr>
+        </p:nvSpPr>
+        <p:spPr/>
+        <p:txBody>
+          <a:bodyPr/>
+          <a:lstStyle/>
+          <a:p>
+            <a:fld id="{C09E5BFC-1559-42F1-8940-AB342D56BF02}" type="slidenum">
+              <a:rPr lang="ko-KR" altLang="en-US" smtClean="0"/>
+              <a:t>17</a:t>
+            </a:fld>
+            <a:endParaRPr lang="ko-KR" altLang="en-US"/>
+          </a:p>
+        </p:txBody>
+      </p:sp>
+    </p:spTree>
+    <p:extLst>
+      <p:ext uri="{BB962C8B-B14F-4D97-AF65-F5344CB8AC3E}">
+        <p14:creationId xmlns:p14="http://schemas.microsoft.com/office/powerpoint/2010/main" val="56128907"/>
+      </p:ext>
+    </p:extLst>
+  </p:cSld>
+  <p:clrMapOvr>
+    <a:masterClrMapping/>
+  </p:clrMapOvr>
+</p:notes>
+</file>
+
+<file path=ppt/notesSlides/notesSlide14.xml><?xml version="1.0" encoding="utf-8"?>
+<p:notes xmlns:a="http://schemas.openxmlformats.org/drawingml/2006/main" xmlns:r="http://schemas.openxmlformats.org/officeDocument/2006/relationships" xmlns:p="http://schemas.openxmlformats.org/presentationml/2006/main">
+  <p:cSld>
+    <p:spTree>
+      <p:nvGrpSpPr>
+        <p:cNvPr id="1" name=""/>
+        <p:cNvGrpSpPr/>
+        <p:nvPr/>
+      </p:nvGrpSpPr>
+      <p:grpSpPr>
+        <a:xfrm>
+          <a:off x="0" y="0"/>
+          <a:ext cx="0" cy="0"/>
+          <a:chOff x="0" y="0"/>
+          <a:chExt cx="0" cy="0"/>
+        </a:xfrm>
+      </p:grpSpPr>
+      <p:sp>
+        <p:nvSpPr>
+          <p:cNvPr id="2" name="슬라이드 이미지 개체 틀 1"/>
+          <p:cNvSpPr>
+            <a:spLocks noGrp="1" noRot="1" noChangeAspect="1"/>
+          </p:cNvSpPr>
+          <p:nvPr>
+            <p:ph type="sldImg"/>
+          </p:nvPr>
+        </p:nvSpPr>
+        <p:spPr/>
+      </p:sp>
+      <p:sp>
+        <p:nvSpPr>
+          <p:cNvPr id="3" name="슬라이드 노트 개체 틀 2"/>
+          <p:cNvSpPr>
+            <a:spLocks noGrp="1"/>
+          </p:cNvSpPr>
+          <p:nvPr>
+            <p:ph type="body" idx="1"/>
+          </p:nvPr>
+        </p:nvSpPr>
+        <p:spPr/>
+        <p:txBody>
+          <a:bodyPr/>
+          <a:lstStyle/>
+          <a:p>
             <a:pPr>
               <a:buNone/>
             </a:pPr>
@@ -1466,7 +1572,7 @@
           <a:p>
             <a:fld id="{C09E5BFC-1559-42F1-8940-AB342D56BF02}" type="slidenum">
               <a:rPr lang="ko-KR" altLang="en-US" smtClean="0"/>
-              <a:t>17</a:t>
+              <a:t>18</a:t>
             </a:fld>
             <a:endParaRPr lang="ko-KR" altLang="en-US"/>
           </a:p>
@@ -1485,7 +1591,7 @@
 </p:notes>
 </file>
 
-<file path=ppt/notesSlides/notesSlide14.xml><?xml version="1.0" encoding="utf-8"?>
+<file path=ppt/notesSlides/notesSlide15.xml><?xml version="1.0" encoding="utf-8"?>
 <p:notes xmlns:a="http://schemas.openxmlformats.org/drawingml/2006/main" xmlns:r="http://schemas.openxmlformats.org/officeDocument/2006/relationships" xmlns:p="http://schemas.openxmlformats.org/presentationml/2006/main">
   <p:cSld>
     <p:spTree>
@@ -1613,6 +1719,10 @@
               <a:rPr lang="ko-KR" altLang="en-US" dirty="0" err="1"/>
               <a:t>타입인데도</a:t>
             </a:r>
+            <a:r>
+              <a:rPr lang="ko-KR" altLang="en-US" dirty="0"/>
+              <a:t/>
+            </a:r>
             <a:br>
               <a:rPr lang="ko-KR" altLang="en-US" dirty="0"/>
             </a:br>
@@ -1669,7 +1779,7 @@
           <a:p>
             <a:fld id="{C09E5BFC-1559-42F1-8940-AB342D56BF02}" type="slidenum">
               <a:rPr lang="ko-KR" altLang="en-US" smtClean="0"/>
-              <a:t>18</a:t>
+              <a:t>19</a:t>
             </a:fld>
             <a:endParaRPr lang="ko-KR" altLang="en-US"/>
           </a:p>
@@ -1688,7 +1798,7 @@
 </p:notes>
 </file>
 
-<file path=ppt/notesSlides/notesSlide15.xml><?xml version="1.0" encoding="utf-8"?>
+<file path=ppt/notesSlides/notesSlide16.xml><?xml version="1.0" encoding="utf-8"?>
 <p:notes xmlns:a="http://schemas.openxmlformats.org/drawingml/2006/main" xmlns:r="http://schemas.openxmlformats.org/officeDocument/2006/relationships" xmlns:p="http://schemas.openxmlformats.org/presentationml/2006/main">
   <p:cSld>
     <p:spTree>
@@ -1830,7 +1940,7 @@
           <a:p>
             <a:fld id="{C09E5BFC-1559-42F1-8940-AB342D56BF02}" type="slidenum">
               <a:rPr lang="ko-KR" altLang="en-US" smtClean="0"/>
-              <a:t>19</a:t>
+              <a:t>20</a:t>
             </a:fld>
             <a:endParaRPr lang="ko-KR" altLang="en-US"/>
           </a:p>
@@ -1849,7 +1959,7 @@
 </p:notes>
 </file>
 
-<file path=ppt/notesSlides/notesSlide16.xml><?xml version="1.0" encoding="utf-8"?>
+<file path=ppt/notesSlides/notesSlide17.xml><?xml version="1.0" encoding="utf-8"?>
 <p:notes xmlns:a="http://schemas.openxmlformats.org/drawingml/2006/main" xmlns:r="http://schemas.openxmlformats.org/officeDocument/2006/relationships" xmlns:p="http://schemas.openxmlformats.org/presentationml/2006/main">
   <p:cSld>
     <p:spTree>
@@ -1941,7 +2051,7 @@
           <a:p>
             <a:fld id="{C09E5BFC-1559-42F1-8940-AB342D56BF02}" type="slidenum">
               <a:rPr lang="ko-KR" altLang="en-US" smtClean="0"/>
-              <a:t>20</a:t>
+              <a:t>21</a:t>
             </a:fld>
             <a:endParaRPr lang="ko-KR" altLang="en-US"/>
           </a:p>
@@ -1951,94 +2061,6 @@
     <p:extLst>
       <p:ext uri="{BB962C8B-B14F-4D97-AF65-F5344CB8AC3E}">
         <p14:creationId xmlns:p14="http://schemas.microsoft.com/office/powerpoint/2010/main" val="2657270186"/>
-      </p:ext>
-    </p:extLst>
-  </p:cSld>
-  <p:clrMapOvr>
-    <a:masterClrMapping/>
-  </p:clrMapOvr>
-</p:notes>
-</file>
-
-<file path=ppt/notesSlides/notesSlide17.xml><?xml version="1.0" encoding="utf-8"?>
-<p:notes xmlns:a="http://schemas.openxmlformats.org/drawingml/2006/main" xmlns:r="http://schemas.openxmlformats.org/officeDocument/2006/relationships" xmlns:p="http://schemas.openxmlformats.org/presentationml/2006/main">
-  <p:cSld>
-    <p:spTree>
-      <p:nvGrpSpPr>
-        <p:cNvPr id="1" name=""/>
-        <p:cNvGrpSpPr/>
-        <p:nvPr/>
-      </p:nvGrpSpPr>
-      <p:grpSpPr>
-        <a:xfrm>
-          <a:off x="0" y="0"/>
-          <a:ext cx="0" cy="0"/>
-          <a:chOff x="0" y="0"/>
-          <a:chExt cx="0" cy="0"/>
-        </a:xfrm>
-      </p:grpSpPr>
-      <p:sp>
-        <p:nvSpPr>
-          <p:cNvPr id="2" name="슬라이드 이미지 개체 틀 1"/>
-          <p:cNvSpPr>
-            <a:spLocks noGrp="1" noRot="1" noChangeAspect="1"/>
-          </p:cNvSpPr>
-          <p:nvPr>
-            <p:ph type="sldImg"/>
-          </p:nvPr>
-        </p:nvSpPr>
-        <p:spPr/>
-      </p:sp>
-      <p:sp>
-        <p:nvSpPr>
-          <p:cNvPr id="3" name="슬라이드 노트 개체 틀 2"/>
-          <p:cNvSpPr>
-            <a:spLocks noGrp="1"/>
-          </p:cNvSpPr>
-          <p:nvPr>
-            <p:ph type="body" idx="1"/>
-          </p:nvPr>
-        </p:nvSpPr>
-        <p:spPr/>
-        <p:txBody>
-          <a:bodyPr/>
-          <a:lstStyle/>
-          <a:p>
-            <a:r>
-              <a:rPr lang="en-US" altLang="ko-KR" dirty="0"/>
-              <a:t>https://www.nextree.co.kr/p6753/</a:t>
-            </a:r>
-            <a:endParaRPr lang="ko-KR" altLang="en-US" dirty="0"/>
-          </a:p>
-        </p:txBody>
-      </p:sp>
-      <p:sp>
-        <p:nvSpPr>
-          <p:cNvPr id="4" name="슬라이드 번호 개체 틀 3"/>
-          <p:cNvSpPr>
-            <a:spLocks noGrp="1"/>
-          </p:cNvSpPr>
-          <p:nvPr>
-            <p:ph type="sldNum" sz="quarter" idx="5"/>
-          </p:nvPr>
-        </p:nvSpPr>
-        <p:spPr/>
-        <p:txBody>
-          <a:bodyPr/>
-          <a:lstStyle/>
-          <a:p>
-            <a:fld id="{C09E5BFC-1559-42F1-8940-AB342D56BF02}" type="slidenum">
-              <a:rPr lang="ko-KR" altLang="en-US" smtClean="0"/>
-              <a:t>23</a:t>
-            </a:fld>
-            <a:endParaRPr lang="ko-KR" altLang="en-US"/>
-          </a:p>
-        </p:txBody>
-      </p:sp>
-    </p:spTree>
-    <p:extLst>
-      <p:ext uri="{BB962C8B-B14F-4D97-AF65-F5344CB8AC3E}">
-        <p14:creationId xmlns:p14="http://schemas.microsoft.com/office/powerpoint/2010/main" val="2733677811"/>
       </p:ext>
     </p:extLst>
   </p:cSld>
@@ -2092,6 +2114,10 @@
           <a:bodyPr/>
           <a:lstStyle/>
           <a:p>
+            <a:r>
+              <a:rPr lang="en-US" altLang="ko-KR" dirty="0"/>
+              <a:t>https://www.nextree.co.kr/p6753/</a:t>
+            </a:r>
             <a:endParaRPr lang="ko-KR" altLang="en-US" dirty="0"/>
           </a:p>
         </p:txBody>
@@ -2122,7 +2148,7 @@
     </p:spTree>
     <p:extLst>
       <p:ext uri="{BB962C8B-B14F-4D97-AF65-F5344CB8AC3E}">
-        <p14:creationId xmlns:p14="http://schemas.microsoft.com/office/powerpoint/2010/main" val="2492773080"/>
+        <p14:creationId xmlns:p14="http://schemas.microsoft.com/office/powerpoint/2010/main" val="2733677811"/>
       </p:ext>
     </p:extLst>
   </p:cSld>
@@ -2176,7 +2202,7 @@
           <a:bodyPr/>
           <a:lstStyle/>
           <a:p>
-            <a:endParaRPr lang="ko-KR" altLang="en-US"/>
+            <a:endParaRPr lang="ko-KR" altLang="en-US" dirty="0"/>
           </a:p>
         </p:txBody>
       </p:sp>
@@ -2206,7 +2232,7 @@
     </p:spTree>
     <p:extLst>
       <p:ext uri="{BB962C8B-B14F-4D97-AF65-F5344CB8AC3E}">
-        <p14:creationId xmlns:p14="http://schemas.microsoft.com/office/powerpoint/2010/main" val="853440721"/>
+        <p14:creationId xmlns:p14="http://schemas.microsoft.com/office/powerpoint/2010/main" val="2492773080"/>
       </p:ext>
     </p:extLst>
   </p:cSld>
@@ -2479,7 +2505,7 @@
           <a:bodyPr/>
           <a:lstStyle/>
           <a:p>
-            <a:endParaRPr lang="ko-KR" altLang="en-US" dirty="0"/>
+            <a:endParaRPr lang="ko-KR" altLang="en-US"/>
           </a:p>
         </p:txBody>
       </p:sp>
@@ -2509,7 +2535,7 @@
     </p:spTree>
     <p:extLst>
       <p:ext uri="{BB962C8B-B14F-4D97-AF65-F5344CB8AC3E}">
-        <p14:creationId xmlns:p14="http://schemas.microsoft.com/office/powerpoint/2010/main" val="4288613132"/>
+        <p14:creationId xmlns:p14="http://schemas.microsoft.com/office/powerpoint/2010/main" val="853440721"/>
       </p:ext>
     </p:extLst>
   </p:cSld>
@@ -2563,10 +2589,6 @@
           <a:bodyPr/>
           <a:lstStyle/>
           <a:p>
-            <a:r>
-              <a:rPr lang="en-US" altLang="ko-KR" dirty="0" err="1"/>
-              <a:t>ConsoleAppException</a:t>
-            </a:r>
             <a:endParaRPr lang="ko-KR" altLang="en-US" dirty="0"/>
           </a:p>
         </p:txBody>
@@ -2588,7 +2610,7 @@
           <a:p>
             <a:fld id="{C09E5BFC-1559-42F1-8940-AB342D56BF02}" type="slidenum">
               <a:rPr lang="ko-KR" altLang="en-US" smtClean="0"/>
-              <a:t>36</a:t>
+              <a:t>27</a:t>
             </a:fld>
             <a:endParaRPr lang="ko-KR" altLang="en-US"/>
           </a:p>
@@ -2597,7 +2619,7 @@
     </p:spTree>
     <p:extLst>
       <p:ext uri="{BB962C8B-B14F-4D97-AF65-F5344CB8AC3E}">
-        <p14:creationId xmlns:p14="http://schemas.microsoft.com/office/powerpoint/2010/main" val="1869088784"/>
+        <p14:creationId xmlns:p14="http://schemas.microsoft.com/office/powerpoint/2010/main" val="4288613132"/>
       </p:ext>
     </p:extLst>
   </p:cSld>
@@ -3603,25 +3625,46 @@
               <a:buChar char="•"/>
             </a:pPr>
             <a:r>
-              <a:rPr lang="ko-KR" altLang="en-US" dirty="0"/>
-              <a:t>공격할 거리</a:t>
-            </a:r>
-            <a:r>
-              <a:rPr lang="en-US" altLang="ko-KR" dirty="0"/>
-              <a:t>(range)</a:t>
-            </a:r>
-            <a:r>
-              <a:rPr lang="ko-KR" altLang="en-US" dirty="0"/>
-              <a:t>가 </a:t>
-            </a:r>
-            <a:r>
-              <a:rPr lang="ko-KR" altLang="en-US" b="1" dirty="0"/>
-              <a:t>검의 사거리보다 짧거나 같으면</a:t>
-            </a:r>
-            <a:r>
-              <a:rPr lang="ko-KR" altLang="en-US" dirty="0"/>
-              <a:t> 공격 성공</a:t>
-            </a:r>
+              <a:rPr lang="ko-KR" altLang="en-US" sz="1200" kern="1200" dirty="0" smtClean="0">
+                <a:solidFill>
+                  <a:schemeClr val="tx1"/>
+                </a:solidFill>
+                <a:latin typeface="+mn-lt"/>
+                <a:ea typeface="+mn-ea"/>
+                <a:cs typeface="+mn-cs"/>
+              </a:rPr>
+              <a:t>공격 사거리가 공격할 거리보다 같거나 길으면 </a:t>
+            </a:r>
+            <a:r>
+              <a:rPr lang="en-US" altLang="ko-KR" sz="1200" kern="1200" dirty="0" smtClean="0">
+                <a:solidFill>
+                  <a:schemeClr val="tx1"/>
+                </a:solidFill>
+                <a:latin typeface="+mn-lt"/>
+                <a:ea typeface="+mn-ea"/>
+                <a:cs typeface="+mn-cs"/>
+              </a:rPr>
+              <a:t>= </a:t>
+            </a:r>
+            <a:r>
+              <a:rPr lang="ko-KR" altLang="en-US" sz="1200" kern="1200" dirty="0" smtClean="0">
+                <a:solidFill>
+                  <a:schemeClr val="tx1"/>
+                </a:solidFill>
+                <a:latin typeface="+mn-lt"/>
+                <a:ea typeface="+mn-ea"/>
+                <a:cs typeface="+mn-cs"/>
+              </a:rPr>
+              <a:t>공격 성공</a:t>
+            </a:r>
+            <a:endParaRPr lang="en-US" altLang="ko-KR" sz="1200" kern="1200" dirty="0" smtClean="0">
+              <a:solidFill>
+                <a:schemeClr val="tx1"/>
+              </a:solidFill>
+              <a:latin typeface="+mn-lt"/>
+              <a:ea typeface="+mn-ea"/>
+              <a:cs typeface="+mn-cs"/>
+            </a:endParaRPr>
           </a:p>
           <a:p>
             <a:pPr>
@@ -3629,7 +3672,7 @@
               <a:buChar char="•"/>
             </a:pPr>
             <a:r>
-              <a:rPr lang="en-US" altLang="ko-KR" dirty="0"/>
+              <a:rPr lang="en-US" altLang="ko-KR" dirty="0" smtClean="0"/>
               <a:t>damage</a:t>
             </a:r>
             <a:r>
@@ -4221,13 +4264,7 @@
   <p:cSld>
     <p:spTree>
       <p:nvGrpSpPr>
-        <p:cNvPr id="1" name="">
-          <a:extLst>
-            <a:ext uri="{FF2B5EF4-FFF2-40B4-BE49-F238E27FC236}">
-              <a16:creationId xmlns:a16="http://schemas.microsoft.com/office/drawing/2014/main" id="{0ABF567A-5C74-7974-58D7-CD41ABAD0D7E}"/>
-            </a:ext>
-          </a:extLst>
-        </p:cNvPr>
+        <p:cNvPr id="1" name=""/>
         <p:cNvGrpSpPr/>
         <p:nvPr/>
       </p:nvGrpSpPr>
@@ -4241,13 +4278,7 @@
       </p:grpSpPr>
       <p:sp>
         <p:nvSpPr>
-          <p:cNvPr id="2" name="슬라이드 이미지 개체 틀 1">
-            <a:extLst>
-              <a:ext uri="{FF2B5EF4-FFF2-40B4-BE49-F238E27FC236}">
-                <a16:creationId xmlns:a16="http://schemas.microsoft.com/office/drawing/2014/main" id="{FE066A93-1634-12AE-3084-F470AE4813AA}"/>
-              </a:ext>
-            </a:extLst>
-          </p:cNvPr>
+          <p:cNvPr id="2" name="슬라이드 이미지 개체 틀 1"/>
           <p:cNvSpPr>
             <a:spLocks noGrp="1" noRot="1" noChangeAspect="1"/>
           </p:cNvSpPr>
@@ -4259,13 +4290,7 @@
       </p:sp>
       <p:sp>
         <p:nvSpPr>
-          <p:cNvPr id="3" name="슬라이드 노트 개체 틀 2">
-            <a:extLst>
-              <a:ext uri="{FF2B5EF4-FFF2-40B4-BE49-F238E27FC236}">
-                <a16:creationId xmlns:a16="http://schemas.microsoft.com/office/drawing/2014/main" id="{824B3A10-5773-AB73-97B7-2853B57F6462}"/>
-              </a:ext>
-            </a:extLst>
-          </p:cNvPr>
+          <p:cNvPr id="3" name="슬라이드 노트 개체 틀 2"/>
           <p:cNvSpPr>
             <a:spLocks noGrp="1"/>
           </p:cNvSpPr>
@@ -4278,22 +4303,13 @@
           <a:bodyPr/>
           <a:lstStyle/>
           <a:p>
-            <a:endParaRPr lang="en-US" altLang="ko-KR" dirty="0"/>
-          </a:p>
-          <a:p>
-            <a:endParaRPr lang="ko-KR" altLang="en-US" dirty="0"/>
-          </a:p>
-        </p:txBody>
-      </p:sp>
-      <p:sp>
-        <p:nvSpPr>
-          <p:cNvPr id="4" name="슬라이드 번호 개체 틀 3">
-            <a:extLst>
-              <a:ext uri="{FF2B5EF4-FFF2-40B4-BE49-F238E27FC236}">
-                <a16:creationId xmlns:a16="http://schemas.microsoft.com/office/drawing/2014/main" id="{BF80333C-47F5-FE1D-4A8E-E601E243530F}"/>
-              </a:ext>
-            </a:extLst>
-          </p:cNvPr>
+            <a:endParaRPr lang="ko-KR" altLang="en-US"/>
+          </a:p>
+        </p:txBody>
+      </p:sp>
+      <p:sp>
+        <p:nvSpPr>
+          <p:cNvPr id="4" name="슬라이드 번호 개체 틀 3"/>
           <p:cNvSpPr>
             <a:spLocks noGrp="1"/>
           </p:cNvSpPr>
@@ -4317,7 +4333,7 @@
     </p:spTree>
     <p:extLst>
       <p:ext uri="{BB962C8B-B14F-4D97-AF65-F5344CB8AC3E}">
-        <p14:creationId xmlns:p14="http://schemas.microsoft.com/office/powerpoint/2010/main" val="555663182"/>
+        <p14:creationId xmlns:p14="http://schemas.microsoft.com/office/powerpoint/2010/main" val="2674982357"/>
       </p:ext>
     </p:extLst>
   </p:cSld>
@@ -8259,7 +8275,7 @@
           <a:p>
             <a:fld id="{0F78D9C4-20C1-4B15-A116-16DC77AD9A1E}" type="datetime1">
               <a:rPr lang="ko-KR" altLang="en-US" smtClean="0"/>
-              <a:t>2025-05-11</a:t>
+              <a:t>2025-05-12</a:t>
             </a:fld>
             <a:endParaRPr lang="ko-KR" altLang="en-US"/>
           </a:p>
@@ -8537,6 +8553,522 @@
   <p:cSld>
     <p:spTree>
       <p:nvGrpSpPr>
+        <p:cNvPr id="1" name=""/>
+        <p:cNvGrpSpPr/>
+        <p:nvPr/>
+      </p:nvGrpSpPr>
+      <p:grpSpPr>
+        <a:xfrm>
+          <a:off x="0" y="0"/>
+          <a:ext cx="0" cy="0"/>
+          <a:chOff x="0" y="0"/>
+          <a:chExt cx="0" cy="0"/>
+        </a:xfrm>
+      </p:grpSpPr>
+      <p:sp>
+        <p:nvSpPr>
+          <p:cNvPr id="2" name="제목 1">
+            <a:extLst>
+              <a:ext uri="{FF2B5EF4-FFF2-40B4-BE49-F238E27FC236}">
+                <a16:creationId xmlns:a16="http://schemas.microsoft.com/office/drawing/2014/main" id="{4CAA4559-683D-9F54-DD00-1B954E46517D}"/>
+              </a:ext>
+            </a:extLst>
+          </p:cNvPr>
+          <p:cNvSpPr>
+            <a:spLocks noGrp="1"/>
+          </p:cNvSpPr>
+          <p:nvPr>
+            <p:ph type="title"/>
+          </p:nvPr>
+        </p:nvSpPr>
+        <p:spPr/>
+        <p:txBody>
+          <a:bodyPr/>
+          <a:lstStyle/>
+          <a:p>
+            <a:r>
+              <a:rPr lang="ko-KR" altLang="en-US" dirty="0" smtClean="0">
+                <a:solidFill>
+                  <a:srgbClr val="00B050"/>
+                </a:solidFill>
+              </a:rPr>
+              <a:t>실습</a:t>
+            </a:r>
+            <a:r>
+              <a:rPr lang="en-US" altLang="ko-KR" dirty="0">
+                <a:solidFill>
+                  <a:srgbClr val="00B050"/>
+                </a:solidFill>
+              </a:rPr>
+              <a:t>. </a:t>
+            </a:r>
+            <a:r>
+              <a:rPr lang="ko-KR" altLang="en-US" dirty="0" smtClean="0">
+                <a:solidFill>
+                  <a:srgbClr val="00B050"/>
+                </a:solidFill>
+              </a:rPr>
+              <a:t>클래스 </a:t>
+            </a:r>
+            <a:r>
+              <a:rPr lang="ko-KR" altLang="en-US" dirty="0" err="1" smtClean="0">
+                <a:solidFill>
+                  <a:srgbClr val="00B050"/>
+                </a:solidFill>
+              </a:rPr>
+              <a:t>업캐스팅</a:t>
+            </a:r>
+            <a:endParaRPr lang="ko-KR" altLang="en-US" dirty="0">
+              <a:solidFill>
+                <a:srgbClr val="00B050"/>
+              </a:solidFill>
+            </a:endParaRPr>
+          </a:p>
+        </p:txBody>
+      </p:sp>
+      <p:sp>
+        <p:nvSpPr>
+          <p:cNvPr id="3" name="내용 개체 틀 2">
+            <a:extLst>
+              <a:ext uri="{FF2B5EF4-FFF2-40B4-BE49-F238E27FC236}">
+                <a16:creationId xmlns:a16="http://schemas.microsoft.com/office/drawing/2014/main" id="{A2A5F513-5ADC-7277-FFD6-5A12CF8053F1}"/>
+              </a:ext>
+            </a:extLst>
+          </p:cNvPr>
+          <p:cNvSpPr>
+            <a:spLocks noGrp="1"/>
+          </p:cNvSpPr>
+          <p:nvPr>
+            <p:ph idx="1"/>
+          </p:nvPr>
+        </p:nvSpPr>
+        <p:spPr>
+          <a:xfrm>
+            <a:off x="838200" y="1690687"/>
+            <a:ext cx="10515600" cy="4293017"/>
+          </a:xfrm>
+        </p:spPr>
+        <p:txBody>
+          <a:bodyPr>
+            <a:normAutofit/>
+          </a:bodyPr>
+          <a:lstStyle/>
+          <a:p>
+            <a:pPr>
+              <a:lnSpc>
+                <a:spcPct val="100000"/>
+              </a:lnSpc>
+            </a:pPr>
+            <a:r>
+              <a:rPr lang="en-US" altLang="ko-KR" sz="2400" dirty="0" smtClean="0"/>
+              <a:t>Animal </a:t>
+            </a:r>
+            <a:r>
+              <a:rPr lang="ko-KR" altLang="en-US" sz="2400" dirty="0" smtClean="0"/>
+              <a:t>클래스</a:t>
+            </a:r>
+            <a:r>
+              <a:rPr lang="en-US" altLang="ko-KR" sz="2400" dirty="0" smtClean="0"/>
+              <a:t>(</a:t>
+            </a:r>
+            <a:r>
+              <a:rPr lang="ko-KR" altLang="en-US" sz="2400" dirty="0" smtClean="0"/>
+              <a:t>부모</a:t>
+            </a:r>
+            <a:r>
+              <a:rPr lang="en-US" altLang="ko-KR" sz="2400" dirty="0" smtClean="0"/>
+              <a:t>)</a:t>
+            </a:r>
+          </a:p>
+          <a:p>
+            <a:pPr>
+              <a:lnSpc>
+                <a:spcPct val="100000"/>
+              </a:lnSpc>
+            </a:pPr>
+            <a:r>
+              <a:rPr lang="en-US" altLang="ko-KR" sz="2400" dirty="0" smtClean="0"/>
+              <a:t>Dog, Cat, Bird </a:t>
+            </a:r>
+            <a:r>
+              <a:rPr lang="ko-KR" altLang="en-US" sz="2400" dirty="0" smtClean="0"/>
+              <a:t>클래스</a:t>
+            </a:r>
+            <a:r>
+              <a:rPr lang="en-US" altLang="ko-KR" sz="2400" dirty="0" smtClean="0"/>
+              <a:t>(</a:t>
+            </a:r>
+            <a:r>
+              <a:rPr lang="ko-KR" altLang="en-US" sz="2400" dirty="0" smtClean="0"/>
+              <a:t>자식</a:t>
+            </a:r>
+            <a:r>
+              <a:rPr lang="en-US" altLang="ko-KR" sz="2400" dirty="0" smtClean="0"/>
+              <a:t>) : </a:t>
+            </a:r>
+            <a:r>
+              <a:rPr lang="ko-KR" altLang="en-US" sz="2400" dirty="0" smtClean="0"/>
+              <a:t>모두 </a:t>
+            </a:r>
+            <a:r>
+              <a:rPr lang="en-US" altLang="ko-KR" sz="2400" dirty="0" smtClean="0"/>
+              <a:t>Animal</a:t>
+            </a:r>
+            <a:r>
+              <a:rPr lang="ko-KR" altLang="en-US" sz="2400" dirty="0" smtClean="0"/>
+              <a:t>을</a:t>
+            </a:r>
+            <a:r>
+              <a:rPr lang="en-US" altLang="ko-KR" sz="2400" dirty="0" smtClean="0"/>
+              <a:t> </a:t>
+            </a:r>
+            <a:r>
+              <a:rPr lang="ko-KR" altLang="en-US" sz="2400" dirty="0" smtClean="0"/>
+              <a:t>상속</a:t>
+            </a:r>
+            <a:endParaRPr lang="en-US" altLang="ko-KR" sz="2400" dirty="0" smtClean="0"/>
+          </a:p>
+          <a:p>
+            <a:pPr>
+              <a:lnSpc>
+                <a:spcPct val="100000"/>
+              </a:lnSpc>
+            </a:pPr>
+            <a:r>
+              <a:rPr lang="en-US" altLang="ko-KR" sz="2400" dirty="0" smtClean="0"/>
+              <a:t>Animal </a:t>
+            </a:r>
+            <a:r>
+              <a:rPr lang="ko-KR" altLang="en-US" sz="2400" dirty="0" smtClean="0"/>
+              <a:t>클래스에 이름</a:t>
+            </a:r>
+            <a:r>
+              <a:rPr lang="en-US" altLang="ko-KR" sz="2400" dirty="0" smtClean="0"/>
+              <a:t>(Name)</a:t>
+            </a:r>
+            <a:r>
+              <a:rPr lang="ko-KR" altLang="en-US" sz="2400" dirty="0" smtClean="0"/>
+              <a:t>과 </a:t>
+            </a:r>
+            <a:r>
+              <a:rPr lang="en-US" altLang="ko-KR" sz="2400" dirty="0" smtClean="0"/>
+              <a:t>Speak() </a:t>
+            </a:r>
+            <a:r>
+              <a:rPr lang="ko-KR" altLang="en-US" sz="2400" dirty="0" smtClean="0"/>
+              <a:t>메서드 선언</a:t>
+            </a:r>
+            <a:r>
+              <a:rPr lang="en-US" altLang="ko-KR" sz="2400" dirty="0" smtClean="0"/>
+              <a:t>.</a:t>
+            </a:r>
+          </a:p>
+          <a:p>
+            <a:pPr lvl="1">
+              <a:lnSpc>
+                <a:spcPct val="100000"/>
+              </a:lnSpc>
+            </a:pPr>
+            <a:r>
+              <a:rPr lang="en-US" altLang="ko-KR" sz="2000" dirty="0" smtClean="0"/>
+              <a:t>Ex) (OO): </a:t>
+            </a:r>
+            <a:r>
+              <a:rPr lang="ko-KR" altLang="en-US" sz="2000" dirty="0" smtClean="0"/>
+              <a:t>동물이 소리를 냅니다</a:t>
+            </a:r>
+            <a:r>
+              <a:rPr lang="en-US" altLang="ko-KR" sz="2000" dirty="0" smtClean="0"/>
+              <a:t>.</a:t>
+            </a:r>
+          </a:p>
+          <a:p>
+            <a:pPr>
+              <a:lnSpc>
+                <a:spcPct val="100000"/>
+              </a:lnSpc>
+            </a:pPr>
+            <a:r>
+              <a:rPr lang="ko-KR" altLang="en-US" sz="2400" dirty="0" smtClean="0"/>
+              <a:t>각 자식 클래스는 </a:t>
+            </a:r>
+            <a:r>
+              <a:rPr lang="en-US" altLang="ko-KR" sz="2400" dirty="0" smtClean="0"/>
+              <a:t>Name </a:t>
+            </a:r>
+            <a:r>
+              <a:rPr lang="ko-KR" altLang="en-US" sz="2400" dirty="0" smtClean="0"/>
+              <a:t>속성을 설정하고</a:t>
+            </a:r>
+            <a:r>
+              <a:rPr lang="en-US" altLang="ko-KR" sz="2400" dirty="0" smtClean="0"/>
+              <a:t>, </a:t>
+            </a:r>
+            <a:r>
+              <a:rPr lang="ko-KR" altLang="en-US" sz="2400" b="1" dirty="0" smtClean="0">
+                <a:solidFill>
+                  <a:srgbClr val="00B050"/>
+                </a:solidFill>
+              </a:rPr>
+              <a:t>자식 고유의 메서드</a:t>
+            </a:r>
+            <a:r>
+              <a:rPr lang="ko-KR" altLang="en-US" sz="2400" dirty="0" smtClean="0"/>
+              <a:t>를 각각 하나씩 추가</a:t>
+            </a:r>
+            <a:r>
+              <a:rPr lang="en-US" altLang="ko-KR" sz="2400" dirty="0" smtClean="0"/>
+              <a:t>.</a:t>
+            </a:r>
+          </a:p>
+          <a:p>
+            <a:pPr>
+              <a:lnSpc>
+                <a:spcPct val="100000"/>
+              </a:lnSpc>
+            </a:pPr>
+            <a:r>
+              <a:rPr lang="en-US" altLang="ko-KR" sz="2400" dirty="0" smtClean="0"/>
+              <a:t>Main</a:t>
+            </a:r>
+            <a:r>
+              <a:rPr lang="ko-KR" altLang="en-US" sz="2400" dirty="0" smtClean="0"/>
+              <a:t>에서 자식 객체를 생성한 후</a:t>
+            </a:r>
+            <a:r>
+              <a:rPr lang="en-US" altLang="ko-KR" sz="2400" dirty="0" smtClean="0"/>
+              <a:t>, </a:t>
+            </a:r>
+            <a:r>
+              <a:rPr lang="ko-KR" altLang="en-US" sz="2400" dirty="0" smtClean="0"/>
+              <a:t>업캐스팅하여 </a:t>
+            </a:r>
+            <a:r>
+              <a:rPr lang="en-US" altLang="ko-KR" sz="2400" dirty="0" smtClean="0"/>
+              <a:t>Animal </a:t>
+            </a:r>
+            <a:r>
+              <a:rPr lang="ko-KR" altLang="en-US" sz="2400" dirty="0" smtClean="0"/>
+              <a:t>타입 변수로 참조</a:t>
+            </a:r>
+            <a:r>
+              <a:rPr lang="en-US" altLang="ko-KR" sz="2400" dirty="0" smtClean="0"/>
+              <a:t>.</a:t>
+            </a:r>
+          </a:p>
+          <a:p>
+            <a:pPr>
+              <a:lnSpc>
+                <a:spcPct val="100000"/>
+              </a:lnSpc>
+            </a:pPr>
+            <a:r>
+              <a:rPr lang="ko-KR" altLang="en-US" sz="2400" dirty="0" err="1" smtClean="0"/>
+              <a:t>업캐스팅된</a:t>
+            </a:r>
+            <a:r>
+              <a:rPr lang="ko-KR" altLang="en-US" sz="2400" dirty="0" smtClean="0"/>
+              <a:t> 객체로 호출 가능한 메서드를 확인할 것</a:t>
+            </a:r>
+            <a:r>
+              <a:rPr lang="en-US" altLang="ko-KR" sz="2400" dirty="0" smtClean="0"/>
+              <a:t>! (</a:t>
+            </a:r>
+            <a:r>
+              <a:rPr lang="ko-KR" altLang="en-US" sz="2400" dirty="0" smtClean="0"/>
+              <a:t>주석으로 표시</a:t>
+            </a:r>
+            <a:r>
+              <a:rPr lang="en-US" altLang="ko-KR" sz="2400" dirty="0" smtClean="0"/>
+              <a:t>)</a:t>
+            </a:r>
+          </a:p>
+          <a:p>
+            <a:pPr>
+              <a:lnSpc>
+                <a:spcPct val="100000"/>
+              </a:lnSpc>
+            </a:pPr>
+            <a:r>
+              <a:rPr lang="ko-KR" altLang="en-US" sz="2400" dirty="0" smtClean="0"/>
+              <a:t>호출 불가능한 메서드는 다운캐스팅하여 호출 할 것</a:t>
+            </a:r>
+            <a:r>
+              <a:rPr lang="en-US" altLang="ko-KR" sz="2400" dirty="0" smtClean="0"/>
+              <a:t>! (</a:t>
+            </a:r>
+            <a:r>
+              <a:rPr lang="ko-KR" altLang="en-US" sz="2400" dirty="0" smtClean="0"/>
+              <a:t>주석으로 표시</a:t>
+            </a:r>
+            <a:r>
+              <a:rPr lang="en-US" altLang="ko-KR" sz="2400" dirty="0" smtClean="0"/>
+              <a:t>)</a:t>
+            </a:r>
+            <a:endParaRPr lang="en-US" altLang="ko-KR" sz="2000" dirty="0" smtClean="0"/>
+          </a:p>
+          <a:p>
+            <a:pPr>
+              <a:lnSpc>
+                <a:spcPct val="100000"/>
+              </a:lnSpc>
+            </a:pPr>
+            <a:r>
+              <a:rPr lang="en-US" altLang="ko-KR" sz="2400" b="1" dirty="0" smtClean="0">
+                <a:solidFill>
+                  <a:srgbClr val="7030A0"/>
+                </a:solidFill>
+              </a:rPr>
+              <a:t>GitHub </a:t>
+            </a:r>
+            <a:r>
+              <a:rPr lang="en-US" altLang="ko-KR" sz="2400" b="1" dirty="0">
+                <a:solidFill>
+                  <a:srgbClr val="7030A0"/>
+                </a:solidFill>
+              </a:rPr>
+              <a:t>Repo.</a:t>
+            </a:r>
+            <a:r>
+              <a:rPr lang="ko-KR" altLang="en-US" sz="2400" b="1" dirty="0">
+                <a:solidFill>
+                  <a:srgbClr val="7030A0"/>
+                </a:solidFill>
+              </a:rPr>
+              <a:t> </a:t>
+            </a:r>
+            <a:r>
+              <a:rPr lang="en-US" altLang="ko-KR" sz="2400" b="1" dirty="0" smtClean="0">
+                <a:solidFill>
+                  <a:srgbClr val="7030A0"/>
+                </a:solidFill>
+              </a:rPr>
+              <a:t>URL</a:t>
+            </a:r>
+            <a:r>
+              <a:rPr lang="ko-KR" altLang="en-US" sz="2400" dirty="0" smtClean="0"/>
+              <a:t>과 </a:t>
+            </a:r>
+            <a:r>
+              <a:rPr lang="ko-KR" altLang="en-US" sz="2400" b="1" dirty="0" smtClean="0">
+                <a:solidFill>
+                  <a:srgbClr val="7030A0"/>
+                </a:solidFill>
+              </a:rPr>
+              <a:t>콘솔 </a:t>
+            </a:r>
+            <a:r>
+              <a:rPr lang="ko-KR" altLang="en-US" sz="2400" b="1" dirty="0" err="1" smtClean="0">
+                <a:solidFill>
+                  <a:srgbClr val="7030A0"/>
+                </a:solidFill>
+              </a:rPr>
+              <a:t>결과창</a:t>
+            </a:r>
+            <a:r>
+              <a:rPr lang="ko-KR" altLang="en-US" sz="2400" dirty="0" err="1" smtClean="0"/>
+              <a:t>을</a:t>
+            </a:r>
+            <a:r>
+              <a:rPr lang="ko-KR" altLang="en-US" sz="2400" dirty="0" smtClean="0"/>
+              <a:t> </a:t>
+            </a:r>
+            <a:r>
+              <a:rPr lang="ko-KR" altLang="en-US" sz="2400" dirty="0" err="1"/>
+              <a:t>슬랙</a:t>
+            </a:r>
+            <a:r>
+              <a:rPr lang="ko-KR" altLang="en-US" sz="2400" dirty="0"/>
+              <a:t> 댓글로 제출</a:t>
+            </a:r>
+            <a:endParaRPr lang="en-US" altLang="ko-KR" sz="2400" dirty="0"/>
+          </a:p>
+          <a:p>
+            <a:pPr>
+              <a:lnSpc>
+                <a:spcPct val="100000"/>
+              </a:lnSpc>
+            </a:pPr>
+            <a:endParaRPr lang="en-US" altLang="ko-KR" dirty="0"/>
+          </a:p>
+        </p:txBody>
+      </p:sp>
+      <p:sp>
+        <p:nvSpPr>
+          <p:cNvPr id="4" name="날짜 개체 틀 3">
+            <a:extLst>
+              <a:ext uri="{FF2B5EF4-FFF2-40B4-BE49-F238E27FC236}">
+                <a16:creationId xmlns:a16="http://schemas.microsoft.com/office/drawing/2014/main" id="{2BB93B23-5EDA-C750-9061-20730990D01D}"/>
+              </a:ext>
+            </a:extLst>
+          </p:cNvPr>
+          <p:cNvSpPr>
+            <a:spLocks noGrp="1"/>
+          </p:cNvSpPr>
+          <p:nvPr>
+            <p:ph type="dt" sz="half" idx="10"/>
+          </p:nvPr>
+        </p:nvSpPr>
+        <p:spPr/>
+        <p:txBody>
+          <a:bodyPr/>
+          <a:lstStyle/>
+          <a:p>
+            <a:fld id="{0F78D9C4-20C1-4B15-A116-16DC77AD9A1E}" type="datetime1">
+              <a:rPr lang="ko-KR" altLang="en-US" smtClean="0"/>
+              <a:t>2025-05-12</a:t>
+            </a:fld>
+            <a:endParaRPr lang="ko-KR" altLang="en-US"/>
+          </a:p>
+        </p:txBody>
+      </p:sp>
+      <p:sp>
+        <p:nvSpPr>
+          <p:cNvPr id="5" name="슬라이드 번호 개체 틀 4">
+            <a:extLst>
+              <a:ext uri="{FF2B5EF4-FFF2-40B4-BE49-F238E27FC236}">
+                <a16:creationId xmlns:a16="http://schemas.microsoft.com/office/drawing/2014/main" id="{D9EACB81-43EA-ED0A-2ED8-172AC52BD606}"/>
+              </a:ext>
+            </a:extLst>
+          </p:cNvPr>
+          <p:cNvSpPr>
+            <a:spLocks noGrp="1"/>
+          </p:cNvSpPr>
+          <p:nvPr>
+            <p:ph type="sldNum" sz="quarter" idx="12"/>
+          </p:nvPr>
+        </p:nvSpPr>
+        <p:spPr/>
+        <p:txBody>
+          <a:bodyPr/>
+          <a:lstStyle/>
+          <a:p>
+            <a:fld id="{083A2CE0-18CD-4102-B738-4ACFF9E68BA4}" type="slidenum">
+              <a:rPr lang="ko-KR" altLang="en-US" smtClean="0"/>
+              <a:t>13</a:t>
+            </a:fld>
+            <a:endParaRPr lang="ko-KR" altLang="en-US"/>
+          </a:p>
+        </p:txBody>
+      </p:sp>
+    </p:spTree>
+    <p:extLst>
+      <p:ext uri="{BB962C8B-B14F-4D97-AF65-F5344CB8AC3E}">
+        <p14:creationId xmlns:p14="http://schemas.microsoft.com/office/powerpoint/2010/main" val="1635502368"/>
+      </p:ext>
+    </p:extLst>
+  </p:cSld>
+  <p:clrMapOvr>
+    <a:masterClrMapping/>
+  </p:clrMapOvr>
+</p:sld>
+</file>
+
+<file path=ppt/slides/slide14.xml><?xml version="1.0" encoding="utf-8"?>
+<p:sld xmlns:a="http://schemas.openxmlformats.org/drawingml/2006/main" xmlns:r="http://schemas.openxmlformats.org/officeDocument/2006/relationships" xmlns:p="http://schemas.openxmlformats.org/presentationml/2006/main">
+  <p:cSld>
+    <p:spTree>
+      <p:nvGrpSpPr>
         <p:cNvPr id="1" name="">
           <a:extLst>
             <a:ext uri="{FF2B5EF4-FFF2-40B4-BE49-F238E27FC236}">
@@ -8656,7 +9188,7 @@
           <a:p>
             <a:fld id="{083A2CE0-18CD-4102-B738-4ACFF9E68BA4}" type="slidenum">
               <a:rPr lang="ko-KR" altLang="en-US" smtClean="0"/>
-              <a:t>13</a:t>
+              <a:t>14</a:t>
             </a:fld>
             <a:endParaRPr lang="ko-KR" altLang="en-US"/>
           </a:p>
@@ -8675,7 +9207,7 @@
 </p:sld>
 </file>
 
-<file path=ppt/slides/slide14.xml><?xml version="1.0" encoding="utf-8"?>
+<file path=ppt/slides/slide15.xml><?xml version="1.0" encoding="utf-8"?>
 <p:sld xmlns:a="http://schemas.openxmlformats.org/drawingml/2006/main" xmlns:r="http://schemas.openxmlformats.org/officeDocument/2006/relationships" xmlns:p="http://schemas.openxmlformats.org/presentationml/2006/main">
   <p:cSld>
     <p:spTree>
@@ -8800,7 +9332,7 @@
           <a:p>
             <a:fld id="{083A2CE0-18CD-4102-B738-4ACFF9E68BA4}" type="slidenum">
               <a:rPr lang="ko-KR" altLang="en-US" smtClean="0"/>
-              <a:t>14</a:t>
+              <a:t>15</a:t>
             </a:fld>
             <a:endParaRPr lang="ko-KR" altLang="en-US"/>
           </a:p>
@@ -8909,7 +9441,7 @@
 </p:sld>
 </file>
 
-<file path=ppt/slides/slide15.xml><?xml version="1.0" encoding="utf-8"?>
+<file path=ppt/slides/slide16.xml><?xml version="1.0" encoding="utf-8"?>
 <p:sld xmlns:a="http://schemas.openxmlformats.org/drawingml/2006/main" xmlns:r="http://schemas.openxmlformats.org/officeDocument/2006/relationships" xmlns:p="http://schemas.openxmlformats.org/presentationml/2006/main">
   <p:cSld>
     <p:spTree>
@@ -9039,7 +9571,7 @@
           <a:p>
             <a:fld id="{083A2CE0-18CD-4102-B738-4ACFF9E68BA4}" type="slidenum">
               <a:rPr lang="ko-KR" altLang="en-US" smtClean="0"/>
-              <a:t>15</a:t>
+              <a:t>16</a:t>
             </a:fld>
             <a:endParaRPr lang="ko-KR" altLang="en-US"/>
           </a:p>
@@ -9148,7 +9680,7 @@
 </p:sld>
 </file>
 
-<file path=ppt/slides/slide16.xml><?xml version="1.0" encoding="utf-8"?>
+<file path=ppt/slides/slide17.xml><?xml version="1.0" encoding="utf-8"?>
 <p:sld xmlns:a="http://schemas.openxmlformats.org/drawingml/2006/main" xmlns:r="http://schemas.openxmlformats.org/officeDocument/2006/relationships" xmlns:p="http://schemas.openxmlformats.org/presentationml/2006/main">
   <p:cSld>
     <p:spTree>
@@ -9283,7 +9815,7 @@
           <a:p>
             <a:fld id="{083A2CE0-18CD-4102-B738-4ACFF9E68BA4}" type="slidenum">
               <a:rPr lang="ko-KR" altLang="en-US" smtClean="0"/>
-              <a:t>16</a:t>
+              <a:t>17</a:t>
             </a:fld>
             <a:endParaRPr lang="ko-KR" altLang="en-US"/>
           </a:p>
@@ -9433,7 +9965,7 @@
 </p:sld>
 </file>
 
-<file path=ppt/slides/slide17.xml><?xml version="1.0" encoding="utf-8"?>
+<file path=ppt/slides/slide18.xml><?xml version="1.0" encoding="utf-8"?>
 <p:sld xmlns:a="http://schemas.openxmlformats.org/drawingml/2006/main" xmlns:r="http://schemas.openxmlformats.org/officeDocument/2006/relationships" xmlns:p="http://schemas.openxmlformats.org/presentationml/2006/main">
   <p:cSld>
     <p:spTree>
@@ -9578,7 +10110,7 @@
           <a:p>
             <a:fld id="{083A2CE0-18CD-4102-B738-4ACFF9E68BA4}" type="slidenum">
               <a:rPr lang="ko-KR" altLang="en-US" smtClean="0"/>
-              <a:t>17</a:t>
+              <a:t>18</a:t>
             </a:fld>
             <a:endParaRPr lang="ko-KR" altLang="en-US"/>
           </a:p>
@@ -9655,7 +10187,7 @@
 </p:sld>
 </file>
 
-<file path=ppt/slides/slide18.xml><?xml version="1.0" encoding="utf-8"?>
+<file path=ppt/slides/slide19.xml><?xml version="1.0" encoding="utf-8"?>
 <p:sld xmlns:a="http://schemas.openxmlformats.org/drawingml/2006/main" xmlns:r="http://schemas.openxmlformats.org/officeDocument/2006/relationships" xmlns:p="http://schemas.openxmlformats.org/presentationml/2006/main">
   <p:cSld>
     <p:spTree>
@@ -9836,7 +10368,7 @@
           <a:p>
             <a:fld id="{083A2CE0-18CD-4102-B738-4ACFF9E68BA4}" type="slidenum">
               <a:rPr lang="ko-KR" altLang="en-US" smtClean="0"/>
-              <a:t>18</a:t>
+              <a:t>19</a:t>
             </a:fld>
             <a:endParaRPr lang="ko-KR" altLang="en-US"/>
           </a:p>
@@ -9915,212 +10447,6 @@
 </p:sld>
 </file>
 
-<file path=ppt/slides/slide19.xml><?xml version="1.0" encoding="utf-8"?>
-<p:sld xmlns:a="http://schemas.openxmlformats.org/drawingml/2006/main" xmlns:r="http://schemas.openxmlformats.org/officeDocument/2006/relationships" xmlns:p="http://schemas.openxmlformats.org/presentationml/2006/main">
-  <p:cSld>
-    <p:spTree>
-      <p:nvGrpSpPr>
-        <p:cNvPr id="1" name=""/>
-        <p:cNvGrpSpPr/>
-        <p:nvPr/>
-      </p:nvGrpSpPr>
-      <p:grpSpPr>
-        <a:xfrm>
-          <a:off x="0" y="0"/>
-          <a:ext cx="0" cy="0"/>
-          <a:chOff x="0" y="0"/>
-          <a:chExt cx="0" cy="0"/>
-        </a:xfrm>
-      </p:grpSpPr>
-      <p:sp>
-        <p:nvSpPr>
-          <p:cNvPr id="2" name="제목 1">
-            <a:extLst>
-              <a:ext uri="{FF2B5EF4-FFF2-40B4-BE49-F238E27FC236}">
-                <a16:creationId xmlns:a16="http://schemas.microsoft.com/office/drawing/2014/main" id="{45B0EBA3-C1F7-6D5C-9C03-16CB30694AD8}"/>
-              </a:ext>
-            </a:extLst>
-          </p:cNvPr>
-          <p:cNvSpPr>
-            <a:spLocks noGrp="1"/>
-          </p:cNvSpPr>
-          <p:nvPr>
-            <p:ph type="title"/>
-          </p:nvPr>
-        </p:nvSpPr>
-        <p:spPr/>
-        <p:txBody>
-          <a:bodyPr/>
-          <a:lstStyle/>
-          <a:p>
-            <a:r>
-              <a:rPr lang="ko-KR" altLang="en-US" dirty="0" err="1"/>
-              <a:t>다형성</a:t>
-            </a:r>
-            <a:endParaRPr lang="ko-KR" altLang="en-US" dirty="0"/>
-          </a:p>
-        </p:txBody>
-      </p:sp>
-      <p:sp>
-        <p:nvSpPr>
-          <p:cNvPr id="3" name="내용 개체 틀 2">
-            <a:extLst>
-              <a:ext uri="{FF2B5EF4-FFF2-40B4-BE49-F238E27FC236}">
-                <a16:creationId xmlns:a16="http://schemas.microsoft.com/office/drawing/2014/main" id="{91D5B6B5-BAFF-4924-1109-972A8C36B6EA}"/>
-              </a:ext>
-            </a:extLst>
-          </p:cNvPr>
-          <p:cNvSpPr>
-            <a:spLocks noGrp="1"/>
-          </p:cNvSpPr>
-          <p:nvPr>
-            <p:ph idx="1"/>
-          </p:nvPr>
-        </p:nvSpPr>
-        <p:spPr/>
-        <p:txBody>
-          <a:bodyPr/>
-          <a:lstStyle/>
-          <a:p>
-            <a:r>
-              <a:rPr lang="ko-KR" altLang="en-US" b="1" dirty="0"/>
-              <a:t>조건</a:t>
-            </a:r>
-            <a:endParaRPr lang="en-US" altLang="ko-KR" b="1" dirty="0"/>
-          </a:p>
-          <a:p>
-            <a:r>
-              <a:rPr lang="en-US" altLang="ko-KR" dirty="0"/>
-              <a:t>1)</a:t>
-            </a:r>
-            <a:r>
-              <a:rPr lang="ko-KR" altLang="en-US" dirty="0"/>
-              <a:t> 상속</a:t>
-            </a:r>
-            <a:endParaRPr lang="en-US" altLang="ko-KR" dirty="0"/>
-          </a:p>
-          <a:p>
-            <a:r>
-              <a:rPr lang="en-US" altLang="ko-KR" dirty="0"/>
-              <a:t>2) </a:t>
-            </a:r>
-            <a:r>
-              <a:rPr lang="ko-KR" altLang="en-US" dirty="0"/>
-              <a:t>업캐스팅</a:t>
-            </a:r>
-            <a:endParaRPr lang="en-US" altLang="ko-KR" dirty="0"/>
-          </a:p>
-          <a:p>
-            <a:r>
-              <a:rPr lang="en-US" altLang="ko-KR" dirty="0"/>
-              <a:t>3) </a:t>
-            </a:r>
-            <a:r>
-              <a:rPr lang="ko-KR" altLang="en-US" dirty="0" err="1"/>
-              <a:t>오버라이드</a:t>
-            </a:r>
-            <a:endParaRPr lang="en-US" altLang="ko-KR" dirty="0"/>
-          </a:p>
-          <a:p>
-            <a:endParaRPr lang="en-US" altLang="ko-KR" dirty="0"/>
-          </a:p>
-          <a:p>
-            <a:r>
-              <a:rPr lang="en-US" altLang="ko-KR" b="1" dirty="0"/>
-              <a:t>Why?</a:t>
-            </a:r>
-          </a:p>
-          <a:p>
-            <a:r>
-              <a:rPr lang="ko-KR" altLang="en-US" b="1" dirty="0"/>
-              <a:t>코드</a:t>
-            </a:r>
-            <a:r>
-              <a:rPr lang="en-US" altLang="ko-KR" b="1" dirty="0"/>
-              <a:t> </a:t>
-            </a:r>
-            <a:r>
-              <a:rPr lang="ko-KR" altLang="en-US" b="1" dirty="0"/>
-              <a:t>유지보수의 핵심</a:t>
-            </a:r>
-            <a:endParaRPr lang="en-US" altLang="ko-KR" b="1" dirty="0"/>
-          </a:p>
-          <a:p>
-            <a:endParaRPr lang="ko-KR" altLang="en-US" b="1" dirty="0"/>
-          </a:p>
-        </p:txBody>
-      </p:sp>
-      <p:sp>
-        <p:nvSpPr>
-          <p:cNvPr id="4" name="날짜 개체 틀 3">
-            <a:extLst>
-              <a:ext uri="{FF2B5EF4-FFF2-40B4-BE49-F238E27FC236}">
-                <a16:creationId xmlns:a16="http://schemas.microsoft.com/office/drawing/2014/main" id="{19EDD5A5-48B3-84F7-A8D6-67F723828C1A}"/>
-              </a:ext>
-            </a:extLst>
-          </p:cNvPr>
-          <p:cNvSpPr>
-            <a:spLocks noGrp="1"/>
-          </p:cNvSpPr>
-          <p:nvPr>
-            <p:ph type="dt" sz="half" idx="10"/>
-          </p:nvPr>
-        </p:nvSpPr>
-        <p:spPr/>
-        <p:txBody>
-          <a:bodyPr/>
-          <a:lstStyle/>
-          <a:p>
-            <a:fld id="{0F78D9C4-20C1-4B15-A116-16DC77AD9A1E}" type="datetime1">
-              <a:rPr lang="ko-KR" altLang="en-US" smtClean="0"/>
-              <a:t>2025-05-11</a:t>
-            </a:fld>
-            <a:endParaRPr lang="ko-KR" altLang="en-US"/>
-          </a:p>
-        </p:txBody>
-      </p:sp>
-      <p:sp>
-        <p:nvSpPr>
-          <p:cNvPr id="5" name="슬라이드 번호 개체 틀 4">
-            <a:extLst>
-              <a:ext uri="{FF2B5EF4-FFF2-40B4-BE49-F238E27FC236}">
-                <a16:creationId xmlns:a16="http://schemas.microsoft.com/office/drawing/2014/main" id="{52C068CB-D45A-61EF-C132-4FFFC8142552}"/>
-              </a:ext>
-            </a:extLst>
-          </p:cNvPr>
-          <p:cNvSpPr>
-            <a:spLocks noGrp="1"/>
-          </p:cNvSpPr>
-          <p:nvPr>
-            <p:ph type="sldNum" sz="quarter" idx="12"/>
-          </p:nvPr>
-        </p:nvSpPr>
-        <p:spPr/>
-        <p:txBody>
-          <a:bodyPr/>
-          <a:lstStyle/>
-          <a:p>
-            <a:fld id="{083A2CE0-18CD-4102-B738-4ACFF9E68BA4}" type="slidenum">
-              <a:rPr lang="ko-KR" altLang="en-US" smtClean="0"/>
-              <a:t>19</a:t>
-            </a:fld>
-            <a:endParaRPr lang="ko-KR" altLang="en-US"/>
-          </a:p>
-        </p:txBody>
-      </p:sp>
-    </p:spTree>
-    <p:extLst>
-      <p:ext uri="{BB962C8B-B14F-4D97-AF65-F5344CB8AC3E}">
-        <p14:creationId xmlns:p14="http://schemas.microsoft.com/office/powerpoint/2010/main" val="2345158059"/>
-      </p:ext>
-    </p:extLst>
-  </p:cSld>
-  <p:clrMapOvr>
-    <a:masterClrMapping/>
-  </p:clrMapOvr>
-</p:sld>
-</file>
-
 <file path=ppt/slides/slide2.xml><?xml version="1.0" encoding="utf-8"?>
 <p:sld xmlns:a="http://schemas.openxmlformats.org/drawingml/2006/main" xmlns:r="http://schemas.openxmlformats.org/officeDocument/2006/relationships" xmlns:p="http://schemas.openxmlformats.org/presentationml/2006/main">
   <p:cSld>
@@ -10227,6 +10553,10 @@
             <a:r>
               <a:rPr lang="ko-KR" altLang="en-US" dirty="0"/>
               <a:t>의 속성과 메서드를 다른 클래스</a:t>
+            </a:r>
+            <a:r>
+              <a:rPr lang="en-US" altLang="ko-KR" dirty="0"/>
+              <a:t/>
             </a:r>
             <a:br>
               <a:rPr lang="en-US" altLang="ko-KR" dirty="0"/>
@@ -11301,6 +11631,212 @@
   <p:cSld>
     <p:spTree>
       <p:nvGrpSpPr>
+        <p:cNvPr id="1" name=""/>
+        <p:cNvGrpSpPr/>
+        <p:nvPr/>
+      </p:nvGrpSpPr>
+      <p:grpSpPr>
+        <a:xfrm>
+          <a:off x="0" y="0"/>
+          <a:ext cx="0" cy="0"/>
+          <a:chOff x="0" y="0"/>
+          <a:chExt cx="0" cy="0"/>
+        </a:xfrm>
+      </p:grpSpPr>
+      <p:sp>
+        <p:nvSpPr>
+          <p:cNvPr id="2" name="제목 1">
+            <a:extLst>
+              <a:ext uri="{FF2B5EF4-FFF2-40B4-BE49-F238E27FC236}">
+                <a16:creationId xmlns:a16="http://schemas.microsoft.com/office/drawing/2014/main" id="{45B0EBA3-C1F7-6D5C-9C03-16CB30694AD8}"/>
+              </a:ext>
+            </a:extLst>
+          </p:cNvPr>
+          <p:cNvSpPr>
+            <a:spLocks noGrp="1"/>
+          </p:cNvSpPr>
+          <p:nvPr>
+            <p:ph type="title"/>
+          </p:nvPr>
+        </p:nvSpPr>
+        <p:spPr/>
+        <p:txBody>
+          <a:bodyPr/>
+          <a:lstStyle/>
+          <a:p>
+            <a:r>
+              <a:rPr lang="ko-KR" altLang="en-US" dirty="0" err="1"/>
+              <a:t>다형성</a:t>
+            </a:r>
+            <a:endParaRPr lang="ko-KR" altLang="en-US" dirty="0"/>
+          </a:p>
+        </p:txBody>
+      </p:sp>
+      <p:sp>
+        <p:nvSpPr>
+          <p:cNvPr id="3" name="내용 개체 틀 2">
+            <a:extLst>
+              <a:ext uri="{FF2B5EF4-FFF2-40B4-BE49-F238E27FC236}">
+                <a16:creationId xmlns:a16="http://schemas.microsoft.com/office/drawing/2014/main" id="{91D5B6B5-BAFF-4924-1109-972A8C36B6EA}"/>
+              </a:ext>
+            </a:extLst>
+          </p:cNvPr>
+          <p:cNvSpPr>
+            <a:spLocks noGrp="1"/>
+          </p:cNvSpPr>
+          <p:nvPr>
+            <p:ph idx="1"/>
+          </p:nvPr>
+        </p:nvSpPr>
+        <p:spPr/>
+        <p:txBody>
+          <a:bodyPr/>
+          <a:lstStyle/>
+          <a:p>
+            <a:r>
+              <a:rPr lang="ko-KR" altLang="en-US" b="1" dirty="0"/>
+              <a:t>조건</a:t>
+            </a:r>
+            <a:endParaRPr lang="en-US" altLang="ko-KR" b="1" dirty="0"/>
+          </a:p>
+          <a:p>
+            <a:r>
+              <a:rPr lang="en-US" altLang="ko-KR" dirty="0"/>
+              <a:t>1)</a:t>
+            </a:r>
+            <a:r>
+              <a:rPr lang="ko-KR" altLang="en-US" dirty="0"/>
+              <a:t> 상속</a:t>
+            </a:r>
+            <a:endParaRPr lang="en-US" altLang="ko-KR" dirty="0"/>
+          </a:p>
+          <a:p>
+            <a:r>
+              <a:rPr lang="en-US" altLang="ko-KR" dirty="0"/>
+              <a:t>2) </a:t>
+            </a:r>
+            <a:r>
+              <a:rPr lang="ko-KR" altLang="en-US" dirty="0"/>
+              <a:t>업캐스팅</a:t>
+            </a:r>
+            <a:endParaRPr lang="en-US" altLang="ko-KR" dirty="0"/>
+          </a:p>
+          <a:p>
+            <a:r>
+              <a:rPr lang="en-US" altLang="ko-KR" dirty="0"/>
+              <a:t>3) </a:t>
+            </a:r>
+            <a:r>
+              <a:rPr lang="ko-KR" altLang="en-US" dirty="0" err="1"/>
+              <a:t>오버라이드</a:t>
+            </a:r>
+            <a:endParaRPr lang="en-US" altLang="ko-KR" dirty="0"/>
+          </a:p>
+          <a:p>
+            <a:endParaRPr lang="en-US" altLang="ko-KR" dirty="0"/>
+          </a:p>
+          <a:p>
+            <a:r>
+              <a:rPr lang="en-US" altLang="ko-KR" b="1" dirty="0"/>
+              <a:t>Why?</a:t>
+            </a:r>
+          </a:p>
+          <a:p>
+            <a:r>
+              <a:rPr lang="ko-KR" altLang="en-US" b="1" dirty="0"/>
+              <a:t>코드</a:t>
+            </a:r>
+            <a:r>
+              <a:rPr lang="en-US" altLang="ko-KR" b="1" dirty="0"/>
+              <a:t> </a:t>
+            </a:r>
+            <a:r>
+              <a:rPr lang="ko-KR" altLang="en-US" b="1" dirty="0"/>
+              <a:t>유지보수의 핵심</a:t>
+            </a:r>
+            <a:endParaRPr lang="en-US" altLang="ko-KR" b="1" dirty="0"/>
+          </a:p>
+          <a:p>
+            <a:endParaRPr lang="ko-KR" altLang="en-US" b="1" dirty="0"/>
+          </a:p>
+        </p:txBody>
+      </p:sp>
+      <p:sp>
+        <p:nvSpPr>
+          <p:cNvPr id="4" name="날짜 개체 틀 3">
+            <a:extLst>
+              <a:ext uri="{FF2B5EF4-FFF2-40B4-BE49-F238E27FC236}">
+                <a16:creationId xmlns:a16="http://schemas.microsoft.com/office/drawing/2014/main" id="{19EDD5A5-48B3-84F7-A8D6-67F723828C1A}"/>
+              </a:ext>
+            </a:extLst>
+          </p:cNvPr>
+          <p:cNvSpPr>
+            <a:spLocks noGrp="1"/>
+          </p:cNvSpPr>
+          <p:nvPr>
+            <p:ph type="dt" sz="half" idx="10"/>
+          </p:nvPr>
+        </p:nvSpPr>
+        <p:spPr/>
+        <p:txBody>
+          <a:bodyPr/>
+          <a:lstStyle/>
+          <a:p>
+            <a:fld id="{0F78D9C4-20C1-4B15-A116-16DC77AD9A1E}" type="datetime1">
+              <a:rPr lang="ko-KR" altLang="en-US" smtClean="0"/>
+              <a:t>2025-05-11</a:t>
+            </a:fld>
+            <a:endParaRPr lang="ko-KR" altLang="en-US"/>
+          </a:p>
+        </p:txBody>
+      </p:sp>
+      <p:sp>
+        <p:nvSpPr>
+          <p:cNvPr id="5" name="슬라이드 번호 개체 틀 4">
+            <a:extLst>
+              <a:ext uri="{FF2B5EF4-FFF2-40B4-BE49-F238E27FC236}">
+                <a16:creationId xmlns:a16="http://schemas.microsoft.com/office/drawing/2014/main" id="{52C068CB-D45A-61EF-C132-4FFFC8142552}"/>
+              </a:ext>
+            </a:extLst>
+          </p:cNvPr>
+          <p:cNvSpPr>
+            <a:spLocks noGrp="1"/>
+          </p:cNvSpPr>
+          <p:nvPr>
+            <p:ph type="sldNum" sz="quarter" idx="12"/>
+          </p:nvPr>
+        </p:nvSpPr>
+        <p:spPr/>
+        <p:txBody>
+          <a:bodyPr/>
+          <a:lstStyle/>
+          <a:p>
+            <a:fld id="{083A2CE0-18CD-4102-B738-4ACFF9E68BA4}" type="slidenum">
+              <a:rPr lang="ko-KR" altLang="en-US" smtClean="0"/>
+              <a:t>20</a:t>
+            </a:fld>
+            <a:endParaRPr lang="ko-KR" altLang="en-US"/>
+          </a:p>
+        </p:txBody>
+      </p:sp>
+    </p:spTree>
+    <p:extLst>
+      <p:ext uri="{BB962C8B-B14F-4D97-AF65-F5344CB8AC3E}">
+        <p14:creationId xmlns:p14="http://schemas.microsoft.com/office/powerpoint/2010/main" val="2345158059"/>
+      </p:ext>
+    </p:extLst>
+  </p:cSld>
+  <p:clrMapOvr>
+    <a:masterClrMapping/>
+  </p:clrMapOvr>
+</p:sld>
+</file>
+
+<file path=ppt/slides/slide21.xml><?xml version="1.0" encoding="utf-8"?>
+<p:sld xmlns:a="http://schemas.openxmlformats.org/drawingml/2006/main" xmlns:r="http://schemas.openxmlformats.org/officeDocument/2006/relationships" xmlns:p="http://schemas.openxmlformats.org/presentationml/2006/main">
+  <p:cSld>
+    <p:spTree>
+      <p:nvGrpSpPr>
         <p:cNvPr id="1" name="">
           <a:extLst>
             <a:ext uri="{FF2B5EF4-FFF2-40B4-BE49-F238E27FC236}">
@@ -11411,7 +11947,7 @@
           <a:p>
             <a:fld id="{083A2CE0-18CD-4102-B738-4ACFF9E68BA4}" type="slidenum">
               <a:rPr lang="ko-KR" altLang="en-US" smtClean="0"/>
-              <a:t>20</a:t>
+              <a:t>21</a:t>
             </a:fld>
             <a:endParaRPr lang="ko-KR" altLang="en-US"/>
           </a:p>
@@ -11430,7 +11966,7 @@
 </p:sld>
 </file>
 
-<file path=ppt/slides/slide21.xml><?xml version="1.0" encoding="utf-8"?>
+<file path=ppt/slides/slide22.xml><?xml version="1.0" encoding="utf-8"?>
 <p:sld xmlns:a="http://schemas.openxmlformats.org/drawingml/2006/main" xmlns:r="http://schemas.openxmlformats.org/officeDocument/2006/relationships" xmlns:p="http://schemas.openxmlformats.org/presentationml/2006/main">
   <p:cSld>
     <p:spTree>
@@ -11676,7 +12212,7 @@
           <a:p>
             <a:fld id="{083A2CE0-18CD-4102-B738-4ACFF9E68BA4}" type="slidenum">
               <a:rPr lang="ko-KR" altLang="en-US" smtClean="0"/>
-              <a:t>21</a:t>
+              <a:t>22</a:t>
             </a:fld>
             <a:endParaRPr lang="ko-KR" altLang="en-US"/>
           </a:p>
@@ -11695,7 +12231,7 @@
 </p:sld>
 </file>
 
-<file path=ppt/slides/slide22.xml><?xml version="1.0" encoding="utf-8"?>
+<file path=ppt/slides/slide23.xml><?xml version="1.0" encoding="utf-8"?>
 <p:sld xmlns:a="http://schemas.openxmlformats.org/drawingml/2006/main" xmlns:r="http://schemas.openxmlformats.org/officeDocument/2006/relationships" xmlns:p="http://schemas.openxmlformats.org/presentationml/2006/main">
   <p:cSld>
     <p:spTree>
@@ -11827,7 +12363,7 @@
           <a:p>
             <a:fld id="{083A2CE0-18CD-4102-B738-4ACFF9E68BA4}" type="slidenum">
               <a:rPr lang="ko-KR" altLang="en-US" smtClean="0"/>
-              <a:t>22</a:t>
+              <a:t>23</a:t>
             </a:fld>
             <a:endParaRPr lang="ko-KR" altLang="en-US"/>
           </a:p>
@@ -11876,7 +12412,7 @@
 </p:sld>
 </file>
 
-<file path=ppt/slides/slide23.xml><?xml version="1.0" encoding="utf-8"?>
+<file path=ppt/slides/slide24.xml><?xml version="1.0" encoding="utf-8"?>
 <p:sld xmlns:a="http://schemas.openxmlformats.org/drawingml/2006/main" xmlns:r="http://schemas.openxmlformats.org/officeDocument/2006/relationships" xmlns:p="http://schemas.openxmlformats.org/presentationml/2006/main">
   <p:cSld>
     <p:spTree>
@@ -12030,7 +12566,7 @@
           <a:p>
             <a:fld id="{083A2CE0-18CD-4102-B738-4ACFF9E68BA4}" type="slidenum">
               <a:rPr lang="ko-KR" altLang="en-US" smtClean="0"/>
-              <a:t>23</a:t>
+              <a:t>24</a:t>
             </a:fld>
             <a:endParaRPr lang="ko-KR" altLang="en-US"/>
           </a:p>
@@ -12096,419 +12632,6 @@
 </p:sld>
 </file>
 
-<file path=ppt/slides/slide24.xml><?xml version="1.0" encoding="utf-8"?>
-<p:sld xmlns:a="http://schemas.openxmlformats.org/drawingml/2006/main" xmlns:r="http://schemas.openxmlformats.org/officeDocument/2006/relationships" xmlns:p="http://schemas.openxmlformats.org/presentationml/2006/main">
-  <p:cSld>
-    <p:spTree>
-      <p:nvGrpSpPr>
-        <p:cNvPr id="1" name=""/>
-        <p:cNvGrpSpPr/>
-        <p:nvPr/>
-      </p:nvGrpSpPr>
-      <p:grpSpPr>
-        <a:xfrm>
-          <a:off x="0" y="0"/>
-          <a:ext cx="0" cy="0"/>
-          <a:chOff x="0" y="0"/>
-          <a:chExt cx="0" cy="0"/>
-        </a:xfrm>
-      </p:grpSpPr>
-      <p:sp>
-        <p:nvSpPr>
-          <p:cNvPr id="2" name="제목 1">
-            <a:extLst>
-              <a:ext uri="{FF2B5EF4-FFF2-40B4-BE49-F238E27FC236}">
-                <a16:creationId xmlns:a16="http://schemas.microsoft.com/office/drawing/2014/main" id="{FB75552E-C6A8-0EFB-7ED8-8037FE6C8582}"/>
-              </a:ext>
-            </a:extLst>
-          </p:cNvPr>
-          <p:cNvSpPr>
-            <a:spLocks noGrp="1"/>
-          </p:cNvSpPr>
-          <p:nvPr>
-            <p:ph type="title"/>
-          </p:nvPr>
-        </p:nvSpPr>
-        <p:spPr/>
-        <p:txBody>
-          <a:bodyPr/>
-          <a:lstStyle/>
-          <a:p>
-            <a:r>
-              <a:rPr lang="ko-KR" altLang="en-US" dirty="0">
-                <a:solidFill>
-                  <a:srgbClr val="00B050"/>
-                </a:solidFill>
-              </a:rPr>
-              <a:t>종합 실습</a:t>
-            </a:r>
-            <a:r>
-              <a:rPr lang="en-US" altLang="ko-KR" dirty="0">
-                <a:solidFill>
-                  <a:srgbClr val="00B050"/>
-                </a:solidFill>
-              </a:rPr>
-              <a:t>. </a:t>
-            </a:r>
-            <a:r>
-              <a:rPr lang="ko-KR" altLang="en-US" dirty="0">
-                <a:solidFill>
-                  <a:srgbClr val="00B050"/>
-                </a:solidFill>
-              </a:rPr>
-              <a:t>클래스 상속 설계</a:t>
-            </a:r>
-          </a:p>
-        </p:txBody>
-      </p:sp>
-      <p:sp>
-        <p:nvSpPr>
-          <p:cNvPr id="3" name="내용 개체 틀 2">
-            <a:extLst>
-              <a:ext uri="{FF2B5EF4-FFF2-40B4-BE49-F238E27FC236}">
-                <a16:creationId xmlns:a16="http://schemas.microsoft.com/office/drawing/2014/main" id="{8736557F-6240-F2DB-495F-B47E520FA3AC}"/>
-              </a:ext>
-            </a:extLst>
-          </p:cNvPr>
-          <p:cNvSpPr>
-            <a:spLocks noGrp="1"/>
-          </p:cNvSpPr>
-          <p:nvPr>
-            <p:ph idx="1"/>
-          </p:nvPr>
-        </p:nvSpPr>
-        <p:spPr/>
-        <p:txBody>
-          <a:bodyPr>
-            <a:normAutofit/>
-          </a:bodyPr>
-          <a:lstStyle/>
-          <a:p>
-            <a:r>
-              <a:rPr lang="ko-KR" altLang="en-US" sz="2400" dirty="0"/>
-              <a:t>간단한 롤플레잉 게임을 설계하고 </a:t>
-            </a:r>
-            <a:r>
-              <a:rPr lang="en-US" altLang="ko-KR" sz="2400" b="1" dirty="0">
-                <a:solidFill>
-                  <a:schemeClr val="accent1"/>
-                </a:solidFill>
-              </a:rPr>
-              <a:t>UML</a:t>
-            </a:r>
-            <a:r>
-              <a:rPr lang="ko-KR" altLang="en-US" sz="2400" dirty="0"/>
-              <a:t>로 그려봅시다</a:t>
-            </a:r>
-            <a:endParaRPr lang="en-US" altLang="ko-KR" sz="2400" dirty="0"/>
-          </a:p>
-          <a:p>
-            <a:r>
-              <a:rPr lang="ko-KR" altLang="en-US" sz="2400" dirty="0"/>
-              <a:t>게임에는 플레이어가 직접 조작하는 </a:t>
-            </a:r>
-            <a:r>
-              <a:rPr lang="ko-KR" altLang="en-US" sz="2400" b="1" dirty="0">
-                <a:solidFill>
-                  <a:srgbClr val="00B050"/>
-                </a:solidFill>
-              </a:rPr>
-              <a:t>주인공 캐릭터</a:t>
-            </a:r>
-            <a:r>
-              <a:rPr lang="en-US" altLang="ko-KR" sz="2400" dirty="0"/>
-              <a:t>, </a:t>
-            </a:r>
-            <a:r>
-              <a:rPr lang="ko-KR" altLang="en-US" sz="2400" dirty="0"/>
-              <a:t>플레이어와 상호작용을 하는 </a:t>
-            </a:r>
-            <a:r>
-              <a:rPr lang="en-US" altLang="ko-KR" sz="2400" b="1" dirty="0">
-                <a:solidFill>
-                  <a:srgbClr val="00B050"/>
-                </a:solidFill>
-              </a:rPr>
-              <a:t>NPC</a:t>
-            </a:r>
-            <a:r>
-              <a:rPr lang="en-US" altLang="ko-KR" sz="2400" dirty="0"/>
-              <a:t>(</a:t>
-            </a:r>
-            <a:r>
-              <a:rPr lang="ko-KR" altLang="en-US" sz="2400" dirty="0"/>
-              <a:t>직접 조작 할 수 없는 캐릭터</a:t>
-            </a:r>
-            <a:r>
-              <a:rPr lang="en-US" altLang="ko-KR" sz="2400" dirty="0"/>
-              <a:t>), </a:t>
-            </a:r>
-            <a:r>
-              <a:rPr lang="ko-KR" altLang="en-US" sz="2400" dirty="0"/>
-              <a:t>플레이어와 전투를 하는 </a:t>
-            </a:r>
-            <a:r>
-              <a:rPr lang="ko-KR" altLang="en-US" sz="2400" b="1" dirty="0">
-                <a:solidFill>
-                  <a:srgbClr val="00B050"/>
-                </a:solidFill>
-              </a:rPr>
-              <a:t>몬스터</a:t>
-            </a:r>
-            <a:r>
-              <a:rPr lang="ko-KR" altLang="en-US" sz="2400" dirty="0"/>
-              <a:t>가 존재 </a:t>
-            </a:r>
-            <a:endParaRPr lang="en-US" altLang="ko-KR" sz="2400" dirty="0"/>
-          </a:p>
-          <a:p>
-            <a:r>
-              <a:rPr lang="ko-KR" altLang="en-US" sz="2400" dirty="0"/>
-              <a:t>플레이어는 </a:t>
-            </a:r>
-            <a:r>
-              <a:rPr lang="ko-KR" altLang="en-US" sz="2400" b="1" dirty="0">
-                <a:solidFill>
-                  <a:schemeClr val="accent2"/>
-                </a:solidFill>
-              </a:rPr>
-              <a:t>전사</a:t>
-            </a:r>
-            <a:r>
-              <a:rPr lang="en-US" altLang="ko-KR" sz="2400" b="1" dirty="0">
-                <a:solidFill>
-                  <a:schemeClr val="accent2"/>
-                </a:solidFill>
-              </a:rPr>
-              <a:t>, </a:t>
-            </a:r>
-            <a:r>
-              <a:rPr lang="ko-KR" altLang="en-US" sz="2400" b="1" dirty="0">
-                <a:solidFill>
-                  <a:schemeClr val="accent2"/>
-                </a:solidFill>
-              </a:rPr>
-              <a:t>마법사</a:t>
-            </a:r>
-            <a:r>
-              <a:rPr lang="en-US" altLang="ko-KR" sz="2400" b="1" dirty="0">
-                <a:solidFill>
-                  <a:schemeClr val="accent2"/>
-                </a:solidFill>
-              </a:rPr>
-              <a:t> </a:t>
-            </a:r>
-            <a:r>
-              <a:rPr lang="ko-KR" altLang="en-US" sz="2400" dirty="0"/>
-              <a:t>두 가지 직업 선택이 가능</a:t>
-            </a:r>
-            <a:endParaRPr lang="en-US" altLang="ko-KR" sz="2400" dirty="0"/>
-          </a:p>
-          <a:p>
-            <a:r>
-              <a:rPr lang="ko-KR" altLang="en-US" sz="2400" dirty="0"/>
-              <a:t>몬스터는 </a:t>
-            </a:r>
-            <a:r>
-              <a:rPr lang="ko-KR" altLang="en-US" sz="2400" b="1" dirty="0">
-                <a:solidFill>
-                  <a:srgbClr val="FF0000"/>
-                </a:solidFill>
-              </a:rPr>
-              <a:t>오크</a:t>
-            </a:r>
-            <a:r>
-              <a:rPr lang="en-US" altLang="ko-KR" sz="2400" b="1" dirty="0">
-                <a:solidFill>
-                  <a:srgbClr val="FF0000"/>
-                </a:solidFill>
-              </a:rPr>
-              <a:t>, </a:t>
-            </a:r>
-            <a:r>
-              <a:rPr lang="ko-KR" altLang="en-US" sz="2400" b="1" dirty="0" err="1">
-                <a:solidFill>
-                  <a:srgbClr val="FF0000"/>
-                </a:solidFill>
-              </a:rPr>
-              <a:t>슬라임</a:t>
-            </a:r>
-            <a:r>
-              <a:rPr lang="ko-KR" altLang="en-US" sz="2400" b="1" dirty="0">
-                <a:solidFill>
-                  <a:srgbClr val="FF0000"/>
-                </a:solidFill>
-              </a:rPr>
-              <a:t> </a:t>
-            </a:r>
-            <a:r>
-              <a:rPr lang="ko-KR" altLang="en-US" sz="2400" dirty="0"/>
-              <a:t>두 종류가 존재 </a:t>
-            </a:r>
-            <a:endParaRPr lang="en-US" altLang="ko-KR" sz="2400" dirty="0"/>
-          </a:p>
-          <a:p>
-            <a:r>
-              <a:rPr lang="ko-KR" altLang="en-US" sz="2400" dirty="0"/>
-              <a:t>전투는 </a:t>
-            </a:r>
-            <a:r>
-              <a:rPr lang="ko-KR" altLang="en-US" sz="2400" b="1" dirty="0">
-                <a:solidFill>
-                  <a:srgbClr val="7030A0"/>
-                </a:solidFill>
-              </a:rPr>
-              <a:t>체력</a:t>
-            </a:r>
-            <a:r>
-              <a:rPr lang="en-US" altLang="ko-KR" sz="2400" b="1" dirty="0">
-                <a:solidFill>
-                  <a:srgbClr val="7030A0"/>
-                </a:solidFill>
-              </a:rPr>
-              <a:t>, </a:t>
-            </a:r>
-            <a:r>
-              <a:rPr lang="ko-KR" altLang="en-US" sz="2400" b="1" dirty="0">
-                <a:solidFill>
-                  <a:srgbClr val="7030A0"/>
-                </a:solidFill>
-              </a:rPr>
-              <a:t>공격력</a:t>
-            </a:r>
-            <a:r>
-              <a:rPr lang="ko-KR" altLang="en-US" sz="2400" dirty="0"/>
-              <a:t>이 존재하고</a:t>
-            </a:r>
-            <a:r>
-              <a:rPr lang="en-US" altLang="ko-KR" sz="2400" dirty="0"/>
-              <a:t>, </a:t>
-            </a:r>
-            <a:r>
-              <a:rPr lang="ko-KR" altLang="en-US" sz="2400" b="1" dirty="0"/>
-              <a:t>공격력에 따라 상대방의 체력을 깎을 수 있음</a:t>
-            </a:r>
-            <a:endParaRPr lang="en-US" altLang="ko-KR" sz="2400" b="1" dirty="0"/>
-          </a:p>
-          <a:p>
-            <a:r>
-              <a:rPr lang="en-US" altLang="ko-KR" sz="2400" dirty="0"/>
-              <a:t>draw.io</a:t>
-            </a:r>
-            <a:r>
-              <a:rPr lang="ko-KR" altLang="en-US" sz="2400" dirty="0"/>
-              <a:t>의 </a:t>
-            </a:r>
-            <a:r>
-              <a:rPr lang="en-US" altLang="ko-KR" sz="2400" dirty="0"/>
-              <a:t>UML</a:t>
-            </a:r>
-            <a:r>
-              <a:rPr lang="ko-KR" altLang="en-US" sz="2400" dirty="0"/>
-              <a:t>을 </a:t>
-            </a:r>
-            <a:r>
-              <a:rPr lang="en-US" altLang="ko-KR" sz="2400" dirty="0" err="1"/>
-              <a:t>png</a:t>
-            </a:r>
-            <a:r>
-              <a:rPr lang="ko-KR" altLang="en-US" sz="2400" dirty="0"/>
-              <a:t>로 내보내기 하고</a:t>
-            </a:r>
-            <a:r>
-              <a:rPr lang="en-US" altLang="ko-KR" sz="2400" dirty="0"/>
-              <a:t>, </a:t>
-            </a:r>
-            <a:r>
-              <a:rPr lang="ko-KR" altLang="en-US" sz="2400" dirty="0"/>
-              <a:t>이미지 파일을</a:t>
-            </a:r>
-            <a:r>
-              <a:rPr lang="en-US" altLang="ko-KR" sz="2400" dirty="0"/>
-              <a:t> </a:t>
-            </a:r>
-            <a:r>
-              <a:rPr lang="ko-KR" altLang="en-US" sz="2400" dirty="0" err="1"/>
-              <a:t>슬랙</a:t>
-            </a:r>
-            <a:r>
-              <a:rPr lang="ko-KR" altLang="en-US" sz="2400" dirty="0"/>
-              <a:t> 댓글로 제출</a:t>
-            </a:r>
-          </a:p>
-        </p:txBody>
-      </p:sp>
-      <p:sp>
-        <p:nvSpPr>
-          <p:cNvPr id="4" name="날짜 개체 틀 3">
-            <a:extLst>
-              <a:ext uri="{FF2B5EF4-FFF2-40B4-BE49-F238E27FC236}">
-                <a16:creationId xmlns:a16="http://schemas.microsoft.com/office/drawing/2014/main" id="{4C69BC2E-AD28-23C5-57BD-996349412FCE}"/>
-              </a:ext>
-            </a:extLst>
-          </p:cNvPr>
-          <p:cNvSpPr>
-            <a:spLocks noGrp="1"/>
-          </p:cNvSpPr>
-          <p:nvPr>
-            <p:ph type="dt" sz="half" idx="10"/>
-          </p:nvPr>
-        </p:nvSpPr>
-        <p:spPr/>
-        <p:txBody>
-          <a:bodyPr/>
-          <a:lstStyle/>
-          <a:p>
-            <a:fld id="{0F78D9C4-20C1-4B15-A116-16DC77AD9A1E}" type="datetime1">
-              <a:rPr lang="ko-KR" altLang="en-US" smtClean="0"/>
-              <a:t>2025-05-11</a:t>
-            </a:fld>
-            <a:endParaRPr lang="ko-KR" altLang="en-US"/>
-          </a:p>
-        </p:txBody>
-      </p:sp>
-      <p:sp>
-        <p:nvSpPr>
-          <p:cNvPr id="5" name="슬라이드 번호 개체 틀 4">
-            <a:extLst>
-              <a:ext uri="{FF2B5EF4-FFF2-40B4-BE49-F238E27FC236}">
-                <a16:creationId xmlns:a16="http://schemas.microsoft.com/office/drawing/2014/main" id="{855D83FF-CEA9-2FB0-DB5E-9D849984F50D}"/>
-              </a:ext>
-            </a:extLst>
-          </p:cNvPr>
-          <p:cNvSpPr>
-            <a:spLocks noGrp="1"/>
-          </p:cNvSpPr>
-          <p:nvPr>
-            <p:ph type="sldNum" sz="quarter" idx="12"/>
-          </p:nvPr>
-        </p:nvSpPr>
-        <p:spPr/>
-        <p:txBody>
-          <a:bodyPr/>
-          <a:lstStyle/>
-          <a:p>
-            <a:fld id="{083A2CE0-18CD-4102-B738-4ACFF9E68BA4}" type="slidenum">
-              <a:rPr lang="ko-KR" altLang="en-US" smtClean="0"/>
-              <a:t>24</a:t>
-            </a:fld>
-            <a:endParaRPr lang="ko-KR" altLang="en-US"/>
-          </a:p>
-        </p:txBody>
-      </p:sp>
-    </p:spTree>
-    <p:extLst>
-      <p:ext uri="{BB962C8B-B14F-4D97-AF65-F5344CB8AC3E}">
-        <p14:creationId xmlns:p14="http://schemas.microsoft.com/office/powerpoint/2010/main" val="937375202"/>
-      </p:ext>
-    </p:extLst>
-  </p:cSld>
-  <p:clrMapOvr>
-    <a:masterClrMapping/>
-  </p:clrMapOvr>
-</p:sld>
-</file>
-
 <file path=ppt/slides/slide25.xml><?xml version="1.0" encoding="utf-8"?>
 <p:sld xmlns:a="http://schemas.openxmlformats.org/drawingml/2006/main" xmlns:r="http://schemas.openxmlformats.org/officeDocument/2006/relationships" xmlns:p="http://schemas.openxmlformats.org/presentationml/2006/main">
   <p:cSld>
@@ -12531,7 +12654,7 @@
           <p:cNvPr id="2" name="제목 1">
             <a:extLst>
               <a:ext uri="{FF2B5EF4-FFF2-40B4-BE49-F238E27FC236}">
-                <a16:creationId xmlns:a16="http://schemas.microsoft.com/office/drawing/2014/main" id="{4CAA4559-683D-9F54-DD00-1B954E46517D}"/>
+                <a16:creationId xmlns:a16="http://schemas.microsoft.com/office/drawing/2014/main" id="{FB75552E-C6A8-0EFB-7ED8-8037FE6C8582}"/>
               </a:ext>
             </a:extLst>
           </p:cNvPr>
@@ -12569,7 +12692,7 @@
                   <a:srgbClr val="00B050"/>
                 </a:solidFill>
               </a:rPr>
-              <a:t>클래스 상속</a:t>
+              <a:t>클래스 상속 설계</a:t>
             </a:r>
           </a:p>
         </p:txBody>
@@ -12579,7 +12702,7 @@
           <p:cNvPr id="3" name="내용 개체 틀 2">
             <a:extLst>
               <a:ext uri="{FF2B5EF4-FFF2-40B4-BE49-F238E27FC236}">
-                <a16:creationId xmlns:a16="http://schemas.microsoft.com/office/drawing/2014/main" id="{A2A5F513-5ADC-7277-FFD6-5A12CF8053F1}"/>
+                <a16:creationId xmlns:a16="http://schemas.microsoft.com/office/drawing/2014/main" id="{8736557F-6240-F2DB-495F-B47E520FA3AC}"/>
               </a:ext>
             </a:extLst>
           </p:cNvPr>
@@ -12590,26 +12713,227 @@
             <p:ph idx="1"/>
           </p:nvPr>
         </p:nvSpPr>
-        <p:spPr>
-          <a:xfrm>
-            <a:off x="838200" y="1690687"/>
-            <a:ext cx="10515600" cy="4293017"/>
-          </a:xfrm>
-        </p:spPr>
+        <p:spPr/>
         <p:txBody>
           <a:bodyPr>
             <a:normAutofit/>
           </a:bodyPr>
           <a:lstStyle/>
           <a:p>
-            <a:pPr>
-              <a:lnSpc>
-                <a:spcPct val="100000"/>
-              </a:lnSpc>
-            </a:pPr>
             <a:r>
               <a:rPr lang="ko-KR" altLang="en-US" sz="2400" dirty="0"/>
-              <a:t>앞서 만들었던 롤플레잉 게임 </a:t>
+              <a:t>간단한 롤플레잉 게임을 설계하고 </a:t>
+            </a:r>
+            <a:r>
+              <a:rPr lang="en-US" altLang="ko-KR" sz="2400" b="1" dirty="0">
+                <a:solidFill>
+                  <a:schemeClr val="accent1"/>
+                </a:solidFill>
+              </a:rPr>
+              <a:t>UML</a:t>
+            </a:r>
+            <a:r>
+              <a:rPr lang="ko-KR" altLang="en-US" sz="2400" dirty="0"/>
+              <a:t>로 그려봅시다</a:t>
+            </a:r>
+            <a:endParaRPr lang="en-US" altLang="ko-KR" sz="2400" dirty="0"/>
+          </a:p>
+          <a:p>
+            <a:r>
+              <a:rPr lang="ko-KR" altLang="en-US" sz="2400" dirty="0"/>
+              <a:t>게임에는 플레이어가 직접 조작하는 </a:t>
+            </a:r>
+            <a:r>
+              <a:rPr lang="ko-KR" altLang="en-US" sz="2400" b="1" dirty="0">
+                <a:solidFill>
+                  <a:srgbClr val="00B050"/>
+                </a:solidFill>
+              </a:rPr>
+              <a:t>주인공 캐릭터</a:t>
+            </a:r>
+            <a:r>
+              <a:rPr lang="en-US" altLang="ko-KR" sz="2400" dirty="0"/>
+              <a:t>, </a:t>
+            </a:r>
+            <a:r>
+              <a:rPr lang="ko-KR" altLang="en-US" sz="2400" dirty="0"/>
+              <a:t>플레이어와 상호작용을 하는 </a:t>
+            </a:r>
+            <a:r>
+              <a:rPr lang="en-US" altLang="ko-KR" sz="2400" b="1" dirty="0">
+                <a:solidFill>
+                  <a:srgbClr val="00B050"/>
+                </a:solidFill>
+              </a:rPr>
+              <a:t>NPC</a:t>
+            </a:r>
+            <a:r>
+              <a:rPr lang="en-US" altLang="ko-KR" sz="2400" dirty="0"/>
+              <a:t>(</a:t>
+            </a:r>
+            <a:r>
+              <a:rPr lang="ko-KR" altLang="en-US" sz="2400" dirty="0"/>
+              <a:t>직접 조작 할 수 없는 캐릭터</a:t>
+            </a:r>
+            <a:r>
+              <a:rPr lang="en-US" altLang="ko-KR" sz="2400" dirty="0"/>
+              <a:t>), </a:t>
+            </a:r>
+            <a:r>
+              <a:rPr lang="ko-KR" altLang="en-US" sz="2400" dirty="0"/>
+              <a:t>플레이어와 전투를 하는 </a:t>
+            </a:r>
+            <a:r>
+              <a:rPr lang="ko-KR" altLang="en-US" sz="2400" b="1" dirty="0">
+                <a:solidFill>
+                  <a:srgbClr val="00B050"/>
+                </a:solidFill>
+              </a:rPr>
+              <a:t>몬스터</a:t>
+            </a:r>
+            <a:r>
+              <a:rPr lang="ko-KR" altLang="en-US" sz="2400" dirty="0"/>
+              <a:t>가 존재 </a:t>
+            </a:r>
+            <a:endParaRPr lang="en-US" altLang="ko-KR" sz="2400" dirty="0"/>
+          </a:p>
+          <a:p>
+            <a:r>
+              <a:rPr lang="ko-KR" altLang="en-US" sz="2400" dirty="0"/>
+              <a:t>플레이어는 </a:t>
+            </a:r>
+            <a:r>
+              <a:rPr lang="ko-KR" altLang="en-US" sz="2400" b="1" dirty="0">
+                <a:solidFill>
+                  <a:schemeClr val="accent2"/>
+                </a:solidFill>
+              </a:rPr>
+              <a:t>전사</a:t>
+            </a:r>
+            <a:r>
+              <a:rPr lang="en-US" altLang="ko-KR" sz="2400" b="1" dirty="0">
+                <a:solidFill>
+                  <a:schemeClr val="accent2"/>
+                </a:solidFill>
+              </a:rPr>
+              <a:t>, </a:t>
+            </a:r>
+            <a:r>
+              <a:rPr lang="ko-KR" altLang="en-US" sz="2400" b="1" dirty="0">
+                <a:solidFill>
+                  <a:schemeClr val="accent2"/>
+                </a:solidFill>
+              </a:rPr>
+              <a:t>마법사</a:t>
+            </a:r>
+            <a:r>
+              <a:rPr lang="en-US" altLang="ko-KR" sz="2400" b="1" dirty="0">
+                <a:solidFill>
+                  <a:schemeClr val="accent2"/>
+                </a:solidFill>
+              </a:rPr>
+              <a:t> </a:t>
+            </a:r>
+            <a:r>
+              <a:rPr lang="ko-KR" altLang="en-US" sz="2400" dirty="0"/>
+              <a:t>두 가지 직업 선택이 가능</a:t>
+            </a:r>
+            <a:endParaRPr lang="en-US" altLang="ko-KR" sz="2400" dirty="0"/>
+          </a:p>
+          <a:p>
+            <a:r>
+              <a:rPr lang="ko-KR" altLang="en-US" sz="2400" dirty="0"/>
+              <a:t>몬스터는 </a:t>
+            </a:r>
+            <a:r>
+              <a:rPr lang="ko-KR" altLang="en-US" sz="2400" b="1" dirty="0">
+                <a:solidFill>
+                  <a:srgbClr val="FF0000"/>
+                </a:solidFill>
+              </a:rPr>
+              <a:t>오크</a:t>
+            </a:r>
+            <a:r>
+              <a:rPr lang="en-US" altLang="ko-KR" sz="2400" b="1" dirty="0">
+                <a:solidFill>
+                  <a:srgbClr val="FF0000"/>
+                </a:solidFill>
+              </a:rPr>
+              <a:t>, </a:t>
+            </a:r>
+            <a:r>
+              <a:rPr lang="ko-KR" altLang="en-US" sz="2400" b="1" dirty="0" err="1">
+                <a:solidFill>
+                  <a:srgbClr val="FF0000"/>
+                </a:solidFill>
+              </a:rPr>
+              <a:t>슬라임</a:t>
+            </a:r>
+            <a:r>
+              <a:rPr lang="ko-KR" altLang="en-US" sz="2400" b="1" dirty="0">
+                <a:solidFill>
+                  <a:srgbClr val="FF0000"/>
+                </a:solidFill>
+              </a:rPr>
+              <a:t> </a:t>
+            </a:r>
+            <a:r>
+              <a:rPr lang="ko-KR" altLang="en-US" sz="2400" dirty="0"/>
+              <a:t>두 종류가 존재 </a:t>
+            </a:r>
+            <a:endParaRPr lang="en-US" altLang="ko-KR" sz="2400" dirty="0"/>
+          </a:p>
+          <a:p>
+            <a:r>
+              <a:rPr lang="ko-KR" altLang="en-US" sz="2400" dirty="0"/>
+              <a:t>전투는 </a:t>
+            </a:r>
+            <a:r>
+              <a:rPr lang="ko-KR" altLang="en-US" sz="2400" b="1" dirty="0">
+                <a:solidFill>
+                  <a:srgbClr val="7030A0"/>
+                </a:solidFill>
+              </a:rPr>
+              <a:t>체력</a:t>
+            </a:r>
+            <a:r>
+              <a:rPr lang="en-US" altLang="ko-KR" sz="2400" b="1" dirty="0">
+                <a:solidFill>
+                  <a:srgbClr val="7030A0"/>
+                </a:solidFill>
+              </a:rPr>
+              <a:t>, </a:t>
+            </a:r>
+            <a:r>
+              <a:rPr lang="ko-KR" altLang="en-US" sz="2400" b="1" dirty="0">
+                <a:solidFill>
+                  <a:srgbClr val="7030A0"/>
+                </a:solidFill>
+              </a:rPr>
+              <a:t>공격력</a:t>
+            </a:r>
+            <a:r>
+              <a:rPr lang="ko-KR" altLang="en-US" sz="2400" dirty="0"/>
+              <a:t>이 존재하고</a:t>
+            </a:r>
+            <a:r>
+              <a:rPr lang="en-US" altLang="ko-KR" sz="2400" dirty="0"/>
+              <a:t>, </a:t>
+            </a:r>
+            <a:r>
+              <a:rPr lang="ko-KR" altLang="en-US" sz="2400" b="1" dirty="0"/>
+              <a:t>공격력에 따라 상대방의 체력을 깎을 수 있음</a:t>
+            </a:r>
+            <a:endParaRPr lang="en-US" altLang="ko-KR" sz="2400" b="1" dirty="0"/>
+          </a:p>
+          <a:p>
+            <a:r>
+              <a:rPr lang="en-US" altLang="ko-KR" sz="2400" dirty="0"/>
+              <a:t>draw.io</a:t>
+            </a:r>
+            <a:r>
+              <a:rPr lang="ko-KR" altLang="en-US" sz="2400" dirty="0"/>
+              <a:t>의 </a:t>
             </a:r>
             <a:r>
               <a:rPr lang="en-US" altLang="ko-KR" sz="2400" dirty="0"/>
@@ -12617,135 +12941,27 @@
             </a:r>
             <a:r>
               <a:rPr lang="ko-KR" altLang="en-US" sz="2400" dirty="0"/>
-              <a:t>을 참고하여 소스코드 작성</a:t>
-            </a:r>
-            <a:endParaRPr lang="en-US" altLang="ko-KR" sz="2400" dirty="0"/>
-          </a:p>
-          <a:p>
-            <a:pPr>
-              <a:lnSpc>
-                <a:spcPct val="100000"/>
-              </a:lnSpc>
-            </a:pPr>
+              <a:t>을 </a:t>
+            </a:r>
+            <a:r>
+              <a:rPr lang="en-US" altLang="ko-KR" sz="2400" dirty="0" err="1"/>
+              <a:t>png</a:t>
+            </a:r>
             <a:r>
               <a:rPr lang="ko-KR" altLang="en-US" sz="2400" dirty="0"/>
-              <a:t>기능 구현이 불가능한 부분</a:t>
+              <a:t>로 내보내기 하고</a:t>
             </a:r>
             <a:r>
               <a:rPr lang="en-US" altLang="ko-KR" sz="2400" dirty="0"/>
-              <a:t>(</a:t>
+              <a:t>, </a:t>
             </a:r>
             <a:r>
               <a:rPr lang="ko-KR" altLang="en-US" sz="2400" dirty="0"/>
-              <a:t>플레이어 조작 등</a:t>
+              <a:t>이미지 파일을</a:t>
             </a:r>
             <a:r>
               <a:rPr lang="en-US" altLang="ko-KR" sz="2400" dirty="0"/>
-              <a:t>)</a:t>
-            </a:r>
-            <a:r>
-              <a:rPr lang="ko-KR" altLang="en-US" sz="2400" dirty="0"/>
-              <a:t>은 메소드 이름만 작성하고 기능 구현은 하지 않아도 됨</a:t>
-            </a:r>
-            <a:r>
-              <a:rPr lang="en-US" altLang="ko-KR" sz="2400" dirty="0"/>
-              <a:t>!</a:t>
-            </a:r>
-          </a:p>
-          <a:p>
-            <a:pPr>
-              <a:lnSpc>
-                <a:spcPct val="100000"/>
-              </a:lnSpc>
-            </a:pPr>
-            <a:r>
-              <a:rPr lang="ko-KR" altLang="en-US" sz="2400" dirty="0"/>
-              <a:t>업캐스팅을 </a:t>
-            </a:r>
-            <a:r>
-              <a:rPr lang="ko-KR" altLang="en-US" sz="2400" b="1" dirty="0"/>
-              <a:t>최소 </a:t>
-            </a:r>
-            <a:r>
-              <a:rPr lang="en-US" altLang="ko-KR" sz="2400" b="1" dirty="0"/>
-              <a:t>1</a:t>
-            </a:r>
-            <a:r>
-              <a:rPr lang="ko-KR" altLang="en-US" sz="2400" b="1" dirty="0"/>
-              <a:t>회 이상 사용</a:t>
-            </a:r>
-            <a:endParaRPr lang="en-US" altLang="ko-KR" sz="2400" b="1" dirty="0"/>
-          </a:p>
-          <a:p>
-            <a:r>
-              <a:rPr lang="ko-KR" altLang="en-US" sz="2400" dirty="0"/>
-              <a:t>전투는 플레이어</a:t>
-            </a:r>
-            <a:r>
-              <a:rPr lang="en-US" altLang="ko-KR" sz="2400" dirty="0"/>
-              <a:t>-</a:t>
-            </a:r>
-            <a:r>
-              <a:rPr lang="ko-KR" altLang="en-US" sz="2400" dirty="0"/>
-              <a:t>몬스터</a:t>
-            </a:r>
-            <a:r>
-              <a:rPr lang="en-US" altLang="ko-KR" sz="2400" dirty="0"/>
-              <a:t>, NPC-</a:t>
-            </a:r>
-            <a:r>
-              <a:rPr lang="ko-KR" altLang="en-US" sz="2400" dirty="0"/>
-              <a:t>몬스터 간에 가능 </a:t>
-            </a:r>
-            <a:r>
-              <a:rPr lang="en-US" altLang="ko-KR" sz="2400" dirty="0"/>
-              <a:t>(</a:t>
-            </a:r>
-            <a:r>
-              <a:rPr lang="ko-KR" altLang="en-US" sz="2400" dirty="0"/>
-              <a:t>플레이어</a:t>
-            </a:r>
-            <a:r>
-              <a:rPr lang="en-US" altLang="ko-KR" sz="2400" dirty="0"/>
-              <a:t>-NPC</a:t>
-            </a:r>
-            <a:r>
-              <a:rPr lang="ko-KR" altLang="en-US" sz="2400" dirty="0"/>
-              <a:t>는 불가능</a:t>
-            </a:r>
-            <a:r>
-              <a:rPr lang="en-US" altLang="ko-KR" sz="2400" dirty="0"/>
-              <a:t>)</a:t>
-            </a:r>
-          </a:p>
-          <a:p>
-            <a:r>
-              <a:rPr lang="ko-KR" altLang="en-US" sz="2400" dirty="0"/>
-              <a:t>플레이어와 몬스터가 전투하는 부분을 코드로 작성</a:t>
-            </a:r>
-            <a:endParaRPr lang="en-US" altLang="ko-KR" sz="2400" dirty="0"/>
-          </a:p>
-          <a:p>
-            <a:pPr>
-              <a:lnSpc>
-                <a:spcPct val="100000"/>
-              </a:lnSpc>
-            </a:pPr>
-            <a:r>
-              <a:rPr lang="en-US" altLang="ko-KR" sz="2400" dirty="0"/>
-              <a:t>GitHub Repo.</a:t>
-            </a:r>
-            <a:r>
-              <a:rPr lang="ko-KR" altLang="en-US" sz="2400" dirty="0"/>
               <a:t> </a:t>
-            </a:r>
-            <a:r>
-              <a:rPr lang="en-US" altLang="ko-KR" sz="2400" dirty="0"/>
-              <a:t>URL</a:t>
-            </a:r>
-            <a:r>
-              <a:rPr lang="ko-KR" altLang="en-US" sz="2400" dirty="0"/>
-              <a:t>을 </a:t>
             </a:r>
             <a:r>
               <a:rPr lang="ko-KR" altLang="en-US" sz="2400" dirty="0" err="1"/>
@@ -12755,15 +12971,6 @@
               <a:rPr lang="ko-KR" altLang="en-US" sz="2400" dirty="0"/>
               <a:t> 댓글로 제출</a:t>
             </a:r>
-            <a:endParaRPr lang="en-US" altLang="ko-KR" sz="2400" dirty="0"/>
-          </a:p>
-          <a:p>
-            <a:pPr>
-              <a:lnSpc>
-                <a:spcPct val="100000"/>
-              </a:lnSpc>
-            </a:pPr>
-            <a:endParaRPr lang="en-US" altLang="ko-KR" dirty="0"/>
           </a:p>
         </p:txBody>
       </p:sp>
@@ -12772,7 +12979,7 @@
           <p:cNvPr id="4" name="날짜 개체 틀 3">
             <a:extLst>
               <a:ext uri="{FF2B5EF4-FFF2-40B4-BE49-F238E27FC236}">
-                <a16:creationId xmlns:a16="http://schemas.microsoft.com/office/drawing/2014/main" id="{2BB93B23-5EDA-C750-9061-20730990D01D}"/>
+                <a16:creationId xmlns:a16="http://schemas.microsoft.com/office/drawing/2014/main" id="{4C69BC2E-AD28-23C5-57BD-996349412FCE}"/>
               </a:ext>
             </a:extLst>
           </p:cNvPr>
@@ -12801,7 +13008,7 @@
           <p:cNvPr id="5" name="슬라이드 번호 개체 틀 4">
             <a:extLst>
               <a:ext uri="{FF2B5EF4-FFF2-40B4-BE49-F238E27FC236}">
-                <a16:creationId xmlns:a16="http://schemas.microsoft.com/office/drawing/2014/main" id="{D9EACB81-43EA-ED0A-2ED8-172AC52BD606}"/>
+                <a16:creationId xmlns:a16="http://schemas.microsoft.com/office/drawing/2014/main" id="{855D83FF-CEA9-2FB0-DB5E-9D849984F50D}"/>
               </a:ext>
             </a:extLst>
           </p:cNvPr>
@@ -12828,7 +13035,7 @@
     </p:spTree>
     <p:extLst>
       <p:ext uri="{BB962C8B-B14F-4D97-AF65-F5344CB8AC3E}">
-        <p14:creationId xmlns:p14="http://schemas.microsoft.com/office/powerpoint/2010/main" val="269327268"/>
+        <p14:creationId xmlns:p14="http://schemas.microsoft.com/office/powerpoint/2010/main" val="937375202"/>
       </p:ext>
     </p:extLst>
   </p:cSld>
@@ -12893,28 +13100,12 @@
               <a:t>. </a:t>
             </a:r>
             <a:r>
-              <a:rPr lang="ko-KR" altLang="en-US" dirty="0" err="1">
-                <a:solidFill>
-                  <a:srgbClr val="00B050"/>
-                </a:solidFill>
-              </a:rPr>
-              <a:t>오버라이딩</a:t>
-            </a:r>
-            <a:r>
-              <a:rPr lang="en-US" altLang="ko-KR" dirty="0">
-                <a:solidFill>
-                  <a:srgbClr val="00B050"/>
-                </a:solidFill>
-              </a:rPr>
-              <a:t>, </a:t>
-            </a:r>
-            <a:r>
               <a:rPr lang="ko-KR" altLang="en-US" dirty="0">
                 <a:solidFill>
                   <a:srgbClr val="00B050"/>
                 </a:solidFill>
               </a:rPr>
-              <a:t>오버로딩</a:t>
+              <a:t>클래스 상속</a:t>
             </a:r>
           </a:p>
         </p:txBody>
@@ -12937,8 +13128,8 @@
         </p:nvSpPr>
         <p:spPr>
           <a:xfrm>
-            <a:off x="838200" y="1557867"/>
-            <a:ext cx="10515600" cy="4425838"/>
+            <a:off x="838200" y="1690687"/>
+            <a:ext cx="10515600" cy="4293017"/>
           </a:xfrm>
         </p:spPr>
         <p:txBody>
@@ -12953,65 +13144,18 @@
               </a:lnSpc>
             </a:pPr>
             <a:r>
-              <a:rPr lang="ko-KR" altLang="en-US" dirty="0"/>
-              <a:t>앞서 만든 </a:t>
-            </a:r>
-            <a:r>
-              <a:rPr lang="en-US" altLang="ko-KR" dirty="0"/>
-              <a:t>RPG </a:t>
-            </a:r>
-            <a:r>
-              <a:rPr lang="ko-KR" altLang="en-US" dirty="0"/>
-              <a:t>게임에서 부모 클래스에 </a:t>
-            </a:r>
-            <a:r>
-              <a:rPr lang="en-US" altLang="ko-KR" dirty="0"/>
-              <a:t>Talk() </a:t>
-            </a:r>
-            <a:r>
-              <a:rPr lang="ko-KR" altLang="en-US" dirty="0"/>
-              <a:t>메소드를 선언하고 자식 클래스는 </a:t>
-            </a:r>
-            <a:r>
-              <a:rPr lang="ko-KR" altLang="en-US" dirty="0" err="1"/>
-              <a:t>오버라이딩</a:t>
-            </a:r>
-            <a:r>
-              <a:rPr lang="ko-KR" altLang="en-US" dirty="0"/>
-              <a:t> 함 </a:t>
-            </a:r>
-            <a:r>
-              <a:rPr lang="en-US" altLang="ko-KR" b="1" dirty="0"/>
-              <a:t>(virtual, override </a:t>
-            </a:r>
-            <a:r>
-              <a:rPr lang="ko-KR" altLang="en-US" b="1" dirty="0"/>
-              <a:t>사용</a:t>
-            </a:r>
-            <a:r>
-              <a:rPr lang="en-US" altLang="ko-KR" b="1" dirty="0"/>
-              <a:t>)</a:t>
-            </a:r>
-          </a:p>
-          <a:p>
-            <a:pPr lvl="1">
-              <a:lnSpc>
-                <a:spcPct val="100000"/>
-              </a:lnSpc>
-            </a:pPr>
-            <a:r>
-              <a:rPr lang="ko-KR" altLang="en-US" dirty="0"/>
-              <a:t>캐릭터 별로 어울리는 대사를 </a:t>
-            </a:r>
-            <a:r>
-              <a:rPr lang="en-US" altLang="ko-KR" dirty="0" err="1"/>
-              <a:t>MessageBox</a:t>
-            </a:r>
-            <a:r>
-              <a:rPr lang="ko-KR" altLang="en-US" dirty="0"/>
-              <a:t>로 출력</a:t>
-            </a:r>
-            <a:endParaRPr lang="en-US" altLang="ko-KR" dirty="0"/>
+              <a:rPr lang="ko-KR" altLang="en-US" sz="2400" dirty="0"/>
+              <a:t>앞서 만들었던 롤플레잉 게임 </a:t>
+            </a:r>
+            <a:r>
+              <a:rPr lang="en-US" altLang="ko-KR" sz="2400" dirty="0"/>
+              <a:t>UML</a:t>
+            </a:r>
+            <a:r>
+              <a:rPr lang="ko-KR" altLang="en-US" sz="2400" dirty="0"/>
+              <a:t>을 참고하여 소스코드 작성</a:t>
+            </a:r>
+            <a:endParaRPr lang="en-US" altLang="ko-KR" sz="2400" dirty="0"/>
           </a:p>
           <a:p>
             <a:pPr>
@@ -13020,106 +13164,29 @@
               </a:lnSpc>
             </a:pPr>
             <a:r>
-              <a:rPr lang="ko-KR" altLang="en-US" dirty="0"/>
-              <a:t>플레이어에게 </a:t>
-            </a:r>
-            <a:r>
-              <a:rPr lang="en-US" altLang="ko-KR" dirty="0" err="1"/>
-              <a:t>LevelUp</a:t>
-            </a:r>
-            <a:r>
-              <a:rPr lang="en-US" altLang="ko-KR" dirty="0"/>
-              <a:t>() </a:t>
-            </a:r>
-            <a:r>
-              <a:rPr lang="ko-KR" altLang="en-US" dirty="0"/>
-              <a:t>메소드를 만들고</a:t>
-            </a:r>
-            <a:r>
-              <a:rPr lang="en-US" altLang="ko-KR" dirty="0"/>
-              <a:t> </a:t>
-            </a:r>
-            <a:r>
-              <a:rPr lang="ko-KR" altLang="en-US" dirty="0"/>
-              <a:t>오버로딩</a:t>
-            </a:r>
-            <a:endParaRPr lang="en-US" altLang="ko-KR" dirty="0"/>
-          </a:p>
-          <a:p>
-            <a:pPr lvl="1">
-              <a:lnSpc>
-                <a:spcPct val="100000"/>
-              </a:lnSpc>
-            </a:pPr>
-            <a:r>
-              <a:rPr lang="en-US" altLang="ko-KR" dirty="0"/>
-              <a:t>hp</a:t>
-            </a:r>
-            <a:r>
-              <a:rPr lang="ko-KR" altLang="en-US" dirty="0"/>
-              <a:t>만 입력 받으면 </a:t>
-            </a:r>
-            <a:r>
-              <a:rPr lang="en-US" altLang="ko-KR" dirty="0"/>
-              <a:t>hp </a:t>
-            </a:r>
-            <a:r>
-              <a:rPr lang="ko-KR" altLang="en-US" dirty="0"/>
-              <a:t>수치만 변경</a:t>
-            </a:r>
-            <a:endParaRPr lang="en-US" altLang="ko-KR" dirty="0"/>
-          </a:p>
-          <a:p>
-            <a:pPr lvl="1">
-              <a:lnSpc>
-                <a:spcPct val="100000"/>
-              </a:lnSpc>
-            </a:pPr>
-            <a:r>
-              <a:rPr lang="en-US" altLang="ko-KR" dirty="0"/>
-              <a:t>hp </a:t>
-            </a:r>
-            <a:r>
-              <a:rPr lang="ko-KR" altLang="en-US" dirty="0"/>
-              <a:t>및 </a:t>
-            </a:r>
-            <a:r>
-              <a:rPr lang="en-US" altLang="ko-KR" dirty="0"/>
-              <a:t>power</a:t>
-            </a:r>
-            <a:r>
-              <a:rPr lang="ko-KR" altLang="en-US" dirty="0"/>
-              <a:t>를 입력 받으면 </a:t>
-            </a:r>
-            <a:r>
-              <a:rPr lang="en-US" altLang="ko-KR" dirty="0"/>
-              <a:t>hp </a:t>
-            </a:r>
-            <a:r>
-              <a:rPr lang="ko-KR" altLang="en-US" dirty="0"/>
-              <a:t>및 </a:t>
-            </a:r>
-            <a:r>
-              <a:rPr lang="en-US" altLang="ko-KR" dirty="0"/>
-              <a:t>power </a:t>
-            </a:r>
-            <a:r>
-              <a:rPr lang="ko-KR" altLang="en-US" dirty="0"/>
-              <a:t>수치를 변경</a:t>
-            </a:r>
-            <a:endParaRPr lang="en-US" altLang="ko-KR" dirty="0"/>
-          </a:p>
-          <a:p>
-            <a:pPr lvl="1">
-              <a:lnSpc>
-                <a:spcPct val="100000"/>
-              </a:lnSpc>
-            </a:pPr>
-            <a:r>
-              <a:rPr lang="ko-KR" altLang="en-US" dirty="0"/>
-              <a:t>아무것도 입력 받지 않았다면 적당한 오류 메시지를 반환</a:t>
-            </a:r>
-            <a:endParaRPr lang="en-US" altLang="ko-KR" dirty="0"/>
+              <a:rPr lang="ko-KR" altLang="en-US" sz="2400" dirty="0"/>
+              <a:t>기능 구현이 불가능한 부분</a:t>
+            </a:r>
+            <a:r>
+              <a:rPr lang="en-US" altLang="ko-KR" sz="2400" dirty="0"/>
+              <a:t>(</a:t>
+            </a:r>
+            <a:r>
+              <a:rPr lang="ko-KR" altLang="en-US" sz="2400" dirty="0"/>
+              <a:t>플레이어 조작 등</a:t>
+            </a:r>
+            <a:r>
+              <a:rPr lang="en-US" altLang="ko-KR" sz="2400" dirty="0"/>
+              <a:t>)</a:t>
+            </a:r>
+            <a:r>
+              <a:rPr lang="ko-KR" altLang="en-US" sz="2400" dirty="0"/>
+              <a:t>은 메소드 이름만 작성하고 기능 구현은 하지 않아도 됨</a:t>
+            </a:r>
+            <a:r>
+              <a:rPr lang="en-US" altLang="ko-KR" sz="2400" dirty="0"/>
+              <a:t>!</a:t>
+            </a:r>
           </a:p>
           <a:p>
             <a:pPr>
@@ -13128,10 +13195,71 @@
               </a:lnSpc>
             </a:pPr>
             <a:r>
-              <a:rPr lang="ko-KR" altLang="en-US" dirty="0"/>
-              <a:t>위 두개 코드를 모두 테스트 </a:t>
-            </a:r>
-            <a:endParaRPr lang="en-US" altLang="ko-KR" dirty="0"/>
+              <a:rPr lang="ko-KR" altLang="en-US" sz="2400" dirty="0"/>
+              <a:t>업캐스팅을 </a:t>
+            </a:r>
+            <a:r>
+              <a:rPr lang="ko-KR" altLang="en-US" sz="2400" b="1" dirty="0"/>
+              <a:t>최소 </a:t>
+            </a:r>
+            <a:r>
+              <a:rPr lang="en-US" altLang="ko-KR" sz="2400" b="1" dirty="0"/>
+              <a:t>1</a:t>
+            </a:r>
+            <a:r>
+              <a:rPr lang="ko-KR" altLang="en-US" sz="2400" b="1" dirty="0"/>
+              <a:t>회 이상 사용</a:t>
+            </a:r>
+            <a:endParaRPr lang="en-US" altLang="ko-KR" sz="2400" b="1" dirty="0"/>
+          </a:p>
+          <a:p>
+            <a:r>
+              <a:rPr lang="ko-KR" altLang="en-US" sz="2400" dirty="0"/>
+              <a:t>전투는 플레이어</a:t>
+            </a:r>
+            <a:r>
+              <a:rPr lang="en-US" altLang="ko-KR" sz="2400" dirty="0"/>
+              <a:t>-</a:t>
+            </a:r>
+            <a:r>
+              <a:rPr lang="ko-KR" altLang="en-US" sz="2400" dirty="0"/>
+              <a:t>몬스터</a:t>
+            </a:r>
+            <a:r>
+              <a:rPr lang="en-US" altLang="ko-KR" sz="2400" dirty="0"/>
+              <a:t>, NPC-</a:t>
+            </a:r>
+            <a:r>
+              <a:rPr lang="ko-KR" altLang="en-US" sz="2400" dirty="0"/>
+              <a:t>몬스터 간에 가능 </a:t>
+            </a:r>
+            <a:r>
+              <a:rPr lang="en-US" altLang="ko-KR" sz="2400" dirty="0"/>
+              <a:t>(</a:t>
+            </a:r>
+            <a:r>
+              <a:rPr lang="ko-KR" altLang="en-US" sz="2400" dirty="0"/>
+              <a:t>플레이어</a:t>
+            </a:r>
+            <a:r>
+              <a:rPr lang="en-US" altLang="ko-KR" sz="2400" dirty="0"/>
+              <a:t>-NPC</a:t>
+            </a:r>
+            <a:r>
+              <a:rPr lang="ko-KR" altLang="en-US" sz="2400" dirty="0"/>
+              <a:t>는 불가능</a:t>
+            </a:r>
+            <a:r>
+              <a:rPr lang="en-US" altLang="ko-KR" sz="2400" dirty="0"/>
+              <a:t>)</a:t>
+            </a:r>
+          </a:p>
+          <a:p>
+            <a:r>
+              <a:rPr lang="ko-KR" altLang="en-US" sz="2400" dirty="0"/>
+              <a:t>플레이어와 몬스터가 전투하는 부분을 코드로 작성</a:t>
+            </a:r>
+            <a:endParaRPr lang="en-US" altLang="ko-KR" sz="2400" dirty="0"/>
           </a:p>
           <a:p>
             <a:pPr>
@@ -13140,21 +13268,37 @@
               </a:lnSpc>
             </a:pPr>
             <a:r>
-              <a:rPr lang="en-US" altLang="ko-KR" dirty="0"/>
-              <a:t>GitHub Repo. URL</a:t>
-            </a:r>
-            <a:r>
-              <a:rPr lang="ko-KR" altLang="en-US" dirty="0"/>
+              <a:rPr lang="en-US" altLang="ko-KR" sz="2400" dirty="0"/>
+              <a:t>GitHub Repo.</a:t>
+            </a:r>
+            <a:r>
+              <a:rPr lang="ko-KR" altLang="en-US" sz="2400" dirty="0"/>
+              <a:t> </a:t>
+            </a:r>
+            <a:r>
+              <a:rPr lang="en-US" altLang="ko-KR" sz="2400" dirty="0"/>
+              <a:t>URL</a:t>
+            </a:r>
+            <a:r>
+              <a:rPr lang="ko-KR" altLang="en-US" sz="2400" dirty="0"/>
               <a:t>을 </a:t>
             </a:r>
             <a:r>
-              <a:rPr lang="ko-KR" altLang="en-US" dirty="0" err="1"/>
+              <a:rPr lang="ko-KR" altLang="en-US" sz="2400" dirty="0" err="1"/>
               <a:t>슬랙</a:t>
             </a:r>
             <a:r>
-              <a:rPr lang="ko-KR" altLang="en-US" dirty="0"/>
+              <a:rPr lang="ko-KR" altLang="en-US" sz="2400" dirty="0"/>
               <a:t> 댓글로 제출</a:t>
             </a:r>
+            <a:endParaRPr lang="en-US" altLang="ko-KR" sz="2400" dirty="0"/>
+          </a:p>
+          <a:p>
+            <a:pPr>
+              <a:lnSpc>
+                <a:spcPct val="100000"/>
+              </a:lnSpc>
+            </a:pPr>
             <a:endParaRPr lang="en-US" altLang="ko-KR" dirty="0"/>
           </a:p>
         </p:txBody>
@@ -13220,7 +13364,7 @@
     </p:spTree>
     <p:extLst>
       <p:ext uri="{BB962C8B-B14F-4D97-AF65-F5344CB8AC3E}">
-        <p14:creationId xmlns:p14="http://schemas.microsoft.com/office/powerpoint/2010/main" val="3595515013"/>
+        <p14:creationId xmlns:p14="http://schemas.microsoft.com/office/powerpoint/2010/main" val="269327268"/>
       </p:ext>
     </p:extLst>
   </p:cSld>
@@ -13252,7 +13396,7 @@
           <p:cNvPr id="2" name="제목 1">
             <a:extLst>
               <a:ext uri="{FF2B5EF4-FFF2-40B4-BE49-F238E27FC236}">
-                <a16:creationId xmlns:a16="http://schemas.microsoft.com/office/drawing/2014/main" id="{AD4E1A76-B03E-1906-B5D4-C25325F7A772}"/>
+                <a16:creationId xmlns:a16="http://schemas.microsoft.com/office/drawing/2014/main" id="{4CAA4559-683D-9F54-DD00-1B954E46517D}"/>
               </a:ext>
             </a:extLst>
           </p:cNvPr>
@@ -13269,60 +13413,12 @@
           <a:lstStyle/>
           <a:p>
             <a:r>
-              <a:rPr lang="ko-KR" altLang="en-US" dirty="0"/>
-              <a:t>정적 메소드</a:t>
-            </a:r>
-            <a:r>
-              <a:rPr lang="en-US" altLang="ko-KR" dirty="0"/>
-              <a:t>, </a:t>
-            </a:r>
-            <a:r>
-              <a:rPr lang="ko-KR" altLang="en-US" dirty="0"/>
-              <a:t>필드 </a:t>
-            </a:r>
-            <a:r>
-              <a:rPr lang="en-US" altLang="ko-KR" dirty="0"/>
-              <a:t>static</a:t>
-            </a:r>
-            <a:endParaRPr lang="ko-KR" altLang="en-US" dirty="0"/>
-          </a:p>
-        </p:txBody>
-      </p:sp>
-      <p:sp>
-        <p:nvSpPr>
-          <p:cNvPr id="3" name="내용 개체 틀 2">
-            <a:extLst>
-              <a:ext uri="{FF2B5EF4-FFF2-40B4-BE49-F238E27FC236}">
-                <a16:creationId xmlns:a16="http://schemas.microsoft.com/office/drawing/2014/main" id="{74C0FB2C-C359-E553-2436-E5EC195B48DC}"/>
-              </a:ext>
-            </a:extLst>
-          </p:cNvPr>
-          <p:cNvSpPr>
-            <a:spLocks noGrp="1"/>
-          </p:cNvSpPr>
-          <p:nvPr>
-            <p:ph idx="1"/>
-          </p:nvPr>
-        </p:nvSpPr>
-        <p:spPr/>
-        <p:txBody>
-          <a:bodyPr/>
-          <a:lstStyle/>
-          <a:p>
-            <a:r>
-              <a:rPr lang="ko-KR" altLang="en-US" dirty="0"/>
-              <a:t>인스턴스 생성 없이 사용 가능한 필드 또는 메소드</a:t>
-            </a:r>
-            <a:endParaRPr lang="en-US" altLang="ko-KR" dirty="0"/>
-          </a:p>
-          <a:p>
-            <a:r>
-              <a:rPr lang="en-US" altLang="ko-KR" dirty="0"/>
-              <a:t>Stack, Heap</a:t>
-            </a:r>
-            <a:r>
-              <a:rPr lang="ko-KR" altLang="en-US" dirty="0"/>
-              <a:t>이 아닌 </a:t>
+              <a:rPr lang="ko-KR" altLang="en-US" dirty="0">
+                <a:solidFill>
+                  <a:srgbClr val="00B050"/>
+                </a:solidFill>
+              </a:rPr>
+              <a:t>종합 실습</a:t>
             </a:r>
             <a:r>
               <a:rPr lang="en-US" altLang="ko-KR" dirty="0">
@@ -13330,7 +13426,150 @@
                   <a:srgbClr val="00B050"/>
                 </a:solidFill>
               </a:rPr>
-              <a:t>Static</a:t>
+              <a:t>. </a:t>
+            </a:r>
+            <a:r>
+              <a:rPr lang="ko-KR" altLang="en-US" dirty="0" err="1">
+                <a:solidFill>
+                  <a:srgbClr val="00B050"/>
+                </a:solidFill>
+              </a:rPr>
+              <a:t>오버라이딩</a:t>
+            </a:r>
+            <a:r>
+              <a:rPr lang="en-US" altLang="ko-KR" dirty="0">
+                <a:solidFill>
+                  <a:srgbClr val="00B050"/>
+                </a:solidFill>
+              </a:rPr>
+              <a:t>, </a:t>
+            </a:r>
+            <a:r>
+              <a:rPr lang="ko-KR" altLang="en-US" dirty="0">
+                <a:solidFill>
+                  <a:srgbClr val="00B050"/>
+                </a:solidFill>
+              </a:rPr>
+              <a:t>오버로딩</a:t>
+            </a:r>
+          </a:p>
+        </p:txBody>
+      </p:sp>
+      <p:sp>
+        <p:nvSpPr>
+          <p:cNvPr id="3" name="내용 개체 틀 2">
+            <a:extLst>
+              <a:ext uri="{FF2B5EF4-FFF2-40B4-BE49-F238E27FC236}">
+                <a16:creationId xmlns:a16="http://schemas.microsoft.com/office/drawing/2014/main" id="{A2A5F513-5ADC-7277-FFD6-5A12CF8053F1}"/>
+              </a:ext>
+            </a:extLst>
+          </p:cNvPr>
+          <p:cNvSpPr>
+            <a:spLocks noGrp="1"/>
+          </p:cNvSpPr>
+          <p:nvPr>
+            <p:ph idx="1"/>
+          </p:nvPr>
+        </p:nvSpPr>
+        <p:spPr>
+          <a:xfrm>
+            <a:off x="838200" y="1557867"/>
+            <a:ext cx="10515600" cy="4425838"/>
+          </a:xfrm>
+        </p:spPr>
+        <p:txBody>
+          <a:bodyPr>
+            <a:normAutofit/>
+          </a:bodyPr>
+          <a:lstStyle/>
+          <a:p>
+            <a:pPr>
+              <a:lnSpc>
+                <a:spcPct val="100000"/>
+              </a:lnSpc>
+            </a:pPr>
+            <a:r>
+              <a:rPr lang="ko-KR" altLang="en-US" dirty="0"/>
+              <a:t>앞서 만든 </a:t>
+            </a:r>
+            <a:r>
+              <a:rPr lang="en-US" altLang="ko-KR" dirty="0"/>
+              <a:t>RPG </a:t>
+            </a:r>
+            <a:r>
+              <a:rPr lang="ko-KR" altLang="en-US" dirty="0"/>
+              <a:t>게임에서 부모 클래스에 </a:t>
+            </a:r>
+            <a:r>
+              <a:rPr lang="en-US" altLang="ko-KR" dirty="0"/>
+              <a:t>Talk() </a:t>
+            </a:r>
+            <a:r>
+              <a:rPr lang="ko-KR" altLang="en-US" dirty="0"/>
+              <a:t>메소드를 선언하고 자식 클래스는 </a:t>
+            </a:r>
+            <a:r>
+              <a:rPr lang="ko-KR" altLang="en-US" dirty="0" err="1"/>
+              <a:t>오버라이딩</a:t>
+            </a:r>
+            <a:r>
+              <a:rPr lang="ko-KR" altLang="en-US" dirty="0"/>
+              <a:t> 함 </a:t>
+            </a:r>
+            <a:r>
+              <a:rPr lang="en-US" altLang="ko-KR" b="1" dirty="0"/>
+              <a:t>(virtual, override </a:t>
+            </a:r>
+            <a:r>
+              <a:rPr lang="ko-KR" altLang="en-US" b="1" dirty="0"/>
+              <a:t>사용</a:t>
+            </a:r>
+            <a:r>
+              <a:rPr lang="en-US" altLang="ko-KR" b="1" dirty="0"/>
+              <a:t>)</a:t>
+            </a:r>
+          </a:p>
+          <a:p>
+            <a:pPr lvl="1">
+              <a:lnSpc>
+                <a:spcPct val="100000"/>
+              </a:lnSpc>
+            </a:pPr>
+            <a:r>
+              <a:rPr lang="ko-KR" altLang="en-US" dirty="0"/>
+              <a:t>캐릭터 별로 어울리는 대사를 </a:t>
+            </a:r>
+            <a:r>
+              <a:rPr lang="en-US" altLang="ko-KR" dirty="0" err="1"/>
+              <a:t>MessageBox</a:t>
+            </a:r>
+            <a:r>
+              <a:rPr lang="ko-KR" altLang="en-US" dirty="0"/>
+              <a:t>로 출력</a:t>
+            </a:r>
+            <a:endParaRPr lang="en-US" altLang="ko-KR" dirty="0"/>
+          </a:p>
+          <a:p>
+            <a:pPr>
+              <a:lnSpc>
+                <a:spcPct val="100000"/>
+              </a:lnSpc>
+            </a:pPr>
+            <a:r>
+              <a:rPr lang="ko-KR" altLang="en-US" dirty="0"/>
+              <a:t>플레이어에게 </a:t>
+            </a:r>
+            <a:r>
+              <a:rPr lang="en-US" altLang="ko-KR" dirty="0" err="1"/>
+              <a:t>LevelUp</a:t>
+            </a:r>
+            <a:r>
+              <a:rPr lang="en-US" altLang="ko-KR" dirty="0"/>
+              <a:t>() </a:t>
+            </a:r>
+            <a:r>
+              <a:rPr lang="ko-KR" altLang="en-US" dirty="0"/>
+              <a:t>메소드를 만들고</a:t>
             </a:r>
             <a:r>
               <a:rPr lang="en-US" altLang="ko-KR" dirty="0"/>
@@ -13338,8 +13577,121 @@
             </a:r>
             <a:r>
               <a:rPr lang="ko-KR" altLang="en-US" dirty="0"/>
-              <a:t>영역에 할당 됨</a:t>
-            </a:r>
+              <a:t>오버로딩</a:t>
+            </a:r>
+            <a:endParaRPr lang="en-US" altLang="ko-KR" dirty="0"/>
+          </a:p>
+          <a:p>
+            <a:pPr lvl="1">
+              <a:lnSpc>
+                <a:spcPct val="100000"/>
+              </a:lnSpc>
+            </a:pPr>
+            <a:r>
+              <a:rPr lang="en-US" altLang="ko-KR" dirty="0"/>
+              <a:t>hp</a:t>
+            </a:r>
+            <a:r>
+              <a:rPr lang="ko-KR" altLang="en-US" dirty="0"/>
+              <a:t>만 입력 받으면 </a:t>
+            </a:r>
+            <a:r>
+              <a:rPr lang="en-US" altLang="ko-KR" dirty="0"/>
+              <a:t>hp </a:t>
+            </a:r>
+            <a:r>
+              <a:rPr lang="ko-KR" altLang="en-US" dirty="0"/>
+              <a:t>수치만 변경</a:t>
+            </a:r>
+            <a:endParaRPr lang="en-US" altLang="ko-KR" dirty="0"/>
+          </a:p>
+          <a:p>
+            <a:pPr lvl="1">
+              <a:lnSpc>
+                <a:spcPct val="100000"/>
+              </a:lnSpc>
+            </a:pPr>
+            <a:r>
+              <a:rPr lang="en-US" altLang="ko-KR" dirty="0"/>
+              <a:t>hp </a:t>
+            </a:r>
+            <a:r>
+              <a:rPr lang="ko-KR" altLang="en-US" dirty="0"/>
+              <a:t>및 </a:t>
+            </a:r>
+            <a:r>
+              <a:rPr lang="en-US" altLang="ko-KR" dirty="0"/>
+              <a:t>power</a:t>
+            </a:r>
+            <a:r>
+              <a:rPr lang="ko-KR" altLang="en-US" dirty="0"/>
+              <a:t>를 입력 받으면 </a:t>
+            </a:r>
+            <a:r>
+              <a:rPr lang="en-US" altLang="ko-KR" dirty="0"/>
+              <a:t>hp </a:t>
+            </a:r>
+            <a:r>
+              <a:rPr lang="ko-KR" altLang="en-US" dirty="0"/>
+              <a:t>및 </a:t>
+            </a:r>
+            <a:r>
+              <a:rPr lang="en-US" altLang="ko-KR" dirty="0"/>
+              <a:t>power </a:t>
+            </a:r>
+            <a:r>
+              <a:rPr lang="ko-KR" altLang="en-US" dirty="0"/>
+              <a:t>수치를 변경</a:t>
+            </a:r>
+            <a:endParaRPr lang="en-US" altLang="ko-KR" dirty="0"/>
+          </a:p>
+          <a:p>
+            <a:pPr lvl="1">
+              <a:lnSpc>
+                <a:spcPct val="100000"/>
+              </a:lnSpc>
+            </a:pPr>
+            <a:r>
+              <a:rPr lang="ko-KR" altLang="en-US" dirty="0"/>
+              <a:t>아무것도 입력 받지 않았다면 적당한 오류 메시지를 반환</a:t>
+            </a:r>
+            <a:endParaRPr lang="en-US" altLang="ko-KR" dirty="0"/>
+          </a:p>
+          <a:p>
+            <a:pPr>
+              <a:lnSpc>
+                <a:spcPct val="100000"/>
+              </a:lnSpc>
+            </a:pPr>
+            <a:r>
+              <a:rPr lang="ko-KR" altLang="en-US" dirty="0"/>
+              <a:t>위 두개 코드를 모두 테스트 </a:t>
+            </a:r>
+            <a:endParaRPr lang="en-US" altLang="ko-KR" dirty="0"/>
+          </a:p>
+          <a:p>
+            <a:pPr>
+              <a:lnSpc>
+                <a:spcPct val="100000"/>
+              </a:lnSpc>
+            </a:pPr>
+            <a:r>
+              <a:rPr lang="en-US" altLang="ko-KR" dirty="0"/>
+              <a:t>GitHub Repo. URL</a:t>
+            </a:r>
+            <a:r>
+              <a:rPr lang="ko-KR" altLang="en-US" dirty="0"/>
+              <a:t>을 </a:t>
+            </a:r>
+            <a:r>
+              <a:rPr lang="ko-KR" altLang="en-US" dirty="0" err="1"/>
+              <a:t>슬랙</a:t>
+            </a:r>
+            <a:r>
+              <a:rPr lang="ko-KR" altLang="en-US" dirty="0"/>
+              <a:t> 댓글로 제출</a:t>
+            </a:r>
+            <a:endParaRPr lang="en-US" altLang="ko-KR" dirty="0"/>
           </a:p>
         </p:txBody>
       </p:sp>
@@ -13348,7 +13700,7 @@
           <p:cNvPr id="4" name="날짜 개체 틀 3">
             <a:extLst>
               <a:ext uri="{FF2B5EF4-FFF2-40B4-BE49-F238E27FC236}">
-                <a16:creationId xmlns:a16="http://schemas.microsoft.com/office/drawing/2014/main" id="{2039AEE6-AFAD-5E7F-4701-52B3857B07E4}"/>
+                <a16:creationId xmlns:a16="http://schemas.microsoft.com/office/drawing/2014/main" id="{2BB93B23-5EDA-C750-9061-20730990D01D}"/>
               </a:ext>
             </a:extLst>
           </p:cNvPr>
@@ -13377,7 +13729,7 @@
           <p:cNvPr id="5" name="슬라이드 번호 개체 틀 4">
             <a:extLst>
               <a:ext uri="{FF2B5EF4-FFF2-40B4-BE49-F238E27FC236}">
-                <a16:creationId xmlns:a16="http://schemas.microsoft.com/office/drawing/2014/main" id="{5DBC6739-6C3E-0BE5-C69B-CD6CA183250E}"/>
+                <a16:creationId xmlns:a16="http://schemas.microsoft.com/office/drawing/2014/main" id="{D9EACB81-43EA-ED0A-2ED8-172AC52BD606}"/>
               </a:ext>
             </a:extLst>
           </p:cNvPr>
@@ -13401,825 +13753,10 @@
           </a:p>
         </p:txBody>
       </p:sp>
-      <p:pic>
-        <p:nvPicPr>
-          <p:cNvPr id="7" name="그림 6">
-            <a:extLst>
-              <a:ext uri="{FF2B5EF4-FFF2-40B4-BE49-F238E27FC236}">
-                <a16:creationId xmlns:a16="http://schemas.microsoft.com/office/drawing/2014/main" id="{3D38FC7B-5046-C8B6-8F88-39C794A144BF}"/>
-              </a:ext>
-            </a:extLst>
-          </p:cNvPr>
-          <p:cNvPicPr>
-            <a:picLocks noChangeAspect="1"/>
-          </p:cNvPicPr>
-          <p:nvPr/>
-        </p:nvPicPr>
-        <p:blipFill>
-          <a:blip r:embed="rId2"/>
-          <a:stretch>
-            <a:fillRect/>
-          </a:stretch>
-        </p:blipFill>
-        <p:spPr>
-          <a:xfrm>
-            <a:off x="402375" y="3199110"/>
-            <a:ext cx="4362990" cy="1637523"/>
-          </a:xfrm>
-          <a:prstGeom prst="rect">
-            <a:avLst/>
-          </a:prstGeom>
-        </p:spPr>
-      </p:pic>
-      <p:pic>
-        <p:nvPicPr>
-          <p:cNvPr id="9" name="그림 8">
-            <a:extLst>
-              <a:ext uri="{FF2B5EF4-FFF2-40B4-BE49-F238E27FC236}">
-                <a16:creationId xmlns:a16="http://schemas.microsoft.com/office/drawing/2014/main" id="{B5B41557-ECA3-6069-3716-75105B816EDD}"/>
-              </a:ext>
-            </a:extLst>
-          </p:cNvPr>
-          <p:cNvPicPr>
-            <a:picLocks noChangeAspect="1"/>
-          </p:cNvPicPr>
-          <p:nvPr/>
-        </p:nvPicPr>
-        <p:blipFill>
-          <a:blip r:embed="rId3"/>
-          <a:stretch>
-            <a:fillRect/>
-          </a:stretch>
-        </p:blipFill>
-        <p:spPr>
-          <a:xfrm>
-            <a:off x="4926729" y="3199110"/>
-            <a:ext cx="4875302" cy="2084612"/>
-          </a:xfrm>
-          <a:prstGeom prst="rect">
-            <a:avLst/>
-          </a:prstGeom>
-        </p:spPr>
-      </p:pic>
-      <p:pic>
-        <p:nvPicPr>
-          <p:cNvPr id="11" name="그림 10">
-            <a:extLst>
-              <a:ext uri="{FF2B5EF4-FFF2-40B4-BE49-F238E27FC236}">
-                <a16:creationId xmlns:a16="http://schemas.microsoft.com/office/drawing/2014/main" id="{4E39ECCD-A4F7-EA96-63B0-C06D20356D3C}"/>
-              </a:ext>
-            </a:extLst>
-          </p:cNvPr>
-          <p:cNvPicPr>
-            <a:picLocks noChangeAspect="1"/>
-          </p:cNvPicPr>
-          <p:nvPr/>
-        </p:nvPicPr>
-        <p:blipFill>
-          <a:blip r:embed="rId4"/>
-          <a:stretch>
-            <a:fillRect/>
-          </a:stretch>
-        </p:blipFill>
-        <p:spPr>
-          <a:xfrm>
-            <a:off x="10166327" y="3452039"/>
-            <a:ext cx="1462381" cy="1384594"/>
-          </a:xfrm>
-          <a:prstGeom prst="rect">
-            <a:avLst/>
-          </a:prstGeom>
-        </p:spPr>
-      </p:pic>
     </p:spTree>
     <p:extLst>
       <p:ext uri="{BB962C8B-B14F-4D97-AF65-F5344CB8AC3E}">
-        <p14:creationId xmlns:p14="http://schemas.microsoft.com/office/powerpoint/2010/main" val="973040642"/>
-      </p:ext>
-    </p:extLst>
-  </p:cSld>
-  <p:clrMapOvr>
-    <a:masterClrMapping/>
-  </p:clrMapOvr>
-</p:sld>
-</file>
-
-<file path=ppt/slides/slide28.xml><?xml version="1.0" encoding="utf-8"?>
-<p:sld xmlns:a="http://schemas.openxmlformats.org/drawingml/2006/main" xmlns:r="http://schemas.openxmlformats.org/officeDocument/2006/relationships" xmlns:p="http://schemas.openxmlformats.org/presentationml/2006/main">
-  <p:cSld>
-    <p:spTree>
-      <p:nvGrpSpPr>
-        <p:cNvPr id="1" name=""/>
-        <p:cNvGrpSpPr/>
-        <p:nvPr/>
-      </p:nvGrpSpPr>
-      <p:grpSpPr>
-        <a:xfrm>
-          <a:off x="0" y="0"/>
-          <a:ext cx="0" cy="0"/>
-          <a:chOff x="0" y="0"/>
-          <a:chExt cx="0" cy="0"/>
-        </a:xfrm>
-      </p:grpSpPr>
-      <p:pic>
-        <p:nvPicPr>
-          <p:cNvPr id="20" name="그림 19">
-            <a:extLst>
-              <a:ext uri="{FF2B5EF4-FFF2-40B4-BE49-F238E27FC236}">
-                <a16:creationId xmlns:a16="http://schemas.microsoft.com/office/drawing/2014/main" id="{D21313A4-2C45-96C2-EC88-278826B02108}"/>
-              </a:ext>
-            </a:extLst>
-          </p:cNvPr>
-          <p:cNvPicPr>
-            <a:picLocks noChangeAspect="1"/>
-          </p:cNvPicPr>
-          <p:nvPr/>
-        </p:nvPicPr>
-        <p:blipFill>
-          <a:blip r:embed="rId2"/>
-          <a:stretch>
-            <a:fillRect/>
-          </a:stretch>
-        </p:blipFill>
-        <p:spPr>
-          <a:xfrm>
-            <a:off x="1382485" y="2714255"/>
-            <a:ext cx="5409612" cy="3462708"/>
-          </a:xfrm>
-          <a:prstGeom prst="rect">
-            <a:avLst/>
-          </a:prstGeom>
-        </p:spPr>
-      </p:pic>
-      <p:sp>
-        <p:nvSpPr>
-          <p:cNvPr id="2" name="제목 1">
-            <a:extLst>
-              <a:ext uri="{FF2B5EF4-FFF2-40B4-BE49-F238E27FC236}">
-                <a16:creationId xmlns:a16="http://schemas.microsoft.com/office/drawing/2014/main" id="{6EE1B834-71A2-12EA-41A9-849FBEFB2E35}"/>
-              </a:ext>
-            </a:extLst>
-          </p:cNvPr>
-          <p:cNvSpPr>
-            <a:spLocks noGrp="1"/>
-          </p:cNvSpPr>
-          <p:nvPr>
-            <p:ph type="title"/>
-          </p:nvPr>
-        </p:nvSpPr>
-        <p:spPr/>
-        <p:txBody>
-          <a:bodyPr/>
-          <a:lstStyle/>
-          <a:p>
-            <a:r>
-              <a:rPr lang="ko-KR" altLang="en-US"/>
-              <a:t>값의 참조 </a:t>
-            </a:r>
-            <a:r>
-              <a:rPr lang="en-US" altLang="ko-KR"/>
-              <a:t>ref, out</a:t>
-            </a:r>
-            <a:endParaRPr lang="ko-KR" altLang="en-US"/>
-          </a:p>
-        </p:txBody>
-      </p:sp>
-      <p:sp>
-        <p:nvSpPr>
-          <p:cNvPr id="3" name="내용 개체 틀 2">
-            <a:extLst>
-              <a:ext uri="{FF2B5EF4-FFF2-40B4-BE49-F238E27FC236}">
-                <a16:creationId xmlns:a16="http://schemas.microsoft.com/office/drawing/2014/main" id="{78D4654C-0A7E-3145-0EDB-E722B84423AC}"/>
-              </a:ext>
-            </a:extLst>
-          </p:cNvPr>
-          <p:cNvSpPr>
-            <a:spLocks noGrp="1"/>
-          </p:cNvSpPr>
-          <p:nvPr>
-            <p:ph idx="1"/>
-          </p:nvPr>
-        </p:nvSpPr>
-        <p:spPr/>
-        <p:txBody>
-          <a:bodyPr/>
-          <a:lstStyle/>
-          <a:p>
-            <a:r>
-              <a:rPr lang="ko-KR" altLang="en-US" dirty="0"/>
-              <a:t>참조</a:t>
-            </a:r>
-            <a:endParaRPr lang="en-US" altLang="ko-KR" dirty="0"/>
-          </a:p>
-          <a:p>
-            <a:pPr lvl="1"/>
-            <a:r>
-              <a:rPr lang="ko-KR" altLang="en-US" dirty="0"/>
-              <a:t>값을 복사하는 것이 아니라 값의 링크</a:t>
-            </a:r>
-            <a:r>
-              <a:rPr lang="en-US" altLang="ko-KR" dirty="0"/>
-              <a:t>(</a:t>
-            </a:r>
-            <a:r>
-              <a:rPr lang="ko-KR" altLang="en-US" dirty="0" err="1"/>
-              <a:t>주소값</a:t>
-            </a:r>
-            <a:r>
-              <a:rPr lang="en-US" altLang="ko-KR" dirty="0"/>
-              <a:t>)</a:t>
-            </a:r>
-            <a:r>
-              <a:rPr lang="ko-KR" altLang="en-US" dirty="0"/>
-              <a:t>을 전달하는 것</a:t>
-            </a:r>
-          </a:p>
-        </p:txBody>
-      </p:sp>
-      <p:sp>
-        <p:nvSpPr>
-          <p:cNvPr id="4" name="날짜 개체 틀 3">
-            <a:extLst>
-              <a:ext uri="{FF2B5EF4-FFF2-40B4-BE49-F238E27FC236}">
-                <a16:creationId xmlns:a16="http://schemas.microsoft.com/office/drawing/2014/main" id="{F00E05F5-ACF2-580B-BF18-A5AFF7816C8B}"/>
-              </a:ext>
-            </a:extLst>
-          </p:cNvPr>
-          <p:cNvSpPr>
-            <a:spLocks noGrp="1"/>
-          </p:cNvSpPr>
-          <p:nvPr>
-            <p:ph type="dt" sz="half" idx="10"/>
-          </p:nvPr>
-        </p:nvSpPr>
-        <p:spPr/>
-        <p:txBody>
-          <a:bodyPr/>
-          <a:lstStyle/>
-          <a:p>
-            <a:fld id="{0F78D9C4-20C1-4B15-A116-16DC77AD9A1E}" type="datetime1">
-              <a:rPr lang="ko-KR" altLang="en-US" smtClean="0"/>
-              <a:t>2025-05-11</a:t>
-            </a:fld>
-            <a:endParaRPr lang="ko-KR" altLang="en-US"/>
-          </a:p>
-        </p:txBody>
-      </p:sp>
-      <p:sp>
-        <p:nvSpPr>
-          <p:cNvPr id="5" name="슬라이드 번호 개체 틀 4">
-            <a:extLst>
-              <a:ext uri="{FF2B5EF4-FFF2-40B4-BE49-F238E27FC236}">
-                <a16:creationId xmlns:a16="http://schemas.microsoft.com/office/drawing/2014/main" id="{49FC5A31-4F9C-9D69-4A6B-D879EB62895D}"/>
-              </a:ext>
-            </a:extLst>
-          </p:cNvPr>
-          <p:cNvSpPr>
-            <a:spLocks noGrp="1"/>
-          </p:cNvSpPr>
-          <p:nvPr>
-            <p:ph type="sldNum" sz="quarter" idx="12"/>
-          </p:nvPr>
-        </p:nvSpPr>
-        <p:spPr/>
-        <p:txBody>
-          <a:bodyPr/>
-          <a:lstStyle/>
-          <a:p>
-            <a:fld id="{083A2CE0-18CD-4102-B738-4ACFF9E68BA4}" type="slidenum">
-              <a:rPr lang="ko-KR" altLang="en-US" smtClean="0"/>
-              <a:t>28</a:t>
-            </a:fld>
-            <a:endParaRPr lang="ko-KR" altLang="en-US"/>
-          </a:p>
-        </p:txBody>
-      </p:sp>
-      <p:cxnSp>
-        <p:nvCxnSpPr>
-          <p:cNvPr id="9" name="직선 화살표 연결선 8">
-            <a:extLst>
-              <a:ext uri="{FF2B5EF4-FFF2-40B4-BE49-F238E27FC236}">
-                <a16:creationId xmlns:a16="http://schemas.microsoft.com/office/drawing/2014/main" id="{98C08913-0D62-8389-35BB-2C6D23418377}"/>
-              </a:ext>
-            </a:extLst>
-          </p:cNvPr>
-          <p:cNvCxnSpPr>
-            <a:cxnSpLocks/>
-          </p:cNvCxnSpPr>
-          <p:nvPr/>
-        </p:nvCxnSpPr>
-        <p:spPr>
-          <a:xfrm>
-            <a:off x="3442574" y="4683887"/>
-            <a:ext cx="387276" cy="1160737"/>
-          </a:xfrm>
-          <a:prstGeom prst="straightConnector1">
-            <a:avLst/>
-          </a:prstGeom>
-          <a:ln>
-            <a:solidFill>
-              <a:srgbClr val="00B050"/>
-            </a:solidFill>
-            <a:tailEnd type="triangle"/>
-          </a:ln>
-        </p:spPr>
-        <p:style>
-          <a:lnRef idx="3">
-            <a:schemeClr val="accent2"/>
-          </a:lnRef>
-          <a:fillRef idx="0">
-            <a:schemeClr val="accent2"/>
-          </a:fillRef>
-          <a:effectRef idx="2">
-            <a:schemeClr val="accent2"/>
-          </a:effectRef>
-          <a:fontRef idx="minor">
-            <a:schemeClr val="tx1"/>
-          </a:fontRef>
-        </p:style>
-      </p:cxnSp>
-      <p:sp>
-        <p:nvSpPr>
-          <p:cNvPr id="11" name="TextBox 10">
-            <a:extLst>
-              <a:ext uri="{FF2B5EF4-FFF2-40B4-BE49-F238E27FC236}">
-                <a16:creationId xmlns:a16="http://schemas.microsoft.com/office/drawing/2014/main" id="{8F6AB2BF-7F56-38F4-FB26-4A2BA6B60BFC}"/>
-              </a:ext>
-            </a:extLst>
-          </p:cNvPr>
-          <p:cNvSpPr txBox="1"/>
-          <p:nvPr/>
-        </p:nvSpPr>
-        <p:spPr>
-          <a:xfrm>
-            <a:off x="3691257" y="5079589"/>
-            <a:ext cx="1247457" cy="369332"/>
-          </a:xfrm>
-          <a:prstGeom prst="rect">
-            <a:avLst/>
-          </a:prstGeom>
-          <a:noFill/>
-        </p:spPr>
-        <p:txBody>
-          <a:bodyPr wrap="none" rtlCol="0">
-            <a:spAutoFit/>
-          </a:bodyPr>
-          <a:lstStyle/>
-          <a:p>
-            <a:r>
-              <a:rPr lang="ko-KR" altLang="en-US"/>
-              <a:t>값이 복사됨</a:t>
-            </a:r>
-            <a:endParaRPr lang="ko-KR" altLang="en-US" dirty="0"/>
-          </a:p>
-        </p:txBody>
-      </p:sp>
-      <p:pic>
-        <p:nvPicPr>
-          <p:cNvPr id="17" name="그림 16">
-            <a:extLst>
-              <a:ext uri="{FF2B5EF4-FFF2-40B4-BE49-F238E27FC236}">
-                <a16:creationId xmlns:a16="http://schemas.microsoft.com/office/drawing/2014/main" id="{F7645DBF-D7EA-D16A-F5EB-F5E3188DED6D}"/>
-              </a:ext>
-            </a:extLst>
-          </p:cNvPr>
-          <p:cNvPicPr>
-            <a:picLocks noChangeAspect="1"/>
-          </p:cNvPicPr>
-          <p:nvPr/>
-        </p:nvPicPr>
-        <p:blipFill>
-          <a:blip r:embed="rId3"/>
-          <a:stretch>
-            <a:fillRect/>
-          </a:stretch>
-        </p:blipFill>
-        <p:spPr>
-          <a:xfrm>
-            <a:off x="7900961" y="3393313"/>
-            <a:ext cx="1652653" cy="1825605"/>
-          </a:xfrm>
-          <a:prstGeom prst="rect">
-            <a:avLst/>
-          </a:prstGeom>
-        </p:spPr>
-      </p:pic>
-      <p:sp>
-        <p:nvSpPr>
-          <p:cNvPr id="18" name="TextBox 17">
-            <a:extLst>
-              <a:ext uri="{FF2B5EF4-FFF2-40B4-BE49-F238E27FC236}">
-                <a16:creationId xmlns:a16="http://schemas.microsoft.com/office/drawing/2014/main" id="{1C640F04-8287-D9C6-FF1A-1B11E6D420FE}"/>
-              </a:ext>
-            </a:extLst>
-          </p:cNvPr>
-          <p:cNvSpPr txBox="1"/>
-          <p:nvPr/>
-        </p:nvSpPr>
-        <p:spPr>
-          <a:xfrm>
-            <a:off x="7197062" y="5373008"/>
-            <a:ext cx="3060453" cy="646331"/>
-          </a:xfrm>
-          <a:prstGeom prst="rect">
-            <a:avLst/>
-          </a:prstGeom>
-          <a:noFill/>
-        </p:spPr>
-        <p:txBody>
-          <a:bodyPr wrap="none" rtlCol="0">
-            <a:spAutoFit/>
-          </a:bodyPr>
-          <a:lstStyle/>
-          <a:p>
-            <a:r>
-              <a:rPr lang="ko-KR" altLang="en-US" dirty="0"/>
-              <a:t>값이 복사</a:t>
-            </a:r>
-            <a:r>
-              <a:rPr lang="en-US" altLang="ko-KR" dirty="0"/>
-              <a:t>(Copy)</a:t>
-            </a:r>
-            <a:r>
-              <a:rPr lang="ko-KR" altLang="en-US" dirty="0"/>
-              <a:t>되었기 때문에 </a:t>
-            </a:r>
-            <a:endParaRPr lang="en-US" altLang="ko-KR" dirty="0"/>
-          </a:p>
-          <a:p>
-            <a:r>
-              <a:rPr lang="en-US" altLang="ko-KR" dirty="0"/>
-              <a:t>num </a:t>
-            </a:r>
-            <a:r>
-              <a:rPr lang="ko-KR" altLang="en-US" dirty="0"/>
-              <a:t>변수의 값은 변화가 없음</a:t>
-            </a:r>
-          </a:p>
-        </p:txBody>
-      </p:sp>
-    </p:spTree>
-    <p:extLst>
-      <p:ext uri="{BB962C8B-B14F-4D97-AF65-F5344CB8AC3E}">
-        <p14:creationId xmlns:p14="http://schemas.microsoft.com/office/powerpoint/2010/main" val="2611527452"/>
-      </p:ext>
-    </p:extLst>
-  </p:cSld>
-  <p:clrMapOvr>
-    <a:masterClrMapping/>
-  </p:clrMapOvr>
-</p:sld>
-</file>
-
-<file path=ppt/slides/slide29.xml><?xml version="1.0" encoding="utf-8"?>
-<p:sld xmlns:a="http://schemas.openxmlformats.org/drawingml/2006/main" xmlns:r="http://schemas.openxmlformats.org/officeDocument/2006/relationships" xmlns:p="http://schemas.openxmlformats.org/presentationml/2006/main">
-  <p:cSld>
-    <p:spTree>
-      <p:nvGrpSpPr>
-        <p:cNvPr id="1" name=""/>
-        <p:cNvGrpSpPr/>
-        <p:nvPr/>
-      </p:nvGrpSpPr>
-      <p:grpSpPr>
-        <a:xfrm>
-          <a:off x="0" y="0"/>
-          <a:ext cx="0" cy="0"/>
-          <a:chOff x="0" y="0"/>
-          <a:chExt cx="0" cy="0"/>
-        </a:xfrm>
-      </p:grpSpPr>
-      <p:pic>
-        <p:nvPicPr>
-          <p:cNvPr id="14" name="그림 13">
-            <a:extLst>
-              <a:ext uri="{FF2B5EF4-FFF2-40B4-BE49-F238E27FC236}">
-                <a16:creationId xmlns:a16="http://schemas.microsoft.com/office/drawing/2014/main" id="{9FCB801D-DF91-7ABB-D5B0-5904B2ADD921}"/>
-              </a:ext>
-            </a:extLst>
-          </p:cNvPr>
-          <p:cNvPicPr>
-            <a:picLocks noChangeAspect="1"/>
-          </p:cNvPicPr>
-          <p:nvPr/>
-        </p:nvPicPr>
-        <p:blipFill>
-          <a:blip r:embed="rId2"/>
-          <a:stretch>
-            <a:fillRect/>
-          </a:stretch>
-        </p:blipFill>
-        <p:spPr>
-          <a:xfrm>
-            <a:off x="1130267" y="2707548"/>
-            <a:ext cx="5398411" cy="3469415"/>
-          </a:xfrm>
-          <a:prstGeom prst="rect">
-            <a:avLst/>
-          </a:prstGeom>
-        </p:spPr>
-      </p:pic>
-      <p:sp>
-        <p:nvSpPr>
-          <p:cNvPr id="2" name="제목 1">
-            <a:extLst>
-              <a:ext uri="{FF2B5EF4-FFF2-40B4-BE49-F238E27FC236}">
-                <a16:creationId xmlns:a16="http://schemas.microsoft.com/office/drawing/2014/main" id="{6EE1B834-71A2-12EA-41A9-849FBEFB2E35}"/>
-              </a:ext>
-            </a:extLst>
-          </p:cNvPr>
-          <p:cNvSpPr>
-            <a:spLocks noGrp="1"/>
-          </p:cNvSpPr>
-          <p:nvPr>
-            <p:ph type="title"/>
-          </p:nvPr>
-        </p:nvSpPr>
-        <p:spPr/>
-        <p:txBody>
-          <a:bodyPr/>
-          <a:lstStyle/>
-          <a:p>
-            <a:r>
-              <a:rPr lang="ko-KR" altLang="en-US"/>
-              <a:t>값의 참조 </a:t>
-            </a:r>
-            <a:r>
-              <a:rPr lang="en-US" altLang="ko-KR"/>
-              <a:t>ref, out</a:t>
-            </a:r>
-            <a:endParaRPr lang="ko-KR" altLang="en-US"/>
-          </a:p>
-        </p:txBody>
-      </p:sp>
-      <p:sp>
-        <p:nvSpPr>
-          <p:cNvPr id="3" name="내용 개체 틀 2">
-            <a:extLst>
-              <a:ext uri="{FF2B5EF4-FFF2-40B4-BE49-F238E27FC236}">
-                <a16:creationId xmlns:a16="http://schemas.microsoft.com/office/drawing/2014/main" id="{78D4654C-0A7E-3145-0EDB-E722B84423AC}"/>
-              </a:ext>
-            </a:extLst>
-          </p:cNvPr>
-          <p:cNvSpPr>
-            <a:spLocks noGrp="1"/>
-          </p:cNvSpPr>
-          <p:nvPr>
-            <p:ph idx="1"/>
-          </p:nvPr>
-        </p:nvSpPr>
-        <p:spPr/>
-        <p:txBody>
-          <a:bodyPr/>
-          <a:lstStyle/>
-          <a:p>
-            <a:r>
-              <a:rPr lang="ko-KR" altLang="en-US" dirty="0"/>
-              <a:t>값을 복사하는 것이 아니라 값의 메모리 상의 </a:t>
-            </a:r>
-            <a:r>
-              <a:rPr lang="ko-KR" altLang="en-US" dirty="0" err="1"/>
-              <a:t>주소값을</a:t>
-            </a:r>
-            <a:r>
-              <a:rPr lang="ko-KR" altLang="en-US" dirty="0"/>
-              <a:t> 전달하기 때문에 </a:t>
-            </a:r>
-            <a:r>
-              <a:rPr lang="ko-KR" altLang="en-US" dirty="0" err="1"/>
-              <a:t>스코프를</a:t>
-            </a:r>
-            <a:r>
-              <a:rPr lang="ko-KR" altLang="en-US" dirty="0"/>
-              <a:t> 벗어나도 원래 값을 변경할 수 있음</a:t>
-            </a:r>
-          </a:p>
-        </p:txBody>
-      </p:sp>
-      <p:sp>
-        <p:nvSpPr>
-          <p:cNvPr id="4" name="날짜 개체 틀 3">
-            <a:extLst>
-              <a:ext uri="{FF2B5EF4-FFF2-40B4-BE49-F238E27FC236}">
-                <a16:creationId xmlns:a16="http://schemas.microsoft.com/office/drawing/2014/main" id="{F00E05F5-ACF2-580B-BF18-A5AFF7816C8B}"/>
-              </a:ext>
-            </a:extLst>
-          </p:cNvPr>
-          <p:cNvSpPr>
-            <a:spLocks noGrp="1"/>
-          </p:cNvSpPr>
-          <p:nvPr>
-            <p:ph type="dt" sz="half" idx="10"/>
-          </p:nvPr>
-        </p:nvSpPr>
-        <p:spPr/>
-        <p:txBody>
-          <a:bodyPr/>
-          <a:lstStyle/>
-          <a:p>
-            <a:fld id="{0F78D9C4-20C1-4B15-A116-16DC77AD9A1E}" type="datetime1">
-              <a:rPr lang="ko-KR" altLang="en-US" smtClean="0"/>
-              <a:t>2025-05-11</a:t>
-            </a:fld>
-            <a:endParaRPr lang="ko-KR" altLang="en-US"/>
-          </a:p>
-        </p:txBody>
-      </p:sp>
-      <p:sp>
-        <p:nvSpPr>
-          <p:cNvPr id="5" name="슬라이드 번호 개체 틀 4">
-            <a:extLst>
-              <a:ext uri="{FF2B5EF4-FFF2-40B4-BE49-F238E27FC236}">
-                <a16:creationId xmlns:a16="http://schemas.microsoft.com/office/drawing/2014/main" id="{49FC5A31-4F9C-9D69-4A6B-D879EB62895D}"/>
-              </a:ext>
-            </a:extLst>
-          </p:cNvPr>
-          <p:cNvSpPr>
-            <a:spLocks noGrp="1"/>
-          </p:cNvSpPr>
-          <p:nvPr>
-            <p:ph type="sldNum" sz="quarter" idx="12"/>
-          </p:nvPr>
-        </p:nvSpPr>
-        <p:spPr/>
-        <p:txBody>
-          <a:bodyPr/>
-          <a:lstStyle/>
-          <a:p>
-            <a:fld id="{083A2CE0-18CD-4102-B738-4ACFF9E68BA4}" type="slidenum">
-              <a:rPr lang="ko-KR" altLang="en-US" smtClean="0"/>
-              <a:t>29</a:t>
-            </a:fld>
-            <a:endParaRPr lang="ko-KR" altLang="en-US" dirty="0"/>
-          </a:p>
-        </p:txBody>
-      </p:sp>
-      <p:cxnSp>
-        <p:nvCxnSpPr>
-          <p:cNvPr id="9" name="직선 화살표 연결선 8">
-            <a:extLst>
-              <a:ext uri="{FF2B5EF4-FFF2-40B4-BE49-F238E27FC236}">
-                <a16:creationId xmlns:a16="http://schemas.microsoft.com/office/drawing/2014/main" id="{98C08913-0D62-8389-35BB-2C6D23418377}"/>
-              </a:ext>
-            </a:extLst>
-          </p:cNvPr>
-          <p:cNvCxnSpPr>
-            <a:cxnSpLocks/>
-          </p:cNvCxnSpPr>
-          <p:nvPr/>
-        </p:nvCxnSpPr>
-        <p:spPr>
-          <a:xfrm>
-            <a:off x="3624186" y="4647093"/>
-            <a:ext cx="387276" cy="1160737"/>
-          </a:xfrm>
-          <a:prstGeom prst="straightConnector1">
-            <a:avLst/>
-          </a:prstGeom>
-          <a:ln>
-            <a:solidFill>
-              <a:srgbClr val="00B050"/>
-            </a:solidFill>
-            <a:tailEnd type="triangle"/>
-          </a:ln>
-        </p:spPr>
-        <p:style>
-          <a:lnRef idx="3">
-            <a:schemeClr val="accent2"/>
-          </a:lnRef>
-          <a:fillRef idx="0">
-            <a:schemeClr val="accent2"/>
-          </a:fillRef>
-          <a:effectRef idx="2">
-            <a:schemeClr val="accent2"/>
-          </a:effectRef>
-          <a:fontRef idx="minor">
-            <a:schemeClr val="tx1"/>
-          </a:fontRef>
-        </p:style>
-      </p:cxnSp>
-      <p:sp>
-        <p:nvSpPr>
-          <p:cNvPr id="11" name="TextBox 10">
-            <a:extLst>
-              <a:ext uri="{FF2B5EF4-FFF2-40B4-BE49-F238E27FC236}">
-                <a16:creationId xmlns:a16="http://schemas.microsoft.com/office/drawing/2014/main" id="{8F6AB2BF-7F56-38F4-FB26-4A2BA6B60BFC}"/>
-              </a:ext>
-            </a:extLst>
-          </p:cNvPr>
-          <p:cNvSpPr txBox="1"/>
-          <p:nvPr/>
-        </p:nvSpPr>
-        <p:spPr>
-          <a:xfrm>
-            <a:off x="3961698" y="5053352"/>
-            <a:ext cx="1308371" cy="369332"/>
-          </a:xfrm>
-          <a:prstGeom prst="rect">
-            <a:avLst/>
-          </a:prstGeom>
-          <a:noFill/>
-        </p:spPr>
-        <p:txBody>
-          <a:bodyPr wrap="none" rtlCol="0">
-            <a:spAutoFit/>
-          </a:bodyPr>
-          <a:lstStyle/>
-          <a:p>
-            <a:r>
-              <a:rPr lang="ko-KR" altLang="en-US" dirty="0"/>
-              <a:t>값이 참조 됨</a:t>
-            </a:r>
-          </a:p>
-        </p:txBody>
-      </p:sp>
-      <p:sp>
-        <p:nvSpPr>
-          <p:cNvPr id="18" name="TextBox 17">
-            <a:extLst>
-              <a:ext uri="{FF2B5EF4-FFF2-40B4-BE49-F238E27FC236}">
-                <a16:creationId xmlns:a16="http://schemas.microsoft.com/office/drawing/2014/main" id="{1C640F04-8287-D9C6-FF1A-1B11E6D420FE}"/>
-              </a:ext>
-            </a:extLst>
-          </p:cNvPr>
-          <p:cNvSpPr txBox="1"/>
-          <p:nvPr/>
-        </p:nvSpPr>
-        <p:spPr>
-          <a:xfrm>
-            <a:off x="7585120" y="5238018"/>
-            <a:ext cx="3586238" cy="646331"/>
-          </a:xfrm>
-          <a:prstGeom prst="rect">
-            <a:avLst/>
-          </a:prstGeom>
-          <a:noFill/>
-        </p:spPr>
-        <p:txBody>
-          <a:bodyPr wrap="none" rtlCol="0">
-            <a:spAutoFit/>
-          </a:bodyPr>
-          <a:lstStyle/>
-          <a:p>
-            <a:r>
-              <a:rPr lang="ko-KR" altLang="en-US" dirty="0"/>
-              <a:t>값이 참조</a:t>
-            </a:r>
-            <a:r>
-              <a:rPr lang="en-US" altLang="ko-KR" dirty="0"/>
-              <a:t>(Reference)</a:t>
-            </a:r>
-            <a:r>
-              <a:rPr lang="ko-KR" altLang="en-US" dirty="0"/>
-              <a:t>되었기 때문에 </a:t>
-            </a:r>
-            <a:endParaRPr lang="en-US" altLang="ko-KR" dirty="0"/>
-          </a:p>
-          <a:p>
-            <a:r>
-              <a:rPr lang="en-US" altLang="ko-KR" dirty="0"/>
-              <a:t>num </a:t>
-            </a:r>
-            <a:r>
-              <a:rPr lang="ko-KR" altLang="en-US" dirty="0"/>
-              <a:t>변수의 값이 바뀜</a:t>
-            </a:r>
-          </a:p>
-        </p:txBody>
-      </p:sp>
-      <p:pic>
-        <p:nvPicPr>
-          <p:cNvPr id="10" name="그림 9">
-            <a:extLst>
-              <a:ext uri="{FF2B5EF4-FFF2-40B4-BE49-F238E27FC236}">
-                <a16:creationId xmlns:a16="http://schemas.microsoft.com/office/drawing/2014/main" id="{F266889D-EED2-EB79-66D6-7B552D227FD0}"/>
-              </a:ext>
-            </a:extLst>
-          </p:cNvPr>
-          <p:cNvPicPr>
-            <a:picLocks noChangeAspect="1"/>
-          </p:cNvPicPr>
-          <p:nvPr/>
-        </p:nvPicPr>
-        <p:blipFill>
-          <a:blip r:embed="rId3"/>
-          <a:stretch>
-            <a:fillRect/>
-          </a:stretch>
-        </p:blipFill>
-        <p:spPr>
-          <a:xfrm>
-            <a:off x="8101993" y="3435240"/>
-            <a:ext cx="1536426" cy="1536426"/>
-          </a:xfrm>
-          <a:prstGeom prst="rect">
-            <a:avLst/>
-          </a:prstGeom>
-        </p:spPr>
-      </p:pic>
-    </p:spTree>
-    <p:extLst>
-      <p:ext uri="{BB962C8B-B14F-4D97-AF65-F5344CB8AC3E}">
-        <p14:creationId xmlns:p14="http://schemas.microsoft.com/office/powerpoint/2010/main" val="1449989737"/>
+        <p14:creationId xmlns:p14="http://schemas.microsoft.com/office/powerpoint/2010/main" val="3595515013"/>
       </p:ext>
     </p:extLst>
   </p:cSld>
@@ -15239,2250 +14776,6 @@
     <p:extLst>
       <p:ext uri="{BB962C8B-B14F-4D97-AF65-F5344CB8AC3E}">
         <p14:creationId xmlns:p14="http://schemas.microsoft.com/office/powerpoint/2010/main" val="3616573791"/>
-      </p:ext>
-    </p:extLst>
-  </p:cSld>
-  <p:clrMapOvr>
-    <a:masterClrMapping/>
-  </p:clrMapOvr>
-</p:sld>
-</file>
-
-<file path=ppt/slides/slide30.xml><?xml version="1.0" encoding="utf-8"?>
-<p:sld xmlns:a="http://schemas.openxmlformats.org/drawingml/2006/main" xmlns:r="http://schemas.openxmlformats.org/officeDocument/2006/relationships" xmlns:p="http://schemas.openxmlformats.org/presentationml/2006/main">
-  <p:cSld>
-    <p:spTree>
-      <p:nvGrpSpPr>
-        <p:cNvPr id="1" name=""/>
-        <p:cNvGrpSpPr/>
-        <p:nvPr/>
-      </p:nvGrpSpPr>
-      <p:grpSpPr>
-        <a:xfrm>
-          <a:off x="0" y="0"/>
-          <a:ext cx="0" cy="0"/>
-          <a:chOff x="0" y="0"/>
-          <a:chExt cx="0" cy="0"/>
-        </a:xfrm>
-      </p:grpSpPr>
-      <p:pic>
-        <p:nvPicPr>
-          <p:cNvPr id="13" name="그림 12">
-            <a:extLst>
-              <a:ext uri="{FF2B5EF4-FFF2-40B4-BE49-F238E27FC236}">
-                <a16:creationId xmlns:a16="http://schemas.microsoft.com/office/drawing/2014/main" id="{F3C0B630-3BD2-8B0A-3A44-71CA48B79610}"/>
-              </a:ext>
-            </a:extLst>
-          </p:cNvPr>
-          <p:cNvPicPr>
-            <a:picLocks noChangeAspect="1"/>
-          </p:cNvPicPr>
-          <p:nvPr/>
-        </p:nvPicPr>
-        <p:blipFill>
-          <a:blip r:embed="rId2"/>
-          <a:stretch>
-            <a:fillRect/>
-          </a:stretch>
-        </p:blipFill>
-        <p:spPr>
-          <a:xfrm>
-            <a:off x="1027115" y="2004350"/>
-            <a:ext cx="5207714" cy="3331306"/>
-          </a:xfrm>
-          <a:prstGeom prst="rect">
-            <a:avLst/>
-          </a:prstGeom>
-        </p:spPr>
-      </p:pic>
-      <p:sp>
-        <p:nvSpPr>
-          <p:cNvPr id="2" name="제목 1">
-            <a:extLst>
-              <a:ext uri="{FF2B5EF4-FFF2-40B4-BE49-F238E27FC236}">
-                <a16:creationId xmlns:a16="http://schemas.microsoft.com/office/drawing/2014/main" id="{6EE1B834-71A2-12EA-41A9-849FBEFB2E35}"/>
-              </a:ext>
-            </a:extLst>
-          </p:cNvPr>
-          <p:cNvSpPr>
-            <a:spLocks noGrp="1"/>
-          </p:cNvSpPr>
-          <p:nvPr>
-            <p:ph type="title"/>
-          </p:nvPr>
-        </p:nvSpPr>
-        <p:spPr/>
-        <p:txBody>
-          <a:bodyPr/>
-          <a:lstStyle/>
-          <a:p>
-            <a:r>
-              <a:rPr lang="ko-KR" altLang="en-US"/>
-              <a:t>값의 참조 </a:t>
-            </a:r>
-            <a:r>
-              <a:rPr lang="en-US" altLang="ko-KR"/>
-              <a:t>ref, out</a:t>
-            </a:r>
-            <a:endParaRPr lang="ko-KR" altLang="en-US"/>
-          </a:p>
-        </p:txBody>
-      </p:sp>
-      <p:sp>
-        <p:nvSpPr>
-          <p:cNvPr id="4" name="날짜 개체 틀 3">
-            <a:extLst>
-              <a:ext uri="{FF2B5EF4-FFF2-40B4-BE49-F238E27FC236}">
-                <a16:creationId xmlns:a16="http://schemas.microsoft.com/office/drawing/2014/main" id="{F00E05F5-ACF2-580B-BF18-A5AFF7816C8B}"/>
-              </a:ext>
-            </a:extLst>
-          </p:cNvPr>
-          <p:cNvSpPr>
-            <a:spLocks noGrp="1"/>
-          </p:cNvSpPr>
-          <p:nvPr>
-            <p:ph type="dt" sz="half" idx="10"/>
-          </p:nvPr>
-        </p:nvSpPr>
-        <p:spPr/>
-        <p:txBody>
-          <a:bodyPr/>
-          <a:lstStyle/>
-          <a:p>
-            <a:fld id="{0F78D9C4-20C1-4B15-A116-16DC77AD9A1E}" type="datetime1">
-              <a:rPr lang="ko-KR" altLang="en-US" smtClean="0"/>
-              <a:t>2025-05-11</a:t>
-            </a:fld>
-            <a:endParaRPr lang="ko-KR" altLang="en-US"/>
-          </a:p>
-        </p:txBody>
-      </p:sp>
-      <p:sp>
-        <p:nvSpPr>
-          <p:cNvPr id="5" name="슬라이드 번호 개체 틀 4">
-            <a:extLst>
-              <a:ext uri="{FF2B5EF4-FFF2-40B4-BE49-F238E27FC236}">
-                <a16:creationId xmlns:a16="http://schemas.microsoft.com/office/drawing/2014/main" id="{49FC5A31-4F9C-9D69-4A6B-D879EB62895D}"/>
-              </a:ext>
-            </a:extLst>
-          </p:cNvPr>
-          <p:cNvSpPr>
-            <a:spLocks noGrp="1"/>
-          </p:cNvSpPr>
-          <p:nvPr>
-            <p:ph type="sldNum" sz="quarter" idx="12"/>
-          </p:nvPr>
-        </p:nvSpPr>
-        <p:spPr/>
-        <p:txBody>
-          <a:bodyPr/>
-          <a:lstStyle/>
-          <a:p>
-            <a:fld id="{083A2CE0-18CD-4102-B738-4ACFF9E68BA4}" type="slidenum">
-              <a:rPr lang="ko-KR" altLang="en-US" smtClean="0"/>
-              <a:t>30</a:t>
-            </a:fld>
-            <a:endParaRPr lang="ko-KR" altLang="en-US"/>
-          </a:p>
-        </p:txBody>
-      </p:sp>
-      <p:cxnSp>
-        <p:nvCxnSpPr>
-          <p:cNvPr id="9" name="직선 화살표 연결선 8">
-            <a:extLst>
-              <a:ext uri="{FF2B5EF4-FFF2-40B4-BE49-F238E27FC236}">
-                <a16:creationId xmlns:a16="http://schemas.microsoft.com/office/drawing/2014/main" id="{98C08913-0D62-8389-35BB-2C6D23418377}"/>
-              </a:ext>
-            </a:extLst>
-          </p:cNvPr>
-          <p:cNvCxnSpPr>
-            <a:cxnSpLocks/>
-          </p:cNvCxnSpPr>
-          <p:nvPr/>
-        </p:nvCxnSpPr>
-        <p:spPr>
-          <a:xfrm>
-            <a:off x="3434567" y="3872640"/>
-            <a:ext cx="387276" cy="1160737"/>
-          </a:xfrm>
-          <a:prstGeom prst="straightConnector1">
-            <a:avLst/>
-          </a:prstGeom>
-          <a:ln>
-            <a:solidFill>
-              <a:srgbClr val="00B050"/>
-            </a:solidFill>
-            <a:tailEnd type="triangle"/>
-          </a:ln>
-        </p:spPr>
-        <p:style>
-          <a:lnRef idx="3">
-            <a:schemeClr val="accent2"/>
-          </a:lnRef>
-          <a:fillRef idx="0">
-            <a:schemeClr val="accent2"/>
-          </a:fillRef>
-          <a:effectRef idx="2">
-            <a:schemeClr val="accent2"/>
-          </a:effectRef>
-          <a:fontRef idx="minor">
-            <a:schemeClr val="tx1"/>
-          </a:fontRef>
-        </p:style>
-      </p:cxnSp>
-      <p:sp>
-        <p:nvSpPr>
-          <p:cNvPr id="11" name="TextBox 10">
-            <a:extLst>
-              <a:ext uri="{FF2B5EF4-FFF2-40B4-BE49-F238E27FC236}">
-                <a16:creationId xmlns:a16="http://schemas.microsoft.com/office/drawing/2014/main" id="{8F6AB2BF-7F56-38F4-FB26-4A2BA6B60BFC}"/>
-              </a:ext>
-            </a:extLst>
-          </p:cNvPr>
-          <p:cNvSpPr txBox="1"/>
-          <p:nvPr/>
-        </p:nvSpPr>
-        <p:spPr>
-          <a:xfrm>
-            <a:off x="3709210" y="4290985"/>
-            <a:ext cx="3732112" cy="369332"/>
-          </a:xfrm>
-          <a:prstGeom prst="rect">
-            <a:avLst/>
-          </a:prstGeom>
-          <a:noFill/>
-        </p:spPr>
-        <p:txBody>
-          <a:bodyPr wrap="none" rtlCol="0">
-            <a:spAutoFit/>
-          </a:bodyPr>
-          <a:lstStyle/>
-          <a:p>
-            <a:r>
-              <a:rPr lang="en-US" altLang="ko-KR"/>
-              <a:t>out</a:t>
-            </a:r>
-            <a:r>
-              <a:rPr lang="ko-KR" altLang="en-US"/>
-              <a:t>도 값의 참조</a:t>
-            </a:r>
-            <a:r>
-              <a:rPr lang="en-US" altLang="ko-KR"/>
-              <a:t>(Reference)</a:t>
-            </a:r>
-            <a:r>
-              <a:rPr lang="ko-KR" altLang="en-US"/>
-              <a:t>가 발생함</a:t>
-            </a:r>
-          </a:p>
-        </p:txBody>
-      </p:sp>
-      <p:sp>
-        <p:nvSpPr>
-          <p:cNvPr id="18" name="TextBox 17">
-            <a:extLst>
-              <a:ext uri="{FF2B5EF4-FFF2-40B4-BE49-F238E27FC236}">
-                <a16:creationId xmlns:a16="http://schemas.microsoft.com/office/drawing/2014/main" id="{1C640F04-8287-D9C6-FF1A-1B11E6D420FE}"/>
-              </a:ext>
-            </a:extLst>
-          </p:cNvPr>
-          <p:cNvSpPr txBox="1"/>
-          <p:nvPr/>
-        </p:nvSpPr>
-        <p:spPr>
-          <a:xfrm>
-            <a:off x="7789157" y="4453008"/>
-            <a:ext cx="1782860" cy="369332"/>
-          </a:xfrm>
-          <a:prstGeom prst="rect">
-            <a:avLst/>
-          </a:prstGeom>
-          <a:noFill/>
-        </p:spPr>
-        <p:txBody>
-          <a:bodyPr wrap="none" rtlCol="0">
-            <a:spAutoFit/>
-          </a:bodyPr>
-          <a:lstStyle/>
-          <a:p>
-            <a:r>
-              <a:rPr lang="en-US" altLang="ko-KR"/>
-              <a:t>ref</a:t>
-            </a:r>
-            <a:r>
-              <a:rPr lang="ko-KR" altLang="en-US"/>
-              <a:t>와 결과는 같음</a:t>
-            </a:r>
-          </a:p>
-        </p:txBody>
-      </p:sp>
-      <p:pic>
-        <p:nvPicPr>
-          <p:cNvPr id="10" name="그림 9">
-            <a:extLst>
-              <a:ext uri="{FF2B5EF4-FFF2-40B4-BE49-F238E27FC236}">
-                <a16:creationId xmlns:a16="http://schemas.microsoft.com/office/drawing/2014/main" id="{F266889D-EED2-EB79-66D6-7B552D227FD0}"/>
-              </a:ext>
-            </a:extLst>
-          </p:cNvPr>
-          <p:cNvPicPr>
-            <a:picLocks noChangeAspect="1"/>
-          </p:cNvPicPr>
-          <p:nvPr/>
-        </p:nvPicPr>
-        <p:blipFill>
-          <a:blip r:embed="rId3"/>
-          <a:stretch>
-            <a:fillRect/>
-          </a:stretch>
-        </p:blipFill>
-        <p:spPr>
-          <a:xfrm>
-            <a:off x="7912374" y="2660787"/>
-            <a:ext cx="1536426" cy="1536426"/>
-          </a:xfrm>
-          <a:prstGeom prst="rect">
-            <a:avLst/>
-          </a:prstGeom>
-        </p:spPr>
-      </p:pic>
-    </p:spTree>
-    <p:extLst>
-      <p:ext uri="{BB962C8B-B14F-4D97-AF65-F5344CB8AC3E}">
-        <p14:creationId xmlns:p14="http://schemas.microsoft.com/office/powerpoint/2010/main" val="3729364113"/>
-      </p:ext>
-    </p:extLst>
-  </p:cSld>
-  <p:clrMapOvr>
-    <a:masterClrMapping/>
-  </p:clrMapOvr>
-</p:sld>
-</file>
-
-<file path=ppt/slides/slide31.xml><?xml version="1.0" encoding="utf-8"?>
-<p:sld xmlns:a="http://schemas.openxmlformats.org/drawingml/2006/main" xmlns:r="http://schemas.openxmlformats.org/officeDocument/2006/relationships" xmlns:p="http://schemas.openxmlformats.org/presentationml/2006/main">
-  <p:cSld>
-    <p:spTree>
-      <p:nvGrpSpPr>
-        <p:cNvPr id="1" name=""/>
-        <p:cNvGrpSpPr/>
-        <p:nvPr/>
-      </p:nvGrpSpPr>
-      <p:grpSpPr>
-        <a:xfrm>
-          <a:off x="0" y="0"/>
-          <a:ext cx="0" cy="0"/>
-          <a:chOff x="0" y="0"/>
-          <a:chExt cx="0" cy="0"/>
-        </a:xfrm>
-      </p:grpSpPr>
-      <p:sp>
-        <p:nvSpPr>
-          <p:cNvPr id="2" name="제목 1">
-            <a:extLst>
-              <a:ext uri="{FF2B5EF4-FFF2-40B4-BE49-F238E27FC236}">
-                <a16:creationId xmlns:a16="http://schemas.microsoft.com/office/drawing/2014/main" id="{6EE1B834-71A2-12EA-41A9-849FBEFB2E35}"/>
-              </a:ext>
-            </a:extLst>
-          </p:cNvPr>
-          <p:cNvSpPr>
-            <a:spLocks noGrp="1"/>
-          </p:cNvSpPr>
-          <p:nvPr>
-            <p:ph type="title"/>
-          </p:nvPr>
-        </p:nvSpPr>
-        <p:spPr/>
-        <p:txBody>
-          <a:bodyPr/>
-          <a:lstStyle/>
-          <a:p>
-            <a:r>
-              <a:rPr lang="ko-KR" altLang="en-US"/>
-              <a:t>값의 참조 </a:t>
-            </a:r>
-            <a:r>
-              <a:rPr lang="en-US" altLang="ko-KR"/>
-              <a:t>ref, out</a:t>
-            </a:r>
-            <a:endParaRPr lang="ko-KR" altLang="en-US"/>
-          </a:p>
-        </p:txBody>
-      </p:sp>
-      <p:sp>
-        <p:nvSpPr>
-          <p:cNvPr id="3" name="내용 개체 틀 2">
-            <a:extLst>
-              <a:ext uri="{FF2B5EF4-FFF2-40B4-BE49-F238E27FC236}">
-                <a16:creationId xmlns:a16="http://schemas.microsoft.com/office/drawing/2014/main" id="{78D4654C-0A7E-3145-0EDB-E722B84423AC}"/>
-              </a:ext>
-            </a:extLst>
-          </p:cNvPr>
-          <p:cNvSpPr>
-            <a:spLocks noGrp="1"/>
-          </p:cNvSpPr>
-          <p:nvPr>
-            <p:ph idx="1"/>
-          </p:nvPr>
-        </p:nvSpPr>
-        <p:spPr/>
-        <p:txBody>
-          <a:bodyPr/>
-          <a:lstStyle/>
-          <a:p>
-            <a:r>
-              <a:rPr lang="ko-KR" altLang="en-US" sz="2800" dirty="0"/>
-              <a:t>복사보다 참조가 압도적으로 </a:t>
-            </a:r>
-            <a:r>
-              <a:rPr lang="ko-KR" altLang="en-US" sz="2800" dirty="0">
-                <a:solidFill>
-                  <a:srgbClr val="00B050"/>
-                </a:solidFill>
-              </a:rPr>
-              <a:t>빠르기 때문에</a:t>
-            </a:r>
-            <a:r>
-              <a:rPr lang="ko-KR" altLang="en-US" sz="2800" dirty="0"/>
-              <a:t> 큰 사이즈의 클래스</a:t>
-            </a:r>
-            <a:r>
-              <a:rPr lang="en-US" altLang="ko-KR" sz="2800" dirty="0"/>
-              <a:t>, </a:t>
-            </a:r>
-            <a:r>
-              <a:rPr lang="ko-KR" altLang="en-US" sz="2800" dirty="0"/>
-              <a:t>배열 등을 메소드에 전달 할 때 적극 이용</a:t>
-            </a:r>
-            <a:endParaRPr lang="en-US" altLang="ko-KR" dirty="0"/>
-          </a:p>
-          <a:p>
-            <a:r>
-              <a:rPr lang="en-US" altLang="ko-KR" dirty="0"/>
-              <a:t>ref</a:t>
-            </a:r>
-          </a:p>
-          <a:p>
-            <a:pPr lvl="1"/>
-            <a:r>
-              <a:rPr lang="ko-KR" altLang="en-US" dirty="0">
-                <a:solidFill>
-                  <a:srgbClr val="00B050"/>
-                </a:solidFill>
-              </a:rPr>
-              <a:t>메소드 밖</a:t>
-            </a:r>
-            <a:r>
-              <a:rPr lang="ko-KR" altLang="en-US" dirty="0"/>
-              <a:t>에서 변수를 참조하여 가져옴 </a:t>
-            </a:r>
-            <a:endParaRPr lang="en-US" altLang="ko-KR" dirty="0"/>
-          </a:p>
-          <a:p>
-            <a:pPr lvl="1"/>
-            <a:r>
-              <a:rPr lang="ko-KR" altLang="en-US" dirty="0"/>
-              <a:t>따라서</a:t>
-            </a:r>
-            <a:r>
-              <a:rPr lang="en-US" altLang="ko-KR" dirty="0"/>
-              <a:t>, ref </a:t>
-            </a:r>
-            <a:r>
-              <a:rPr lang="ko-KR" altLang="en-US" dirty="0"/>
-              <a:t>로 받아올 변수는 초기화가 필수 </a:t>
-            </a:r>
-            <a:r>
-              <a:rPr lang="en-US" altLang="ko-KR" dirty="0"/>
-              <a:t>(</a:t>
-            </a:r>
-            <a:r>
-              <a:rPr lang="ko-KR" altLang="en-US" dirty="0" err="1"/>
-              <a:t>비어있으면</a:t>
-            </a:r>
-            <a:r>
-              <a:rPr lang="ko-KR" altLang="en-US" dirty="0"/>
-              <a:t> 안됨</a:t>
-            </a:r>
-            <a:r>
-              <a:rPr lang="en-US" altLang="ko-KR" dirty="0"/>
-              <a:t>)</a:t>
-            </a:r>
-          </a:p>
-          <a:p>
-            <a:r>
-              <a:rPr lang="en-US" altLang="ko-KR" dirty="0"/>
-              <a:t>out</a:t>
-            </a:r>
-          </a:p>
-          <a:p>
-            <a:pPr lvl="1"/>
-            <a:r>
-              <a:rPr lang="ko-KR" altLang="en-US" dirty="0"/>
-              <a:t>메소드 안에서 참조된 변수의 값을 바꿈</a:t>
-            </a:r>
-            <a:endParaRPr lang="en-US" altLang="ko-KR" dirty="0"/>
-          </a:p>
-          <a:p>
-            <a:pPr lvl="1"/>
-            <a:r>
-              <a:rPr lang="ko-KR" altLang="en-US" dirty="0"/>
-              <a:t>따라서</a:t>
-            </a:r>
-            <a:r>
-              <a:rPr lang="en-US" altLang="ko-KR" dirty="0"/>
-              <a:t>, </a:t>
-            </a:r>
-            <a:r>
-              <a:rPr lang="ko-KR" altLang="en-US" dirty="0">
-                <a:solidFill>
-                  <a:srgbClr val="00B050"/>
-                </a:solidFill>
-              </a:rPr>
-              <a:t>메소드 안</a:t>
-            </a:r>
-            <a:r>
-              <a:rPr lang="ko-KR" altLang="en-US" dirty="0"/>
-              <a:t>에서 </a:t>
-            </a:r>
-            <a:r>
-              <a:rPr lang="en-US" altLang="ko-KR" dirty="0"/>
-              <a:t>out </a:t>
-            </a:r>
-            <a:r>
-              <a:rPr lang="ko-KR" altLang="en-US" dirty="0"/>
-              <a:t>변수의 값을 반드시 바꿔줘야 함</a:t>
-            </a:r>
-            <a:endParaRPr lang="en-US" altLang="ko-KR" dirty="0"/>
-          </a:p>
-        </p:txBody>
-      </p:sp>
-      <p:sp>
-        <p:nvSpPr>
-          <p:cNvPr id="4" name="날짜 개체 틀 3">
-            <a:extLst>
-              <a:ext uri="{FF2B5EF4-FFF2-40B4-BE49-F238E27FC236}">
-                <a16:creationId xmlns:a16="http://schemas.microsoft.com/office/drawing/2014/main" id="{F00E05F5-ACF2-580B-BF18-A5AFF7816C8B}"/>
-              </a:ext>
-            </a:extLst>
-          </p:cNvPr>
-          <p:cNvSpPr>
-            <a:spLocks noGrp="1"/>
-          </p:cNvSpPr>
-          <p:nvPr>
-            <p:ph type="dt" sz="half" idx="10"/>
-          </p:nvPr>
-        </p:nvSpPr>
-        <p:spPr/>
-        <p:txBody>
-          <a:bodyPr/>
-          <a:lstStyle/>
-          <a:p>
-            <a:fld id="{0F78D9C4-20C1-4B15-A116-16DC77AD9A1E}" type="datetime1">
-              <a:rPr lang="ko-KR" altLang="en-US" smtClean="0"/>
-              <a:t>2025-05-11</a:t>
-            </a:fld>
-            <a:endParaRPr lang="ko-KR" altLang="en-US"/>
-          </a:p>
-        </p:txBody>
-      </p:sp>
-      <p:sp>
-        <p:nvSpPr>
-          <p:cNvPr id="5" name="슬라이드 번호 개체 틀 4">
-            <a:extLst>
-              <a:ext uri="{FF2B5EF4-FFF2-40B4-BE49-F238E27FC236}">
-                <a16:creationId xmlns:a16="http://schemas.microsoft.com/office/drawing/2014/main" id="{49FC5A31-4F9C-9D69-4A6B-D879EB62895D}"/>
-              </a:ext>
-            </a:extLst>
-          </p:cNvPr>
-          <p:cNvSpPr>
-            <a:spLocks noGrp="1"/>
-          </p:cNvSpPr>
-          <p:nvPr>
-            <p:ph type="sldNum" sz="quarter" idx="12"/>
-          </p:nvPr>
-        </p:nvSpPr>
-        <p:spPr/>
-        <p:txBody>
-          <a:bodyPr/>
-          <a:lstStyle/>
-          <a:p>
-            <a:fld id="{083A2CE0-18CD-4102-B738-4ACFF9E68BA4}" type="slidenum">
-              <a:rPr lang="ko-KR" altLang="en-US" smtClean="0"/>
-              <a:t>31</a:t>
-            </a:fld>
-            <a:endParaRPr lang="ko-KR" altLang="en-US"/>
-          </a:p>
-        </p:txBody>
-      </p:sp>
-      <p:grpSp>
-        <p:nvGrpSpPr>
-          <p:cNvPr id="10" name="그룹 9">
-            <a:extLst>
-              <a:ext uri="{FF2B5EF4-FFF2-40B4-BE49-F238E27FC236}">
-                <a16:creationId xmlns:a16="http://schemas.microsoft.com/office/drawing/2014/main" id="{A9895DA8-474B-B5C1-0FF7-0E5987470DFB}"/>
-              </a:ext>
-            </a:extLst>
-          </p:cNvPr>
-          <p:cNvGrpSpPr/>
-          <p:nvPr/>
-        </p:nvGrpSpPr>
-        <p:grpSpPr>
-          <a:xfrm>
-            <a:off x="7641770" y="4083109"/>
-            <a:ext cx="4246124" cy="815226"/>
-            <a:chOff x="7728857" y="3234261"/>
-            <a:chExt cx="4246124" cy="815226"/>
-          </a:xfrm>
-        </p:grpSpPr>
-        <p:pic>
-          <p:nvPicPr>
-            <p:cNvPr id="8" name="그림 7">
-              <a:extLst>
-                <a:ext uri="{FF2B5EF4-FFF2-40B4-BE49-F238E27FC236}">
-                  <a16:creationId xmlns:a16="http://schemas.microsoft.com/office/drawing/2014/main" id="{B9C7E118-C546-2AD1-2BB8-8CD74603E853}"/>
-                </a:ext>
-              </a:extLst>
-            </p:cNvPr>
-            <p:cNvPicPr>
-              <a:picLocks noChangeAspect="1"/>
-            </p:cNvPicPr>
-            <p:nvPr/>
-          </p:nvPicPr>
-          <p:blipFill rotWithShape="1">
-            <a:blip r:embed="rId2"/>
-            <a:srcRect l="18117" t="24956" b="21050"/>
-            <a:stretch/>
-          </p:blipFill>
-          <p:spPr>
-            <a:xfrm>
-              <a:off x="7728857" y="3234261"/>
-              <a:ext cx="4246124" cy="815226"/>
-            </a:xfrm>
-            <a:prstGeom prst="rect">
-              <a:avLst/>
-            </a:prstGeom>
-          </p:spPr>
-        </p:pic>
-        <p:cxnSp>
-          <p:nvCxnSpPr>
-            <p:cNvPr id="12" name="직선 연결선 11">
-              <a:extLst>
-                <a:ext uri="{FF2B5EF4-FFF2-40B4-BE49-F238E27FC236}">
-                  <a16:creationId xmlns:a16="http://schemas.microsoft.com/office/drawing/2014/main" id="{DEADF01D-2E51-58F2-BC83-14CACBB9EE37}"/>
-                </a:ext>
-              </a:extLst>
-            </p:cNvPr>
-            <p:cNvCxnSpPr>
-              <a:cxnSpLocks/>
-            </p:cNvCxnSpPr>
-            <p:nvPr/>
-          </p:nvCxnSpPr>
-          <p:spPr>
-            <a:xfrm>
-              <a:off x="9517479" y="3783990"/>
-              <a:ext cx="2293522" cy="0"/>
-            </a:xfrm>
-            <a:prstGeom prst="line">
-              <a:avLst/>
-            </a:prstGeom>
-            <a:ln>
-              <a:solidFill>
-                <a:srgbClr val="00B050"/>
-              </a:solidFill>
-            </a:ln>
-          </p:spPr>
-          <p:style>
-            <a:lnRef idx="3">
-              <a:schemeClr val="accent2"/>
-            </a:lnRef>
-            <a:fillRef idx="0">
-              <a:schemeClr val="accent2"/>
-            </a:fillRef>
-            <a:effectRef idx="2">
-              <a:schemeClr val="accent2"/>
-            </a:effectRef>
-            <a:fontRef idx="minor">
-              <a:schemeClr val="tx1"/>
-            </a:fontRef>
-          </p:style>
-        </p:cxnSp>
-      </p:grpSp>
-      <p:pic>
-        <p:nvPicPr>
-          <p:cNvPr id="15" name="그림 14">
-            <a:extLst>
-              <a:ext uri="{FF2B5EF4-FFF2-40B4-BE49-F238E27FC236}">
-                <a16:creationId xmlns:a16="http://schemas.microsoft.com/office/drawing/2014/main" id="{4331E4CF-C3E0-5C44-66DD-ACACDA89884D}"/>
-              </a:ext>
-            </a:extLst>
-          </p:cNvPr>
-          <p:cNvPicPr>
-            <a:picLocks noChangeAspect="1"/>
-          </p:cNvPicPr>
-          <p:nvPr/>
-        </p:nvPicPr>
-        <p:blipFill rotWithShape="1">
-          <a:blip r:embed="rId3"/>
-          <a:srcRect l="29420" t="40317" b="3874"/>
-          <a:stretch/>
-        </p:blipFill>
-        <p:spPr>
-          <a:xfrm>
-            <a:off x="7641770" y="2804481"/>
-            <a:ext cx="3434401" cy="714341"/>
-          </a:xfrm>
-          <a:prstGeom prst="rect">
-            <a:avLst/>
-          </a:prstGeom>
-        </p:spPr>
-      </p:pic>
-    </p:spTree>
-    <p:extLst>
-      <p:ext uri="{BB962C8B-B14F-4D97-AF65-F5344CB8AC3E}">
-        <p14:creationId xmlns:p14="http://schemas.microsoft.com/office/powerpoint/2010/main" val="3920135462"/>
-      </p:ext>
-    </p:extLst>
-  </p:cSld>
-  <p:clrMapOvr>
-    <a:masterClrMapping/>
-  </p:clrMapOvr>
-</p:sld>
-</file>
-
-<file path=ppt/slides/slide32.xml><?xml version="1.0" encoding="utf-8"?>
-<p:sld xmlns:a="http://schemas.openxmlformats.org/drawingml/2006/main" xmlns:r="http://schemas.openxmlformats.org/officeDocument/2006/relationships" xmlns:p="http://schemas.openxmlformats.org/presentationml/2006/main">
-  <p:cSld>
-    <p:spTree>
-      <p:nvGrpSpPr>
-        <p:cNvPr id="1" name=""/>
-        <p:cNvGrpSpPr/>
-        <p:nvPr/>
-      </p:nvGrpSpPr>
-      <p:grpSpPr>
-        <a:xfrm>
-          <a:off x="0" y="0"/>
-          <a:ext cx="0" cy="0"/>
-          <a:chOff x="0" y="0"/>
-          <a:chExt cx="0" cy="0"/>
-        </a:xfrm>
-      </p:grpSpPr>
-      <p:sp>
-        <p:nvSpPr>
-          <p:cNvPr id="2" name="제목 1">
-            <a:extLst>
-              <a:ext uri="{FF2B5EF4-FFF2-40B4-BE49-F238E27FC236}">
-                <a16:creationId xmlns:a16="http://schemas.microsoft.com/office/drawing/2014/main" id="{37A23CDB-9AB5-3A30-73D5-A01A6EA1EE78}"/>
-              </a:ext>
-            </a:extLst>
-          </p:cNvPr>
-          <p:cNvSpPr>
-            <a:spLocks noGrp="1"/>
-          </p:cNvSpPr>
-          <p:nvPr>
-            <p:ph type="title"/>
-          </p:nvPr>
-        </p:nvSpPr>
-        <p:spPr/>
-        <p:txBody>
-          <a:bodyPr/>
-          <a:lstStyle/>
-          <a:p>
-            <a:r>
-              <a:rPr lang="ko-KR" altLang="en-US" dirty="0">
-                <a:solidFill>
-                  <a:srgbClr val="00B050"/>
-                </a:solidFill>
-              </a:rPr>
-              <a:t>실습</a:t>
-            </a:r>
-            <a:r>
-              <a:rPr lang="en-US" altLang="ko-KR" dirty="0">
-                <a:solidFill>
-                  <a:srgbClr val="00B050"/>
-                </a:solidFill>
-              </a:rPr>
-              <a:t>. </a:t>
-            </a:r>
-            <a:r>
-              <a:rPr lang="ko-KR" altLang="en-US" dirty="0">
-                <a:solidFill>
-                  <a:srgbClr val="00B050"/>
-                </a:solidFill>
-              </a:rPr>
-              <a:t>값의 참조</a:t>
-            </a:r>
-          </a:p>
-        </p:txBody>
-      </p:sp>
-      <p:sp>
-        <p:nvSpPr>
-          <p:cNvPr id="3" name="내용 개체 틀 2">
-            <a:extLst>
-              <a:ext uri="{FF2B5EF4-FFF2-40B4-BE49-F238E27FC236}">
-                <a16:creationId xmlns:a16="http://schemas.microsoft.com/office/drawing/2014/main" id="{D6BCA3D1-02E8-8BB7-864B-5BC464A464D1}"/>
-              </a:ext>
-            </a:extLst>
-          </p:cNvPr>
-          <p:cNvSpPr>
-            <a:spLocks noGrp="1"/>
-          </p:cNvSpPr>
-          <p:nvPr>
-            <p:ph idx="1"/>
-          </p:nvPr>
-        </p:nvSpPr>
-        <p:spPr/>
-        <p:txBody>
-          <a:bodyPr/>
-          <a:lstStyle/>
-          <a:p>
-            <a:r>
-              <a:rPr lang="ko-KR" altLang="en-US" dirty="0"/>
-              <a:t>아래와 같은 기능을 하는 </a:t>
-            </a:r>
-            <a:r>
-              <a:rPr lang="en-US" altLang="ko-KR" dirty="0"/>
-              <a:t>void </a:t>
-            </a:r>
-            <a:r>
-              <a:rPr lang="ko-KR" altLang="en-US" dirty="0"/>
-              <a:t>형 메소드 </a:t>
-            </a:r>
-            <a:r>
-              <a:rPr lang="en-US" altLang="ko-KR" dirty="0"/>
-              <a:t>2</a:t>
-            </a:r>
-            <a:r>
-              <a:rPr lang="ko-KR" altLang="en-US" dirty="0"/>
-              <a:t>개를 작성</a:t>
-            </a:r>
-            <a:endParaRPr lang="en-US" altLang="ko-KR" dirty="0"/>
-          </a:p>
-          <a:p>
-            <a:pPr marL="514350" indent="-514350">
-              <a:buFont typeface="+mj-lt"/>
-              <a:buAutoNum type="arabicPeriod"/>
-            </a:pPr>
-            <a:r>
-              <a:rPr lang="en-US" altLang="ko-KR" dirty="0"/>
-              <a:t>ref</a:t>
-            </a:r>
-            <a:r>
-              <a:rPr lang="ko-KR" altLang="en-US" dirty="0"/>
-              <a:t>를 사용하여 배열을 입력 받고</a:t>
-            </a:r>
-            <a:r>
-              <a:rPr lang="en-US" altLang="ko-KR" dirty="0"/>
-              <a:t>, </a:t>
-            </a:r>
-            <a:r>
-              <a:rPr lang="ko-KR" altLang="en-US" dirty="0"/>
-              <a:t>배열에 있는 값을 </a:t>
-            </a:r>
-            <a:r>
-              <a:rPr lang="en-US" altLang="ko-KR" dirty="0"/>
-              <a:t>1</a:t>
-            </a:r>
-            <a:r>
-              <a:rPr lang="ko-KR" altLang="en-US" dirty="0"/>
-              <a:t>부터 배열의 크기만큼 채워 줌</a:t>
-            </a:r>
-            <a:endParaRPr lang="en-US" altLang="ko-KR" dirty="0"/>
-          </a:p>
-          <a:p>
-            <a:pPr marL="514350" indent="-514350">
-              <a:buFont typeface="+mj-lt"/>
-              <a:buAutoNum type="arabicPeriod"/>
-            </a:pPr>
-            <a:r>
-              <a:rPr lang="en-US" altLang="ko-KR" dirty="0"/>
-              <a:t>out</a:t>
-            </a:r>
-            <a:r>
-              <a:rPr lang="ko-KR" altLang="en-US" dirty="0"/>
-              <a:t>을 사용하여 초기화 되지 않은</a:t>
-            </a:r>
-            <a:r>
-              <a:rPr lang="en-US" altLang="ko-KR" dirty="0"/>
-              <a:t>(new </a:t>
-            </a:r>
-            <a:r>
-              <a:rPr lang="ko-KR" altLang="en-US" dirty="0"/>
-              <a:t>적용 전</a:t>
-            </a:r>
-            <a:r>
-              <a:rPr lang="en-US" altLang="ko-KR" dirty="0"/>
-              <a:t>)</a:t>
-            </a:r>
-            <a:r>
-              <a:rPr lang="ko-KR" altLang="en-US" dirty="0"/>
-              <a:t> 배열</a:t>
-            </a:r>
-            <a:r>
-              <a:rPr lang="en-US" altLang="ko-KR" dirty="0"/>
-              <a:t>,</a:t>
-            </a:r>
-            <a:r>
-              <a:rPr lang="ko-KR" altLang="en-US" dirty="0"/>
-              <a:t> 원하는 크기를 입력 받고</a:t>
-            </a:r>
-            <a:r>
-              <a:rPr lang="en-US" altLang="ko-KR" dirty="0"/>
-              <a:t>, </a:t>
-            </a:r>
-            <a:r>
-              <a:rPr lang="ko-KR" altLang="en-US" dirty="0"/>
-              <a:t>입력 받은 크기 만큼의 배열을 생성 후 </a:t>
-            </a:r>
-            <a:r>
-              <a:rPr lang="en-US" altLang="ko-KR" dirty="0"/>
-              <a:t>1</a:t>
-            </a:r>
-            <a:r>
-              <a:rPr lang="ko-KR" altLang="en-US" dirty="0"/>
-              <a:t>부터 배열의 크기 만큼 값을 채워 줌</a:t>
-            </a:r>
-            <a:endParaRPr lang="en-US" altLang="ko-KR" dirty="0"/>
-          </a:p>
-          <a:p>
-            <a:r>
-              <a:rPr lang="en-US" altLang="ko-KR" dirty="0"/>
-              <a:t>GitHub Repo. URL</a:t>
-            </a:r>
-            <a:r>
-              <a:rPr lang="ko-KR" altLang="en-US" dirty="0"/>
-              <a:t>을 </a:t>
-            </a:r>
-            <a:r>
-              <a:rPr lang="ko-KR" altLang="en-US" dirty="0" err="1"/>
-              <a:t>슬랙</a:t>
-            </a:r>
-            <a:r>
-              <a:rPr lang="ko-KR" altLang="en-US" dirty="0"/>
-              <a:t> 댓글로 제출</a:t>
-            </a:r>
-          </a:p>
-        </p:txBody>
-      </p:sp>
-      <p:sp>
-        <p:nvSpPr>
-          <p:cNvPr id="4" name="날짜 개체 틀 3">
-            <a:extLst>
-              <a:ext uri="{FF2B5EF4-FFF2-40B4-BE49-F238E27FC236}">
-                <a16:creationId xmlns:a16="http://schemas.microsoft.com/office/drawing/2014/main" id="{71D70BA8-3C65-9DA4-A03D-99000E36AE83}"/>
-              </a:ext>
-            </a:extLst>
-          </p:cNvPr>
-          <p:cNvSpPr>
-            <a:spLocks noGrp="1"/>
-          </p:cNvSpPr>
-          <p:nvPr>
-            <p:ph type="dt" sz="half" idx="10"/>
-          </p:nvPr>
-        </p:nvSpPr>
-        <p:spPr/>
-        <p:txBody>
-          <a:bodyPr/>
-          <a:lstStyle/>
-          <a:p>
-            <a:fld id="{0F78D9C4-20C1-4B15-A116-16DC77AD9A1E}" type="datetime1">
-              <a:rPr lang="ko-KR" altLang="en-US" smtClean="0"/>
-              <a:t>2025-05-11</a:t>
-            </a:fld>
-            <a:endParaRPr lang="ko-KR" altLang="en-US"/>
-          </a:p>
-        </p:txBody>
-      </p:sp>
-      <p:sp>
-        <p:nvSpPr>
-          <p:cNvPr id="5" name="슬라이드 번호 개체 틀 4">
-            <a:extLst>
-              <a:ext uri="{FF2B5EF4-FFF2-40B4-BE49-F238E27FC236}">
-                <a16:creationId xmlns:a16="http://schemas.microsoft.com/office/drawing/2014/main" id="{0E897A61-1232-B6C3-2173-9E267D6E375B}"/>
-              </a:ext>
-            </a:extLst>
-          </p:cNvPr>
-          <p:cNvSpPr>
-            <a:spLocks noGrp="1"/>
-          </p:cNvSpPr>
-          <p:nvPr>
-            <p:ph type="sldNum" sz="quarter" idx="12"/>
-          </p:nvPr>
-        </p:nvSpPr>
-        <p:spPr/>
-        <p:txBody>
-          <a:bodyPr/>
-          <a:lstStyle/>
-          <a:p>
-            <a:fld id="{083A2CE0-18CD-4102-B738-4ACFF9E68BA4}" type="slidenum">
-              <a:rPr lang="ko-KR" altLang="en-US" smtClean="0"/>
-              <a:t>32</a:t>
-            </a:fld>
-            <a:endParaRPr lang="ko-KR" altLang="en-US"/>
-          </a:p>
-        </p:txBody>
-      </p:sp>
-    </p:spTree>
-    <p:extLst>
-      <p:ext uri="{BB962C8B-B14F-4D97-AF65-F5344CB8AC3E}">
-        <p14:creationId xmlns:p14="http://schemas.microsoft.com/office/powerpoint/2010/main" val="4245573633"/>
-      </p:ext>
-    </p:extLst>
-  </p:cSld>
-  <p:clrMapOvr>
-    <a:masterClrMapping/>
-  </p:clrMapOvr>
-</p:sld>
-</file>
-
-<file path=ppt/slides/slide33.xml><?xml version="1.0" encoding="utf-8"?>
-<p:sld xmlns:a="http://schemas.openxmlformats.org/drawingml/2006/main" xmlns:r="http://schemas.openxmlformats.org/officeDocument/2006/relationships" xmlns:p="http://schemas.openxmlformats.org/presentationml/2006/main">
-  <p:cSld>
-    <p:spTree>
-      <p:nvGrpSpPr>
-        <p:cNvPr id="1" name=""/>
-        <p:cNvGrpSpPr/>
-        <p:nvPr/>
-      </p:nvGrpSpPr>
-      <p:grpSpPr>
-        <a:xfrm>
-          <a:off x="0" y="0"/>
-          <a:ext cx="0" cy="0"/>
-          <a:chOff x="0" y="0"/>
-          <a:chExt cx="0" cy="0"/>
-        </a:xfrm>
-      </p:grpSpPr>
-      <p:sp>
-        <p:nvSpPr>
-          <p:cNvPr id="2" name="제목 1">
-            <a:extLst>
-              <a:ext uri="{FF2B5EF4-FFF2-40B4-BE49-F238E27FC236}">
-                <a16:creationId xmlns:a16="http://schemas.microsoft.com/office/drawing/2014/main" id="{88B4AC41-32F5-985E-10B4-0293EAD98D22}"/>
-              </a:ext>
-            </a:extLst>
-          </p:cNvPr>
-          <p:cNvSpPr>
-            <a:spLocks noGrp="1"/>
-          </p:cNvSpPr>
-          <p:nvPr>
-            <p:ph type="title"/>
-          </p:nvPr>
-        </p:nvSpPr>
-        <p:spPr/>
-        <p:txBody>
-          <a:bodyPr/>
-          <a:lstStyle/>
-          <a:p>
-            <a:r>
-              <a:rPr lang="ko-KR" altLang="en-US" dirty="0"/>
-              <a:t>예외처리문 </a:t>
-            </a:r>
-          </a:p>
-        </p:txBody>
-      </p:sp>
-      <p:sp>
-        <p:nvSpPr>
-          <p:cNvPr id="3" name="내용 개체 틀 2">
-            <a:extLst>
-              <a:ext uri="{FF2B5EF4-FFF2-40B4-BE49-F238E27FC236}">
-                <a16:creationId xmlns:a16="http://schemas.microsoft.com/office/drawing/2014/main" id="{7D2F579B-033E-E708-4334-6778B9DB73A3}"/>
-              </a:ext>
-            </a:extLst>
-          </p:cNvPr>
-          <p:cNvSpPr>
-            <a:spLocks noGrp="1"/>
-          </p:cNvSpPr>
-          <p:nvPr>
-            <p:ph idx="1"/>
-          </p:nvPr>
-        </p:nvSpPr>
-        <p:spPr/>
-        <p:txBody>
-          <a:bodyPr>
-            <a:normAutofit lnSpcReduction="10000"/>
-          </a:bodyPr>
-          <a:lstStyle/>
-          <a:p>
-            <a:r>
-              <a:rPr lang="en-US" altLang="ko-KR" dirty="0">
-                <a:solidFill>
-                  <a:srgbClr val="7030A0"/>
-                </a:solidFill>
-              </a:rPr>
-              <a:t>try</a:t>
-            </a:r>
-          </a:p>
-          <a:p>
-            <a:pPr lvl="1"/>
-            <a:r>
-              <a:rPr lang="ko-KR" altLang="en-US" dirty="0"/>
-              <a:t>오류가 발생 할 가능성이 있는 소스코드를 작성</a:t>
-            </a:r>
-            <a:endParaRPr lang="en-US" altLang="ko-KR" dirty="0"/>
-          </a:p>
-          <a:p>
-            <a:pPr lvl="1"/>
-            <a:r>
-              <a:rPr lang="ko-KR" altLang="en-US" dirty="0"/>
-              <a:t>예상 가능한 오류는 </a:t>
-            </a:r>
-            <a:r>
-              <a:rPr lang="en-US" altLang="ko-KR" dirty="0">
-                <a:solidFill>
-                  <a:srgbClr val="0000FF"/>
-                </a:solidFill>
-              </a:rPr>
-              <a:t>throw</a:t>
-            </a:r>
-            <a:r>
-              <a:rPr lang="ko-KR" altLang="en-US" dirty="0"/>
-              <a:t>를 통해 의도적으로 </a:t>
-            </a:r>
-            <a:r>
-              <a:rPr lang="en-US" altLang="ko-KR" dirty="0"/>
-              <a:t>catch</a:t>
-            </a:r>
-            <a:r>
-              <a:rPr lang="ko-KR" altLang="en-US" dirty="0"/>
-              <a:t>를 작동시킴</a:t>
-            </a:r>
-            <a:endParaRPr lang="en-US" altLang="ko-KR" dirty="0"/>
-          </a:p>
-          <a:p>
-            <a:r>
-              <a:rPr lang="en-US" altLang="ko-KR" dirty="0">
-                <a:solidFill>
-                  <a:srgbClr val="7030A0"/>
-                </a:solidFill>
-              </a:rPr>
-              <a:t>catch</a:t>
-            </a:r>
-          </a:p>
-          <a:p>
-            <a:pPr lvl="1"/>
-            <a:r>
-              <a:rPr lang="en-US" altLang="ko-KR" dirty="0"/>
-              <a:t>try </a:t>
-            </a:r>
-            <a:r>
-              <a:rPr lang="ko-KR" altLang="en-US" dirty="0"/>
-              <a:t>안에서 오류 발생시 자동으로 </a:t>
-            </a:r>
-            <a:r>
-              <a:rPr lang="en-US" altLang="ko-KR" dirty="0"/>
-              <a:t>catch</a:t>
-            </a:r>
-            <a:r>
-              <a:rPr lang="ko-KR" altLang="en-US" dirty="0"/>
-              <a:t>로 넘어옴</a:t>
-            </a:r>
-            <a:endParaRPr lang="en-US" altLang="ko-KR" dirty="0"/>
-          </a:p>
-          <a:p>
-            <a:pPr lvl="1"/>
-            <a:r>
-              <a:rPr lang="ko-KR" altLang="en-US" dirty="0"/>
-              <a:t>오류에 대한 내용이 적혀 있는 </a:t>
-            </a:r>
-            <a:r>
-              <a:rPr lang="en-US" altLang="ko-KR" dirty="0" err="1"/>
-              <a:t>Excaption</a:t>
-            </a:r>
-            <a:r>
-              <a:rPr lang="en-US" altLang="ko-KR" dirty="0"/>
-              <a:t> </a:t>
-            </a:r>
-            <a:r>
-              <a:rPr lang="ko-KR" altLang="en-US" dirty="0"/>
-              <a:t>클래스 인스턴스를 전달 받을 수 있음</a:t>
-            </a:r>
-            <a:endParaRPr lang="en-US" altLang="ko-KR" dirty="0"/>
-          </a:p>
-          <a:p>
-            <a:pPr lvl="1"/>
-            <a:r>
-              <a:rPr lang="ko-KR" altLang="en-US" dirty="0"/>
-              <a:t>원하는 종류의 오류 별로 각각 </a:t>
-            </a:r>
-            <a:r>
-              <a:rPr lang="en-US" altLang="ko-KR" dirty="0"/>
-              <a:t>catch </a:t>
-            </a:r>
-            <a:r>
-              <a:rPr lang="ko-KR" altLang="en-US" dirty="0"/>
-              <a:t>문을 작성할 수 있음</a:t>
-            </a:r>
-            <a:endParaRPr lang="en-US" altLang="ko-KR" dirty="0"/>
-          </a:p>
-          <a:p>
-            <a:r>
-              <a:rPr lang="en-US" altLang="ko-KR" dirty="0">
-                <a:solidFill>
-                  <a:srgbClr val="7030A0"/>
-                </a:solidFill>
-              </a:rPr>
-              <a:t>finally </a:t>
-            </a:r>
-            <a:r>
-              <a:rPr lang="en-US" altLang="ko-KR" dirty="0"/>
-              <a:t>(</a:t>
-            </a:r>
-            <a:r>
-              <a:rPr lang="ko-KR" altLang="en-US" dirty="0"/>
-              <a:t>선택</a:t>
-            </a:r>
-            <a:r>
-              <a:rPr lang="en-US" altLang="ko-KR" dirty="0"/>
-              <a:t>)</a:t>
-            </a:r>
-          </a:p>
-          <a:p>
-            <a:pPr lvl="1"/>
-            <a:r>
-              <a:rPr lang="en-US" altLang="ko-KR" dirty="0"/>
-              <a:t>try</a:t>
-            </a:r>
-            <a:r>
-              <a:rPr lang="ko-KR" altLang="en-US" dirty="0"/>
-              <a:t>가 정상적으로 수행되거나</a:t>
-            </a:r>
-            <a:r>
-              <a:rPr lang="en-US" altLang="ko-KR" dirty="0"/>
-              <a:t>, catch</a:t>
-            </a:r>
-            <a:r>
-              <a:rPr lang="ko-KR" altLang="en-US" dirty="0"/>
-              <a:t>를 통해 문제가 해결된 경우 실행</a:t>
-            </a:r>
-            <a:endParaRPr lang="en-US" altLang="ko-KR" dirty="0"/>
-          </a:p>
-          <a:p>
-            <a:pPr lvl="1"/>
-            <a:r>
-              <a:rPr lang="en-US" altLang="ko-KR" dirty="0"/>
-              <a:t>try</a:t>
-            </a:r>
-            <a:r>
-              <a:rPr lang="ko-KR" altLang="en-US" dirty="0"/>
-              <a:t>에서 문제가 발생했으나 </a:t>
-            </a:r>
-            <a:r>
-              <a:rPr lang="en-US" altLang="ko-KR" dirty="0"/>
-              <a:t>catch</a:t>
-            </a:r>
-            <a:r>
-              <a:rPr lang="ko-KR" altLang="en-US" dirty="0"/>
-              <a:t>로 해결하지 못한 경우 실행 안됨</a:t>
-            </a:r>
-            <a:endParaRPr lang="en-US" altLang="ko-KR" dirty="0"/>
-          </a:p>
-          <a:p>
-            <a:pPr lvl="1"/>
-            <a:endParaRPr lang="ko-KR" altLang="en-US" dirty="0"/>
-          </a:p>
-        </p:txBody>
-      </p:sp>
-      <p:sp>
-        <p:nvSpPr>
-          <p:cNvPr id="4" name="날짜 개체 틀 3">
-            <a:extLst>
-              <a:ext uri="{FF2B5EF4-FFF2-40B4-BE49-F238E27FC236}">
-                <a16:creationId xmlns:a16="http://schemas.microsoft.com/office/drawing/2014/main" id="{B3F89852-15D3-7524-2EE6-11D6DA9A27A3}"/>
-              </a:ext>
-            </a:extLst>
-          </p:cNvPr>
-          <p:cNvSpPr>
-            <a:spLocks noGrp="1"/>
-          </p:cNvSpPr>
-          <p:nvPr>
-            <p:ph type="dt" sz="half" idx="10"/>
-          </p:nvPr>
-        </p:nvSpPr>
-        <p:spPr/>
-        <p:txBody>
-          <a:bodyPr/>
-          <a:lstStyle/>
-          <a:p>
-            <a:fld id="{0F78D9C4-20C1-4B15-A116-16DC77AD9A1E}" type="datetime1">
-              <a:rPr lang="ko-KR" altLang="en-US" smtClean="0"/>
-              <a:t>2025-05-11</a:t>
-            </a:fld>
-            <a:endParaRPr lang="ko-KR" altLang="en-US"/>
-          </a:p>
-        </p:txBody>
-      </p:sp>
-      <p:sp>
-        <p:nvSpPr>
-          <p:cNvPr id="5" name="슬라이드 번호 개체 틀 4">
-            <a:extLst>
-              <a:ext uri="{FF2B5EF4-FFF2-40B4-BE49-F238E27FC236}">
-                <a16:creationId xmlns:a16="http://schemas.microsoft.com/office/drawing/2014/main" id="{F5851E68-AFE1-2EAA-6833-8FADBF3EC52D}"/>
-              </a:ext>
-            </a:extLst>
-          </p:cNvPr>
-          <p:cNvSpPr>
-            <a:spLocks noGrp="1"/>
-          </p:cNvSpPr>
-          <p:nvPr>
-            <p:ph type="sldNum" sz="quarter" idx="12"/>
-          </p:nvPr>
-        </p:nvSpPr>
-        <p:spPr/>
-        <p:txBody>
-          <a:bodyPr/>
-          <a:lstStyle/>
-          <a:p>
-            <a:fld id="{083A2CE0-18CD-4102-B738-4ACFF9E68BA4}" type="slidenum">
-              <a:rPr lang="ko-KR" altLang="en-US" smtClean="0"/>
-              <a:t>33</a:t>
-            </a:fld>
-            <a:endParaRPr lang="ko-KR" altLang="en-US"/>
-          </a:p>
-        </p:txBody>
-      </p:sp>
-    </p:spTree>
-    <p:extLst>
-      <p:ext uri="{BB962C8B-B14F-4D97-AF65-F5344CB8AC3E}">
-        <p14:creationId xmlns:p14="http://schemas.microsoft.com/office/powerpoint/2010/main" val="3553033204"/>
-      </p:ext>
-    </p:extLst>
-  </p:cSld>
-  <p:clrMapOvr>
-    <a:masterClrMapping/>
-  </p:clrMapOvr>
-</p:sld>
-</file>
-
-<file path=ppt/slides/slide34.xml><?xml version="1.0" encoding="utf-8"?>
-<p:sld xmlns:a="http://schemas.openxmlformats.org/drawingml/2006/main" xmlns:r="http://schemas.openxmlformats.org/officeDocument/2006/relationships" xmlns:p="http://schemas.openxmlformats.org/presentationml/2006/main">
-  <p:cSld>
-    <p:spTree>
-      <p:nvGrpSpPr>
-        <p:cNvPr id="1" name=""/>
-        <p:cNvGrpSpPr/>
-        <p:nvPr/>
-      </p:nvGrpSpPr>
-      <p:grpSpPr>
-        <a:xfrm>
-          <a:off x="0" y="0"/>
-          <a:ext cx="0" cy="0"/>
-          <a:chOff x="0" y="0"/>
-          <a:chExt cx="0" cy="0"/>
-        </a:xfrm>
-      </p:grpSpPr>
-      <p:sp>
-        <p:nvSpPr>
-          <p:cNvPr id="2" name="제목 1">
-            <a:extLst>
-              <a:ext uri="{FF2B5EF4-FFF2-40B4-BE49-F238E27FC236}">
-                <a16:creationId xmlns:a16="http://schemas.microsoft.com/office/drawing/2014/main" id="{E7241ED8-6C20-3C58-9085-2259964B5177}"/>
-              </a:ext>
-            </a:extLst>
-          </p:cNvPr>
-          <p:cNvSpPr>
-            <a:spLocks noGrp="1"/>
-          </p:cNvSpPr>
-          <p:nvPr>
-            <p:ph type="title"/>
-          </p:nvPr>
-        </p:nvSpPr>
-        <p:spPr/>
-        <p:txBody>
-          <a:bodyPr/>
-          <a:lstStyle/>
-          <a:p>
-            <a:r>
-              <a:rPr lang="ko-KR" altLang="en-US" dirty="0"/>
-              <a:t>예외처리문</a:t>
-            </a:r>
-          </a:p>
-        </p:txBody>
-      </p:sp>
-      <p:pic>
-        <p:nvPicPr>
-          <p:cNvPr id="7" name="내용 개체 틀 6">
-            <a:extLst>
-              <a:ext uri="{FF2B5EF4-FFF2-40B4-BE49-F238E27FC236}">
-                <a16:creationId xmlns:a16="http://schemas.microsoft.com/office/drawing/2014/main" id="{8EFC4D97-1C30-C7ED-E938-A9BD6B8EF285}"/>
-              </a:ext>
-            </a:extLst>
-          </p:cNvPr>
-          <p:cNvPicPr>
-            <a:picLocks noGrp="1" noChangeAspect="1"/>
-          </p:cNvPicPr>
-          <p:nvPr>
-            <p:ph idx="1"/>
-          </p:nvPr>
-        </p:nvPicPr>
-        <p:blipFill>
-          <a:blip r:embed="rId2"/>
-          <a:stretch>
-            <a:fillRect/>
-          </a:stretch>
-        </p:blipFill>
-        <p:spPr>
-          <a:xfrm>
-            <a:off x="1053854" y="1882447"/>
-            <a:ext cx="4284294" cy="3267682"/>
-          </a:xfrm>
-        </p:spPr>
-      </p:pic>
-      <p:sp>
-        <p:nvSpPr>
-          <p:cNvPr id="4" name="날짜 개체 틀 3">
-            <a:extLst>
-              <a:ext uri="{FF2B5EF4-FFF2-40B4-BE49-F238E27FC236}">
-                <a16:creationId xmlns:a16="http://schemas.microsoft.com/office/drawing/2014/main" id="{C3AFE863-9320-CE3A-5FF0-B614017B9441}"/>
-              </a:ext>
-            </a:extLst>
-          </p:cNvPr>
-          <p:cNvSpPr>
-            <a:spLocks noGrp="1"/>
-          </p:cNvSpPr>
-          <p:nvPr>
-            <p:ph type="dt" sz="half" idx="10"/>
-          </p:nvPr>
-        </p:nvSpPr>
-        <p:spPr/>
-        <p:txBody>
-          <a:bodyPr/>
-          <a:lstStyle/>
-          <a:p>
-            <a:fld id="{0F78D9C4-20C1-4B15-A116-16DC77AD9A1E}" type="datetime1">
-              <a:rPr lang="ko-KR" altLang="en-US" smtClean="0"/>
-              <a:t>2025-05-11</a:t>
-            </a:fld>
-            <a:endParaRPr lang="ko-KR" altLang="en-US"/>
-          </a:p>
-        </p:txBody>
-      </p:sp>
-      <p:sp>
-        <p:nvSpPr>
-          <p:cNvPr id="5" name="슬라이드 번호 개체 틀 4">
-            <a:extLst>
-              <a:ext uri="{FF2B5EF4-FFF2-40B4-BE49-F238E27FC236}">
-                <a16:creationId xmlns:a16="http://schemas.microsoft.com/office/drawing/2014/main" id="{E850BC20-C01D-5DDC-655F-443639FFB693}"/>
-              </a:ext>
-            </a:extLst>
-          </p:cNvPr>
-          <p:cNvSpPr>
-            <a:spLocks noGrp="1"/>
-          </p:cNvSpPr>
-          <p:nvPr>
-            <p:ph type="sldNum" sz="quarter" idx="12"/>
-          </p:nvPr>
-        </p:nvSpPr>
-        <p:spPr/>
-        <p:txBody>
-          <a:bodyPr/>
-          <a:lstStyle/>
-          <a:p>
-            <a:fld id="{083A2CE0-18CD-4102-B738-4ACFF9E68BA4}" type="slidenum">
-              <a:rPr lang="ko-KR" altLang="en-US" smtClean="0"/>
-              <a:t>34</a:t>
-            </a:fld>
-            <a:endParaRPr lang="ko-KR" altLang="en-US"/>
-          </a:p>
-        </p:txBody>
-      </p:sp>
-      <p:pic>
-        <p:nvPicPr>
-          <p:cNvPr id="9" name="그림 8">
-            <a:extLst>
-              <a:ext uri="{FF2B5EF4-FFF2-40B4-BE49-F238E27FC236}">
-                <a16:creationId xmlns:a16="http://schemas.microsoft.com/office/drawing/2014/main" id="{B7BD3A3F-A934-A69F-862E-1EE171A38BD0}"/>
-              </a:ext>
-            </a:extLst>
-          </p:cNvPr>
-          <p:cNvPicPr>
-            <a:picLocks noChangeAspect="1"/>
-          </p:cNvPicPr>
-          <p:nvPr/>
-        </p:nvPicPr>
-        <p:blipFill>
-          <a:blip r:embed="rId3"/>
-          <a:stretch>
-            <a:fillRect/>
-          </a:stretch>
-        </p:blipFill>
-        <p:spPr>
-          <a:xfrm>
-            <a:off x="5891046" y="1882446"/>
-            <a:ext cx="5464164" cy="3332153"/>
-          </a:xfrm>
-          <a:prstGeom prst="rect">
-            <a:avLst/>
-          </a:prstGeom>
-        </p:spPr>
-      </p:pic>
-      <p:pic>
-        <p:nvPicPr>
-          <p:cNvPr id="11" name="그림 10">
-            <a:extLst>
-              <a:ext uri="{FF2B5EF4-FFF2-40B4-BE49-F238E27FC236}">
-                <a16:creationId xmlns:a16="http://schemas.microsoft.com/office/drawing/2014/main" id="{4FCC6306-B73E-4946-EA2F-3955263335AC}"/>
-              </a:ext>
-            </a:extLst>
-          </p:cNvPr>
-          <p:cNvPicPr>
-            <a:picLocks noChangeAspect="1"/>
-          </p:cNvPicPr>
-          <p:nvPr/>
-        </p:nvPicPr>
-        <p:blipFill>
-          <a:blip r:embed="rId4"/>
-          <a:stretch>
-            <a:fillRect/>
-          </a:stretch>
-        </p:blipFill>
-        <p:spPr>
-          <a:xfrm>
-            <a:off x="9727217" y="3726370"/>
-            <a:ext cx="1939265" cy="1612014"/>
-          </a:xfrm>
-          <a:prstGeom prst="rect">
-            <a:avLst/>
-          </a:prstGeom>
-        </p:spPr>
-      </p:pic>
-    </p:spTree>
-    <p:extLst>
-      <p:ext uri="{BB962C8B-B14F-4D97-AF65-F5344CB8AC3E}">
-        <p14:creationId xmlns:p14="http://schemas.microsoft.com/office/powerpoint/2010/main" val="3157700884"/>
-      </p:ext>
-    </p:extLst>
-  </p:cSld>
-  <p:clrMapOvr>
-    <a:masterClrMapping/>
-  </p:clrMapOvr>
-</p:sld>
-</file>
-
-<file path=ppt/slides/slide35.xml><?xml version="1.0" encoding="utf-8"?>
-<p:sld xmlns:a="http://schemas.openxmlformats.org/drawingml/2006/main" xmlns:r="http://schemas.openxmlformats.org/officeDocument/2006/relationships" xmlns:p="http://schemas.openxmlformats.org/presentationml/2006/main">
-  <p:cSld>
-    <p:spTree>
-      <p:nvGrpSpPr>
-        <p:cNvPr id="1" name=""/>
-        <p:cNvGrpSpPr/>
-        <p:nvPr/>
-      </p:nvGrpSpPr>
-      <p:grpSpPr>
-        <a:xfrm>
-          <a:off x="0" y="0"/>
-          <a:ext cx="0" cy="0"/>
-          <a:chOff x="0" y="0"/>
-          <a:chExt cx="0" cy="0"/>
-        </a:xfrm>
-      </p:grpSpPr>
-      <p:sp>
-        <p:nvSpPr>
-          <p:cNvPr id="2" name="제목 1">
-            <a:extLst>
-              <a:ext uri="{FF2B5EF4-FFF2-40B4-BE49-F238E27FC236}">
-                <a16:creationId xmlns:a16="http://schemas.microsoft.com/office/drawing/2014/main" id="{BE35614D-BC21-143F-B9C8-1D728033FFF0}"/>
-              </a:ext>
-            </a:extLst>
-          </p:cNvPr>
-          <p:cNvSpPr>
-            <a:spLocks noGrp="1"/>
-          </p:cNvSpPr>
-          <p:nvPr>
-            <p:ph type="title"/>
-          </p:nvPr>
-        </p:nvSpPr>
-        <p:spPr/>
-        <p:txBody>
-          <a:bodyPr/>
-          <a:lstStyle/>
-          <a:p>
-            <a:r>
-              <a:rPr lang="ko-KR" altLang="en-US" dirty="0"/>
-              <a:t>예외처리문</a:t>
-            </a:r>
-          </a:p>
-        </p:txBody>
-      </p:sp>
-      <p:pic>
-        <p:nvPicPr>
-          <p:cNvPr id="7" name="내용 개체 틀 6">
-            <a:extLst>
-              <a:ext uri="{FF2B5EF4-FFF2-40B4-BE49-F238E27FC236}">
-                <a16:creationId xmlns:a16="http://schemas.microsoft.com/office/drawing/2014/main" id="{6B101693-E53F-AFB6-033D-D8F30B992846}"/>
-              </a:ext>
-            </a:extLst>
-          </p:cNvPr>
-          <p:cNvPicPr>
-            <a:picLocks noGrp="1" noChangeAspect="1"/>
-          </p:cNvPicPr>
-          <p:nvPr>
-            <p:ph idx="1"/>
-          </p:nvPr>
-        </p:nvPicPr>
-        <p:blipFill>
-          <a:blip r:embed="rId2"/>
-          <a:stretch>
-            <a:fillRect/>
-          </a:stretch>
-        </p:blipFill>
-        <p:spPr>
-          <a:xfrm>
-            <a:off x="943849" y="1814094"/>
-            <a:ext cx="4663522" cy="3651285"/>
-          </a:xfrm>
-        </p:spPr>
-      </p:pic>
-      <p:sp>
-        <p:nvSpPr>
-          <p:cNvPr id="4" name="날짜 개체 틀 3">
-            <a:extLst>
-              <a:ext uri="{FF2B5EF4-FFF2-40B4-BE49-F238E27FC236}">
-                <a16:creationId xmlns:a16="http://schemas.microsoft.com/office/drawing/2014/main" id="{9E49F37F-CB3F-223E-A62D-DBCAE7F6FA47}"/>
-              </a:ext>
-            </a:extLst>
-          </p:cNvPr>
-          <p:cNvSpPr>
-            <a:spLocks noGrp="1"/>
-          </p:cNvSpPr>
-          <p:nvPr>
-            <p:ph type="dt" sz="half" idx="10"/>
-          </p:nvPr>
-        </p:nvSpPr>
-        <p:spPr/>
-        <p:txBody>
-          <a:bodyPr/>
-          <a:lstStyle/>
-          <a:p>
-            <a:fld id="{0F78D9C4-20C1-4B15-A116-16DC77AD9A1E}" type="datetime1">
-              <a:rPr lang="ko-KR" altLang="en-US" smtClean="0"/>
-              <a:t>2025-05-11</a:t>
-            </a:fld>
-            <a:endParaRPr lang="ko-KR" altLang="en-US"/>
-          </a:p>
-        </p:txBody>
-      </p:sp>
-      <p:sp>
-        <p:nvSpPr>
-          <p:cNvPr id="5" name="슬라이드 번호 개체 틀 4">
-            <a:extLst>
-              <a:ext uri="{FF2B5EF4-FFF2-40B4-BE49-F238E27FC236}">
-                <a16:creationId xmlns:a16="http://schemas.microsoft.com/office/drawing/2014/main" id="{EF344A19-B983-D0D5-B901-6E46EF1D2619}"/>
-              </a:ext>
-            </a:extLst>
-          </p:cNvPr>
-          <p:cNvSpPr>
-            <a:spLocks noGrp="1"/>
-          </p:cNvSpPr>
-          <p:nvPr>
-            <p:ph type="sldNum" sz="quarter" idx="12"/>
-          </p:nvPr>
-        </p:nvSpPr>
-        <p:spPr/>
-        <p:txBody>
-          <a:bodyPr/>
-          <a:lstStyle/>
-          <a:p>
-            <a:fld id="{083A2CE0-18CD-4102-B738-4ACFF9E68BA4}" type="slidenum">
-              <a:rPr lang="ko-KR" altLang="en-US" smtClean="0"/>
-              <a:t>35</a:t>
-            </a:fld>
-            <a:endParaRPr lang="ko-KR" altLang="en-US"/>
-          </a:p>
-        </p:txBody>
-      </p:sp>
-      <p:pic>
-        <p:nvPicPr>
-          <p:cNvPr id="9" name="그림 8">
-            <a:extLst>
-              <a:ext uri="{FF2B5EF4-FFF2-40B4-BE49-F238E27FC236}">
-                <a16:creationId xmlns:a16="http://schemas.microsoft.com/office/drawing/2014/main" id="{4C43B453-25B1-1A82-EB09-FDDDB8B56616}"/>
-              </a:ext>
-            </a:extLst>
-          </p:cNvPr>
-          <p:cNvPicPr>
-            <a:picLocks noChangeAspect="1"/>
-          </p:cNvPicPr>
-          <p:nvPr/>
-        </p:nvPicPr>
-        <p:blipFill>
-          <a:blip r:embed="rId3"/>
-          <a:stretch>
-            <a:fillRect/>
-          </a:stretch>
-        </p:blipFill>
-        <p:spPr>
-          <a:xfrm>
-            <a:off x="5923574" y="1814094"/>
-            <a:ext cx="5164322" cy="4010084"/>
-          </a:xfrm>
-          <a:prstGeom prst="rect">
-            <a:avLst/>
-          </a:prstGeom>
-        </p:spPr>
-      </p:pic>
-      <p:pic>
-        <p:nvPicPr>
-          <p:cNvPr id="11" name="그림 10">
-            <a:extLst>
-              <a:ext uri="{FF2B5EF4-FFF2-40B4-BE49-F238E27FC236}">
-                <a16:creationId xmlns:a16="http://schemas.microsoft.com/office/drawing/2014/main" id="{23BC02BD-8022-2D8F-B003-B904A444A94B}"/>
-              </a:ext>
-            </a:extLst>
-          </p:cNvPr>
-          <p:cNvPicPr>
-            <a:picLocks noChangeAspect="1"/>
-          </p:cNvPicPr>
-          <p:nvPr/>
-        </p:nvPicPr>
-        <p:blipFill>
-          <a:blip r:embed="rId4"/>
-          <a:stretch>
-            <a:fillRect/>
-          </a:stretch>
-        </p:blipFill>
-        <p:spPr>
-          <a:xfrm>
-            <a:off x="9925848" y="4194377"/>
-            <a:ext cx="1789104" cy="1629801"/>
-          </a:xfrm>
-          <a:prstGeom prst="rect">
-            <a:avLst/>
-          </a:prstGeom>
-        </p:spPr>
-      </p:pic>
-      <p:sp>
-        <p:nvSpPr>
-          <p:cNvPr id="13" name="TextBox 12">
-            <a:extLst>
-              <a:ext uri="{FF2B5EF4-FFF2-40B4-BE49-F238E27FC236}">
-                <a16:creationId xmlns:a16="http://schemas.microsoft.com/office/drawing/2014/main" id="{6401A616-10E6-7A69-6D91-4DBE60A62AD6}"/>
-              </a:ext>
-            </a:extLst>
-          </p:cNvPr>
-          <p:cNvSpPr txBox="1"/>
-          <p:nvPr/>
-        </p:nvSpPr>
-        <p:spPr>
-          <a:xfrm>
-            <a:off x="838200" y="5733975"/>
-            <a:ext cx="6094428" cy="646331"/>
-          </a:xfrm>
-          <a:prstGeom prst="rect">
-            <a:avLst/>
-          </a:prstGeom>
-          <a:noFill/>
-        </p:spPr>
-        <p:txBody>
-          <a:bodyPr wrap="square">
-            <a:spAutoFit/>
-          </a:bodyPr>
-          <a:lstStyle/>
-          <a:p>
-            <a:r>
-              <a:rPr lang="en-US" altLang="ko-KR" dirty="0"/>
-              <a:t>* </a:t>
-            </a:r>
-            <a:r>
-              <a:rPr lang="ko-KR" altLang="en-US" dirty="0"/>
-              <a:t>예외 종류</a:t>
-            </a:r>
-            <a:endParaRPr lang="en-US" altLang="ko-KR" dirty="0"/>
-          </a:p>
-          <a:p>
-            <a:r>
-              <a:rPr lang="en-US" altLang="ko-KR" dirty="0">
-                <a:hlinkClick r:id="rId5"/>
-              </a:rPr>
-              <a:t>https://parodev.tistory.com/8</a:t>
-            </a:r>
-            <a:endParaRPr lang="ko-KR" altLang="en-US" dirty="0"/>
-          </a:p>
-        </p:txBody>
-      </p:sp>
-    </p:spTree>
-    <p:extLst>
-      <p:ext uri="{BB962C8B-B14F-4D97-AF65-F5344CB8AC3E}">
-        <p14:creationId xmlns:p14="http://schemas.microsoft.com/office/powerpoint/2010/main" val="1216057178"/>
-      </p:ext>
-    </p:extLst>
-  </p:cSld>
-  <p:clrMapOvr>
-    <a:masterClrMapping/>
-  </p:clrMapOvr>
-</p:sld>
-</file>
-
-<file path=ppt/slides/slide36.xml><?xml version="1.0" encoding="utf-8"?>
-<p:sld xmlns:a="http://schemas.openxmlformats.org/drawingml/2006/main" xmlns:r="http://schemas.openxmlformats.org/officeDocument/2006/relationships" xmlns:p="http://schemas.openxmlformats.org/presentationml/2006/main">
-  <p:cSld>
-    <p:spTree>
-      <p:nvGrpSpPr>
-        <p:cNvPr id="1" name=""/>
-        <p:cNvGrpSpPr/>
-        <p:nvPr/>
-      </p:nvGrpSpPr>
-      <p:grpSpPr>
-        <a:xfrm>
-          <a:off x="0" y="0"/>
-          <a:ext cx="0" cy="0"/>
-          <a:chOff x="0" y="0"/>
-          <a:chExt cx="0" cy="0"/>
-        </a:xfrm>
-      </p:grpSpPr>
-      <p:sp>
-        <p:nvSpPr>
-          <p:cNvPr id="8" name="내용 개체 틀 2">
-            <a:extLst>
-              <a:ext uri="{FF2B5EF4-FFF2-40B4-BE49-F238E27FC236}">
-                <a16:creationId xmlns:a16="http://schemas.microsoft.com/office/drawing/2014/main" id="{D94C6ADC-1847-22FC-C104-A98BF4421460}"/>
-              </a:ext>
-            </a:extLst>
-          </p:cNvPr>
-          <p:cNvSpPr txBox="1">
-            <a:spLocks/>
-          </p:cNvSpPr>
-          <p:nvPr/>
-        </p:nvSpPr>
-        <p:spPr>
-          <a:xfrm>
-            <a:off x="838200" y="1398714"/>
-            <a:ext cx="10515600" cy="4915217"/>
-          </a:xfrm>
-          <a:prstGeom prst="rect">
-            <a:avLst/>
-          </a:prstGeom>
-        </p:spPr>
-        <p:txBody>
-          <a:bodyPr vert="horz" lIns="91440" tIns="45720" rIns="91440" bIns="45720" rtlCol="0">
-            <a:normAutofit/>
-          </a:bodyPr>
-          <a:lstStyle>
-            <a:lvl1pPr marL="228600" indent="-228600" algn="l" defTabSz="914400" rtl="0" eaLnBrk="1" latinLnBrk="1" hangingPunct="1">
-              <a:lnSpc>
-                <a:spcPct val="120000"/>
-              </a:lnSpc>
-              <a:spcBef>
-                <a:spcPts val="1000"/>
-              </a:spcBef>
-              <a:buFont typeface="Arial" panose="020B0604020202020204" pitchFamily="34" charset="0"/>
-              <a:buChar char="•"/>
-              <a:defRPr sz="2800" kern="1200">
-                <a:solidFill>
-                  <a:schemeClr val="tx1"/>
-                </a:solidFill>
-                <a:latin typeface="+mn-lt"/>
-                <a:ea typeface="+mn-ea"/>
-                <a:cs typeface="+mn-cs"/>
-              </a:defRPr>
-            </a:lvl1pPr>
-            <a:lvl2pPr marL="685800" indent="-228600" algn="l" defTabSz="914400" rtl="0" eaLnBrk="1" latinLnBrk="1" hangingPunct="1">
-              <a:lnSpc>
-                <a:spcPct val="120000"/>
-              </a:lnSpc>
-              <a:spcBef>
-                <a:spcPts val="500"/>
-              </a:spcBef>
-              <a:buFont typeface="Arial" panose="020B0604020202020204" pitchFamily="34" charset="0"/>
-              <a:buChar char="•"/>
-              <a:defRPr sz="2400" kern="1200">
-                <a:solidFill>
-                  <a:schemeClr val="tx1"/>
-                </a:solidFill>
-                <a:latin typeface="+mn-lt"/>
-                <a:ea typeface="+mn-ea"/>
-                <a:cs typeface="+mn-cs"/>
-              </a:defRPr>
-            </a:lvl2pPr>
-            <a:lvl3pPr marL="1143000" indent="-228600" algn="l" defTabSz="914400" rtl="0" eaLnBrk="1" latinLnBrk="1" hangingPunct="1">
-              <a:lnSpc>
-                <a:spcPct val="120000"/>
-              </a:lnSpc>
-              <a:spcBef>
-                <a:spcPts val="500"/>
-              </a:spcBef>
-              <a:buFont typeface="Arial" panose="020B0604020202020204" pitchFamily="34" charset="0"/>
-              <a:buChar char="•"/>
-              <a:defRPr sz="2000" kern="1200">
-                <a:solidFill>
-                  <a:schemeClr val="tx1"/>
-                </a:solidFill>
-                <a:latin typeface="+mn-lt"/>
-                <a:ea typeface="+mn-ea"/>
-                <a:cs typeface="+mn-cs"/>
-              </a:defRPr>
-            </a:lvl3pPr>
-            <a:lvl4pPr marL="1600200" indent="-228600" algn="l" defTabSz="914400" rtl="0" eaLnBrk="1" latinLnBrk="1" hangingPunct="1">
-              <a:lnSpc>
-                <a:spcPct val="120000"/>
-              </a:lnSpc>
-              <a:spcBef>
-                <a:spcPts val="500"/>
-              </a:spcBef>
-              <a:buFont typeface="Arial" panose="020B0604020202020204" pitchFamily="34" charset="0"/>
-              <a:buChar char="•"/>
-              <a:defRPr sz="1800" kern="1200">
-                <a:solidFill>
-                  <a:schemeClr val="tx1"/>
-                </a:solidFill>
-                <a:latin typeface="+mn-lt"/>
-                <a:ea typeface="+mn-ea"/>
-                <a:cs typeface="+mn-cs"/>
-              </a:defRPr>
-            </a:lvl4pPr>
-            <a:lvl5pPr marL="2057400" indent="-228600" algn="l" defTabSz="914400" rtl="0" eaLnBrk="1" latinLnBrk="1" hangingPunct="1">
-              <a:lnSpc>
-                <a:spcPct val="120000"/>
-              </a:lnSpc>
-              <a:spcBef>
-                <a:spcPts val="500"/>
-              </a:spcBef>
-              <a:buFont typeface="Arial" panose="020B0604020202020204" pitchFamily="34" charset="0"/>
-              <a:buChar char="•"/>
-              <a:defRPr sz="1800" kern="1200">
-                <a:solidFill>
-                  <a:schemeClr val="tx1"/>
-                </a:solidFill>
-                <a:latin typeface="+mn-lt"/>
-                <a:ea typeface="+mn-ea"/>
-                <a:cs typeface="+mn-cs"/>
-              </a:defRPr>
-            </a:lvl5pPr>
-            <a:lvl6pPr marL="2514600" indent="-228600" algn="l" defTabSz="914400" rtl="0" eaLnBrk="1" latinLnBrk="1" hangingPunct="1">
-              <a:lnSpc>
-                <a:spcPct val="90000"/>
-              </a:lnSpc>
-              <a:spcBef>
-                <a:spcPts val="500"/>
-              </a:spcBef>
-              <a:buFont typeface="Arial" panose="020B0604020202020204" pitchFamily="34" charset="0"/>
-              <a:buChar char="•"/>
-              <a:defRPr sz="1800" kern="1200">
-                <a:solidFill>
-                  <a:schemeClr val="tx1"/>
-                </a:solidFill>
-                <a:latin typeface="+mn-lt"/>
-                <a:ea typeface="+mn-ea"/>
-                <a:cs typeface="+mn-cs"/>
-              </a:defRPr>
-            </a:lvl6pPr>
-            <a:lvl7pPr marL="2971800" indent="-228600" algn="l" defTabSz="914400" rtl="0" eaLnBrk="1" latinLnBrk="1" hangingPunct="1">
-              <a:lnSpc>
-                <a:spcPct val="90000"/>
-              </a:lnSpc>
-              <a:spcBef>
-                <a:spcPts val="500"/>
-              </a:spcBef>
-              <a:buFont typeface="Arial" panose="020B0604020202020204" pitchFamily="34" charset="0"/>
-              <a:buChar char="•"/>
-              <a:defRPr sz="1800" kern="1200">
-                <a:solidFill>
-                  <a:schemeClr val="tx1"/>
-                </a:solidFill>
-                <a:latin typeface="+mn-lt"/>
-                <a:ea typeface="+mn-ea"/>
-                <a:cs typeface="+mn-cs"/>
-              </a:defRPr>
-            </a:lvl7pPr>
-            <a:lvl8pPr marL="3429000" indent="-228600" algn="l" defTabSz="914400" rtl="0" eaLnBrk="1" latinLnBrk="1" hangingPunct="1">
-              <a:lnSpc>
-                <a:spcPct val="90000"/>
-              </a:lnSpc>
-              <a:spcBef>
-                <a:spcPts val="500"/>
-              </a:spcBef>
-              <a:buFont typeface="Arial" panose="020B0604020202020204" pitchFamily="34" charset="0"/>
-              <a:buChar char="•"/>
-              <a:defRPr sz="1800" kern="1200">
-                <a:solidFill>
-                  <a:schemeClr val="tx1"/>
-                </a:solidFill>
-                <a:latin typeface="+mn-lt"/>
-                <a:ea typeface="+mn-ea"/>
-                <a:cs typeface="+mn-cs"/>
-              </a:defRPr>
-            </a:lvl8pPr>
-            <a:lvl9pPr marL="3886200" indent="-228600" algn="l" defTabSz="914400" rtl="0" eaLnBrk="1" latinLnBrk="1" hangingPunct="1">
-              <a:lnSpc>
-                <a:spcPct val="90000"/>
-              </a:lnSpc>
-              <a:spcBef>
-                <a:spcPts val="500"/>
-              </a:spcBef>
-              <a:buFont typeface="Arial" panose="020B0604020202020204" pitchFamily="34" charset="0"/>
-              <a:buChar char="•"/>
-              <a:defRPr sz="1800" kern="1200">
-                <a:solidFill>
-                  <a:schemeClr val="tx1"/>
-                </a:solidFill>
-                <a:latin typeface="+mn-lt"/>
-                <a:ea typeface="+mn-ea"/>
-                <a:cs typeface="+mn-cs"/>
-              </a:defRPr>
-            </a:lvl9pPr>
-          </a:lstStyle>
-          <a:p>
-            <a:r>
-              <a:rPr lang="ko-KR" altLang="en-US" dirty="0"/>
-              <a:t>아래 코드로 </a:t>
-            </a:r>
-            <a:r>
-              <a:rPr lang="en-US" altLang="ko-KR" dirty="0"/>
-              <a:t>txt </a:t>
-            </a:r>
-            <a:r>
-              <a:rPr lang="ko-KR" altLang="en-US" dirty="0"/>
-              <a:t>파일의 모든 내용을 </a:t>
-            </a:r>
-            <a:r>
-              <a:rPr lang="en-US" altLang="ko-KR" dirty="0"/>
-              <a:t>content</a:t>
-            </a:r>
-            <a:r>
-              <a:rPr lang="ko-KR" altLang="en-US" dirty="0"/>
-              <a:t>에 복사하는 것이 가능</a:t>
-            </a:r>
-            <a:br>
-              <a:rPr lang="en-US" altLang="ko-KR" dirty="0"/>
-            </a:br>
-            <a:endParaRPr lang="en-US" altLang="ko-KR" dirty="0"/>
-          </a:p>
-          <a:p>
-            <a:r>
-              <a:rPr lang="en-US" altLang="ko-KR" dirty="0"/>
-              <a:t>out</a:t>
-            </a:r>
-            <a:r>
-              <a:rPr lang="ko-KR" altLang="en-US" dirty="0"/>
-              <a:t>을 이용하여 파일 경로 및 배열을 입력 받고</a:t>
-            </a:r>
-            <a:r>
-              <a:rPr lang="en-US" altLang="ko-KR" dirty="0"/>
-              <a:t>, </a:t>
-            </a:r>
-            <a:r>
-              <a:rPr lang="ko-KR" altLang="en-US" dirty="0"/>
-              <a:t>파일 내용을 각 줄 마다 가져와서 숫자로 변환이 가능한 문자열은 앞에 </a:t>
-            </a:r>
-            <a:r>
-              <a:rPr lang="en-US" altLang="ko-KR" dirty="0"/>
-              <a:t>“</a:t>
-            </a:r>
-            <a:r>
-              <a:rPr lang="ko-KR" altLang="en-US" dirty="0"/>
-              <a:t>숫자</a:t>
-            </a:r>
-            <a:r>
-              <a:rPr lang="en-US" altLang="ko-KR" dirty="0"/>
-              <a:t>”</a:t>
-            </a:r>
-            <a:r>
-              <a:rPr lang="ko-KR" altLang="en-US" dirty="0"/>
-              <a:t>를 붙이고</a:t>
-            </a:r>
-            <a:r>
-              <a:rPr lang="en-US" altLang="ko-KR" dirty="0"/>
-              <a:t>, </a:t>
-            </a:r>
-            <a:r>
-              <a:rPr lang="ko-KR" altLang="en-US" dirty="0"/>
-              <a:t>변환이 불가능한 문자열은 앞에 </a:t>
-            </a:r>
-            <a:r>
-              <a:rPr lang="en-US" altLang="ko-KR" dirty="0"/>
-              <a:t>“</a:t>
-            </a:r>
-            <a:r>
-              <a:rPr lang="ko-KR" altLang="en-US" dirty="0"/>
-              <a:t>문자</a:t>
-            </a:r>
-            <a:r>
-              <a:rPr lang="en-US" altLang="ko-KR" dirty="0"/>
-              <a:t>＂</a:t>
-            </a:r>
-            <a:r>
-              <a:rPr lang="ko-KR" altLang="en-US" dirty="0"/>
-              <a:t>를 붙여서 배열에 넣는 메소드 작성</a:t>
-            </a:r>
-            <a:endParaRPr lang="en-US" altLang="ko-KR" dirty="0"/>
-          </a:p>
-          <a:p>
-            <a:r>
-              <a:rPr lang="ko-KR" altLang="en-US" dirty="0"/>
-              <a:t>파일 열기 및 숫자 변환 절차에 있어서 </a:t>
-            </a:r>
-            <a:r>
-              <a:rPr lang="en-US" altLang="ko-KR" dirty="0"/>
-              <a:t>try, catch, finally </a:t>
-            </a:r>
-            <a:r>
-              <a:rPr lang="ko-KR" altLang="en-US" dirty="0"/>
-              <a:t>를 사용하여 변환 실패에 대한 예외처리 코드를 작성</a:t>
-            </a:r>
-            <a:endParaRPr lang="en-US" altLang="ko-KR" dirty="0"/>
-          </a:p>
-          <a:p>
-            <a:r>
-              <a:rPr lang="en-US" altLang="ko-KR" dirty="0"/>
-              <a:t>GitHub Repo. URL</a:t>
-            </a:r>
-            <a:r>
-              <a:rPr lang="ko-KR" altLang="en-US" dirty="0"/>
-              <a:t>을 </a:t>
-            </a:r>
-            <a:r>
-              <a:rPr lang="ko-KR" altLang="en-US" dirty="0" err="1"/>
-              <a:t>슬랙</a:t>
-            </a:r>
-            <a:r>
-              <a:rPr lang="ko-KR" altLang="en-US" dirty="0"/>
-              <a:t> 댓글로 제출</a:t>
-            </a:r>
-            <a:endParaRPr lang="en-US" altLang="ko-KR" dirty="0"/>
-          </a:p>
-          <a:p>
-            <a:endParaRPr lang="ko-KR" altLang="en-US" dirty="0"/>
-          </a:p>
-        </p:txBody>
-      </p:sp>
-      <p:sp>
-        <p:nvSpPr>
-          <p:cNvPr id="2" name="제목 1">
-            <a:extLst>
-              <a:ext uri="{FF2B5EF4-FFF2-40B4-BE49-F238E27FC236}">
-                <a16:creationId xmlns:a16="http://schemas.microsoft.com/office/drawing/2014/main" id="{C5703A9B-6635-2C4B-CEB6-5EBC02C7793C}"/>
-              </a:ext>
-            </a:extLst>
-          </p:cNvPr>
-          <p:cNvSpPr>
-            <a:spLocks noGrp="1"/>
-          </p:cNvSpPr>
-          <p:nvPr>
-            <p:ph type="title"/>
-          </p:nvPr>
-        </p:nvSpPr>
-        <p:spPr/>
-        <p:txBody>
-          <a:bodyPr/>
-          <a:lstStyle/>
-          <a:p>
-            <a:r>
-              <a:rPr lang="ko-KR" altLang="en-US" dirty="0">
-                <a:solidFill>
-                  <a:srgbClr val="00B050"/>
-                </a:solidFill>
-              </a:rPr>
-              <a:t>실습</a:t>
-            </a:r>
-            <a:r>
-              <a:rPr lang="en-US" altLang="ko-KR" dirty="0">
-                <a:solidFill>
-                  <a:srgbClr val="00B050"/>
-                </a:solidFill>
-              </a:rPr>
-              <a:t>. </a:t>
-            </a:r>
-            <a:r>
-              <a:rPr lang="ko-KR" altLang="en-US" dirty="0">
-                <a:solidFill>
-                  <a:srgbClr val="00B050"/>
-                </a:solidFill>
-              </a:rPr>
-              <a:t>예외처리</a:t>
-            </a:r>
-          </a:p>
-        </p:txBody>
-      </p:sp>
-      <p:pic>
-        <p:nvPicPr>
-          <p:cNvPr id="7" name="내용 개체 틀 6">
-            <a:extLst>
-              <a:ext uri="{FF2B5EF4-FFF2-40B4-BE49-F238E27FC236}">
-                <a16:creationId xmlns:a16="http://schemas.microsoft.com/office/drawing/2014/main" id="{A677A66A-8AAB-268F-41B6-D1028726CED4}"/>
-              </a:ext>
-            </a:extLst>
-          </p:cNvPr>
-          <p:cNvPicPr>
-            <a:picLocks noGrp="1" noChangeAspect="1"/>
-          </p:cNvPicPr>
-          <p:nvPr>
-            <p:ph idx="1"/>
-          </p:nvPr>
-        </p:nvPicPr>
-        <p:blipFill>
-          <a:blip r:embed="rId3"/>
-          <a:stretch>
-            <a:fillRect/>
-          </a:stretch>
-        </p:blipFill>
-        <p:spPr>
-          <a:xfrm>
-            <a:off x="971250" y="1997380"/>
-            <a:ext cx="10249499" cy="488071"/>
-          </a:xfrm>
-        </p:spPr>
-      </p:pic>
-      <p:sp>
-        <p:nvSpPr>
-          <p:cNvPr id="4" name="날짜 개체 틀 3">
-            <a:extLst>
-              <a:ext uri="{FF2B5EF4-FFF2-40B4-BE49-F238E27FC236}">
-                <a16:creationId xmlns:a16="http://schemas.microsoft.com/office/drawing/2014/main" id="{C3DD1352-8BC9-E43B-C161-E5B137613F10}"/>
-              </a:ext>
-            </a:extLst>
-          </p:cNvPr>
-          <p:cNvSpPr>
-            <a:spLocks noGrp="1"/>
-          </p:cNvSpPr>
-          <p:nvPr>
-            <p:ph type="dt" sz="half" idx="10"/>
-          </p:nvPr>
-        </p:nvSpPr>
-        <p:spPr/>
-        <p:txBody>
-          <a:bodyPr/>
-          <a:lstStyle/>
-          <a:p>
-            <a:fld id="{0F78D9C4-20C1-4B15-A116-16DC77AD9A1E}" type="datetime1">
-              <a:rPr lang="ko-KR" altLang="en-US" smtClean="0"/>
-              <a:t>2025-05-11</a:t>
-            </a:fld>
-            <a:endParaRPr lang="ko-KR" altLang="en-US"/>
-          </a:p>
-        </p:txBody>
-      </p:sp>
-      <p:sp>
-        <p:nvSpPr>
-          <p:cNvPr id="5" name="슬라이드 번호 개체 틀 4">
-            <a:extLst>
-              <a:ext uri="{FF2B5EF4-FFF2-40B4-BE49-F238E27FC236}">
-                <a16:creationId xmlns:a16="http://schemas.microsoft.com/office/drawing/2014/main" id="{16B62D26-FDF5-1382-558B-2C81FB393983}"/>
-              </a:ext>
-            </a:extLst>
-          </p:cNvPr>
-          <p:cNvSpPr>
-            <a:spLocks noGrp="1"/>
-          </p:cNvSpPr>
-          <p:nvPr>
-            <p:ph type="sldNum" sz="quarter" idx="12"/>
-          </p:nvPr>
-        </p:nvSpPr>
-        <p:spPr/>
-        <p:txBody>
-          <a:bodyPr/>
-          <a:lstStyle/>
-          <a:p>
-            <a:fld id="{083A2CE0-18CD-4102-B738-4ACFF9E68BA4}" type="slidenum">
-              <a:rPr lang="ko-KR" altLang="en-US" smtClean="0"/>
-              <a:t>36</a:t>
-            </a:fld>
-            <a:endParaRPr lang="ko-KR" altLang="en-US"/>
-          </a:p>
-        </p:txBody>
-      </p:sp>
-    </p:spTree>
-    <p:extLst>
-      <p:ext uri="{BB962C8B-B14F-4D97-AF65-F5344CB8AC3E}">
-        <p14:creationId xmlns:p14="http://schemas.microsoft.com/office/powerpoint/2010/main" val="3255222206"/>
       </p:ext>
     </p:extLst>
   </p:cSld>

--- a/material/12_CSharp_심화문법 (상속).pptx
+++ b/material/12_CSharp_심화문법 (상속).pptx
@@ -40,25 +40,25 @@
   <p:notesSz cx="6858000" cy="9144000"/>
   <p:embeddedFontLst>
     <p:embeddedFont>
-      <p:font typeface="Cambria Math" panose="02040503050406030204" pitchFamily="18" charset="0"/>
+      <p:font typeface="Pretendard" panose="020B0600000101010101" charset="-127"/>
       <p:regular r:id="rId30"/>
-    </p:embeddedFont>
-    <p:embeddedFont>
-      <p:font typeface="Pretendard Black" panose="02000A03000000020004" pitchFamily="2" charset="-127"/>
       <p:bold r:id="rId31"/>
     </p:embeddedFont>
     <p:embeddedFont>
-      <p:font typeface="Pretendard" panose="02000503000000020004" pitchFamily="2" charset="-127"/>
-      <p:regular r:id="rId32"/>
-      <p:bold r:id="rId33"/>
+      <p:font typeface="Pretendard Black" panose="020B0600000101010101" charset="-127"/>
+      <p:bold r:id="rId32"/>
+    </p:embeddedFont>
+    <p:embeddedFont>
+      <p:font typeface="Cambria Math" panose="02040503050406030204" pitchFamily="18" charset="0"/>
+      <p:regular r:id="rId33"/>
+    </p:embeddedFont>
+    <p:embeddedFont>
+      <p:font typeface="Pretendard GOV SemiBold" panose="02000703000000020004" pitchFamily="2" charset="-127"/>
+      <p:bold r:id="rId34"/>
     </p:embeddedFont>
     <p:embeddedFont>
       <p:font typeface="맑은 고딕" panose="020B0503020000020004" pitchFamily="50" charset="-127"/>
-      <p:regular r:id="rId34"/>
-      <p:bold r:id="rId35"/>
-    </p:embeddedFont>
-    <p:embeddedFont>
-      <p:font typeface="Pretendard GOV SemiBold" panose="020B0600000101010101" charset="-127"/>
+      <p:regular r:id="rId35"/>
       <p:bold r:id="rId36"/>
     </p:embeddedFont>
   </p:embeddedFontLst>
@@ -250,7 +250,7 @@
           <a:p>
             <a:fld id="{2EF3F159-7250-4DD4-91C2-13B35D56E1AF}" type="datetimeFigureOut">
               <a:rPr lang="ko-KR" altLang="en-US" smtClean="0"/>
-              <a:t>2025-05-11</a:t>
+              <a:t>2025-05-12</a:t>
             </a:fld>
             <a:endParaRPr lang="ko-KR" altLang="en-US"/>
           </a:p>
@@ -1032,10 +1032,6 @@
               <a:rPr lang="en-US" altLang="ko-KR" b="1" dirty="0"/>
               <a:t>?”</a:t>
             </a:r>
-            <a:r>
-              <a:rPr lang="ko-KR" altLang="en-US" dirty="0"/>
-              <a:t/>
-            </a:r>
             <a:br>
               <a:rPr lang="ko-KR" altLang="en-US" dirty="0"/>
             </a:br>
@@ -1719,10 +1715,6 @@
               <a:rPr lang="ko-KR" altLang="en-US" dirty="0" err="1"/>
               <a:t>타입인데도</a:t>
             </a:r>
-            <a:r>
-              <a:rPr lang="ko-KR" altLang="en-US" dirty="0"/>
-              <a:t/>
-            </a:r>
             <a:br>
               <a:rPr lang="ko-KR" altLang="en-US" dirty="0"/>
             </a:br>
@@ -1920,6 +1912,47 @@
               <a:rPr lang="ko-KR" altLang="en-US" dirty="0"/>
               <a:t>각 자식 객체가 자기만의 방식으로 동작하게 만드는 객체지향의 가장 큰 특징</a:t>
             </a:r>
+            <a:endParaRPr lang="en-US" altLang="ko-KR" dirty="0"/>
+          </a:p>
+          <a:p>
+            <a:pPr marL="0" indent="0">
+              <a:buNone/>
+            </a:pPr>
+            <a:endParaRPr lang="en-US" altLang="ko-KR" dirty="0"/>
+          </a:p>
+          <a:p>
+            <a:pPr marL="0" indent="0">
+              <a:buNone/>
+            </a:pPr>
+            <a:r>
+              <a:rPr lang="ko-KR" altLang="en-US" dirty="0"/>
+              <a:t>이처럼 부모 타입 </a:t>
+            </a:r>
+            <a:r>
+              <a:rPr lang="en-US" altLang="ko-KR" dirty="0"/>
+              <a:t>Beverage </a:t>
+            </a:r>
+            <a:r>
+              <a:rPr lang="ko-KR" altLang="en-US" dirty="0"/>
+              <a:t>하나로 다양한 자식의 행동을 제어할 수 있는 것이 </a:t>
+            </a:r>
+            <a:r>
+              <a:rPr lang="ko-KR" altLang="en-US" b="1" dirty="0"/>
+              <a:t>진짜 </a:t>
+            </a:r>
+            <a:r>
+              <a:rPr lang="ko-KR" altLang="en-US" b="1" dirty="0" err="1"/>
+              <a:t>다형성</a:t>
+            </a:r>
+            <a:r>
+              <a:rPr lang="ko-KR" altLang="en-US" dirty="0" err="1"/>
+              <a:t>입니다</a:t>
+            </a:r>
+            <a:r>
+              <a:rPr lang="en-US" altLang="ko-KR" dirty="0"/>
+              <a:t>.</a:t>
+            </a:r>
+            <a:endParaRPr lang="ko-KR" altLang="en-US" dirty="0"/>
           </a:p>
         </p:txBody>
       </p:sp>
@@ -2114,11 +2147,7 @@
           <a:bodyPr/>
           <a:lstStyle/>
           <a:p>
-            <a:r>
-              <a:rPr lang="en-US" altLang="ko-KR" dirty="0"/>
-              <a:t>https://www.nextree.co.kr/p6753/</a:t>
-            </a:r>
-            <a:endParaRPr lang="ko-KR" altLang="en-US" dirty="0"/>
+            <a:endParaRPr lang="ko-KR" altLang="en-US"/>
           </a:p>
         </p:txBody>
       </p:sp>
@@ -2139,7 +2168,7 @@
           <a:p>
             <a:fld id="{C09E5BFC-1559-42F1-8940-AB342D56BF02}" type="slidenum">
               <a:rPr lang="ko-KR" altLang="en-US" smtClean="0"/>
-              <a:t>24</a:t>
+              <a:t>23</a:t>
             </a:fld>
             <a:endParaRPr lang="ko-KR" altLang="en-US"/>
           </a:p>
@@ -2148,7 +2177,7 @@
     </p:spTree>
     <p:extLst>
       <p:ext uri="{BB962C8B-B14F-4D97-AF65-F5344CB8AC3E}">
-        <p14:creationId xmlns:p14="http://schemas.microsoft.com/office/powerpoint/2010/main" val="2733677811"/>
+        <p14:creationId xmlns:p14="http://schemas.microsoft.com/office/powerpoint/2010/main" val="748993938"/>
       </p:ext>
     </p:extLst>
   </p:cSld>
@@ -2202,6 +2231,59 @@
           <a:bodyPr/>
           <a:lstStyle/>
           <a:p>
+            <a:r>
+              <a:rPr lang="en-US" altLang="ko-KR" dirty="0"/>
+              <a:t>https://www.nextree.co.kr/p6753/</a:t>
+            </a:r>
+          </a:p>
+          <a:p>
+            <a:r>
+              <a:rPr lang="en-US" altLang="ko-KR" b="1" dirty="0"/>
+              <a:t>UML </a:t>
+            </a:r>
+            <a:r>
+              <a:rPr lang="ko-KR" altLang="en-US" b="1" dirty="0"/>
+              <a:t>작성 도구에 따라 자동으로 소스코드를 생성해주는 기능 포함</a:t>
+            </a:r>
+            <a:br>
+              <a:rPr lang="ko-KR" altLang="en-US" dirty="0"/>
+            </a:br>
+            <a:r>
+              <a:rPr lang="ko-KR" altLang="en-US" dirty="0"/>
+              <a:t>→ 일부 </a:t>
+            </a:r>
+            <a:r>
+              <a:rPr lang="en-US" altLang="ko-KR" dirty="0"/>
+              <a:t>UML </a:t>
+            </a:r>
+            <a:r>
+              <a:rPr lang="ko-KR" altLang="en-US" dirty="0"/>
+              <a:t>도구에서는 </a:t>
+            </a:r>
+            <a:r>
+              <a:rPr lang="en-US" altLang="ko-KR" dirty="0"/>
+              <a:t>UML</a:t>
+            </a:r>
+            <a:r>
+              <a:rPr lang="ko-KR" altLang="en-US" dirty="0"/>
+              <a:t>을 그리면 자동으로 </a:t>
+            </a:r>
+            <a:r>
+              <a:rPr lang="en-US" altLang="ko-KR" b="1" dirty="0"/>
+              <a:t>Java, C#, Python </a:t>
+            </a:r>
+            <a:r>
+              <a:rPr lang="ko-KR" altLang="en-US" b="1" dirty="0"/>
+              <a:t>등의 클래스 코드</a:t>
+            </a:r>
+            <a:r>
+              <a:rPr lang="ko-KR" altLang="en-US" dirty="0"/>
+              <a:t>를 생성해주는 기능이 포함되어 있습니다</a:t>
+            </a:r>
+            <a:r>
+              <a:rPr lang="en-US" altLang="ko-KR" dirty="0"/>
+              <a:t>.</a:t>
+            </a:r>
             <a:endParaRPr lang="ko-KR" altLang="en-US" dirty="0"/>
           </a:p>
         </p:txBody>
@@ -2223,7 +2305,7 @@
           <a:p>
             <a:fld id="{C09E5BFC-1559-42F1-8940-AB342D56BF02}" type="slidenum">
               <a:rPr lang="ko-KR" altLang="en-US" smtClean="0"/>
-              <a:t>25</a:t>
+              <a:t>24</a:t>
             </a:fld>
             <a:endParaRPr lang="ko-KR" altLang="en-US"/>
           </a:p>
@@ -2232,7 +2314,7 @@
     </p:spTree>
     <p:extLst>
       <p:ext uri="{BB962C8B-B14F-4D97-AF65-F5344CB8AC3E}">
-        <p14:creationId xmlns:p14="http://schemas.microsoft.com/office/powerpoint/2010/main" val="2492773080"/>
+        <p14:creationId xmlns:p14="http://schemas.microsoft.com/office/powerpoint/2010/main" val="2733677811"/>
       </p:ext>
     </p:extLst>
   </p:cSld>
@@ -2505,6 +2587,90 @@
           <a:bodyPr/>
           <a:lstStyle/>
           <a:p>
+            <a:endParaRPr lang="ko-KR" altLang="en-US" dirty="0"/>
+          </a:p>
+        </p:txBody>
+      </p:sp>
+      <p:sp>
+        <p:nvSpPr>
+          <p:cNvPr id="4" name="슬라이드 번호 개체 틀 3"/>
+          <p:cNvSpPr>
+            <a:spLocks noGrp="1"/>
+          </p:cNvSpPr>
+          <p:nvPr>
+            <p:ph type="sldNum" sz="quarter" idx="5"/>
+          </p:nvPr>
+        </p:nvSpPr>
+        <p:spPr/>
+        <p:txBody>
+          <a:bodyPr/>
+          <a:lstStyle/>
+          <a:p>
+            <a:fld id="{C09E5BFC-1559-42F1-8940-AB342D56BF02}" type="slidenum">
+              <a:rPr lang="ko-KR" altLang="en-US" smtClean="0"/>
+              <a:t>25</a:t>
+            </a:fld>
+            <a:endParaRPr lang="ko-KR" altLang="en-US"/>
+          </a:p>
+        </p:txBody>
+      </p:sp>
+    </p:spTree>
+    <p:extLst>
+      <p:ext uri="{BB962C8B-B14F-4D97-AF65-F5344CB8AC3E}">
+        <p14:creationId xmlns:p14="http://schemas.microsoft.com/office/powerpoint/2010/main" val="2492773080"/>
+      </p:ext>
+    </p:extLst>
+  </p:cSld>
+  <p:clrMapOvr>
+    <a:masterClrMapping/>
+  </p:clrMapOvr>
+</p:notes>
+</file>
+
+<file path=ppt/notesSlides/notesSlide21.xml><?xml version="1.0" encoding="utf-8"?>
+<p:notes xmlns:a="http://schemas.openxmlformats.org/drawingml/2006/main" xmlns:r="http://schemas.openxmlformats.org/officeDocument/2006/relationships" xmlns:p="http://schemas.openxmlformats.org/presentationml/2006/main">
+  <p:cSld>
+    <p:spTree>
+      <p:nvGrpSpPr>
+        <p:cNvPr id="1" name=""/>
+        <p:cNvGrpSpPr/>
+        <p:nvPr/>
+      </p:nvGrpSpPr>
+      <p:grpSpPr>
+        <a:xfrm>
+          <a:off x="0" y="0"/>
+          <a:ext cx="0" cy="0"/>
+          <a:chOff x="0" y="0"/>
+          <a:chExt cx="0" cy="0"/>
+        </a:xfrm>
+      </p:grpSpPr>
+      <p:sp>
+        <p:nvSpPr>
+          <p:cNvPr id="2" name="슬라이드 이미지 개체 틀 1"/>
+          <p:cNvSpPr>
+            <a:spLocks noGrp="1" noRot="1" noChangeAspect="1"/>
+          </p:cNvSpPr>
+          <p:nvPr>
+            <p:ph type="sldImg"/>
+          </p:nvPr>
+        </p:nvSpPr>
+        <p:spPr/>
+      </p:sp>
+      <p:sp>
+        <p:nvSpPr>
+          <p:cNvPr id="3" name="슬라이드 노트 개체 틀 2"/>
+          <p:cNvSpPr>
+            <a:spLocks noGrp="1"/>
+          </p:cNvSpPr>
+          <p:nvPr>
+            <p:ph type="body" idx="1"/>
+          </p:nvPr>
+        </p:nvSpPr>
+        <p:spPr/>
+        <p:txBody>
+          <a:bodyPr/>
+          <a:lstStyle/>
+          <a:p>
             <a:endParaRPr lang="ko-KR" altLang="en-US"/>
           </a:p>
         </p:txBody>
@@ -2545,7 +2711,7 @@
 </p:notes>
 </file>
 
-<file path=ppt/notesSlides/notesSlide21.xml><?xml version="1.0" encoding="utf-8"?>
+<file path=ppt/notesSlides/notesSlide22.xml><?xml version="1.0" encoding="utf-8"?>
 <p:notes xmlns:a="http://schemas.openxmlformats.org/drawingml/2006/main" xmlns:r="http://schemas.openxmlformats.org/officeDocument/2006/relationships" xmlns:p="http://schemas.openxmlformats.org/presentationml/2006/main">
   <p:cSld>
     <p:spTree>
@@ -3625,7 +3791,7 @@
               <a:buChar char="•"/>
             </a:pPr>
             <a:r>
-              <a:rPr lang="ko-KR" altLang="en-US" sz="1200" kern="1200" dirty="0" smtClean="0">
+              <a:rPr lang="ko-KR" altLang="en-US" sz="1200" kern="1200" dirty="0">
                 <a:solidFill>
                   <a:schemeClr val="tx1"/>
                 </a:solidFill>
@@ -3636,7 +3802,7 @@
               <a:t>공격 사거리가 공격할 거리보다 같거나 길으면 </a:t>
             </a:r>
             <a:r>
-              <a:rPr lang="en-US" altLang="ko-KR" sz="1200" kern="1200" dirty="0" smtClean="0">
+              <a:rPr lang="en-US" altLang="ko-KR" sz="1200" kern="1200" dirty="0">
                 <a:solidFill>
                   <a:schemeClr val="tx1"/>
                 </a:solidFill>
@@ -3647,7 +3813,7 @@
               <a:t>= </a:t>
             </a:r>
             <a:r>
-              <a:rPr lang="ko-KR" altLang="en-US" sz="1200" kern="1200" dirty="0" smtClean="0">
+              <a:rPr lang="ko-KR" altLang="en-US" sz="1200" kern="1200" dirty="0">
                 <a:solidFill>
                   <a:schemeClr val="tx1"/>
                 </a:solidFill>
@@ -3657,7 +3823,7 @@
               </a:rPr>
               <a:t>공격 성공</a:t>
             </a:r>
-            <a:endParaRPr lang="en-US" altLang="ko-KR" sz="1200" kern="1200" dirty="0" smtClean="0">
+            <a:endParaRPr lang="en-US" altLang="ko-KR" sz="1200" kern="1200" dirty="0">
               <a:solidFill>
                 <a:schemeClr val="tx1"/>
               </a:solidFill>
@@ -3672,7 +3838,7 @@
               <a:buChar char="•"/>
             </a:pPr>
             <a:r>
-              <a:rPr lang="en-US" altLang="ko-KR" dirty="0" smtClean="0"/>
+              <a:rPr lang="en-US" altLang="ko-KR" dirty="0"/>
               <a:t>damage</a:t>
             </a:r>
             <a:r>
@@ -4484,7 +4650,7 @@
           <a:p>
             <a:fld id="{442BEE3F-2E9A-4FD8-8B8A-8619F3E161C0}" type="datetime1">
               <a:rPr lang="ko-KR" altLang="en-US" smtClean="0"/>
-              <a:t>2025-05-11</a:t>
+              <a:t>2025-05-12</a:t>
             </a:fld>
             <a:endParaRPr lang="ko-KR" altLang="en-US"/>
           </a:p>
@@ -4670,7 +4836,7 @@
           <a:p>
             <a:fld id="{2EAE422B-0E68-47B5-84BB-CA2BDA8EE46C}" type="datetime1">
               <a:rPr lang="ko-KR" altLang="en-US" smtClean="0"/>
-              <a:t>2025-05-11</a:t>
+              <a:t>2025-05-12</a:t>
             </a:fld>
             <a:endParaRPr lang="ko-KR" altLang="en-US"/>
           </a:p>
@@ -4878,7 +5044,7 @@
           <a:p>
             <a:fld id="{AF7C623F-179B-417F-99B6-50F6DF228D4B}" type="datetime1">
               <a:rPr lang="ko-KR" altLang="en-US" smtClean="0"/>
-              <a:t>2025-05-11</a:t>
+              <a:t>2025-05-12</a:t>
             </a:fld>
             <a:endParaRPr lang="ko-KR" altLang="en-US"/>
           </a:p>
@@ -5120,7 +5286,7 @@
           <a:p>
             <a:fld id="{0F78D9C4-20C1-4B15-A116-16DC77AD9A1E}" type="datetime1">
               <a:rPr lang="ko-KR" altLang="en-US" smtClean="0"/>
-              <a:t>2025-05-11</a:t>
+              <a:t>2025-05-12</a:t>
             </a:fld>
             <a:endParaRPr lang="ko-KR" altLang="en-US"/>
           </a:p>
@@ -5395,7 +5561,7 @@
           <a:p>
             <a:fld id="{C7F43723-C509-4DEA-8428-B50818F79709}" type="datetime1">
               <a:rPr lang="ko-KR" altLang="en-US" smtClean="0"/>
-              <a:t>2025-05-11</a:t>
+              <a:t>2025-05-12</a:t>
             </a:fld>
             <a:endParaRPr lang="ko-KR" altLang="en-US"/>
           </a:p>
@@ -5660,7 +5826,7 @@
           <a:p>
             <a:fld id="{5D2B7482-EE74-4DBD-97F4-D0DAC0C0E4E5}" type="datetime1">
               <a:rPr lang="ko-KR" altLang="en-US" smtClean="0"/>
-              <a:t>2025-05-11</a:t>
+              <a:t>2025-05-12</a:t>
             </a:fld>
             <a:endParaRPr lang="ko-KR" altLang="en-US"/>
           </a:p>
@@ -6073,7 +6239,7 @@
           <a:p>
             <a:fld id="{051A8C49-CED7-4A86-9B4A-621D7F62EE92}" type="datetime1">
               <a:rPr lang="ko-KR" altLang="en-US" smtClean="0"/>
-              <a:t>2025-05-11</a:t>
+              <a:t>2025-05-12</a:t>
             </a:fld>
             <a:endParaRPr lang="ko-KR" altLang="en-US"/>
           </a:p>
@@ -6220,7 +6386,7 @@
           <a:p>
             <a:fld id="{84082D76-7079-412D-848B-E1B9E7A6A286}" type="datetime1">
               <a:rPr lang="ko-KR" altLang="en-US" smtClean="0"/>
-              <a:t>2025-05-11</a:t>
+              <a:t>2025-05-12</a:t>
             </a:fld>
             <a:endParaRPr lang="ko-KR" altLang="en-US"/>
           </a:p>
@@ -6333,7 +6499,7 @@
           <a:p>
             <a:fld id="{10C5FEB5-5F88-4F49-9108-1795E314F09F}" type="datetime1">
               <a:rPr lang="ko-KR" altLang="en-US" smtClean="0"/>
-              <a:t>2025-05-11</a:t>
+              <a:t>2025-05-12</a:t>
             </a:fld>
             <a:endParaRPr lang="ko-KR" altLang="en-US"/>
           </a:p>
@@ -6644,7 +6810,7 @@
           <a:p>
             <a:fld id="{E37ABBEE-D8D4-48AD-9887-4DC578B8A684}" type="datetime1">
               <a:rPr lang="ko-KR" altLang="en-US" smtClean="0"/>
-              <a:t>2025-05-11</a:t>
+              <a:t>2025-05-12</a:t>
             </a:fld>
             <a:endParaRPr lang="ko-KR" altLang="en-US"/>
           </a:p>
@@ -6935,7 +7101,7 @@
           <a:p>
             <a:fld id="{A2D6A55C-F3DD-45DD-9D50-F8680410167D}" type="datetime1">
               <a:rPr lang="ko-KR" altLang="en-US" smtClean="0"/>
-              <a:t>2025-05-11</a:t>
+              <a:t>2025-05-12</a:t>
             </a:fld>
             <a:endParaRPr lang="ko-KR" altLang="en-US"/>
           </a:p>
@@ -7179,7 +7345,7 @@
             <a:fld id="{7F5E23C3-0E3D-4E4E-8486-D7FB4C073DC1}" type="datetime1">
               <a:rPr lang="ko-KR" altLang="en-US" smtClean="0"/>
               <a:pPr/>
-              <a:t>2025-05-11</a:t>
+              <a:t>2025-05-12</a:t>
             </a:fld>
             <a:endParaRPr lang="ko-KR" altLang="en-US" dirty="0"/>
           </a:p>
@@ -7701,7 +7867,7 @@
           <a:p>
             <a:fld id="{2E2BEDFA-D8AA-4914-9440-7DF713C99FA9}" type="datetime1">
               <a:rPr lang="ko-KR" altLang="en-US" smtClean="0"/>
-              <a:t>2025-05-11</a:t>
+              <a:t>2025-05-12</a:t>
             </a:fld>
             <a:endParaRPr lang="ko-KR" altLang="en-US"/>
           </a:p>
@@ -8081,7 +8247,7 @@
           <a:p>
             <a:fld id="{0F78D9C4-20C1-4B15-A116-16DC77AD9A1E}" type="datetime1">
               <a:rPr lang="ko-KR" altLang="en-US" smtClean="0"/>
-              <a:t>2025-05-11</a:t>
+              <a:t>2025-05-12</a:t>
             </a:fld>
             <a:endParaRPr lang="ko-KR" altLang="en-US"/>
           </a:p>
@@ -8470,7 +8636,7 @@
           <a:p>
             <a:fld id="{0F78D9C4-20C1-4B15-A116-16DC77AD9A1E}" type="datetime1">
               <a:rPr lang="ko-KR" altLang="en-US" smtClean="0"/>
-              <a:t>2025-05-11</a:t>
+              <a:t>2025-05-12</a:t>
             </a:fld>
             <a:endParaRPr lang="ko-KR" altLang="en-US"/>
           </a:p>
@@ -8587,7 +8753,7 @@
           <a:lstStyle/>
           <a:p>
             <a:r>
-              <a:rPr lang="ko-KR" altLang="en-US" dirty="0" smtClean="0">
+              <a:rPr lang="ko-KR" altLang="en-US" dirty="0">
                 <a:solidFill>
                   <a:srgbClr val="00B050"/>
                 </a:solidFill>
@@ -8603,7 +8769,7 @@
               <a:t>. </a:t>
             </a:r>
             <a:r>
-              <a:rPr lang="ko-KR" altLang="en-US" dirty="0" smtClean="0">
+              <a:rPr lang="ko-KR" altLang="en-US" dirty="0">
                 <a:solidFill>
                   <a:srgbClr val="00B050"/>
                 </a:solidFill>
@@ -8611,7 +8777,7 @@
               <a:t>클래스 </a:t>
             </a:r>
             <a:r>
-              <a:rPr lang="ko-KR" altLang="en-US" dirty="0" err="1" smtClean="0">
+              <a:rPr lang="ko-KR" altLang="en-US" dirty="0" err="1">
                 <a:solidFill>
                   <a:srgbClr val="00B050"/>
                 </a:solidFill>
@@ -8660,23 +8826,23 @@
               </a:lnSpc>
             </a:pPr>
             <a:r>
-              <a:rPr lang="en-US" altLang="ko-KR" sz="2400" dirty="0" smtClean="0"/>
+              <a:rPr lang="en-US" altLang="ko-KR" sz="2400" dirty="0"/>
               <a:t>Animal </a:t>
             </a:r>
             <a:r>
-              <a:rPr lang="ko-KR" altLang="en-US" sz="2400" dirty="0" smtClean="0"/>
+              <a:rPr lang="ko-KR" altLang="en-US" sz="2400" dirty="0"/>
               <a:t>클래스</a:t>
             </a:r>
             <a:r>
-              <a:rPr lang="en-US" altLang="ko-KR" sz="2400" dirty="0" smtClean="0"/>
+              <a:rPr lang="en-US" altLang="ko-KR" sz="2400" dirty="0"/>
               <a:t>(</a:t>
             </a:r>
             <a:r>
-              <a:rPr lang="ko-KR" altLang="en-US" sz="2400" dirty="0" smtClean="0"/>
+              <a:rPr lang="ko-KR" altLang="en-US" sz="2400" dirty="0"/>
               <a:t>부모</a:t>
             </a:r>
             <a:r>
-              <a:rPr lang="en-US" altLang="ko-KR" sz="2400" dirty="0" smtClean="0"/>
+              <a:rPr lang="en-US" altLang="ko-KR" sz="2400" dirty="0"/>
               <a:t>)</a:t>
             </a:r>
           </a:p>
@@ -8687,46 +8853,46 @@
               </a:lnSpc>
             </a:pPr>
             <a:r>
-              <a:rPr lang="en-US" altLang="ko-KR" sz="2400" dirty="0" smtClean="0"/>
+              <a:rPr lang="en-US" altLang="ko-KR" sz="2400" dirty="0"/>
               <a:t>Dog, Cat, Bird </a:t>
             </a:r>
             <a:r>
-              <a:rPr lang="ko-KR" altLang="en-US" sz="2400" dirty="0" smtClean="0"/>
+              <a:rPr lang="ko-KR" altLang="en-US" sz="2400" dirty="0"/>
               <a:t>클래스</a:t>
             </a:r>
             <a:r>
-              <a:rPr lang="en-US" altLang="ko-KR" sz="2400" dirty="0" smtClean="0"/>
+              <a:rPr lang="en-US" altLang="ko-KR" sz="2400" dirty="0"/>
               <a:t>(</a:t>
             </a:r>
             <a:r>
-              <a:rPr lang="ko-KR" altLang="en-US" sz="2400" dirty="0" smtClean="0"/>
+              <a:rPr lang="ko-KR" altLang="en-US" sz="2400" dirty="0"/>
               <a:t>자식</a:t>
             </a:r>
             <a:r>
-              <a:rPr lang="en-US" altLang="ko-KR" sz="2400" dirty="0" smtClean="0"/>
+              <a:rPr lang="en-US" altLang="ko-KR" sz="2400" dirty="0"/>
               <a:t>) : </a:t>
             </a:r>
             <a:r>
-              <a:rPr lang="ko-KR" altLang="en-US" sz="2400" dirty="0" smtClean="0"/>
+              <a:rPr lang="ko-KR" altLang="en-US" sz="2400" dirty="0"/>
               <a:t>모두 </a:t>
             </a:r>
             <a:r>
-              <a:rPr lang="en-US" altLang="ko-KR" sz="2400" dirty="0" smtClean="0"/>
+              <a:rPr lang="en-US" altLang="ko-KR" sz="2400" dirty="0"/>
               <a:t>Animal</a:t>
             </a:r>
             <a:r>
-              <a:rPr lang="ko-KR" altLang="en-US" sz="2400" dirty="0" smtClean="0"/>
+              <a:rPr lang="ko-KR" altLang="en-US" sz="2400" dirty="0"/>
               <a:t>을</a:t>
             </a:r>
             <a:r>
-              <a:rPr lang="en-US" altLang="ko-KR" sz="2400" dirty="0" smtClean="0"/>
+              <a:rPr lang="en-US" altLang="ko-KR" sz="2400" dirty="0"/>
               <a:t> </a:t>
             </a:r>
             <a:r>
-              <a:rPr lang="ko-KR" altLang="en-US" sz="2400" dirty="0" smtClean="0"/>
+              <a:rPr lang="ko-KR" altLang="en-US" sz="2400" dirty="0"/>
               <a:t>상속</a:t>
             </a:r>
-            <a:endParaRPr lang="en-US" altLang="ko-KR" sz="2400" dirty="0" smtClean="0"/>
+            <a:endParaRPr lang="en-US" altLang="ko-KR" sz="2400" dirty="0"/>
           </a:p>
           <a:p>
             <a:pPr>
@@ -8735,31 +8901,31 @@
               </a:lnSpc>
             </a:pPr>
             <a:r>
-              <a:rPr lang="en-US" altLang="ko-KR" sz="2400" dirty="0" smtClean="0"/>
+              <a:rPr lang="en-US" altLang="ko-KR" sz="2400" dirty="0"/>
               <a:t>Animal </a:t>
             </a:r>
             <a:r>
-              <a:rPr lang="ko-KR" altLang="en-US" sz="2400" dirty="0" smtClean="0"/>
+              <a:rPr lang="ko-KR" altLang="en-US" sz="2400" dirty="0"/>
               <a:t>클래스에 이름</a:t>
             </a:r>
             <a:r>
-              <a:rPr lang="en-US" altLang="ko-KR" sz="2400" dirty="0" smtClean="0"/>
+              <a:rPr lang="en-US" altLang="ko-KR" sz="2400" dirty="0"/>
               <a:t>(Name)</a:t>
             </a:r>
             <a:r>
-              <a:rPr lang="ko-KR" altLang="en-US" sz="2400" dirty="0" smtClean="0"/>
+              <a:rPr lang="ko-KR" altLang="en-US" sz="2400" dirty="0"/>
               <a:t>과 </a:t>
             </a:r>
             <a:r>
-              <a:rPr lang="en-US" altLang="ko-KR" sz="2400" dirty="0" smtClean="0"/>
+              <a:rPr lang="en-US" altLang="ko-KR" sz="2400" dirty="0"/>
               <a:t>Speak() </a:t>
             </a:r>
             <a:r>
-              <a:rPr lang="ko-KR" altLang="en-US" sz="2400" dirty="0" smtClean="0"/>
+              <a:rPr lang="ko-KR" altLang="en-US" sz="2400" dirty="0"/>
               <a:t>메서드 선언</a:t>
             </a:r>
             <a:r>
-              <a:rPr lang="en-US" altLang="ko-KR" sz="2400" dirty="0" smtClean="0"/>
+              <a:rPr lang="en-US" altLang="ko-KR" sz="2400" dirty="0"/>
               <a:t>.</a:t>
             </a:r>
           </a:p>
@@ -8770,15 +8936,15 @@
               </a:lnSpc>
             </a:pPr>
             <a:r>
-              <a:rPr lang="en-US" altLang="ko-KR" sz="2000" dirty="0" smtClean="0"/>
-              <a:t>Ex) (OO): </a:t>
-            </a:r>
-            <a:r>
-              <a:rPr lang="ko-KR" altLang="en-US" sz="2000" dirty="0" smtClean="0"/>
+              <a:rPr lang="en-US" altLang="ko-KR" sz="2000" dirty="0"/>
+              <a:t>Ex) (Name): </a:t>
+            </a:r>
+            <a:r>
+              <a:rPr lang="ko-KR" altLang="en-US" sz="2000" dirty="0"/>
               <a:t>동물이 소리를 냅니다</a:t>
             </a:r>
             <a:r>
-              <a:rPr lang="en-US" altLang="ko-KR" sz="2000" dirty="0" smtClean="0"/>
+              <a:rPr lang="en-US" altLang="ko-KR" sz="2000" dirty="0"/>
               <a:t>.</a:t>
             </a:r>
           </a:p>
@@ -8789,23 +8955,23 @@
               </a:lnSpc>
             </a:pPr>
             <a:r>
-              <a:rPr lang="ko-KR" altLang="en-US" sz="2400" dirty="0" smtClean="0"/>
+              <a:rPr lang="ko-KR" altLang="en-US" sz="2400" dirty="0"/>
               <a:t>각 자식 클래스는 </a:t>
             </a:r>
             <a:r>
-              <a:rPr lang="en-US" altLang="ko-KR" sz="2400" dirty="0" smtClean="0"/>
+              <a:rPr lang="en-US" altLang="ko-KR" sz="2400" dirty="0"/>
               <a:t>Name </a:t>
             </a:r>
             <a:r>
-              <a:rPr lang="ko-KR" altLang="en-US" sz="2400" dirty="0" smtClean="0"/>
+              <a:rPr lang="ko-KR" altLang="en-US" sz="2400" dirty="0"/>
               <a:t>속성을 설정하고</a:t>
             </a:r>
             <a:r>
-              <a:rPr lang="en-US" altLang="ko-KR" sz="2400" dirty="0" smtClean="0"/>
+              <a:rPr lang="en-US" altLang="ko-KR" sz="2400" dirty="0"/>
               <a:t>, </a:t>
             </a:r>
             <a:r>
-              <a:rPr lang="ko-KR" altLang="en-US" sz="2400" b="1" dirty="0" smtClean="0">
+              <a:rPr lang="ko-KR" altLang="en-US" sz="2400" b="1" dirty="0">
                 <a:solidFill>
                   <a:srgbClr val="00B050"/>
                 </a:solidFill>
@@ -8813,11 +8979,11 @@
               <a:t>자식 고유의 메서드</a:t>
             </a:r>
             <a:r>
-              <a:rPr lang="ko-KR" altLang="en-US" sz="2400" dirty="0" smtClean="0"/>
+              <a:rPr lang="ko-KR" altLang="en-US" sz="2400" dirty="0"/>
               <a:t>를 각각 하나씩 추가</a:t>
             </a:r>
             <a:r>
-              <a:rPr lang="en-US" altLang="ko-KR" sz="2400" dirty="0" smtClean="0"/>
+              <a:rPr lang="en-US" altLang="ko-KR" sz="2400" dirty="0"/>
               <a:t>.</a:t>
             </a:r>
           </a:p>
@@ -8828,31 +8994,31 @@
               </a:lnSpc>
             </a:pPr>
             <a:r>
-              <a:rPr lang="en-US" altLang="ko-KR" sz="2400" dirty="0" smtClean="0"/>
+              <a:rPr lang="en-US" altLang="ko-KR" sz="2400" dirty="0"/>
               <a:t>Main</a:t>
             </a:r>
             <a:r>
-              <a:rPr lang="ko-KR" altLang="en-US" sz="2400" dirty="0" smtClean="0"/>
+              <a:rPr lang="ko-KR" altLang="en-US" sz="2400" dirty="0"/>
               <a:t>에서 자식 객체를 생성한 후</a:t>
             </a:r>
             <a:r>
-              <a:rPr lang="en-US" altLang="ko-KR" sz="2400" dirty="0" smtClean="0"/>
+              <a:rPr lang="en-US" altLang="ko-KR" sz="2400" dirty="0"/>
               <a:t>, </a:t>
             </a:r>
             <a:r>
-              <a:rPr lang="ko-KR" altLang="en-US" sz="2400" dirty="0" smtClean="0"/>
+              <a:rPr lang="ko-KR" altLang="en-US" sz="2400" dirty="0"/>
               <a:t>업캐스팅하여 </a:t>
             </a:r>
             <a:r>
-              <a:rPr lang="en-US" altLang="ko-KR" sz="2400" dirty="0" smtClean="0"/>
+              <a:rPr lang="en-US" altLang="ko-KR" sz="2400" dirty="0"/>
               <a:t>Animal </a:t>
             </a:r>
             <a:r>
-              <a:rPr lang="ko-KR" altLang="en-US" sz="2400" dirty="0" smtClean="0"/>
+              <a:rPr lang="ko-KR" altLang="en-US" sz="2400" dirty="0"/>
               <a:t>타입 변수로 참조</a:t>
             </a:r>
             <a:r>
-              <a:rPr lang="en-US" altLang="ko-KR" sz="2400" dirty="0" smtClean="0"/>
+              <a:rPr lang="en-US" altLang="ko-KR" sz="2400" dirty="0"/>
               <a:t>.</a:t>
             </a:r>
           </a:p>
@@ -8863,23 +9029,23 @@
               </a:lnSpc>
             </a:pPr>
             <a:r>
-              <a:rPr lang="ko-KR" altLang="en-US" sz="2400" dirty="0" err="1" smtClean="0"/>
+              <a:rPr lang="ko-KR" altLang="en-US" sz="2400" dirty="0" err="1"/>
               <a:t>업캐스팅된</a:t>
             </a:r>
             <a:r>
-              <a:rPr lang="ko-KR" altLang="en-US" sz="2400" dirty="0" smtClean="0"/>
+              <a:rPr lang="ko-KR" altLang="en-US" sz="2400" dirty="0"/>
               <a:t> 객체로 호출 가능한 메서드를 확인할 것</a:t>
             </a:r>
             <a:r>
-              <a:rPr lang="en-US" altLang="ko-KR" sz="2400" dirty="0" smtClean="0"/>
+              <a:rPr lang="en-US" altLang="ko-KR" sz="2400" dirty="0"/>
               <a:t>! (</a:t>
             </a:r>
             <a:r>
-              <a:rPr lang="ko-KR" altLang="en-US" sz="2400" dirty="0" smtClean="0"/>
+              <a:rPr lang="ko-KR" altLang="en-US" sz="2400" dirty="0"/>
               <a:t>주석으로 표시</a:t>
             </a:r>
             <a:r>
-              <a:rPr lang="en-US" altLang="ko-KR" sz="2400" dirty="0" smtClean="0"/>
+              <a:rPr lang="en-US" altLang="ko-KR" sz="2400" dirty="0"/>
               <a:t>)</a:t>
             </a:r>
           </a:p>
@@ -8890,22 +9056,34 @@
               </a:lnSpc>
             </a:pPr>
             <a:r>
-              <a:rPr lang="ko-KR" altLang="en-US" sz="2400" dirty="0" smtClean="0"/>
-              <a:t>호출 불가능한 메서드는 다운캐스팅하여 호출 할 것</a:t>
-            </a:r>
-            <a:r>
-              <a:rPr lang="en-US" altLang="ko-KR" sz="2400" dirty="0" smtClean="0"/>
+              <a:rPr lang="ko-KR" altLang="en-US" sz="2400" dirty="0"/>
+              <a:t>호출 </a:t>
+            </a:r>
+            <a:r>
+              <a:rPr lang="ko-KR" altLang="en-US" sz="2400" dirty="0">
+                <a:solidFill>
+                  <a:srgbClr val="FF0000"/>
+                </a:solidFill>
+              </a:rPr>
+              <a:t>불</a:t>
+            </a:r>
+            <a:r>
+              <a:rPr lang="ko-KR" altLang="en-US" sz="2400" dirty="0"/>
+              <a:t>가능한 메서드는 다운캐스팅하여 호출 할 것</a:t>
+            </a:r>
+            <a:r>
+              <a:rPr lang="en-US" altLang="ko-KR" sz="2400" dirty="0"/>
               <a:t>! (</a:t>
             </a:r>
             <a:r>
-              <a:rPr lang="ko-KR" altLang="en-US" sz="2400" dirty="0" smtClean="0"/>
+              <a:rPr lang="ko-KR" altLang="en-US" sz="2400" dirty="0"/>
               <a:t>주석으로 표시</a:t>
             </a:r>
             <a:r>
-              <a:rPr lang="en-US" altLang="ko-KR" sz="2400" dirty="0" smtClean="0"/>
+              <a:rPr lang="en-US" altLang="ko-KR" sz="2400" dirty="0"/>
               <a:t>)</a:t>
             </a:r>
-            <a:endParaRPr lang="en-US" altLang="ko-KR" sz="2000" dirty="0" smtClean="0"/>
+            <a:endParaRPr lang="en-US" altLang="ko-KR" sz="2000" dirty="0"/>
           </a:p>
           <a:p>
             <a:pPr>
@@ -8914,20 +9092,12 @@
               </a:lnSpc>
             </a:pPr>
             <a:r>
-              <a:rPr lang="en-US" altLang="ko-KR" sz="2400" b="1" dirty="0" smtClean="0">
-                <a:solidFill>
-                  <a:srgbClr val="7030A0"/>
-                </a:solidFill>
-              </a:rPr>
-              <a:t>GitHub </a:t>
-            </a:r>
-            <a:r>
               <a:rPr lang="en-US" altLang="ko-KR" sz="2400" b="1" dirty="0">
                 <a:solidFill>
                   <a:srgbClr val="7030A0"/>
                 </a:solidFill>
               </a:rPr>
-              <a:t>Repo.</a:t>
+              <a:t>GitHub Repo.</a:t>
             </a:r>
             <a:r>
               <a:rPr lang="ko-KR" altLang="en-US" sz="2400" b="1" dirty="0">
@@ -8938,7 +9108,7 @@
               <a:t> </a:t>
             </a:r>
             <a:r>
-              <a:rPr lang="en-US" altLang="ko-KR" sz="2400" b="1" dirty="0" smtClean="0">
+              <a:rPr lang="en-US" altLang="ko-KR" sz="2400" b="1" dirty="0">
                 <a:solidFill>
                   <a:srgbClr val="7030A0"/>
                 </a:solidFill>
@@ -8946,11 +9116,11 @@
               <a:t>URL</a:t>
             </a:r>
             <a:r>
-              <a:rPr lang="ko-KR" altLang="en-US" sz="2400" dirty="0" smtClean="0"/>
+              <a:rPr lang="ko-KR" altLang="en-US" sz="2400" dirty="0"/>
               <a:t>과 </a:t>
             </a:r>
             <a:r>
-              <a:rPr lang="ko-KR" altLang="en-US" sz="2400" b="1" dirty="0" smtClean="0">
+              <a:rPr lang="ko-KR" altLang="en-US" sz="2400" b="1" dirty="0">
                 <a:solidFill>
                   <a:srgbClr val="7030A0"/>
                 </a:solidFill>
@@ -8958,7 +9128,7 @@
               <a:t>콘솔 </a:t>
             </a:r>
             <a:r>
-              <a:rPr lang="ko-KR" altLang="en-US" sz="2400" b="1" dirty="0" err="1" smtClean="0">
+              <a:rPr lang="ko-KR" altLang="en-US" sz="2400" b="1" dirty="0" err="1">
                 <a:solidFill>
                   <a:srgbClr val="7030A0"/>
                 </a:solidFill>
@@ -8966,11 +9136,11 @@
               <a:t>결과창</a:t>
             </a:r>
             <a:r>
-              <a:rPr lang="ko-KR" altLang="en-US" sz="2400" dirty="0" err="1" smtClean="0"/>
+              <a:rPr lang="ko-KR" altLang="en-US" sz="2400" dirty="0" err="1"/>
               <a:t>을</a:t>
             </a:r>
             <a:r>
-              <a:rPr lang="ko-KR" altLang="en-US" sz="2400" dirty="0" smtClean="0"/>
+              <a:rPr lang="ko-KR" altLang="en-US" sz="2400" dirty="0"/>
               <a:t> </a:t>
             </a:r>
             <a:r>
@@ -9159,7 +9329,7 @@
           <a:p>
             <a:fld id="{2E2BEDFA-D8AA-4914-9440-7DF713C99FA9}" type="datetime1">
               <a:rPr lang="ko-KR" altLang="en-US" smtClean="0"/>
-              <a:t>2025-05-11</a:t>
+              <a:t>2025-05-12</a:t>
             </a:fld>
             <a:endParaRPr lang="ko-KR" altLang="en-US" dirty="0"/>
           </a:p>
@@ -9303,7 +9473,7 @@
           <a:p>
             <a:fld id="{0F78D9C4-20C1-4B15-A116-16DC77AD9A1E}" type="datetime1">
               <a:rPr lang="ko-KR" altLang="en-US" smtClean="0"/>
-              <a:t>2025-05-11</a:t>
+              <a:t>2025-05-12</a:t>
             </a:fld>
             <a:endParaRPr lang="ko-KR" altLang="en-US"/>
           </a:p>
@@ -9542,7 +9712,7 @@
           <a:p>
             <a:fld id="{0F78D9C4-20C1-4B15-A116-16DC77AD9A1E}" type="datetime1">
               <a:rPr lang="ko-KR" altLang="en-US" smtClean="0"/>
-              <a:t>2025-05-11</a:t>
+              <a:t>2025-05-12</a:t>
             </a:fld>
             <a:endParaRPr lang="ko-KR" altLang="en-US"/>
           </a:p>
@@ -9786,7 +9956,7 @@
           <a:p>
             <a:fld id="{0F78D9C4-20C1-4B15-A116-16DC77AD9A1E}" type="datetime1">
               <a:rPr lang="ko-KR" altLang="en-US" smtClean="0"/>
-              <a:t>2025-05-11</a:t>
+              <a:t>2025-05-12</a:t>
             </a:fld>
             <a:endParaRPr lang="ko-KR" altLang="en-US"/>
           </a:p>
@@ -10081,7 +10251,7 @@
           <a:p>
             <a:fld id="{0F78D9C4-20C1-4B15-A116-16DC77AD9A1E}" type="datetime1">
               <a:rPr lang="ko-KR" altLang="en-US" smtClean="0"/>
-              <a:t>2025-05-11</a:t>
+              <a:t>2025-05-12</a:t>
             </a:fld>
             <a:endParaRPr lang="ko-KR" altLang="en-US"/>
           </a:p>
@@ -10339,7 +10509,7 @@
           <a:p>
             <a:fld id="{0F78D9C4-20C1-4B15-A116-16DC77AD9A1E}" type="datetime1">
               <a:rPr lang="ko-KR" altLang="en-US" smtClean="0"/>
-              <a:t>2025-05-11</a:t>
+              <a:t>2025-05-12</a:t>
             </a:fld>
             <a:endParaRPr lang="ko-KR" altLang="en-US"/>
           </a:p>
@@ -10396,7 +10566,7 @@
         </p:blipFill>
         <p:spPr>
           <a:xfrm>
-            <a:off x="1580582" y="2793999"/>
+            <a:off x="1566406" y="2537281"/>
             <a:ext cx="3071246" cy="3941940"/>
           </a:xfrm>
           <a:prstGeom prst="rect">
@@ -10426,7 +10596,7 @@
         </p:blipFill>
         <p:spPr>
           <a:xfrm>
-            <a:off x="5524500" y="3538285"/>
+            <a:off x="5524500" y="3247662"/>
             <a:ext cx="5295900" cy="2105025"/>
           </a:xfrm>
           <a:prstGeom prst="rect">
@@ -10554,10 +10724,6 @@
               <a:rPr lang="ko-KR" altLang="en-US" dirty="0"/>
               <a:t>의 속성과 메서드를 다른 클래스</a:t>
             </a:r>
-            <a:r>
-              <a:rPr lang="en-US" altLang="ko-KR" dirty="0"/>
-              <a:t/>
-            </a:r>
             <a:br>
               <a:rPr lang="en-US" altLang="ko-KR" dirty="0"/>
             </a:br>
@@ -10658,7 +10824,7 @@
           <a:p>
             <a:fld id="{0F78D9C4-20C1-4B15-A116-16DC77AD9A1E}" type="datetime1">
               <a:rPr lang="ko-KR" altLang="en-US" smtClean="0"/>
-              <a:t>2025-05-11</a:t>
+              <a:t>2025-05-12</a:t>
             </a:fld>
             <a:endParaRPr lang="ko-KR" altLang="en-US"/>
           </a:p>
@@ -11448,7 +11614,7 @@
         </p:nvSpPr>
         <p:spPr>
           <a:xfrm>
-            <a:off x="9015664" y="4195995"/>
+            <a:off x="9271394" y="3922432"/>
             <a:ext cx="585417" cy="369332"/>
           </a:xfrm>
           <a:prstGeom prst="rect">
@@ -11555,8 +11721,8 @@
         </p:nvSpPr>
         <p:spPr>
           <a:xfrm>
-            <a:off x="8792839" y="6102515"/>
-            <a:ext cx="811950" cy="369332"/>
+            <a:off x="8725812" y="6101123"/>
+            <a:ext cx="882821" cy="369332"/>
           </a:xfrm>
           <a:prstGeom prst="rect">
             <a:avLst/>
@@ -11570,10 +11736,9 @@
           <a:lstStyle/>
           <a:p>
             <a:r>
-              <a:rPr lang="ko-KR" altLang="en-US"/>
+              <a:rPr lang="ko-KR" altLang="en-US" dirty="0"/>
               <a:t>빠르다</a:t>
             </a:r>
-            <a:endParaRPr lang="ko-KR" altLang="en-US" dirty="0"/>
           </a:p>
         </p:txBody>
       </p:sp>
@@ -11784,7 +11949,7 @@
           <a:p>
             <a:fld id="{0F78D9C4-20C1-4B15-A116-16DC77AD9A1E}" type="datetime1">
               <a:rPr lang="ko-KR" altLang="en-US" smtClean="0"/>
-              <a:t>2025-05-11</a:t>
+              <a:t>2025-05-12</a:t>
             </a:fld>
             <a:endParaRPr lang="ko-KR" altLang="en-US"/>
           </a:p>
@@ -11918,7 +12083,7 @@
           <a:p>
             <a:fld id="{2E2BEDFA-D8AA-4914-9440-7DF713C99FA9}" type="datetime1">
               <a:rPr lang="ko-KR" altLang="en-US" smtClean="0"/>
-              <a:t>2025-05-11</a:t>
+              <a:t>2025-05-12</a:t>
             </a:fld>
             <a:endParaRPr lang="ko-KR" altLang="en-US" dirty="0"/>
           </a:p>
@@ -12033,8 +12198,28 @@
           <a:lstStyle/>
           <a:p>
             <a:r>
-              <a:rPr lang="ko-KR" altLang="en-US" dirty="0"/>
-              <a:t>비슷한 성격의 클래스 간 동일한 구조를 갖기 위한 도구</a:t>
+              <a:rPr lang="en-US" altLang="ko-KR" dirty="0"/>
+              <a:t>“</a:t>
+            </a:r>
+            <a:r>
+              <a:rPr lang="ko-KR" altLang="en-US" dirty="0"/>
+              <a:t>클래스들 간의 약속</a:t>
+            </a:r>
+            <a:r>
+              <a:rPr lang="en-US" altLang="ko-KR" dirty="0"/>
+              <a:t>"</a:t>
+            </a:r>
+            <a:r>
+              <a:rPr lang="ko-KR" altLang="en-US" dirty="0"/>
+              <a:t>을 정의하여</a:t>
+            </a:r>
+            <a:r>
+              <a:rPr lang="en-US" altLang="ko-KR" dirty="0"/>
+              <a:t>, </a:t>
+            </a:r>
+            <a:r>
+              <a:rPr lang="ko-KR" altLang="en-US" dirty="0"/>
+              <a:t>동일한 메서드 구조를 갖게 하는 도구</a:t>
             </a:r>
             <a:endParaRPr lang="en-US" altLang="ko-KR" dirty="0"/>
           </a:p>
@@ -12077,6 +12262,9 @@
               <a:rPr lang="ko-KR" altLang="en-US" dirty="0"/>
               <a:t>인터페이스를 상속 받는 클래스들은 반드시 인터페이스의 메소드들을 </a:t>
             </a:r>
+            <a:br>
+              <a:rPr lang="en-US" altLang="ko-KR" dirty="0"/>
+            </a:br>
             <a:r>
               <a:rPr lang="ko-KR" altLang="en-US" dirty="0" err="1">
                 <a:solidFill>
@@ -12145,7 +12333,14 @@
             </a:r>
             <a:r>
               <a:rPr lang="ko-KR" altLang="en-US" dirty="0"/>
-              <a:t> 강제하는 이유</a:t>
+              <a:t> </a:t>
+            </a:r>
+            <a:br>
+              <a:rPr lang="en-US" altLang="ko-KR" dirty="0"/>
+            </a:br>
+            <a:r>
+              <a:rPr lang="ko-KR" altLang="en-US" dirty="0"/>
+              <a:t>강제하는 이유</a:t>
             </a:r>
             <a:r>
               <a:rPr lang="en-US" altLang="ko-KR" dirty="0"/>
@@ -12183,7 +12378,7 @@
           <a:p>
             <a:fld id="{0F78D9C4-20C1-4B15-A116-16DC77AD9A1E}" type="datetime1">
               <a:rPr lang="ko-KR" altLang="en-US" smtClean="0"/>
-              <a:t>2025-05-11</a:t>
+              <a:t>2025-05-12</a:t>
             </a:fld>
             <a:endParaRPr lang="ko-KR" altLang="en-US"/>
           </a:p>
@@ -12299,7 +12494,7 @@
           </p:nvPr>
         </p:nvPicPr>
         <p:blipFill>
-          <a:blip r:embed="rId2"/>
+          <a:blip r:embed="rId3"/>
           <a:stretch>
             <a:fillRect/>
           </a:stretch>
@@ -12334,7 +12529,7 @@
           <a:p>
             <a:fld id="{0F78D9C4-20C1-4B15-A116-16DC77AD9A1E}" type="datetime1">
               <a:rPr lang="ko-KR" altLang="en-US" smtClean="0"/>
-              <a:t>2025-05-11</a:t>
+              <a:t>2025-05-12</a:t>
             </a:fld>
             <a:endParaRPr lang="ko-KR" altLang="en-US"/>
           </a:p>
@@ -12384,7 +12579,7 @@
           <p:nvPr/>
         </p:nvPicPr>
         <p:blipFill>
-          <a:blip r:embed="rId3"/>
+          <a:blip r:embed="rId4"/>
           <a:stretch>
             <a:fillRect/>
           </a:stretch>
@@ -12537,7 +12732,7 @@
           <a:p>
             <a:fld id="{0F78D9C4-20C1-4B15-A116-16DC77AD9A1E}" type="datetime1">
               <a:rPr lang="ko-KR" altLang="en-US" smtClean="0"/>
-              <a:t>2025-05-11</a:t>
+              <a:t>2025-05-12</a:t>
             </a:fld>
             <a:endParaRPr lang="ko-KR" altLang="en-US"/>
           </a:p>
@@ -12997,7 +13192,7 @@
           <a:p>
             <a:fld id="{0F78D9C4-20C1-4B15-A116-16DC77AD9A1E}" type="datetime1">
               <a:rPr lang="ko-KR" altLang="en-US" smtClean="0"/>
-              <a:t>2025-05-11</a:t>
+              <a:t>2025-05-12</a:t>
             </a:fld>
             <a:endParaRPr lang="ko-KR" altLang="en-US"/>
           </a:p>
@@ -13326,7 +13521,7 @@
           <a:p>
             <a:fld id="{0F78D9C4-20C1-4B15-A116-16DC77AD9A1E}" type="datetime1">
               <a:rPr lang="ko-KR" altLang="en-US" smtClean="0"/>
-              <a:t>2025-05-11</a:t>
+              <a:t>2025-05-12</a:t>
             </a:fld>
             <a:endParaRPr lang="ko-KR" altLang="en-US"/>
           </a:p>
@@ -13718,7 +13913,7 @@
           <a:p>
             <a:fld id="{0F78D9C4-20C1-4B15-A116-16DC77AD9A1E}" type="datetime1">
               <a:rPr lang="ko-KR" altLang="en-US" smtClean="0"/>
-              <a:t>2025-05-11</a:t>
+              <a:t>2025-05-12</a:t>
             </a:fld>
             <a:endParaRPr lang="ko-KR" altLang="en-US"/>
           </a:p>
@@ -13935,7 +14130,7 @@
           <a:p>
             <a:fld id="{0F78D9C4-20C1-4B15-A116-16DC77AD9A1E}" type="datetime1">
               <a:rPr lang="ko-KR" altLang="en-US" smtClean="0"/>
-              <a:t>2025-05-11</a:t>
+              <a:t>2025-05-12</a:t>
             </a:fld>
             <a:endParaRPr lang="ko-KR" altLang="en-US"/>
           </a:p>
@@ -14943,7 +15138,7 @@
           <a:p>
             <a:fld id="{0F78D9C4-20C1-4B15-A116-16DC77AD9A1E}" type="datetime1">
               <a:rPr lang="ko-KR" altLang="en-US" smtClean="0"/>
-              <a:t>2025-05-11</a:t>
+              <a:t>2025-05-12</a:t>
             </a:fld>
             <a:endParaRPr lang="ko-KR" altLang="en-US"/>
           </a:p>
@@ -15194,7 +15389,7 @@
           <a:p>
             <a:fld id="{0F78D9C4-20C1-4B15-A116-16DC77AD9A1E}" type="datetime1">
               <a:rPr lang="ko-KR" altLang="en-US" smtClean="0"/>
-              <a:t>2025-05-11</a:t>
+              <a:t>2025-05-12</a:t>
             </a:fld>
             <a:endParaRPr lang="ko-KR" altLang="en-US"/>
           </a:p>
@@ -15404,7 +15599,7 @@
           <a:p>
             <a:fld id="{0F78D9C4-20C1-4B15-A116-16DC77AD9A1E}" type="datetime1">
               <a:rPr lang="ko-KR" altLang="en-US" smtClean="0"/>
-              <a:t>2025-05-11</a:t>
+              <a:t>2025-05-12</a:t>
             </a:fld>
             <a:endParaRPr lang="ko-KR" altLang="en-US"/>
           </a:p>
@@ -15637,7 +15832,7 @@
           <a:p>
             <a:fld id="{0F78D9C4-20C1-4B15-A116-16DC77AD9A1E}" type="datetime1">
               <a:rPr lang="ko-KR" altLang="en-US" smtClean="0"/>
-              <a:t>2025-05-11</a:t>
+              <a:t>2025-05-12</a:t>
             </a:fld>
             <a:endParaRPr lang="ko-KR" altLang="en-US"/>
           </a:p>
@@ -15879,7 +16074,7 @@
           <a:p>
             <a:fld id="{0F78D9C4-20C1-4B15-A116-16DC77AD9A1E}" type="datetime1">
               <a:rPr lang="ko-KR" altLang="en-US" smtClean="0"/>
-              <a:t>2025-05-11</a:t>
+              <a:t>2025-05-12</a:t>
             </a:fld>
             <a:endParaRPr lang="ko-KR" altLang="en-US"/>
           </a:p>
@@ -16082,7 +16277,7 @@
           <a:p>
             <a:fld id="{2E2BEDFA-D8AA-4914-9440-7DF713C99FA9}" type="datetime1">
               <a:rPr lang="ko-KR" altLang="en-US" smtClean="0"/>
-              <a:t>2025-05-11</a:t>
+              <a:t>2025-05-12</a:t>
             </a:fld>
             <a:endParaRPr lang="ko-KR" altLang="en-US" dirty="0"/>
           </a:p>

--- a/material/12_CSharp_심화문법 (상속).pptx
+++ b/material/12_CSharp_심화문법 (상속).pptx
@@ -40,25 +40,25 @@
   <p:notesSz cx="6858000" cy="9144000"/>
   <p:embeddedFontLst>
     <p:embeddedFont>
-      <p:font typeface="Pretendard" panose="020B0600000101010101" charset="-127"/>
+      <p:font typeface="Pretendard" panose="02000503000000020004" pitchFamily="2" charset="-127"/>
       <p:regular r:id="rId30"/>
       <p:bold r:id="rId31"/>
     </p:embeddedFont>
     <p:embeddedFont>
-      <p:font typeface="Pretendard Black" panose="020B0600000101010101" charset="-127"/>
+      <p:font typeface="Pretendard Black" panose="02000A03000000020004" pitchFamily="2" charset="-127"/>
       <p:bold r:id="rId32"/>
     </p:embeddedFont>
     <p:embeddedFont>
-      <p:font typeface="Cambria Math" panose="02040503050406030204" pitchFamily="18" charset="0"/>
+      <p:font typeface="맑은 고딕" panose="020B0503020000020004" pitchFamily="50" charset="-127"/>
       <p:regular r:id="rId33"/>
-    </p:embeddedFont>
-    <p:embeddedFont>
-      <p:font typeface="Pretendard GOV SemiBold" panose="02000703000000020004" pitchFamily="2" charset="-127"/>
       <p:bold r:id="rId34"/>
     </p:embeddedFont>
     <p:embeddedFont>
-      <p:font typeface="맑은 고딕" panose="020B0503020000020004" pitchFamily="50" charset="-127"/>
+      <p:font typeface="Cambria Math" panose="02040503050406030204" pitchFamily="18" charset="0"/>
       <p:regular r:id="rId35"/>
+    </p:embeddedFont>
+    <p:embeddedFont>
+      <p:font typeface="Pretendard GOV SemiBold" panose="020B0600000101010101" charset="-127"/>
       <p:bold r:id="rId36"/>
     </p:embeddedFont>
   </p:embeddedFontLst>
@@ -250,7 +250,7 @@
           <a:p>
             <a:fld id="{2EF3F159-7250-4DD4-91C2-13B35D56E1AF}" type="datetimeFigureOut">
               <a:rPr lang="ko-KR" altLang="en-US" smtClean="0"/>
-              <a:t>2025-05-12</a:t>
+              <a:t>2025-05-13</a:t>
             </a:fld>
             <a:endParaRPr lang="ko-KR" altLang="en-US"/>
           </a:p>
@@ -1032,6 +1032,10 @@
               <a:rPr lang="en-US" altLang="ko-KR" b="1" dirty="0"/>
               <a:t>?”</a:t>
             </a:r>
+            <a:r>
+              <a:rPr lang="ko-KR" altLang="en-US" dirty="0"/>
+              <a:t/>
+            </a:r>
             <a:br>
               <a:rPr lang="ko-KR" altLang="en-US" dirty="0"/>
             </a:br>
@@ -1715,6 +1719,10 @@
               <a:rPr lang="ko-KR" altLang="en-US" dirty="0" err="1"/>
               <a:t>타입인데도</a:t>
             </a:r>
+            <a:r>
+              <a:rPr lang="ko-KR" altLang="en-US" dirty="0"/>
+              <a:t/>
+            </a:r>
             <a:br>
               <a:rPr lang="ko-KR" altLang="en-US" dirty="0"/>
             </a:br>
@@ -2147,7 +2155,136 @@
           <a:bodyPr/>
           <a:lstStyle/>
           <a:p>
-            <a:endParaRPr lang="ko-KR" altLang="en-US"/>
+            <a:r>
+              <a:rPr lang="en-US" altLang="ko-KR" b="1" dirty="0" smtClean="0"/>
+              <a:t>C#</a:t>
+            </a:r>
+            <a:r>
+              <a:rPr lang="ko-KR" altLang="en-US" b="1" dirty="0" smtClean="0"/>
+              <a:t>에서 클래스나 구조체가 특정 기능을 반드시 구현하도록 강제</a:t>
+            </a:r>
+            <a:r>
+              <a:rPr lang="ko-KR" altLang="en-US" dirty="0" smtClean="0"/>
+              <a:t>하는 일종의 </a:t>
+            </a:r>
+            <a:r>
+              <a:rPr lang="en-US" altLang="ko-KR" b="1" dirty="0" smtClean="0"/>
+              <a:t>"</a:t>
+            </a:r>
+            <a:r>
+              <a:rPr lang="ko-KR" altLang="en-US" b="1" dirty="0" smtClean="0"/>
+              <a:t>기능 명세서</a:t>
+            </a:r>
+            <a:r>
+              <a:rPr lang="en-US" altLang="ko-KR" b="1" dirty="0" smtClean="0"/>
+              <a:t>" </a:t>
+            </a:r>
+            <a:r>
+              <a:rPr lang="ko-KR" altLang="en-US" b="1" dirty="0" smtClean="0"/>
+              <a:t>또는 약속</a:t>
+            </a:r>
+            <a:r>
+              <a:rPr lang="en-US" altLang="ko-KR" b="1" dirty="0" smtClean="0"/>
+              <a:t>(Contract)</a:t>
+            </a:r>
+            <a:r>
+              <a:rPr lang="ko-KR" altLang="en-US" dirty="0" smtClean="0"/>
+              <a:t> 역할</a:t>
+            </a:r>
+            <a:endParaRPr lang="en-US" altLang="ko-KR" dirty="0" smtClean="0"/>
+          </a:p>
+          <a:p>
+            <a:r>
+              <a:rPr lang="ko-KR" altLang="en-US" dirty="0" smtClean="0"/>
+              <a:t>인터페이스는 </a:t>
+            </a:r>
+            <a:r>
+              <a:rPr lang="ko-KR" altLang="en-US" b="1" dirty="0" smtClean="0"/>
+              <a:t>속성</a:t>
+            </a:r>
+            <a:r>
+              <a:rPr lang="en-US" altLang="ko-KR" b="1" dirty="0" smtClean="0"/>
+              <a:t>, </a:t>
+            </a:r>
+            <a:r>
+              <a:rPr lang="ko-KR" altLang="en-US" b="1" dirty="0" smtClean="0"/>
+              <a:t>메서드</a:t>
+            </a:r>
+            <a:r>
+              <a:rPr lang="en-US" altLang="ko-KR" b="1" dirty="0" smtClean="0"/>
+              <a:t>, </a:t>
+            </a:r>
+            <a:r>
+              <a:rPr lang="ko-KR" altLang="en-US" b="1" dirty="0" smtClean="0"/>
+              <a:t>이벤트</a:t>
+            </a:r>
+            <a:r>
+              <a:rPr lang="en-US" altLang="ko-KR" b="1" dirty="0" smtClean="0"/>
+              <a:t>, </a:t>
+            </a:r>
+            <a:r>
+              <a:rPr lang="ko-KR" altLang="en-US" b="1" dirty="0" err="1" smtClean="0"/>
+              <a:t>인덱서의</a:t>
+            </a:r>
+            <a:r>
+              <a:rPr lang="ko-KR" altLang="en-US" b="1" dirty="0" smtClean="0"/>
+              <a:t> </a:t>
+            </a:r>
+            <a:r>
+              <a:rPr lang="en-US" altLang="ko-KR" b="1" dirty="0" smtClean="0"/>
+              <a:t>'</a:t>
+            </a:r>
+            <a:r>
+              <a:rPr lang="ko-KR" altLang="en-US" b="1" dirty="0" smtClean="0"/>
+              <a:t>선언</a:t>
+            </a:r>
+            <a:r>
+              <a:rPr lang="en-US" altLang="ko-KR" b="1" dirty="0" smtClean="0"/>
+              <a:t>'</a:t>
+            </a:r>
+            <a:r>
+              <a:rPr lang="ko-KR" altLang="en-US" b="1" dirty="0" smtClean="0"/>
+              <a:t>만 포함</a:t>
+            </a:r>
+            <a:r>
+              <a:rPr lang="ko-KR" altLang="en-US" dirty="0" smtClean="0"/>
+              <a:t>하고</a:t>
+            </a:r>
+            <a:r>
+              <a:rPr lang="en-US" altLang="ko-KR" dirty="0" smtClean="0"/>
+              <a:t>, </a:t>
+            </a:r>
+            <a:r>
+              <a:rPr lang="ko-KR" altLang="en-US" dirty="0" smtClean="0"/>
+              <a:t>실제 구현은 하지 않습니다</a:t>
+            </a:r>
+            <a:r>
+              <a:rPr lang="en-US" altLang="ko-KR" dirty="0" smtClean="0"/>
+              <a:t>.</a:t>
+            </a:r>
+          </a:p>
+          <a:p>
+            <a:r>
+              <a:rPr lang="ko-KR" altLang="en-US" dirty="0" smtClean="0"/>
+              <a:t>즉</a:t>
+            </a:r>
+            <a:r>
+              <a:rPr lang="en-US" altLang="ko-KR" dirty="0" smtClean="0"/>
+              <a:t>, </a:t>
+            </a:r>
+            <a:r>
+              <a:rPr lang="ko-KR" altLang="en-US" b="1" dirty="0" smtClean="0"/>
+              <a:t>무엇을 해야 하는지는 정해주지만</a:t>
+            </a:r>
+            <a:r>
+              <a:rPr lang="en-US" altLang="ko-KR" b="1" dirty="0" smtClean="0"/>
+              <a:t>, </a:t>
+            </a:r>
+            <a:r>
+              <a:rPr lang="ko-KR" altLang="en-US" b="1" dirty="0" smtClean="0"/>
+              <a:t>어떻게 할지는 클래스에 맡깁니다</a:t>
+            </a:r>
+            <a:endParaRPr lang="ko-KR" altLang="en-US" dirty="0"/>
           </a:p>
         </p:txBody>
       </p:sp>
@@ -2158,7 +2295,7 @@
             <a:spLocks noGrp="1"/>
           </p:cNvSpPr>
           <p:nvPr>
-            <p:ph type="sldNum" sz="quarter" idx="5"/>
+            <p:ph type="sldNum" sz="quarter" idx="10"/>
           </p:nvPr>
         </p:nvSpPr>
         <p:spPr/>
@@ -2168,7 +2305,7 @@
           <a:p>
             <a:fld id="{C09E5BFC-1559-42F1-8940-AB342D56BF02}" type="slidenum">
               <a:rPr lang="ko-KR" altLang="en-US" smtClean="0"/>
-              <a:t>23</a:t>
+              <a:t>22</a:t>
             </a:fld>
             <a:endParaRPr lang="ko-KR" altLang="en-US"/>
           </a:p>
@@ -2177,7 +2314,7 @@
     </p:spTree>
     <p:extLst>
       <p:ext uri="{BB962C8B-B14F-4D97-AF65-F5344CB8AC3E}">
-        <p14:creationId xmlns:p14="http://schemas.microsoft.com/office/powerpoint/2010/main" val="748993938"/>
+        <p14:creationId xmlns:p14="http://schemas.microsoft.com/office/powerpoint/2010/main" val="2223833093"/>
       </p:ext>
     </p:extLst>
   </p:cSld>
@@ -2232,59 +2369,123 @@
           <a:lstStyle/>
           <a:p>
             <a:r>
-              <a:rPr lang="en-US" altLang="ko-KR" dirty="0"/>
-              <a:t>https://www.nextree.co.kr/p6753/</a:t>
-            </a:r>
-          </a:p>
-          <a:p>
-            <a:r>
-              <a:rPr lang="en-US" altLang="ko-KR" b="1" dirty="0"/>
-              <a:t>UML </a:t>
-            </a:r>
-            <a:r>
-              <a:rPr lang="ko-KR" altLang="en-US" b="1" dirty="0"/>
-              <a:t>작성 도구에 따라 자동으로 소스코드를 생성해주는 기능 포함</a:t>
-            </a:r>
-            <a:br>
-              <a:rPr lang="ko-KR" altLang="en-US" dirty="0"/>
-            </a:br>
-            <a:r>
-              <a:rPr lang="ko-KR" altLang="en-US" dirty="0"/>
-              <a:t>→ 일부 </a:t>
-            </a:r>
-            <a:r>
-              <a:rPr lang="en-US" altLang="ko-KR" dirty="0"/>
-              <a:t>UML </a:t>
-            </a:r>
-            <a:r>
-              <a:rPr lang="ko-KR" altLang="en-US" dirty="0"/>
-              <a:t>도구에서는 </a:t>
-            </a:r>
-            <a:r>
-              <a:rPr lang="en-US" altLang="ko-KR" dirty="0"/>
-              <a:t>UML</a:t>
-            </a:r>
-            <a:r>
-              <a:rPr lang="ko-KR" altLang="en-US" dirty="0"/>
-              <a:t>을 그리면 자동으로 </a:t>
-            </a:r>
-            <a:r>
-              <a:rPr lang="en-US" altLang="ko-KR" b="1" dirty="0"/>
-              <a:t>Java, C#, Python </a:t>
-            </a:r>
-            <a:r>
-              <a:rPr lang="ko-KR" altLang="en-US" b="1" dirty="0"/>
-              <a:t>등의 클래스 코드</a:t>
-            </a:r>
-            <a:r>
-              <a:rPr lang="ko-KR" altLang="en-US" dirty="0"/>
-              <a:t>를 생성해주는 기능이 포함되어 있습니다</a:t>
-            </a:r>
-            <a:r>
-              <a:rPr lang="en-US" altLang="ko-KR" dirty="0"/>
+              <a:rPr lang="en-US" altLang="ko-KR" dirty="0" smtClean="0"/>
+              <a:t>interface </a:t>
+            </a:r>
+            <a:r>
+              <a:rPr lang="ko-KR" altLang="en-US" dirty="0" smtClean="0"/>
+              <a:t>키워드 사용</a:t>
+            </a:r>
+            <a:r>
+              <a:rPr lang="en-US" altLang="ko-KR" dirty="0" smtClean="0"/>
+              <a:t>!</a:t>
+            </a:r>
+          </a:p>
+          <a:p>
+            <a:r>
+              <a:rPr lang="ko-KR" altLang="en-US" dirty="0" smtClean="0"/>
+              <a:t>이름 앞에 </a:t>
+            </a:r>
+            <a:r>
+              <a:rPr lang="en-US" altLang="ko-KR" dirty="0" smtClean="0"/>
+              <a:t>‘I’ (</a:t>
+            </a:r>
+            <a:r>
+              <a:rPr lang="ko-KR" altLang="en-US" dirty="0" smtClean="0"/>
+              <a:t>대문자 </a:t>
+            </a:r>
+            <a:r>
+              <a:rPr lang="en-US" altLang="ko-KR" dirty="0" err="1" smtClean="0"/>
+              <a:t>i</a:t>
+            </a:r>
+            <a:r>
+              <a:rPr lang="en-US" altLang="ko-KR" dirty="0" smtClean="0"/>
+              <a:t>)</a:t>
+            </a:r>
+            <a:r>
+              <a:rPr lang="ko-KR" altLang="en-US" dirty="0" smtClean="0"/>
+              <a:t>를 붙이는 것이 관례</a:t>
+            </a:r>
+            <a:endParaRPr lang="en-US" altLang="ko-KR" dirty="0" smtClean="0"/>
+          </a:p>
+          <a:p>
+            <a:r>
+              <a:rPr lang="ko-KR" altLang="en-US" dirty="0" err="1" smtClean="0"/>
+              <a:t>구현부</a:t>
+            </a:r>
+            <a:r>
+              <a:rPr lang="en-US" altLang="ko-KR" dirty="0" smtClean="0"/>
+              <a:t>{}</a:t>
+            </a:r>
+            <a:r>
+              <a:rPr lang="ko-KR" altLang="en-US" dirty="0" smtClean="0"/>
+              <a:t>는 없음</a:t>
+            </a:r>
+            <a:r>
+              <a:rPr lang="en-US" altLang="ko-KR" dirty="0" smtClean="0"/>
               <a:t>.</a:t>
             </a:r>
-            <a:endParaRPr lang="ko-KR" altLang="en-US" dirty="0"/>
+          </a:p>
+          <a:p>
+            <a:endParaRPr lang="en-US" altLang="ko-KR" dirty="0" smtClean="0"/>
+          </a:p>
+          <a:p>
+            <a:r>
+              <a:rPr lang="ko-KR" altLang="en-US" dirty="0" smtClean="0"/>
+              <a:t>클래스는 </a:t>
+            </a:r>
+            <a:r>
+              <a:rPr lang="en-US" altLang="ko-KR" dirty="0" smtClean="0"/>
+              <a:t>: </a:t>
+            </a:r>
+            <a:r>
+              <a:rPr lang="ko-KR" altLang="en-US" dirty="0" smtClean="0"/>
+              <a:t>기호를 사용해 인터페이스를 구현</a:t>
+            </a:r>
+          </a:p>
+          <a:p>
+            <a:r>
+              <a:rPr lang="ko-KR" altLang="en-US" b="1" dirty="0" smtClean="0"/>
+              <a:t>인터페이스에 있는 모든 멤버를 반드시 구현해야 합니다</a:t>
+            </a:r>
+            <a:r>
+              <a:rPr lang="en-US" altLang="ko-KR" b="1" dirty="0" smtClean="0"/>
+              <a:t>.</a:t>
+            </a:r>
+            <a:endParaRPr lang="ko-KR" altLang="en-US" dirty="0" smtClean="0"/>
+          </a:p>
+          <a:p>
+            <a:r>
+              <a:rPr lang="en-US" altLang="ko-KR" dirty="0" smtClean="0"/>
+              <a:t>public</a:t>
+            </a:r>
+            <a:r>
+              <a:rPr lang="ko-KR" altLang="en-US" dirty="0" smtClean="0"/>
+              <a:t>으로 구현해야 합니다 </a:t>
+            </a:r>
+            <a:r>
+              <a:rPr lang="en-US" altLang="ko-KR" dirty="0" smtClean="0"/>
+              <a:t>(</a:t>
+            </a:r>
+            <a:r>
+              <a:rPr lang="ko-KR" altLang="en-US" dirty="0" smtClean="0"/>
+              <a:t>인터페이스 자체는 </a:t>
+            </a:r>
+            <a:r>
+              <a:rPr lang="en-US" altLang="ko-KR" dirty="0" smtClean="0"/>
+              <a:t>public</a:t>
+            </a:r>
+            <a:r>
+              <a:rPr lang="ko-KR" altLang="en-US" dirty="0" smtClean="0"/>
+              <a:t>이기 때문</a:t>
+            </a:r>
+            <a:r>
+              <a:rPr lang="en-US" altLang="ko-KR" smtClean="0"/>
+              <a:t>)</a:t>
+            </a:r>
+          </a:p>
+          <a:p>
+            <a:endParaRPr lang="en-US" altLang="ko-KR" dirty="0" smtClean="0"/>
           </a:p>
         </p:txBody>
       </p:sp>
@@ -2305,7 +2506,7 @@
           <a:p>
             <a:fld id="{C09E5BFC-1559-42F1-8940-AB342D56BF02}" type="slidenum">
               <a:rPr lang="ko-KR" altLang="en-US" smtClean="0"/>
-              <a:t>24</a:t>
+              <a:t>23</a:t>
             </a:fld>
             <a:endParaRPr lang="ko-KR" altLang="en-US"/>
           </a:p>
@@ -2314,7 +2515,7 @@
     </p:spTree>
     <p:extLst>
       <p:ext uri="{BB962C8B-B14F-4D97-AF65-F5344CB8AC3E}">
-        <p14:creationId xmlns:p14="http://schemas.microsoft.com/office/powerpoint/2010/main" val="2733677811"/>
+        <p14:creationId xmlns:p14="http://schemas.microsoft.com/office/powerpoint/2010/main" val="748993938"/>
       </p:ext>
     </p:extLst>
   </p:cSld>
@@ -2587,6 +2788,63 @@
           <a:bodyPr/>
           <a:lstStyle/>
           <a:p>
+            <a:r>
+              <a:rPr lang="en-US" altLang="ko-KR" dirty="0"/>
+              <a:t>https://www.nextree.co.kr/p6753/</a:t>
+            </a:r>
+          </a:p>
+          <a:p>
+            <a:r>
+              <a:rPr lang="en-US" altLang="ko-KR" b="1" dirty="0"/>
+              <a:t>UML </a:t>
+            </a:r>
+            <a:r>
+              <a:rPr lang="ko-KR" altLang="en-US" b="1" dirty="0"/>
+              <a:t>작성 도구에 따라 자동으로 소스코드를 생성해주는 기능 포함</a:t>
+            </a:r>
+            <a:r>
+              <a:rPr lang="ko-KR" altLang="en-US" dirty="0"/>
+              <a:t/>
+            </a:r>
+            <a:br>
+              <a:rPr lang="ko-KR" altLang="en-US" dirty="0"/>
+            </a:br>
+            <a:r>
+              <a:rPr lang="ko-KR" altLang="en-US" dirty="0"/>
+              <a:t>→ 일부 </a:t>
+            </a:r>
+            <a:r>
+              <a:rPr lang="en-US" altLang="ko-KR" dirty="0"/>
+              <a:t>UML </a:t>
+            </a:r>
+            <a:r>
+              <a:rPr lang="ko-KR" altLang="en-US" dirty="0"/>
+              <a:t>도구에서는 </a:t>
+            </a:r>
+            <a:r>
+              <a:rPr lang="en-US" altLang="ko-KR" dirty="0"/>
+              <a:t>UML</a:t>
+            </a:r>
+            <a:r>
+              <a:rPr lang="ko-KR" altLang="en-US" dirty="0"/>
+              <a:t>을 그리면 자동으로 </a:t>
+            </a:r>
+            <a:r>
+              <a:rPr lang="en-US" altLang="ko-KR" b="1" dirty="0"/>
+              <a:t>Java, C#, Python </a:t>
+            </a:r>
+            <a:r>
+              <a:rPr lang="ko-KR" altLang="en-US" b="1" dirty="0"/>
+              <a:t>등의 클래스 코드</a:t>
+            </a:r>
+            <a:r>
+              <a:rPr lang="ko-KR" altLang="en-US" dirty="0"/>
+              <a:t>를 생성해주는 기능이 포함되어 있습니다</a:t>
+            </a:r>
+            <a:r>
+              <a:rPr lang="en-US" altLang="ko-KR" dirty="0"/>
+              <a:t>.</a:t>
+            </a:r>
             <a:endParaRPr lang="ko-KR" altLang="en-US" dirty="0"/>
           </a:p>
         </p:txBody>
@@ -2608,7 +2866,7 @@
           <a:p>
             <a:fld id="{C09E5BFC-1559-42F1-8940-AB342D56BF02}" type="slidenum">
               <a:rPr lang="ko-KR" altLang="en-US" smtClean="0"/>
-              <a:t>25</a:t>
+              <a:t>24</a:t>
             </a:fld>
             <a:endParaRPr lang="ko-KR" altLang="en-US"/>
           </a:p>
@@ -2617,7 +2875,7 @@
     </p:spTree>
     <p:extLst>
       <p:ext uri="{BB962C8B-B14F-4D97-AF65-F5344CB8AC3E}">
-        <p14:creationId xmlns:p14="http://schemas.microsoft.com/office/powerpoint/2010/main" val="2492773080"/>
+        <p14:creationId xmlns:p14="http://schemas.microsoft.com/office/powerpoint/2010/main" val="2733677811"/>
       </p:ext>
     </p:extLst>
   </p:cSld>
@@ -2671,6 +2929,90 @@
           <a:bodyPr/>
           <a:lstStyle/>
           <a:p>
+            <a:endParaRPr lang="ko-KR" altLang="en-US" dirty="0"/>
+          </a:p>
+        </p:txBody>
+      </p:sp>
+      <p:sp>
+        <p:nvSpPr>
+          <p:cNvPr id="4" name="슬라이드 번호 개체 틀 3"/>
+          <p:cNvSpPr>
+            <a:spLocks noGrp="1"/>
+          </p:cNvSpPr>
+          <p:nvPr>
+            <p:ph type="sldNum" sz="quarter" idx="5"/>
+          </p:nvPr>
+        </p:nvSpPr>
+        <p:spPr/>
+        <p:txBody>
+          <a:bodyPr/>
+          <a:lstStyle/>
+          <a:p>
+            <a:fld id="{C09E5BFC-1559-42F1-8940-AB342D56BF02}" type="slidenum">
+              <a:rPr lang="ko-KR" altLang="en-US" smtClean="0"/>
+              <a:t>25</a:t>
+            </a:fld>
+            <a:endParaRPr lang="ko-KR" altLang="en-US"/>
+          </a:p>
+        </p:txBody>
+      </p:sp>
+    </p:spTree>
+    <p:extLst>
+      <p:ext uri="{BB962C8B-B14F-4D97-AF65-F5344CB8AC3E}">
+        <p14:creationId xmlns:p14="http://schemas.microsoft.com/office/powerpoint/2010/main" val="2492773080"/>
+      </p:ext>
+    </p:extLst>
+  </p:cSld>
+  <p:clrMapOvr>
+    <a:masterClrMapping/>
+  </p:clrMapOvr>
+</p:notes>
+</file>
+
+<file path=ppt/notesSlides/notesSlide22.xml><?xml version="1.0" encoding="utf-8"?>
+<p:notes xmlns:a="http://schemas.openxmlformats.org/drawingml/2006/main" xmlns:r="http://schemas.openxmlformats.org/officeDocument/2006/relationships" xmlns:p="http://schemas.openxmlformats.org/presentationml/2006/main">
+  <p:cSld>
+    <p:spTree>
+      <p:nvGrpSpPr>
+        <p:cNvPr id="1" name=""/>
+        <p:cNvGrpSpPr/>
+        <p:nvPr/>
+      </p:nvGrpSpPr>
+      <p:grpSpPr>
+        <a:xfrm>
+          <a:off x="0" y="0"/>
+          <a:ext cx="0" cy="0"/>
+          <a:chOff x="0" y="0"/>
+          <a:chExt cx="0" cy="0"/>
+        </a:xfrm>
+      </p:grpSpPr>
+      <p:sp>
+        <p:nvSpPr>
+          <p:cNvPr id="2" name="슬라이드 이미지 개체 틀 1"/>
+          <p:cNvSpPr>
+            <a:spLocks noGrp="1" noRot="1" noChangeAspect="1"/>
+          </p:cNvSpPr>
+          <p:nvPr>
+            <p:ph type="sldImg"/>
+          </p:nvPr>
+        </p:nvSpPr>
+        <p:spPr/>
+      </p:sp>
+      <p:sp>
+        <p:nvSpPr>
+          <p:cNvPr id="3" name="슬라이드 노트 개체 틀 2"/>
+          <p:cNvSpPr>
+            <a:spLocks noGrp="1"/>
+          </p:cNvSpPr>
+          <p:nvPr>
+            <p:ph type="body" idx="1"/>
+          </p:nvPr>
+        </p:nvSpPr>
+        <p:spPr/>
+        <p:txBody>
+          <a:bodyPr/>
+          <a:lstStyle/>
+          <a:p>
             <a:endParaRPr lang="ko-KR" altLang="en-US"/>
           </a:p>
         </p:txBody>
@@ -2711,7 +3053,7 @@
 </p:notes>
 </file>
 
-<file path=ppt/notesSlides/notesSlide22.xml><?xml version="1.0" encoding="utf-8"?>
+<file path=ppt/notesSlides/notesSlide23.xml><?xml version="1.0" encoding="utf-8"?>
 <p:notes xmlns:a="http://schemas.openxmlformats.org/drawingml/2006/main" xmlns:r="http://schemas.openxmlformats.org/officeDocument/2006/relationships" xmlns:p="http://schemas.openxmlformats.org/presentationml/2006/main">
   <p:cSld>
     <p:spTree>
@@ -4650,7 +4992,7 @@
           <a:p>
             <a:fld id="{442BEE3F-2E9A-4FD8-8B8A-8619F3E161C0}" type="datetime1">
               <a:rPr lang="ko-KR" altLang="en-US" smtClean="0"/>
-              <a:t>2025-05-12</a:t>
+              <a:t>2025-05-13</a:t>
             </a:fld>
             <a:endParaRPr lang="ko-KR" altLang="en-US"/>
           </a:p>
@@ -4836,7 +5178,7 @@
           <a:p>
             <a:fld id="{2EAE422B-0E68-47B5-84BB-CA2BDA8EE46C}" type="datetime1">
               <a:rPr lang="ko-KR" altLang="en-US" smtClean="0"/>
-              <a:t>2025-05-12</a:t>
+              <a:t>2025-05-13</a:t>
             </a:fld>
             <a:endParaRPr lang="ko-KR" altLang="en-US"/>
           </a:p>
@@ -5044,7 +5386,7 @@
           <a:p>
             <a:fld id="{AF7C623F-179B-417F-99B6-50F6DF228D4B}" type="datetime1">
               <a:rPr lang="ko-KR" altLang="en-US" smtClean="0"/>
-              <a:t>2025-05-12</a:t>
+              <a:t>2025-05-13</a:t>
             </a:fld>
             <a:endParaRPr lang="ko-KR" altLang="en-US"/>
           </a:p>
@@ -5286,7 +5628,7 @@
           <a:p>
             <a:fld id="{0F78D9C4-20C1-4B15-A116-16DC77AD9A1E}" type="datetime1">
               <a:rPr lang="ko-KR" altLang="en-US" smtClean="0"/>
-              <a:t>2025-05-12</a:t>
+              <a:t>2025-05-13</a:t>
             </a:fld>
             <a:endParaRPr lang="ko-KR" altLang="en-US"/>
           </a:p>
@@ -5561,7 +5903,7 @@
           <a:p>
             <a:fld id="{C7F43723-C509-4DEA-8428-B50818F79709}" type="datetime1">
               <a:rPr lang="ko-KR" altLang="en-US" smtClean="0"/>
-              <a:t>2025-05-12</a:t>
+              <a:t>2025-05-13</a:t>
             </a:fld>
             <a:endParaRPr lang="ko-KR" altLang="en-US"/>
           </a:p>
@@ -5826,7 +6168,7 @@
           <a:p>
             <a:fld id="{5D2B7482-EE74-4DBD-97F4-D0DAC0C0E4E5}" type="datetime1">
               <a:rPr lang="ko-KR" altLang="en-US" smtClean="0"/>
-              <a:t>2025-05-12</a:t>
+              <a:t>2025-05-13</a:t>
             </a:fld>
             <a:endParaRPr lang="ko-KR" altLang="en-US"/>
           </a:p>
@@ -6239,7 +6581,7 @@
           <a:p>
             <a:fld id="{051A8C49-CED7-4A86-9B4A-621D7F62EE92}" type="datetime1">
               <a:rPr lang="ko-KR" altLang="en-US" smtClean="0"/>
-              <a:t>2025-05-12</a:t>
+              <a:t>2025-05-13</a:t>
             </a:fld>
             <a:endParaRPr lang="ko-KR" altLang="en-US"/>
           </a:p>
@@ -6386,7 +6728,7 @@
           <a:p>
             <a:fld id="{84082D76-7079-412D-848B-E1B9E7A6A286}" type="datetime1">
               <a:rPr lang="ko-KR" altLang="en-US" smtClean="0"/>
-              <a:t>2025-05-12</a:t>
+              <a:t>2025-05-13</a:t>
             </a:fld>
             <a:endParaRPr lang="ko-KR" altLang="en-US"/>
           </a:p>
@@ -6499,7 +6841,7 @@
           <a:p>
             <a:fld id="{10C5FEB5-5F88-4F49-9108-1795E314F09F}" type="datetime1">
               <a:rPr lang="ko-KR" altLang="en-US" smtClean="0"/>
-              <a:t>2025-05-12</a:t>
+              <a:t>2025-05-13</a:t>
             </a:fld>
             <a:endParaRPr lang="ko-KR" altLang="en-US"/>
           </a:p>
@@ -6810,7 +7152,7 @@
           <a:p>
             <a:fld id="{E37ABBEE-D8D4-48AD-9887-4DC578B8A684}" type="datetime1">
               <a:rPr lang="ko-KR" altLang="en-US" smtClean="0"/>
-              <a:t>2025-05-12</a:t>
+              <a:t>2025-05-13</a:t>
             </a:fld>
             <a:endParaRPr lang="ko-KR" altLang="en-US"/>
           </a:p>
@@ -7101,7 +7443,7 @@
           <a:p>
             <a:fld id="{A2D6A55C-F3DD-45DD-9D50-F8680410167D}" type="datetime1">
               <a:rPr lang="ko-KR" altLang="en-US" smtClean="0"/>
-              <a:t>2025-05-12</a:t>
+              <a:t>2025-05-13</a:t>
             </a:fld>
             <a:endParaRPr lang="ko-KR" altLang="en-US"/>
           </a:p>
@@ -7345,7 +7687,7 @@
             <a:fld id="{7F5E23C3-0E3D-4E4E-8486-D7FB4C073DC1}" type="datetime1">
               <a:rPr lang="ko-KR" altLang="en-US" smtClean="0"/>
               <a:pPr/>
-              <a:t>2025-05-12</a:t>
+              <a:t>2025-05-13</a:t>
             </a:fld>
             <a:endParaRPr lang="ko-KR" altLang="en-US" dirty="0"/>
           </a:p>
@@ -7867,7 +8209,7 @@
           <a:p>
             <a:fld id="{2E2BEDFA-D8AA-4914-9440-7DF713C99FA9}" type="datetime1">
               <a:rPr lang="ko-KR" altLang="en-US" smtClean="0"/>
-              <a:t>2025-05-12</a:t>
+              <a:t>2025-05-13</a:t>
             </a:fld>
             <a:endParaRPr lang="ko-KR" altLang="en-US"/>
           </a:p>
@@ -8247,7 +8589,7 @@
           <a:p>
             <a:fld id="{0F78D9C4-20C1-4B15-A116-16DC77AD9A1E}" type="datetime1">
               <a:rPr lang="ko-KR" altLang="en-US" smtClean="0"/>
-              <a:t>2025-05-12</a:t>
+              <a:t>2025-05-13</a:t>
             </a:fld>
             <a:endParaRPr lang="ko-KR" altLang="en-US"/>
           </a:p>
@@ -8441,7 +8783,7 @@
           <a:p>
             <a:fld id="{0F78D9C4-20C1-4B15-A116-16DC77AD9A1E}" type="datetime1">
               <a:rPr lang="ko-KR" altLang="en-US" smtClean="0"/>
-              <a:t>2025-05-12</a:t>
+              <a:t>2025-05-13</a:t>
             </a:fld>
             <a:endParaRPr lang="ko-KR" altLang="en-US"/>
           </a:p>
@@ -8636,7 +8978,7 @@
           <a:p>
             <a:fld id="{0F78D9C4-20C1-4B15-A116-16DC77AD9A1E}" type="datetime1">
               <a:rPr lang="ko-KR" altLang="en-US" smtClean="0"/>
-              <a:t>2025-05-12</a:t>
+              <a:t>2025-05-13</a:t>
             </a:fld>
             <a:endParaRPr lang="ko-KR" altLang="en-US"/>
           </a:p>
@@ -9186,7 +9528,7 @@
           <a:p>
             <a:fld id="{0F78D9C4-20C1-4B15-A116-16DC77AD9A1E}" type="datetime1">
               <a:rPr lang="ko-KR" altLang="en-US" smtClean="0"/>
-              <a:t>2025-05-12</a:t>
+              <a:t>2025-05-13</a:t>
             </a:fld>
             <a:endParaRPr lang="ko-KR" altLang="en-US"/>
           </a:p>
@@ -9329,7 +9671,7 @@
           <a:p>
             <a:fld id="{2E2BEDFA-D8AA-4914-9440-7DF713C99FA9}" type="datetime1">
               <a:rPr lang="ko-KR" altLang="en-US" smtClean="0"/>
-              <a:t>2025-05-12</a:t>
+              <a:t>2025-05-13</a:t>
             </a:fld>
             <a:endParaRPr lang="ko-KR" altLang="en-US" dirty="0"/>
           </a:p>
@@ -9473,7 +9815,7 @@
           <a:p>
             <a:fld id="{0F78D9C4-20C1-4B15-A116-16DC77AD9A1E}" type="datetime1">
               <a:rPr lang="ko-KR" altLang="en-US" smtClean="0"/>
-              <a:t>2025-05-12</a:t>
+              <a:t>2025-05-13</a:t>
             </a:fld>
             <a:endParaRPr lang="ko-KR" altLang="en-US"/>
           </a:p>
@@ -9712,7 +10054,7 @@
           <a:p>
             <a:fld id="{0F78D9C4-20C1-4B15-A116-16DC77AD9A1E}" type="datetime1">
               <a:rPr lang="ko-KR" altLang="en-US" smtClean="0"/>
-              <a:t>2025-05-12</a:t>
+              <a:t>2025-05-13</a:t>
             </a:fld>
             <a:endParaRPr lang="ko-KR" altLang="en-US"/>
           </a:p>
@@ -9956,7 +10298,7 @@
           <a:p>
             <a:fld id="{0F78D9C4-20C1-4B15-A116-16DC77AD9A1E}" type="datetime1">
               <a:rPr lang="ko-KR" altLang="en-US" smtClean="0"/>
-              <a:t>2025-05-12</a:t>
+              <a:t>2025-05-13</a:t>
             </a:fld>
             <a:endParaRPr lang="ko-KR" altLang="en-US"/>
           </a:p>
@@ -10251,7 +10593,7 @@
           <a:p>
             <a:fld id="{0F78D9C4-20C1-4B15-A116-16DC77AD9A1E}" type="datetime1">
               <a:rPr lang="ko-KR" altLang="en-US" smtClean="0"/>
-              <a:t>2025-05-12</a:t>
+              <a:t>2025-05-13</a:t>
             </a:fld>
             <a:endParaRPr lang="ko-KR" altLang="en-US"/>
           </a:p>
@@ -10509,7 +10851,7 @@
           <a:p>
             <a:fld id="{0F78D9C4-20C1-4B15-A116-16DC77AD9A1E}" type="datetime1">
               <a:rPr lang="ko-KR" altLang="en-US" smtClean="0"/>
-              <a:t>2025-05-12</a:t>
+              <a:t>2025-05-13</a:t>
             </a:fld>
             <a:endParaRPr lang="ko-KR" altLang="en-US"/>
           </a:p>
@@ -10724,6 +11066,10 @@
               <a:rPr lang="ko-KR" altLang="en-US" dirty="0"/>
               <a:t>의 속성과 메서드를 다른 클래스</a:t>
             </a:r>
+            <a:r>
+              <a:rPr lang="en-US" altLang="ko-KR" dirty="0"/>
+              <a:t/>
+            </a:r>
             <a:br>
               <a:rPr lang="en-US" altLang="ko-KR" dirty="0"/>
             </a:br>
@@ -10824,7 +11170,7 @@
           <a:p>
             <a:fld id="{0F78D9C4-20C1-4B15-A116-16DC77AD9A1E}" type="datetime1">
               <a:rPr lang="ko-KR" altLang="en-US" smtClean="0"/>
-              <a:t>2025-05-12</a:t>
+              <a:t>2025-05-13</a:t>
             </a:fld>
             <a:endParaRPr lang="ko-KR" altLang="en-US"/>
           </a:p>
@@ -11949,7 +12295,7 @@
           <a:p>
             <a:fld id="{0F78D9C4-20C1-4B15-A116-16DC77AD9A1E}" type="datetime1">
               <a:rPr lang="ko-KR" altLang="en-US" smtClean="0"/>
-              <a:t>2025-05-12</a:t>
+              <a:t>2025-05-13</a:t>
             </a:fld>
             <a:endParaRPr lang="ko-KR" altLang="en-US"/>
           </a:p>
@@ -12083,7 +12429,7 @@
           <a:p>
             <a:fld id="{2E2BEDFA-D8AA-4914-9440-7DF713C99FA9}" type="datetime1">
               <a:rPr lang="ko-KR" altLang="en-US" smtClean="0"/>
-              <a:t>2025-05-12</a:t>
+              <a:t>2025-05-13</a:t>
             </a:fld>
             <a:endParaRPr lang="ko-KR" altLang="en-US" dirty="0"/>
           </a:p>
@@ -12262,6 +12608,10 @@
               <a:rPr lang="ko-KR" altLang="en-US" dirty="0"/>
               <a:t>인터페이스를 상속 받는 클래스들은 반드시 인터페이스의 메소드들을 </a:t>
             </a:r>
+            <a:r>
+              <a:rPr lang="en-US" altLang="ko-KR" dirty="0"/>
+              <a:t/>
+            </a:r>
             <a:br>
               <a:rPr lang="en-US" altLang="ko-KR" dirty="0"/>
             </a:br>
@@ -12335,6 +12685,10 @@
               <a:rPr lang="ko-KR" altLang="en-US" dirty="0"/>
               <a:t> </a:t>
             </a:r>
+            <a:r>
+              <a:rPr lang="en-US" altLang="ko-KR" dirty="0"/>
+              <a:t/>
+            </a:r>
             <a:br>
               <a:rPr lang="en-US" altLang="ko-KR" dirty="0"/>
             </a:br>
@@ -12378,7 +12732,7 @@
           <a:p>
             <a:fld id="{0F78D9C4-20C1-4B15-A116-16DC77AD9A1E}" type="datetime1">
               <a:rPr lang="ko-KR" altLang="en-US" smtClean="0"/>
-              <a:t>2025-05-12</a:t>
+              <a:t>2025-05-13</a:t>
             </a:fld>
             <a:endParaRPr lang="ko-KR" altLang="en-US"/>
           </a:p>
@@ -12529,7 +12883,7 @@
           <a:p>
             <a:fld id="{0F78D9C4-20C1-4B15-A116-16DC77AD9A1E}" type="datetime1">
               <a:rPr lang="ko-KR" altLang="en-US" smtClean="0"/>
-              <a:t>2025-05-12</a:t>
+              <a:t>2025-05-13</a:t>
             </a:fld>
             <a:endParaRPr lang="ko-KR" altLang="en-US"/>
           </a:p>
@@ -12732,7 +13086,7 @@
           <a:p>
             <a:fld id="{0F78D9C4-20C1-4B15-A116-16DC77AD9A1E}" type="datetime1">
               <a:rPr lang="ko-KR" altLang="en-US" smtClean="0"/>
-              <a:t>2025-05-12</a:t>
+              <a:t>2025-05-13</a:t>
             </a:fld>
             <a:endParaRPr lang="ko-KR" altLang="en-US"/>
           </a:p>
@@ -13192,7 +13546,7 @@
           <a:p>
             <a:fld id="{0F78D9C4-20C1-4B15-A116-16DC77AD9A1E}" type="datetime1">
               <a:rPr lang="ko-KR" altLang="en-US" smtClean="0"/>
-              <a:t>2025-05-12</a:t>
+              <a:t>2025-05-13</a:t>
             </a:fld>
             <a:endParaRPr lang="ko-KR" altLang="en-US"/>
           </a:p>
@@ -13521,7 +13875,7 @@
           <a:p>
             <a:fld id="{0F78D9C4-20C1-4B15-A116-16DC77AD9A1E}" type="datetime1">
               <a:rPr lang="ko-KR" altLang="en-US" smtClean="0"/>
-              <a:t>2025-05-12</a:t>
+              <a:t>2025-05-13</a:t>
             </a:fld>
             <a:endParaRPr lang="ko-KR" altLang="en-US"/>
           </a:p>
@@ -13913,7 +14267,7 @@
           <a:p>
             <a:fld id="{0F78D9C4-20C1-4B15-A116-16DC77AD9A1E}" type="datetime1">
               <a:rPr lang="ko-KR" altLang="en-US" smtClean="0"/>
-              <a:t>2025-05-12</a:t>
+              <a:t>2025-05-13</a:t>
             </a:fld>
             <a:endParaRPr lang="ko-KR" altLang="en-US"/>
           </a:p>
@@ -14130,7 +14484,7 @@
           <a:p>
             <a:fld id="{0F78D9C4-20C1-4B15-A116-16DC77AD9A1E}" type="datetime1">
               <a:rPr lang="ko-KR" altLang="en-US" smtClean="0"/>
-              <a:t>2025-05-12</a:t>
+              <a:t>2025-05-13</a:t>
             </a:fld>
             <a:endParaRPr lang="ko-KR" altLang="en-US"/>
           </a:p>
@@ -15138,7 +15492,7 @@
           <a:p>
             <a:fld id="{0F78D9C4-20C1-4B15-A116-16DC77AD9A1E}" type="datetime1">
               <a:rPr lang="ko-KR" altLang="en-US" smtClean="0"/>
-              <a:t>2025-05-12</a:t>
+              <a:t>2025-05-13</a:t>
             </a:fld>
             <a:endParaRPr lang="ko-KR" altLang="en-US"/>
           </a:p>
@@ -15389,7 +15743,7 @@
           <a:p>
             <a:fld id="{0F78D9C4-20C1-4B15-A116-16DC77AD9A1E}" type="datetime1">
               <a:rPr lang="ko-KR" altLang="en-US" smtClean="0"/>
-              <a:t>2025-05-12</a:t>
+              <a:t>2025-05-13</a:t>
             </a:fld>
             <a:endParaRPr lang="ko-KR" altLang="en-US"/>
           </a:p>
@@ -15599,7 +15953,7 @@
           <a:p>
             <a:fld id="{0F78D9C4-20C1-4B15-A116-16DC77AD9A1E}" type="datetime1">
               <a:rPr lang="ko-KR" altLang="en-US" smtClean="0"/>
-              <a:t>2025-05-12</a:t>
+              <a:t>2025-05-13</a:t>
             </a:fld>
             <a:endParaRPr lang="ko-KR" altLang="en-US"/>
           </a:p>
@@ -15832,7 +16186,7 @@
           <a:p>
             <a:fld id="{0F78D9C4-20C1-4B15-A116-16DC77AD9A1E}" type="datetime1">
               <a:rPr lang="ko-KR" altLang="en-US" smtClean="0"/>
-              <a:t>2025-05-12</a:t>
+              <a:t>2025-05-13</a:t>
             </a:fld>
             <a:endParaRPr lang="ko-KR" altLang="en-US"/>
           </a:p>
@@ -16074,7 +16428,7 @@
           <a:p>
             <a:fld id="{0F78D9C4-20C1-4B15-A116-16DC77AD9A1E}" type="datetime1">
               <a:rPr lang="ko-KR" altLang="en-US" smtClean="0"/>
-              <a:t>2025-05-12</a:t>
+              <a:t>2025-05-13</a:t>
             </a:fld>
             <a:endParaRPr lang="ko-KR" altLang="en-US"/>
           </a:p>
@@ -16277,7 +16631,7 @@
           <a:p>
             <a:fld id="{2E2BEDFA-D8AA-4914-9440-7DF713C99FA9}" type="datetime1">
               <a:rPr lang="ko-KR" altLang="en-US" smtClean="0"/>
-              <a:t>2025-05-12</a:t>
+              <a:t>2025-05-13</a:t>
             </a:fld>
             <a:endParaRPr lang="ko-KR" altLang="en-US" dirty="0"/>
           </a:p>

--- a/material/12_CSharp_심화문법 (상속).pptx
+++ b/material/12_CSharp_심화문법 (상속).pptx
@@ -40,25 +40,25 @@
   <p:notesSz cx="6858000" cy="9144000"/>
   <p:embeddedFontLst>
     <p:embeddedFont>
-      <p:font typeface="Pretendard" panose="02000503000000020004" pitchFamily="2" charset="-127"/>
+      <p:font typeface="Pretendard" panose="020B0600000101010101" charset="-127"/>
       <p:regular r:id="rId30"/>
       <p:bold r:id="rId31"/>
     </p:embeddedFont>
     <p:embeddedFont>
-      <p:font typeface="Pretendard Black" panose="02000A03000000020004" pitchFamily="2" charset="-127"/>
+      <p:font typeface="Pretendard Black" panose="020B0600000101010101" charset="-127"/>
       <p:bold r:id="rId32"/>
     </p:embeddedFont>
     <p:embeddedFont>
-      <p:font typeface="맑은 고딕" panose="020B0503020000020004" pitchFamily="50" charset="-127"/>
+      <p:font typeface="Cambria Math" panose="02040503050406030204" pitchFamily="18" charset="0"/>
       <p:regular r:id="rId33"/>
+    </p:embeddedFont>
+    <p:embeddedFont>
+      <p:font typeface="Pretendard GOV SemiBold" panose="02000703000000020004" pitchFamily="2" charset="-127"/>
       <p:bold r:id="rId34"/>
     </p:embeddedFont>
     <p:embeddedFont>
-      <p:font typeface="Cambria Math" panose="02040503050406030204" pitchFamily="18" charset="0"/>
+      <p:font typeface="맑은 고딕" panose="020B0503020000020004" pitchFamily="50" charset="-127"/>
       <p:regular r:id="rId35"/>
-    </p:embeddedFont>
-    <p:embeddedFont>
-      <p:font typeface="Pretendard GOV SemiBold" panose="020B0600000101010101" charset="-127"/>
       <p:bold r:id="rId36"/>
     </p:embeddedFont>
   </p:embeddedFontLst>
@@ -1032,10 +1032,6 @@
               <a:rPr lang="en-US" altLang="ko-KR" b="1" dirty="0"/>
               <a:t>?”</a:t>
             </a:r>
-            <a:r>
-              <a:rPr lang="ko-KR" altLang="en-US" dirty="0"/>
-              <a:t/>
-            </a:r>
             <a:br>
               <a:rPr lang="ko-KR" altLang="en-US" dirty="0"/>
             </a:br>
@@ -1719,10 +1715,6 @@
               <a:rPr lang="ko-KR" altLang="en-US" dirty="0" err="1"/>
               <a:t>타입인데도</a:t>
             </a:r>
-            <a:r>
-              <a:rPr lang="ko-KR" altLang="en-US" dirty="0"/>
-              <a:t/>
-            </a:r>
             <a:br>
               <a:rPr lang="ko-KR" altLang="en-US" dirty="0"/>
             </a:br>
@@ -2156,132 +2148,132 @@
           <a:lstStyle/>
           <a:p>
             <a:r>
-              <a:rPr lang="en-US" altLang="ko-KR" b="1" dirty="0" smtClean="0"/>
+              <a:rPr lang="en-US" altLang="ko-KR" b="1" dirty="0"/>
               <a:t>C#</a:t>
             </a:r>
             <a:r>
-              <a:rPr lang="ko-KR" altLang="en-US" b="1" dirty="0" smtClean="0"/>
+              <a:rPr lang="ko-KR" altLang="en-US" b="1" dirty="0"/>
               <a:t>에서 클래스나 구조체가 특정 기능을 반드시 구현하도록 강제</a:t>
             </a:r>
             <a:r>
-              <a:rPr lang="ko-KR" altLang="en-US" dirty="0" smtClean="0"/>
+              <a:rPr lang="ko-KR" altLang="en-US" dirty="0"/>
               <a:t>하는 일종의 </a:t>
             </a:r>
             <a:r>
-              <a:rPr lang="en-US" altLang="ko-KR" b="1" dirty="0" smtClean="0"/>
+              <a:rPr lang="en-US" altLang="ko-KR" b="1" dirty="0"/>
               <a:t>"</a:t>
             </a:r>
             <a:r>
-              <a:rPr lang="ko-KR" altLang="en-US" b="1" dirty="0" smtClean="0"/>
+              <a:rPr lang="ko-KR" altLang="en-US" b="1" dirty="0"/>
               <a:t>기능 명세서</a:t>
             </a:r>
             <a:r>
-              <a:rPr lang="en-US" altLang="ko-KR" b="1" dirty="0" smtClean="0"/>
+              <a:rPr lang="en-US" altLang="ko-KR" b="1" dirty="0"/>
               <a:t>" </a:t>
             </a:r>
             <a:r>
-              <a:rPr lang="ko-KR" altLang="en-US" b="1" dirty="0" smtClean="0"/>
+              <a:rPr lang="ko-KR" altLang="en-US" b="1" dirty="0"/>
               <a:t>또는 약속</a:t>
             </a:r>
             <a:r>
-              <a:rPr lang="en-US" altLang="ko-KR" b="1" dirty="0" smtClean="0"/>
+              <a:rPr lang="en-US" altLang="ko-KR" b="1" dirty="0"/>
               <a:t>(Contract)</a:t>
             </a:r>
             <a:r>
-              <a:rPr lang="ko-KR" altLang="en-US" dirty="0" smtClean="0"/>
+              <a:rPr lang="ko-KR" altLang="en-US" dirty="0"/>
               <a:t> 역할</a:t>
             </a:r>
-            <a:endParaRPr lang="en-US" altLang="ko-KR" dirty="0" smtClean="0"/>
-          </a:p>
-          <a:p>
-            <a:r>
-              <a:rPr lang="ko-KR" altLang="en-US" dirty="0" smtClean="0"/>
+            <a:endParaRPr lang="en-US" altLang="ko-KR" dirty="0"/>
+          </a:p>
+          <a:p>
+            <a:r>
+              <a:rPr lang="ko-KR" altLang="en-US" dirty="0"/>
               <a:t>인터페이스는 </a:t>
             </a:r>
             <a:r>
-              <a:rPr lang="ko-KR" altLang="en-US" b="1" dirty="0" smtClean="0"/>
+              <a:rPr lang="ko-KR" altLang="en-US" b="1" dirty="0"/>
               <a:t>속성</a:t>
             </a:r>
             <a:r>
-              <a:rPr lang="en-US" altLang="ko-KR" b="1" dirty="0" smtClean="0"/>
+              <a:rPr lang="en-US" altLang="ko-KR" b="1" dirty="0"/>
               <a:t>, </a:t>
             </a:r>
             <a:r>
-              <a:rPr lang="ko-KR" altLang="en-US" b="1" dirty="0" smtClean="0"/>
+              <a:rPr lang="ko-KR" altLang="en-US" b="1" dirty="0"/>
               <a:t>메서드</a:t>
             </a:r>
             <a:r>
-              <a:rPr lang="en-US" altLang="ko-KR" b="1" dirty="0" smtClean="0"/>
+              <a:rPr lang="en-US" altLang="ko-KR" b="1" dirty="0"/>
               <a:t>, </a:t>
             </a:r>
             <a:r>
-              <a:rPr lang="ko-KR" altLang="en-US" b="1" dirty="0" smtClean="0"/>
+              <a:rPr lang="ko-KR" altLang="en-US" b="1" dirty="0"/>
               <a:t>이벤트</a:t>
             </a:r>
             <a:r>
-              <a:rPr lang="en-US" altLang="ko-KR" b="1" dirty="0" smtClean="0"/>
+              <a:rPr lang="en-US" altLang="ko-KR" b="1" dirty="0"/>
               <a:t>, </a:t>
             </a:r>
             <a:r>
-              <a:rPr lang="ko-KR" altLang="en-US" b="1" dirty="0" err="1" smtClean="0"/>
+              <a:rPr lang="ko-KR" altLang="en-US" b="1" dirty="0" err="1"/>
               <a:t>인덱서의</a:t>
             </a:r>
             <a:r>
-              <a:rPr lang="ko-KR" altLang="en-US" b="1" dirty="0" smtClean="0"/>
+              <a:rPr lang="ko-KR" altLang="en-US" b="1" dirty="0"/>
               <a:t> </a:t>
             </a:r>
             <a:r>
-              <a:rPr lang="en-US" altLang="ko-KR" b="1" dirty="0" smtClean="0"/>
+              <a:rPr lang="en-US" altLang="ko-KR" b="1" dirty="0"/>
               <a:t>'</a:t>
             </a:r>
             <a:r>
-              <a:rPr lang="ko-KR" altLang="en-US" b="1" dirty="0" smtClean="0"/>
+              <a:rPr lang="ko-KR" altLang="en-US" b="1" dirty="0"/>
               <a:t>선언</a:t>
             </a:r>
             <a:r>
-              <a:rPr lang="en-US" altLang="ko-KR" b="1" dirty="0" smtClean="0"/>
+              <a:rPr lang="en-US" altLang="ko-KR" b="1" dirty="0"/>
               <a:t>'</a:t>
             </a:r>
             <a:r>
-              <a:rPr lang="ko-KR" altLang="en-US" b="1" dirty="0" smtClean="0"/>
+              <a:rPr lang="ko-KR" altLang="en-US" b="1" dirty="0"/>
               <a:t>만 포함</a:t>
             </a:r>
             <a:r>
-              <a:rPr lang="ko-KR" altLang="en-US" dirty="0" smtClean="0"/>
+              <a:rPr lang="ko-KR" altLang="en-US" dirty="0"/>
               <a:t>하고</a:t>
             </a:r>
             <a:r>
-              <a:rPr lang="en-US" altLang="ko-KR" dirty="0" smtClean="0"/>
+              <a:rPr lang="en-US" altLang="ko-KR" dirty="0"/>
               <a:t>, </a:t>
             </a:r>
             <a:r>
-              <a:rPr lang="ko-KR" altLang="en-US" dirty="0" smtClean="0"/>
+              <a:rPr lang="ko-KR" altLang="en-US" dirty="0"/>
               <a:t>실제 구현은 하지 않습니다</a:t>
             </a:r>
             <a:r>
-              <a:rPr lang="en-US" altLang="ko-KR" dirty="0" smtClean="0"/>
+              <a:rPr lang="en-US" altLang="ko-KR" dirty="0"/>
               <a:t>.</a:t>
             </a:r>
           </a:p>
           <a:p>
             <a:r>
-              <a:rPr lang="ko-KR" altLang="en-US" dirty="0" smtClean="0"/>
+              <a:rPr lang="ko-KR" altLang="en-US" dirty="0"/>
               <a:t>즉</a:t>
             </a:r>
             <a:r>
-              <a:rPr lang="en-US" altLang="ko-KR" dirty="0" smtClean="0"/>
+              <a:rPr lang="en-US" altLang="ko-KR" dirty="0"/>
               <a:t>, </a:t>
             </a:r>
             <a:r>
-              <a:rPr lang="ko-KR" altLang="en-US" b="1" dirty="0" smtClean="0"/>
+              <a:rPr lang="ko-KR" altLang="en-US" b="1" dirty="0"/>
               <a:t>무엇을 해야 하는지는 정해주지만</a:t>
             </a:r>
             <a:r>
-              <a:rPr lang="en-US" altLang="ko-KR" b="1" dirty="0" smtClean="0"/>
+              <a:rPr lang="en-US" altLang="ko-KR" b="1" dirty="0"/>
               <a:t>, </a:t>
             </a:r>
             <a:r>
-              <a:rPr lang="ko-KR" altLang="en-US" b="1" dirty="0" smtClean="0"/>
+              <a:rPr lang="ko-KR" altLang="en-US" b="1" dirty="0"/>
               <a:t>어떻게 할지는 클래스에 맡깁니다</a:t>
             </a:r>
             <a:endParaRPr lang="ko-KR" altLang="en-US" dirty="0"/>
@@ -2369,123 +2361,123 @@
           <a:lstStyle/>
           <a:p>
             <a:r>
-              <a:rPr lang="en-US" altLang="ko-KR" dirty="0" smtClean="0"/>
+              <a:rPr lang="en-US" altLang="ko-KR" dirty="0"/>
               <a:t>interface </a:t>
             </a:r>
             <a:r>
-              <a:rPr lang="ko-KR" altLang="en-US" dirty="0" smtClean="0"/>
+              <a:rPr lang="ko-KR" altLang="en-US" dirty="0"/>
               <a:t>키워드 사용</a:t>
             </a:r>
             <a:r>
-              <a:rPr lang="en-US" altLang="ko-KR" dirty="0" smtClean="0"/>
+              <a:rPr lang="en-US" altLang="ko-KR" dirty="0"/>
               <a:t>!</a:t>
             </a:r>
           </a:p>
           <a:p>
             <a:r>
-              <a:rPr lang="ko-KR" altLang="en-US" dirty="0" smtClean="0"/>
+              <a:rPr lang="ko-KR" altLang="en-US" dirty="0"/>
               <a:t>이름 앞에 </a:t>
             </a:r>
             <a:r>
-              <a:rPr lang="en-US" altLang="ko-KR" dirty="0" smtClean="0"/>
+              <a:rPr lang="en-US" altLang="ko-KR" dirty="0"/>
               <a:t>‘I’ (</a:t>
             </a:r>
             <a:r>
-              <a:rPr lang="ko-KR" altLang="en-US" dirty="0" smtClean="0"/>
+              <a:rPr lang="ko-KR" altLang="en-US" dirty="0"/>
               <a:t>대문자 </a:t>
             </a:r>
             <a:r>
-              <a:rPr lang="en-US" altLang="ko-KR" dirty="0" err="1" smtClean="0"/>
+              <a:rPr lang="en-US" altLang="ko-KR" dirty="0" err="1"/>
               <a:t>i</a:t>
             </a:r>
             <a:r>
-              <a:rPr lang="en-US" altLang="ko-KR" dirty="0" smtClean="0"/>
+              <a:rPr lang="en-US" altLang="ko-KR" dirty="0"/>
               <a:t>)</a:t>
             </a:r>
             <a:r>
-              <a:rPr lang="ko-KR" altLang="en-US" dirty="0" smtClean="0"/>
+              <a:rPr lang="ko-KR" altLang="en-US" dirty="0"/>
               <a:t>를 붙이는 것이 관례</a:t>
             </a:r>
-            <a:endParaRPr lang="en-US" altLang="ko-KR" dirty="0" smtClean="0"/>
-          </a:p>
-          <a:p>
-            <a:r>
-              <a:rPr lang="ko-KR" altLang="en-US" dirty="0" err="1" smtClean="0"/>
+            <a:endParaRPr lang="en-US" altLang="ko-KR" dirty="0"/>
+          </a:p>
+          <a:p>
+            <a:r>
+              <a:rPr lang="ko-KR" altLang="en-US" dirty="0" err="1"/>
               <a:t>구현부</a:t>
             </a:r>
             <a:r>
-              <a:rPr lang="en-US" altLang="ko-KR" dirty="0" smtClean="0"/>
+              <a:rPr lang="en-US" altLang="ko-KR" dirty="0"/>
               <a:t>{}</a:t>
             </a:r>
             <a:r>
-              <a:rPr lang="ko-KR" altLang="en-US" dirty="0" smtClean="0"/>
+              <a:rPr lang="ko-KR" altLang="en-US" dirty="0"/>
               <a:t>는 없음</a:t>
             </a:r>
             <a:r>
-              <a:rPr lang="en-US" altLang="ko-KR" dirty="0" smtClean="0"/>
+              <a:rPr lang="en-US" altLang="ko-KR" dirty="0"/>
               <a:t>.</a:t>
             </a:r>
           </a:p>
           <a:p>
-            <a:endParaRPr lang="en-US" altLang="ko-KR" dirty="0" smtClean="0"/>
-          </a:p>
-          <a:p>
-            <a:r>
-              <a:rPr lang="ko-KR" altLang="en-US" dirty="0" smtClean="0"/>
+            <a:endParaRPr lang="en-US" altLang="ko-KR" dirty="0"/>
+          </a:p>
+          <a:p>
+            <a:r>
+              <a:rPr lang="ko-KR" altLang="en-US" dirty="0"/>
               <a:t>클래스는 </a:t>
             </a:r>
             <a:r>
-              <a:rPr lang="en-US" altLang="ko-KR" dirty="0" smtClean="0"/>
+              <a:rPr lang="en-US" altLang="ko-KR" dirty="0"/>
               <a:t>: </a:t>
             </a:r>
             <a:r>
-              <a:rPr lang="ko-KR" altLang="en-US" dirty="0" smtClean="0"/>
+              <a:rPr lang="ko-KR" altLang="en-US" dirty="0"/>
               <a:t>기호를 사용해 인터페이스를 구현</a:t>
             </a:r>
           </a:p>
           <a:p>
             <a:r>
-              <a:rPr lang="ko-KR" altLang="en-US" b="1" dirty="0" smtClean="0"/>
+              <a:rPr lang="ko-KR" altLang="en-US" b="1" dirty="0"/>
               <a:t>인터페이스에 있는 모든 멤버를 반드시 구현해야 합니다</a:t>
             </a:r>
             <a:r>
-              <a:rPr lang="en-US" altLang="ko-KR" b="1" dirty="0" smtClean="0"/>
+              <a:rPr lang="en-US" altLang="ko-KR" b="1" dirty="0"/>
               <a:t>.</a:t>
             </a:r>
-            <a:endParaRPr lang="ko-KR" altLang="en-US" dirty="0" smtClean="0"/>
-          </a:p>
-          <a:p>
-            <a:r>
-              <a:rPr lang="en-US" altLang="ko-KR" dirty="0" smtClean="0"/>
+            <a:endParaRPr lang="ko-KR" altLang="en-US" dirty="0"/>
+          </a:p>
+          <a:p>
+            <a:r>
+              <a:rPr lang="en-US" altLang="ko-KR" dirty="0"/>
               <a:t>public</a:t>
             </a:r>
             <a:r>
-              <a:rPr lang="ko-KR" altLang="en-US" dirty="0" smtClean="0"/>
+              <a:rPr lang="ko-KR" altLang="en-US" dirty="0"/>
               <a:t>으로 구현해야 합니다 </a:t>
             </a:r>
             <a:r>
-              <a:rPr lang="en-US" altLang="ko-KR" dirty="0" smtClean="0"/>
+              <a:rPr lang="en-US" altLang="ko-KR" dirty="0"/>
               <a:t>(</a:t>
             </a:r>
             <a:r>
-              <a:rPr lang="ko-KR" altLang="en-US" dirty="0" smtClean="0"/>
+              <a:rPr lang="ko-KR" altLang="en-US" dirty="0"/>
               <a:t>인터페이스 자체는 </a:t>
             </a:r>
             <a:r>
-              <a:rPr lang="en-US" altLang="ko-KR" dirty="0" smtClean="0"/>
+              <a:rPr lang="en-US" altLang="ko-KR" dirty="0"/>
               <a:t>public</a:t>
             </a:r>
             <a:r>
-              <a:rPr lang="ko-KR" altLang="en-US" dirty="0" smtClean="0"/>
+              <a:rPr lang="ko-KR" altLang="en-US" dirty="0"/>
               <a:t>이기 때문</a:t>
             </a:r>
             <a:r>
-              <a:rPr lang="en-US" altLang="ko-KR" smtClean="0"/>
+              <a:rPr lang="en-US" altLang="ko-KR" dirty="0"/>
               <a:t>)</a:t>
             </a:r>
           </a:p>
           <a:p>
-            <a:endParaRPr lang="en-US" altLang="ko-KR" dirty="0" smtClean="0"/>
+            <a:endParaRPr lang="en-US" altLang="ko-KR" dirty="0"/>
           </a:p>
         </p:txBody>
       </p:sp>
@@ -2801,10 +2793,6 @@
             <a:r>
               <a:rPr lang="ko-KR" altLang="en-US" b="1" dirty="0"/>
               <a:t>작성 도구에 따라 자동으로 소스코드를 생성해주는 기능 포함</a:t>
-            </a:r>
-            <a:r>
-              <a:rPr lang="ko-KR" altLang="en-US" dirty="0"/>
-              <a:t/>
             </a:r>
             <a:br>
               <a:rPr lang="ko-KR" altLang="en-US" dirty="0"/>
@@ -11066,10 +11054,6 @@
               <a:rPr lang="ko-KR" altLang="en-US" dirty="0"/>
               <a:t>의 속성과 메서드를 다른 클래스</a:t>
             </a:r>
-            <a:r>
-              <a:rPr lang="en-US" altLang="ko-KR" dirty="0"/>
-              <a:t/>
-            </a:r>
             <a:br>
               <a:rPr lang="en-US" altLang="ko-KR" dirty="0"/>
             </a:br>
@@ -12608,10 +12592,6 @@
               <a:rPr lang="ko-KR" altLang="en-US" dirty="0"/>
               <a:t>인터페이스를 상속 받는 클래스들은 반드시 인터페이스의 메소드들을 </a:t>
             </a:r>
-            <a:r>
-              <a:rPr lang="en-US" altLang="ko-KR" dirty="0"/>
-              <a:t/>
-            </a:r>
             <a:br>
               <a:rPr lang="en-US" altLang="ko-KR" dirty="0"/>
             </a:br>
@@ -12684,10 +12664,6 @@
             <a:r>
               <a:rPr lang="ko-KR" altLang="en-US" dirty="0"/>
               <a:t> </a:t>
-            </a:r>
-            <a:r>
-              <a:rPr lang="en-US" altLang="ko-KR" dirty="0"/>
-              <a:t/>
             </a:r>
             <a:br>
               <a:rPr lang="en-US" altLang="ko-KR" dirty="0"/>

--- a/material/12_CSharp_심화문법 (상속).pptx
+++ b/material/12_CSharp_심화문법 (상속).pptx
@@ -40,26 +40,26 @@
   <p:notesSz cx="6858000" cy="9144000"/>
   <p:embeddedFontLst>
     <p:embeddedFont>
-      <p:font typeface="Pretendard" panose="020B0600000101010101" charset="-127"/>
-      <p:regular r:id="rId30"/>
+      <p:font typeface="Pretendard GOV SemiBold" panose="020B0600000101010101" charset="-127"/>
+      <p:bold r:id="rId30"/>
+    </p:embeddedFont>
+    <p:embeddedFont>
+      <p:font typeface="Pretendard Black" panose="02000A03000000020004" pitchFamily="2" charset="-127"/>
       <p:bold r:id="rId31"/>
     </p:embeddedFont>
     <p:embeddedFont>
-      <p:font typeface="Pretendard Black" panose="020B0600000101010101" charset="-127"/>
-      <p:bold r:id="rId32"/>
+      <p:font typeface="Pretendard" panose="02000503000000020004" pitchFamily="2" charset="-127"/>
+      <p:regular r:id="rId32"/>
+      <p:bold r:id="rId33"/>
+    </p:embeddedFont>
+    <p:embeddedFont>
+      <p:font typeface="맑은 고딕" panose="020B0503020000020004" pitchFamily="50" charset="-127"/>
+      <p:regular r:id="rId34"/>
+      <p:bold r:id="rId35"/>
     </p:embeddedFont>
     <p:embeddedFont>
       <p:font typeface="Cambria Math" panose="02040503050406030204" pitchFamily="18" charset="0"/>
-      <p:regular r:id="rId33"/>
-    </p:embeddedFont>
-    <p:embeddedFont>
-      <p:font typeface="Pretendard GOV SemiBold" panose="02000703000000020004" pitchFamily="2" charset="-127"/>
-      <p:bold r:id="rId34"/>
-    </p:embeddedFont>
-    <p:embeddedFont>
-      <p:font typeface="맑은 고딕" panose="020B0503020000020004" pitchFamily="50" charset="-127"/>
-      <p:regular r:id="rId35"/>
-      <p:bold r:id="rId36"/>
+      <p:regular r:id="rId36"/>
     </p:embeddedFont>
   </p:embeddedFontLst>
   <p:defaultTextStyle>
@@ -250,7 +250,7 @@
           <a:p>
             <a:fld id="{2EF3F159-7250-4DD4-91C2-13B35D56E1AF}" type="datetimeFigureOut">
               <a:rPr lang="ko-KR" altLang="en-US" smtClean="0"/>
-              <a:t>2025-05-13</a:t>
+              <a:t>2025-06-08</a:t>
             </a:fld>
             <a:endParaRPr lang="ko-KR" altLang="en-US"/>
           </a:p>
@@ -776,50 +776,6 @@
               <a:tabLst/>
               <a:defRPr/>
             </a:pPr>
-            <a:r>
-              <a:rPr lang="ko-KR" altLang="en-US" dirty="0"/>
-              <a:t>같은 이름</a:t>
-            </a:r>
-            <a:r>
-              <a:rPr lang="en-US" altLang="ko-KR" dirty="0"/>
-              <a:t>, </a:t>
-            </a:r>
-            <a:r>
-              <a:rPr lang="ko-KR" altLang="en-US" dirty="0"/>
-              <a:t>다른 입출력을 갖는 메소드를 정의하고 필요에 따라 골라 사용</a:t>
-            </a:r>
-          </a:p>
-          <a:p>
-            <a:pPr marL="171450" indent="-171450">
-              <a:buFontTx/>
-              <a:buChar char="-"/>
-            </a:pPr>
-            <a:r>
-              <a:rPr lang="ko-KR" altLang="en-US" dirty="0"/>
-              <a:t>한 클래스 안에서 여러 개 정의 가능</a:t>
-            </a:r>
-            <a:r>
-              <a:rPr lang="en-US" altLang="ko-KR" dirty="0"/>
-              <a:t>.</a:t>
-            </a:r>
-          </a:p>
-          <a:p>
-            <a:pPr marL="0" indent="0">
-              <a:buFontTx/>
-              <a:buNone/>
-            </a:pPr>
-            <a:r>
-              <a:rPr lang="en-US" altLang="ko-KR" dirty="0"/>
-              <a:t>(</a:t>
-            </a:r>
-            <a:r>
-              <a:rPr lang="ko-KR" altLang="en-US" dirty="0"/>
-              <a:t>그냥 편의성을 위한 문법적 기능</a:t>
-            </a:r>
-            <a:r>
-              <a:rPr lang="en-US" altLang="ko-KR" dirty="0"/>
-              <a:t>)</a:t>
-            </a:r>
             <a:endParaRPr lang="ko-KR" altLang="en-US" dirty="0"/>
           </a:p>
         </p:txBody>
@@ -904,10 +860,7 @@
           <a:bodyPr/>
           <a:lstStyle/>
           <a:p>
-            <a:r>
-              <a:rPr lang="ko-KR" altLang="en-US" dirty="0"/>
-              <a:t>부모 클래스의 메서드를 자식 클래스가 재정의 하는 것</a:t>
-            </a:r>
+            <a:endParaRPr lang="ko-KR" altLang="en-US" dirty="0"/>
           </a:p>
         </p:txBody>
       </p:sp>
@@ -1008,294 +961,6 @@
               <a:tabLst/>
               <a:defRPr/>
             </a:pPr>
-            <a:r>
-              <a:rPr lang="ko-KR" altLang="en-US" b="1" dirty="0"/>
-              <a:t>“굳이 </a:t>
-            </a:r>
-            <a:r>
-              <a:rPr lang="en-US" altLang="ko-KR" b="1" dirty="0"/>
-              <a:t>virtual, override, </a:t>
-            </a:r>
-            <a:r>
-              <a:rPr lang="ko-KR" altLang="en-US" b="1" dirty="0"/>
-              <a:t>업캐스팅</a:t>
-            </a:r>
-            <a:r>
-              <a:rPr lang="en-US" altLang="ko-KR" b="1" dirty="0"/>
-              <a:t>, </a:t>
-            </a:r>
-            <a:r>
-              <a:rPr lang="ko-KR" altLang="en-US" b="1" dirty="0"/>
-              <a:t>다형성까지 써가면서 왜 이렇게 복잡하게 코딩해요</a:t>
-            </a:r>
-            <a:r>
-              <a:rPr lang="en-US" altLang="ko-KR" b="1" dirty="0"/>
-              <a:t>?”</a:t>
-            </a:r>
-            <a:br>
-              <a:rPr lang="ko-KR" altLang="en-US" dirty="0"/>
-            </a:br>
-            <a:r>
-              <a:rPr lang="ko-KR" altLang="en-US" dirty="0"/>
-              <a:t>그냥 </a:t>
-            </a:r>
-            <a:r>
-              <a:rPr lang="en-US" altLang="ko-KR" dirty="0"/>
-              <a:t>Square </a:t>
-            </a:r>
-            <a:r>
-              <a:rPr lang="en-US" altLang="ko-KR" dirty="0" err="1"/>
-              <a:t>square</a:t>
-            </a:r>
-            <a:r>
-              <a:rPr lang="en-US" altLang="ko-KR" dirty="0"/>
-              <a:t> = new Square(); </a:t>
-            </a:r>
-            <a:r>
-              <a:rPr lang="ko-KR" altLang="en-US" dirty="0"/>
-              <a:t>하고 </a:t>
-            </a:r>
-            <a:r>
-              <a:rPr lang="en-US" altLang="ko-KR" dirty="0" err="1"/>
-              <a:t>square.getShape</a:t>
-            </a:r>
-            <a:r>
-              <a:rPr lang="en-US" altLang="ko-KR" dirty="0"/>
-              <a:t>() </a:t>
-            </a:r>
-            <a:r>
-              <a:rPr lang="ko-KR" altLang="en-US" dirty="0"/>
-              <a:t>호출하면 되는 거 아닌가요</a:t>
-            </a:r>
-            <a:r>
-              <a:rPr lang="en-US" altLang="ko-KR" dirty="0"/>
-              <a:t>?</a:t>
-            </a:r>
-          </a:p>
-          <a:p>
-            <a:endParaRPr lang="en-US" altLang="ko-KR" dirty="0"/>
-          </a:p>
-          <a:p>
-            <a:r>
-              <a:rPr lang="en-US" altLang="ko-KR" dirty="0"/>
-              <a:t>Square s = new Square();</a:t>
-            </a:r>
-          </a:p>
-          <a:p>
-            <a:r>
-              <a:rPr lang="en-US" altLang="ko-KR" dirty="0"/>
-              <a:t>Circle c = new Circle();</a:t>
-            </a:r>
-          </a:p>
-          <a:p>
-            <a:r>
-              <a:rPr lang="en-US" altLang="ko-KR" dirty="0"/>
-              <a:t>Triangle t = new Triangle();</a:t>
-            </a:r>
-          </a:p>
-          <a:p>
-            <a:endParaRPr lang="en-US" altLang="ko-KR" dirty="0"/>
-          </a:p>
-          <a:p>
-            <a:r>
-              <a:rPr lang="en-US" altLang="ko-KR" dirty="0" err="1"/>
-              <a:t>textBox.Text</a:t>
-            </a:r>
-            <a:r>
-              <a:rPr lang="en-US" altLang="ko-KR" dirty="0"/>
-              <a:t> += </a:t>
-            </a:r>
-            <a:r>
-              <a:rPr lang="en-US" altLang="ko-KR" dirty="0" err="1"/>
-              <a:t>s.getShape</a:t>
-            </a:r>
-            <a:r>
-              <a:rPr lang="en-US" altLang="ko-KR" dirty="0"/>
-              <a:t>();</a:t>
-            </a:r>
-          </a:p>
-          <a:p>
-            <a:r>
-              <a:rPr lang="en-US" altLang="ko-KR" dirty="0" err="1"/>
-              <a:t>textBox.Text</a:t>
-            </a:r>
-            <a:r>
-              <a:rPr lang="en-US" altLang="ko-KR" dirty="0"/>
-              <a:t> += </a:t>
-            </a:r>
-            <a:r>
-              <a:rPr lang="en-US" altLang="ko-KR" dirty="0" err="1"/>
-              <a:t>c.getShape</a:t>
-            </a:r>
-            <a:r>
-              <a:rPr lang="en-US" altLang="ko-KR" dirty="0"/>
-              <a:t>();</a:t>
-            </a:r>
-          </a:p>
-          <a:p>
-            <a:r>
-              <a:rPr lang="en-US" altLang="ko-KR" dirty="0" err="1"/>
-              <a:t>textBox.Text</a:t>
-            </a:r>
-            <a:r>
-              <a:rPr lang="en-US" altLang="ko-KR" dirty="0"/>
-              <a:t> += </a:t>
-            </a:r>
-            <a:r>
-              <a:rPr lang="en-US" altLang="ko-KR" dirty="0" err="1"/>
-              <a:t>t.getShape</a:t>
-            </a:r>
-            <a:r>
-              <a:rPr lang="en-US" altLang="ko-KR" dirty="0"/>
-              <a:t>();</a:t>
-            </a:r>
-          </a:p>
-          <a:p>
-            <a:r>
-              <a:rPr lang="ko-KR" altLang="en-US" dirty="0"/>
-              <a:t>이렇게 일일이 다 클래스가 추가될 </a:t>
-            </a:r>
-            <a:r>
-              <a:rPr lang="ko-KR" altLang="en-US" dirty="0" err="1"/>
-              <a:t>떄마다</a:t>
-            </a:r>
-            <a:r>
-              <a:rPr lang="ko-KR" altLang="en-US" dirty="0"/>
-              <a:t> 코드를 </a:t>
-            </a:r>
-            <a:r>
-              <a:rPr lang="ko-KR" altLang="en-US" dirty="0" err="1"/>
-              <a:t>수정해야함</a:t>
-            </a:r>
-            <a:r>
-              <a:rPr lang="en-US" altLang="ko-KR" dirty="0"/>
-              <a:t>. (</a:t>
-            </a:r>
-            <a:r>
-              <a:rPr lang="ko-KR" altLang="en-US" dirty="0"/>
-              <a:t>공통 처리 불가능 </a:t>
-            </a:r>
-            <a:r>
-              <a:rPr lang="en-US" altLang="ko-KR" dirty="0"/>
-              <a:t>– </a:t>
-            </a:r>
-            <a:r>
-              <a:rPr lang="ko-KR" altLang="en-US" dirty="0" err="1"/>
-              <a:t>반복문</a:t>
-            </a:r>
-            <a:r>
-              <a:rPr lang="en-US" altLang="ko-KR" dirty="0"/>
-              <a:t>,</a:t>
-            </a:r>
-            <a:r>
-              <a:rPr lang="ko-KR" altLang="en-US" dirty="0"/>
-              <a:t>배열</a:t>
-            </a:r>
-            <a:r>
-              <a:rPr lang="en-US" altLang="ko-KR" dirty="0"/>
-              <a:t> </a:t>
-            </a:r>
-            <a:r>
-              <a:rPr lang="ko-KR" altLang="en-US" dirty="0"/>
-              <a:t>등</a:t>
-            </a:r>
-            <a:r>
-              <a:rPr lang="en-US" altLang="ko-KR" dirty="0"/>
-              <a:t>) </a:t>
-            </a:r>
-            <a:r>
-              <a:rPr lang="ko-KR" altLang="en-US" dirty="0"/>
-              <a:t>유지보수 어려움</a:t>
-            </a:r>
-            <a:r>
-              <a:rPr lang="en-US" altLang="ko-KR" dirty="0"/>
-              <a:t>. </a:t>
-            </a:r>
-            <a:r>
-              <a:rPr lang="ko-KR" altLang="en-US" dirty="0"/>
-              <a:t>코드 재사용이 낮음</a:t>
-            </a:r>
-            <a:r>
-              <a:rPr lang="en-US" altLang="ko-KR" dirty="0"/>
-              <a:t>.</a:t>
-            </a:r>
-          </a:p>
-          <a:p>
-            <a:r>
-              <a:rPr lang="en-US" altLang="ko-KR" dirty="0"/>
-              <a:t>&lt;</a:t>
-            </a:r>
-            <a:r>
-              <a:rPr lang="ko-KR" altLang="en-US" dirty="0"/>
-              <a:t>결론</a:t>
-            </a:r>
-            <a:r>
-              <a:rPr lang="en-US" altLang="ko-KR" dirty="0"/>
-              <a:t>&gt;</a:t>
-            </a:r>
-          </a:p>
-          <a:p>
-            <a:r>
-              <a:rPr lang="ko-KR" altLang="en-US" dirty="0"/>
-              <a:t>**“다양한 객체를 </a:t>
-            </a:r>
-            <a:r>
-              <a:rPr lang="ko-KR" altLang="en-US" i="1" dirty="0"/>
-              <a:t>하나의 방식</a:t>
-            </a:r>
-            <a:r>
-              <a:rPr lang="ko-KR" altLang="en-US" dirty="0"/>
-              <a:t>으로 다루고 싶기 때문에”**입니다</a:t>
-            </a:r>
-            <a:r>
-              <a:rPr lang="en-US" altLang="ko-KR" dirty="0"/>
-              <a:t>.</a:t>
-            </a:r>
-            <a:br>
-              <a:rPr lang="en-US" altLang="ko-KR" dirty="0"/>
-            </a:br>
-            <a:r>
-              <a:rPr lang="en-US" altLang="ko-KR" dirty="0"/>
-              <a:t>→ </a:t>
-            </a:r>
-            <a:r>
-              <a:rPr lang="ko-KR" altLang="en-US" dirty="0"/>
-              <a:t>유지보수</a:t>
-            </a:r>
-            <a:r>
-              <a:rPr lang="en-US" altLang="ko-KR" dirty="0"/>
-              <a:t>, </a:t>
-            </a:r>
-            <a:r>
-              <a:rPr lang="ko-KR" altLang="en-US" dirty="0"/>
-              <a:t>확장성</a:t>
-            </a:r>
-            <a:r>
-              <a:rPr lang="en-US" altLang="ko-KR" dirty="0"/>
-              <a:t>, </a:t>
-            </a:r>
-            <a:r>
-              <a:rPr lang="ko-KR" altLang="en-US" dirty="0"/>
-              <a:t>유연한 설계 때문이에요</a:t>
-            </a:r>
-            <a:r>
-              <a:rPr lang="en-US" altLang="ko-KR" dirty="0"/>
-              <a:t>.</a:t>
-            </a:r>
-          </a:p>
-          <a:p>
-            <a:r>
-              <a:rPr lang="en-US" altLang="ko-KR" dirty="0"/>
-              <a:t>"</a:t>
-            </a:r>
-            <a:r>
-              <a:rPr lang="ko-KR" altLang="en-US" dirty="0"/>
-              <a:t>다형성은 객체 수가 많아질수록 빛을 발하는 설계 방식입니다</a:t>
-            </a:r>
-            <a:r>
-              <a:rPr lang="en-US" altLang="ko-KR" dirty="0"/>
-              <a:t>."</a:t>
-            </a:r>
             <a:endParaRPr lang="ko-KR" altLang="en-US" dirty="0"/>
           </a:p>
         </p:txBody>
@@ -1379,173 +1044,6 @@
         <p:txBody>
           <a:bodyPr/>
           <a:lstStyle/>
-          <a:p>
-            <a:pPr>
-              <a:buNone/>
-            </a:pPr>
-            <a:r>
-              <a:rPr lang="en-US" altLang="ko-KR" dirty="0" err="1"/>
-              <a:t>getShape</a:t>
-            </a:r>
-            <a:r>
-              <a:rPr lang="en-US" altLang="ko-KR" dirty="0"/>
-              <a:t>() </a:t>
-            </a:r>
-            <a:r>
-              <a:rPr lang="ko-KR" altLang="en-US" dirty="0"/>
-              <a:t>메서드는 </a:t>
-            </a:r>
-            <a:r>
-              <a:rPr lang="en-US" altLang="ko-KR" dirty="0"/>
-              <a:t>virtual</a:t>
-            </a:r>
-            <a:r>
-              <a:rPr lang="ko-KR" altLang="en-US" dirty="0"/>
-              <a:t>로 선언되어 있어</a:t>
-            </a:r>
-            <a:r>
-              <a:rPr lang="en-US" altLang="ko-KR" dirty="0"/>
-              <a:t>,</a:t>
-            </a:r>
-          </a:p>
-          <a:p>
-            <a:r>
-              <a:rPr lang="ko-KR" altLang="en-US" b="1" dirty="0"/>
-              <a:t>자식 클래스에서 </a:t>
-            </a:r>
-            <a:r>
-              <a:rPr lang="en-US" altLang="ko-KR" b="1" dirty="0"/>
-              <a:t>override </a:t>
-            </a:r>
-            <a:r>
-              <a:rPr lang="ko-KR" altLang="en-US" b="1" dirty="0"/>
-              <a:t>가능</a:t>
-            </a:r>
-            <a:r>
-              <a:rPr lang="ko-KR" altLang="en-US" dirty="0"/>
-              <a:t>하도록 열려 있음</a:t>
-            </a:r>
-            <a:r>
-              <a:rPr lang="en-US" altLang="ko-KR" dirty="0"/>
-              <a:t>.</a:t>
-            </a:r>
-          </a:p>
-          <a:p>
-            <a:endParaRPr lang="en-US" altLang="ko-KR" dirty="0"/>
-          </a:p>
-          <a:p>
-            <a:r>
-              <a:rPr lang="en-US" altLang="ko-KR" dirty="0"/>
-              <a:t>Sealed </a:t>
-            </a:r>
-          </a:p>
-          <a:p>
-            <a:r>
-              <a:rPr lang="ko-KR" altLang="en-US" dirty="0"/>
-              <a:t>📌 의미</a:t>
-            </a:r>
-            <a:r>
-              <a:rPr lang="en-US" altLang="ko-KR" dirty="0"/>
-              <a:t>:</a:t>
-            </a:r>
-          </a:p>
-          <a:p>
-            <a:r>
-              <a:rPr lang="ko-KR" altLang="en-US" b="1" dirty="0"/>
-              <a:t>“이 메서드는 </a:t>
-            </a:r>
-            <a:r>
-              <a:rPr lang="en-US" altLang="ko-KR" b="1" dirty="0"/>
-              <a:t>Square</a:t>
-            </a:r>
-            <a:r>
-              <a:rPr lang="ko-KR" altLang="en-US" b="1" dirty="0"/>
-              <a:t>에서는 재정의했지만</a:t>
-            </a:r>
-            <a:r>
-              <a:rPr lang="en-US" altLang="ko-KR" b="1" dirty="0"/>
-              <a:t>,</a:t>
-            </a:r>
-            <a:br>
-              <a:rPr lang="en-US" altLang="ko-KR" b="1" dirty="0"/>
-            </a:br>
-            <a:r>
-              <a:rPr lang="ko-KR" altLang="en-US" b="1" dirty="0"/>
-              <a:t>그 이후 자식 클래스에서는 더 이상 </a:t>
-            </a:r>
-            <a:r>
-              <a:rPr lang="ko-KR" altLang="en-US" b="1" dirty="0" err="1"/>
-              <a:t>오버라이드</a:t>
-            </a:r>
-            <a:r>
-              <a:rPr lang="ko-KR" altLang="en-US" b="1" dirty="0"/>
-              <a:t> 못 하게 막겠다</a:t>
-            </a:r>
-            <a:r>
-              <a:rPr lang="en-US" altLang="ko-KR" b="1" dirty="0"/>
-              <a:t>.”</a:t>
-            </a:r>
-          </a:p>
-          <a:p>
-            <a:endParaRPr lang="en-US" altLang="ko-KR" b="1" dirty="0"/>
-          </a:p>
-          <a:p>
-            <a:pPr>
-              <a:buNone/>
-            </a:pPr>
-            <a:r>
-              <a:rPr lang="ko-KR" altLang="en-US" b="1" dirty="0"/>
-              <a:t>✅ 이 기능은 언제 쓰나요</a:t>
-            </a:r>
-            <a:r>
-              <a:rPr lang="en-US" altLang="ko-KR" b="1" dirty="0"/>
-              <a:t>?</a:t>
-            </a:r>
-          </a:p>
-          <a:p>
-            <a:pPr>
-              <a:buFont typeface="Arial" panose="020B0604020202020204" pitchFamily="34" charset="0"/>
-              <a:buChar char="•"/>
-            </a:pPr>
-            <a:r>
-              <a:rPr lang="ko-KR" altLang="en-US" dirty="0"/>
-              <a:t>상속 구조가 깊어지면 </a:t>
-            </a:r>
-            <a:r>
-              <a:rPr lang="ko-KR" altLang="en-US" b="1" dirty="0"/>
-              <a:t>일부 메서드는 더 이상 바뀌지 않게 하고 싶을 때</a:t>
-            </a:r>
-            <a:endParaRPr lang="ko-KR" altLang="en-US" dirty="0"/>
-          </a:p>
-          <a:p>
-            <a:pPr>
-              <a:buFont typeface="Arial" panose="020B0604020202020204" pitchFamily="34" charset="0"/>
-              <a:buChar char="•"/>
-            </a:pPr>
-            <a:r>
-              <a:rPr lang="ko-KR" altLang="en-US" dirty="0"/>
-              <a:t>특정 클래스에서의 동작은 **고정</a:t>
-            </a:r>
-            <a:r>
-              <a:rPr lang="en-US" altLang="ko-KR" dirty="0"/>
-              <a:t>(</a:t>
-            </a:r>
-            <a:r>
-              <a:rPr lang="ko-KR" altLang="en-US" dirty="0"/>
-              <a:t>확정</a:t>
-            </a:r>
-            <a:r>
-              <a:rPr lang="en-US" altLang="ko-KR" dirty="0"/>
-              <a:t>)**</a:t>
-            </a:r>
-            <a:r>
-              <a:rPr lang="ko-KR" altLang="en-US" dirty="0"/>
-              <a:t>시키고 싶을 때</a:t>
-            </a:r>
-          </a:p>
-          <a:p>
-            <a:endParaRPr lang="ko-KR" altLang="en-US" dirty="0"/>
-          </a:p>
           <a:p>
             <a:endParaRPr lang="ko-KR" altLang="en-US" dirty="0"/>
           </a:p>
@@ -1649,101 +1147,6 @@
           <a:bodyPr/>
           <a:lstStyle/>
           <a:p>
-            <a:r>
-              <a:rPr lang="en-US" altLang="ko-KR" dirty="0"/>
-              <a:t>= </a:t>
-            </a:r>
-            <a:r>
-              <a:rPr lang="ko-KR" altLang="en-US" dirty="0"/>
-              <a:t>즉</a:t>
-            </a:r>
-            <a:r>
-              <a:rPr lang="en-US" altLang="ko-KR" dirty="0"/>
-              <a:t>, </a:t>
-            </a:r>
-            <a:r>
-              <a:rPr lang="ko-KR" altLang="en-US" dirty="0"/>
-              <a:t>같은 방법으로 호출했는데</a:t>
-            </a:r>
-            <a:r>
-              <a:rPr lang="en-US" altLang="ko-KR" dirty="0"/>
-              <a:t>, </a:t>
-            </a:r>
-            <a:r>
-              <a:rPr lang="ko-KR" altLang="en-US" dirty="0"/>
-              <a:t>실제로는 각각 다르게 동작하는 것</a:t>
-            </a:r>
-            <a:r>
-              <a:rPr lang="en-US" altLang="ko-KR" dirty="0"/>
-              <a:t>.</a:t>
-            </a:r>
-          </a:p>
-          <a:p>
-            <a:endParaRPr lang="en-US" altLang="ko-KR" dirty="0"/>
-          </a:p>
-          <a:p>
-            <a:pPr>
-              <a:buNone/>
-            </a:pPr>
-            <a:r>
-              <a:rPr lang="ko-KR" altLang="en-US" b="1" dirty="0"/>
-              <a:t>부모 타입 하나로 여러 자식 객체 다루기</a:t>
-            </a:r>
-            <a:endParaRPr lang="en-US" altLang="ko-KR" dirty="0"/>
-          </a:p>
-          <a:p>
-            <a:pPr>
-              <a:buNone/>
-            </a:pPr>
-            <a:r>
-              <a:rPr lang="ko-KR" altLang="en-US" dirty="0"/>
-              <a:t>💡 </a:t>
-            </a:r>
-            <a:r>
-              <a:rPr lang="en-US" altLang="ko-KR" dirty="0"/>
-              <a:t>w1, w2 </a:t>
-            </a:r>
-            <a:r>
-              <a:rPr lang="ko-KR" altLang="en-US" dirty="0"/>
-              <a:t>모두 </a:t>
-            </a:r>
-            <a:r>
-              <a:rPr lang="en-US" altLang="ko-KR" dirty="0"/>
-              <a:t>Weapon </a:t>
-            </a:r>
-            <a:r>
-              <a:rPr lang="ko-KR" altLang="en-US" dirty="0" err="1"/>
-              <a:t>타입인데도</a:t>
-            </a:r>
-            <a:br>
-              <a:rPr lang="ko-KR" altLang="en-US" dirty="0"/>
-            </a:br>
-            <a:r>
-              <a:rPr lang="ko-KR" altLang="en-US" b="1" dirty="0"/>
-              <a:t>실제 자식 객체에 따라 동작이 다르게 실행되죠</a:t>
-            </a:r>
-            <a:r>
-              <a:rPr lang="en-US" altLang="ko-KR" b="1" dirty="0"/>
-              <a:t>?</a:t>
-            </a:r>
-            <a:endParaRPr lang="ko-KR" altLang="en-US" dirty="0"/>
-          </a:p>
-          <a:p>
-            <a:r>
-              <a:rPr lang="ko-KR" altLang="en-US" dirty="0"/>
-              <a:t>👉 이게 바로 </a:t>
-            </a:r>
-            <a:r>
-              <a:rPr lang="ko-KR" altLang="en-US" b="1" dirty="0" err="1"/>
-              <a:t>다형성입니다</a:t>
-            </a:r>
-            <a:r>
-              <a:rPr lang="en-US" altLang="ko-KR" b="1" dirty="0"/>
-              <a:t>.</a:t>
-            </a:r>
-            <a:endParaRPr lang="ko-KR" altLang="en-US" dirty="0"/>
-          </a:p>
-          <a:p>
             <a:endParaRPr lang="ko-KR" altLang="en-US" dirty="0"/>
           </a:p>
         </p:txBody>
@@ -1837,121 +1240,6 @@
             <a:pPr marL="228600" indent="-228600">
               <a:buAutoNum type="arabicPeriod"/>
             </a:pPr>
-            <a:r>
-              <a:rPr lang="ko-KR" altLang="en-US" dirty="0"/>
-              <a:t>부모</a:t>
-            </a:r>
-            <a:r>
-              <a:rPr lang="en-US" altLang="ko-KR" dirty="0"/>
-              <a:t>-</a:t>
-            </a:r>
-            <a:r>
-              <a:rPr lang="ko-KR" altLang="en-US" dirty="0"/>
-              <a:t>자식 관계 있어야 함</a:t>
-            </a:r>
-            <a:endParaRPr lang="en-US" altLang="ko-KR" dirty="0"/>
-          </a:p>
-          <a:p>
-            <a:pPr marL="228600" indent="-228600">
-              <a:buAutoNum type="arabicPeriod"/>
-            </a:pPr>
-            <a:r>
-              <a:rPr lang="ko-KR" altLang="en-US" dirty="0"/>
-              <a:t>자식을 부모 타입으로 참조</a:t>
-            </a:r>
-            <a:endParaRPr lang="en-US" altLang="ko-KR" dirty="0"/>
-          </a:p>
-          <a:p>
-            <a:pPr marL="228600" indent="-228600">
-              <a:buAutoNum type="arabicPeriod"/>
-            </a:pPr>
-            <a:r>
-              <a:rPr lang="ko-KR" altLang="en-US" dirty="0"/>
-              <a:t>자식에서 메서드 재정의 </a:t>
-            </a:r>
-            <a:r>
-              <a:rPr lang="en-US" altLang="ko-KR" dirty="0"/>
-              <a:t>(override)</a:t>
-            </a:r>
-          </a:p>
-          <a:p>
-            <a:pPr marL="228600" indent="-228600">
-              <a:buAutoNum type="arabicPeriod"/>
-            </a:pPr>
-            <a:endParaRPr lang="en-US" altLang="ko-KR" dirty="0"/>
-          </a:p>
-          <a:p>
-            <a:pPr marL="0" indent="0">
-              <a:buNone/>
-            </a:pPr>
-            <a:r>
-              <a:rPr lang="ko-KR" altLang="en-US" dirty="0"/>
-              <a:t>요약</a:t>
-            </a:r>
-            <a:r>
-              <a:rPr lang="en-US" altLang="ko-KR" dirty="0"/>
-              <a:t>)</a:t>
-            </a:r>
-          </a:p>
-          <a:p>
-            <a:pPr marL="0" indent="0">
-              <a:buNone/>
-            </a:pPr>
-            <a:r>
-              <a:rPr lang="ko-KR" altLang="en-US" dirty="0"/>
-              <a:t>다형성은 부모 타입 하나로 다양한 자식 객체들을 통일되게 사용하면서</a:t>
-            </a:r>
-            <a:r>
-              <a:rPr lang="en-US" altLang="ko-KR" dirty="0"/>
-              <a:t>,</a:t>
-            </a:r>
-            <a:br>
-              <a:rPr lang="en-US" altLang="ko-KR" dirty="0"/>
-            </a:br>
-            <a:r>
-              <a:rPr lang="ko-KR" altLang="en-US" dirty="0"/>
-              <a:t>각 자식 객체가 자기만의 방식으로 동작하게 만드는 객체지향의 가장 큰 특징</a:t>
-            </a:r>
-            <a:endParaRPr lang="en-US" altLang="ko-KR" dirty="0"/>
-          </a:p>
-          <a:p>
-            <a:pPr marL="0" indent="0">
-              <a:buNone/>
-            </a:pPr>
-            <a:endParaRPr lang="en-US" altLang="ko-KR" dirty="0"/>
-          </a:p>
-          <a:p>
-            <a:pPr marL="0" indent="0">
-              <a:buNone/>
-            </a:pPr>
-            <a:r>
-              <a:rPr lang="ko-KR" altLang="en-US" dirty="0"/>
-              <a:t>이처럼 부모 타입 </a:t>
-            </a:r>
-            <a:r>
-              <a:rPr lang="en-US" altLang="ko-KR" dirty="0"/>
-              <a:t>Beverage </a:t>
-            </a:r>
-            <a:r>
-              <a:rPr lang="ko-KR" altLang="en-US" dirty="0"/>
-              <a:t>하나로 다양한 자식의 행동을 제어할 수 있는 것이 </a:t>
-            </a:r>
-            <a:r>
-              <a:rPr lang="ko-KR" altLang="en-US" b="1" dirty="0"/>
-              <a:t>진짜 </a:t>
-            </a:r>
-            <a:r>
-              <a:rPr lang="ko-KR" altLang="en-US" b="1" dirty="0" err="1"/>
-              <a:t>다형성</a:t>
-            </a:r>
-            <a:r>
-              <a:rPr lang="ko-KR" altLang="en-US" dirty="0" err="1"/>
-              <a:t>입니다</a:t>
-            </a:r>
-            <a:r>
-              <a:rPr lang="en-US" altLang="ko-KR" dirty="0"/>
-              <a:t>.</a:t>
-            </a:r>
             <a:endParaRPr lang="ko-KR" altLang="en-US" dirty="0"/>
           </a:p>
         </p:txBody>
@@ -2147,135 +1435,6 @@
           <a:bodyPr/>
           <a:lstStyle/>
           <a:p>
-            <a:r>
-              <a:rPr lang="en-US" altLang="ko-KR" b="1" dirty="0"/>
-              <a:t>C#</a:t>
-            </a:r>
-            <a:r>
-              <a:rPr lang="ko-KR" altLang="en-US" b="1" dirty="0"/>
-              <a:t>에서 클래스나 구조체가 특정 기능을 반드시 구현하도록 강제</a:t>
-            </a:r>
-            <a:r>
-              <a:rPr lang="ko-KR" altLang="en-US" dirty="0"/>
-              <a:t>하는 일종의 </a:t>
-            </a:r>
-            <a:r>
-              <a:rPr lang="en-US" altLang="ko-KR" b="1" dirty="0"/>
-              <a:t>"</a:t>
-            </a:r>
-            <a:r>
-              <a:rPr lang="ko-KR" altLang="en-US" b="1" dirty="0"/>
-              <a:t>기능 명세서</a:t>
-            </a:r>
-            <a:r>
-              <a:rPr lang="en-US" altLang="ko-KR" b="1" dirty="0"/>
-              <a:t>" </a:t>
-            </a:r>
-            <a:r>
-              <a:rPr lang="ko-KR" altLang="en-US" b="1" dirty="0"/>
-              <a:t>또는 약속</a:t>
-            </a:r>
-            <a:r>
-              <a:rPr lang="en-US" altLang="ko-KR" b="1" dirty="0"/>
-              <a:t>(Contract)</a:t>
-            </a:r>
-            <a:r>
-              <a:rPr lang="ko-KR" altLang="en-US" dirty="0"/>
-              <a:t> 역할</a:t>
-            </a:r>
-            <a:endParaRPr lang="en-US" altLang="ko-KR" dirty="0"/>
-          </a:p>
-          <a:p>
-            <a:r>
-              <a:rPr lang="ko-KR" altLang="en-US" dirty="0"/>
-              <a:t>인터페이스는 </a:t>
-            </a:r>
-            <a:r>
-              <a:rPr lang="ko-KR" altLang="en-US" b="1" dirty="0"/>
-              <a:t>속성</a:t>
-            </a:r>
-            <a:r>
-              <a:rPr lang="en-US" altLang="ko-KR" b="1" dirty="0"/>
-              <a:t>, </a:t>
-            </a:r>
-            <a:r>
-              <a:rPr lang="ko-KR" altLang="en-US" b="1" dirty="0"/>
-              <a:t>메서드</a:t>
-            </a:r>
-            <a:r>
-              <a:rPr lang="en-US" altLang="ko-KR" b="1" dirty="0"/>
-              <a:t>, </a:t>
-            </a:r>
-            <a:r>
-              <a:rPr lang="ko-KR" altLang="en-US" b="1" dirty="0"/>
-              <a:t>이벤트</a:t>
-            </a:r>
-            <a:r>
-              <a:rPr lang="en-US" altLang="ko-KR" b="1" dirty="0"/>
-              <a:t>, </a:t>
-            </a:r>
-            <a:r>
-              <a:rPr lang="ko-KR" altLang="en-US" b="1" dirty="0" err="1"/>
-              <a:t>인덱서의</a:t>
-            </a:r>
-            <a:r>
-              <a:rPr lang="ko-KR" altLang="en-US" b="1" dirty="0"/>
-              <a:t> </a:t>
-            </a:r>
-            <a:r>
-              <a:rPr lang="en-US" altLang="ko-KR" b="1" dirty="0"/>
-              <a:t>'</a:t>
-            </a:r>
-            <a:r>
-              <a:rPr lang="ko-KR" altLang="en-US" b="1" dirty="0"/>
-              <a:t>선언</a:t>
-            </a:r>
-            <a:r>
-              <a:rPr lang="en-US" altLang="ko-KR" b="1" dirty="0"/>
-              <a:t>'</a:t>
-            </a:r>
-            <a:r>
-              <a:rPr lang="ko-KR" altLang="en-US" b="1" dirty="0"/>
-              <a:t>만 포함</a:t>
-            </a:r>
-            <a:r>
-              <a:rPr lang="ko-KR" altLang="en-US" dirty="0"/>
-              <a:t>하고</a:t>
-            </a:r>
-            <a:r>
-              <a:rPr lang="en-US" altLang="ko-KR" dirty="0"/>
-              <a:t>, </a:t>
-            </a:r>
-            <a:r>
-              <a:rPr lang="ko-KR" altLang="en-US" dirty="0"/>
-              <a:t>실제 구현은 하지 않습니다</a:t>
-            </a:r>
-            <a:r>
-              <a:rPr lang="en-US" altLang="ko-KR" dirty="0"/>
-              <a:t>.</a:t>
-            </a:r>
-          </a:p>
-          <a:p>
-            <a:r>
-              <a:rPr lang="ko-KR" altLang="en-US" dirty="0"/>
-              <a:t>즉</a:t>
-            </a:r>
-            <a:r>
-              <a:rPr lang="en-US" altLang="ko-KR" dirty="0"/>
-              <a:t>, </a:t>
-            </a:r>
-            <a:r>
-              <a:rPr lang="ko-KR" altLang="en-US" b="1" dirty="0"/>
-              <a:t>무엇을 해야 하는지는 정해주지만</a:t>
-            </a:r>
-            <a:r>
-              <a:rPr lang="en-US" altLang="ko-KR" b="1" dirty="0"/>
-              <a:t>, </a:t>
-            </a:r>
-            <a:r>
-              <a:rPr lang="ko-KR" altLang="en-US" b="1" dirty="0"/>
-              <a:t>어떻게 할지는 클래스에 맡깁니다</a:t>
-            </a:r>
             <a:endParaRPr lang="ko-KR" altLang="en-US" dirty="0"/>
           </a:p>
         </p:txBody>
@@ -2360,123 +1519,6 @@
           <a:bodyPr/>
           <a:lstStyle/>
           <a:p>
-            <a:r>
-              <a:rPr lang="en-US" altLang="ko-KR" dirty="0"/>
-              <a:t>interface </a:t>
-            </a:r>
-            <a:r>
-              <a:rPr lang="ko-KR" altLang="en-US" dirty="0"/>
-              <a:t>키워드 사용</a:t>
-            </a:r>
-            <a:r>
-              <a:rPr lang="en-US" altLang="ko-KR" dirty="0"/>
-              <a:t>!</a:t>
-            </a:r>
-          </a:p>
-          <a:p>
-            <a:r>
-              <a:rPr lang="ko-KR" altLang="en-US" dirty="0"/>
-              <a:t>이름 앞에 </a:t>
-            </a:r>
-            <a:r>
-              <a:rPr lang="en-US" altLang="ko-KR" dirty="0"/>
-              <a:t>‘I’ (</a:t>
-            </a:r>
-            <a:r>
-              <a:rPr lang="ko-KR" altLang="en-US" dirty="0"/>
-              <a:t>대문자 </a:t>
-            </a:r>
-            <a:r>
-              <a:rPr lang="en-US" altLang="ko-KR" dirty="0" err="1"/>
-              <a:t>i</a:t>
-            </a:r>
-            <a:r>
-              <a:rPr lang="en-US" altLang="ko-KR" dirty="0"/>
-              <a:t>)</a:t>
-            </a:r>
-            <a:r>
-              <a:rPr lang="ko-KR" altLang="en-US" dirty="0"/>
-              <a:t>를 붙이는 것이 관례</a:t>
-            </a:r>
-            <a:endParaRPr lang="en-US" altLang="ko-KR" dirty="0"/>
-          </a:p>
-          <a:p>
-            <a:r>
-              <a:rPr lang="ko-KR" altLang="en-US" dirty="0" err="1"/>
-              <a:t>구현부</a:t>
-            </a:r>
-            <a:r>
-              <a:rPr lang="en-US" altLang="ko-KR" dirty="0"/>
-              <a:t>{}</a:t>
-            </a:r>
-            <a:r>
-              <a:rPr lang="ko-KR" altLang="en-US" dirty="0"/>
-              <a:t>는 없음</a:t>
-            </a:r>
-            <a:r>
-              <a:rPr lang="en-US" altLang="ko-KR" dirty="0"/>
-              <a:t>.</a:t>
-            </a:r>
-          </a:p>
-          <a:p>
-            <a:endParaRPr lang="en-US" altLang="ko-KR" dirty="0"/>
-          </a:p>
-          <a:p>
-            <a:r>
-              <a:rPr lang="ko-KR" altLang="en-US" dirty="0"/>
-              <a:t>클래스는 </a:t>
-            </a:r>
-            <a:r>
-              <a:rPr lang="en-US" altLang="ko-KR" dirty="0"/>
-              <a:t>: </a:t>
-            </a:r>
-            <a:r>
-              <a:rPr lang="ko-KR" altLang="en-US" dirty="0"/>
-              <a:t>기호를 사용해 인터페이스를 구현</a:t>
-            </a:r>
-          </a:p>
-          <a:p>
-            <a:r>
-              <a:rPr lang="ko-KR" altLang="en-US" b="1" dirty="0"/>
-              <a:t>인터페이스에 있는 모든 멤버를 반드시 구현해야 합니다</a:t>
-            </a:r>
-            <a:r>
-              <a:rPr lang="en-US" altLang="ko-KR" b="1" dirty="0"/>
-              <a:t>.</a:t>
-            </a:r>
-            <a:endParaRPr lang="ko-KR" altLang="en-US" dirty="0"/>
-          </a:p>
-          <a:p>
-            <a:r>
-              <a:rPr lang="en-US" altLang="ko-KR" dirty="0"/>
-              <a:t>public</a:t>
-            </a:r>
-            <a:r>
-              <a:rPr lang="ko-KR" altLang="en-US" dirty="0"/>
-              <a:t>으로 구현해야 합니다 </a:t>
-            </a:r>
-            <a:r>
-              <a:rPr lang="en-US" altLang="ko-KR" dirty="0"/>
-              <a:t>(</a:t>
-            </a:r>
-            <a:r>
-              <a:rPr lang="ko-KR" altLang="en-US" dirty="0"/>
-              <a:t>인터페이스 자체는 </a:t>
-            </a:r>
-            <a:r>
-              <a:rPr lang="en-US" altLang="ko-KR" dirty="0"/>
-              <a:t>public</a:t>
-            </a:r>
-            <a:r>
-              <a:rPr lang="ko-KR" altLang="en-US" dirty="0"/>
-              <a:t>이기 때문</a:t>
-            </a:r>
-            <a:r>
-              <a:rPr lang="en-US" altLang="ko-KR" dirty="0"/>
-              <a:t>)</a:t>
-            </a:r>
-          </a:p>
-          <a:p>
             <a:endParaRPr lang="en-US" altLang="ko-KR" dirty="0"/>
           </a:p>
         </p:txBody>
@@ -2561,141 +1603,6 @@
           <a:bodyPr/>
           <a:lstStyle/>
           <a:p>
-            <a:r>
-              <a:rPr lang="ko-KR" altLang="en-US" dirty="0"/>
-              <a:t>이 상태에선 **중복된 기능</a:t>
-            </a:r>
-            <a:r>
-              <a:rPr lang="en-US" altLang="ko-KR" dirty="0"/>
-              <a:t>(</a:t>
-            </a:r>
-            <a:r>
-              <a:rPr lang="ko-KR" altLang="en-US" dirty="0"/>
-              <a:t>예</a:t>
-            </a:r>
-            <a:r>
-              <a:rPr lang="en-US" altLang="ko-KR" dirty="0"/>
-              <a:t>: "</a:t>
-            </a:r>
-            <a:r>
-              <a:rPr lang="ko-KR" altLang="en-US" dirty="0"/>
-              <a:t>먹다</a:t>
-            </a:r>
-            <a:r>
-              <a:rPr lang="en-US" altLang="ko-KR" dirty="0"/>
-              <a:t>", "</a:t>
-            </a:r>
-            <a:r>
-              <a:rPr lang="ko-KR" altLang="en-US" dirty="0"/>
-              <a:t>짖다</a:t>
-            </a:r>
-            <a:r>
-              <a:rPr lang="en-US" altLang="ko-KR" dirty="0"/>
-              <a:t>")**</a:t>
-            </a:r>
-            <a:r>
-              <a:rPr lang="ko-KR" altLang="en-US" dirty="0"/>
-              <a:t>이 각 클래스에 따로 구현되어 있을 수 있음</a:t>
-            </a:r>
-            <a:br>
-              <a:rPr lang="ko-KR" altLang="en-US" dirty="0"/>
-            </a:br>
-            <a:r>
-              <a:rPr lang="ko-KR" altLang="en-US" dirty="0"/>
-              <a:t>→ </a:t>
-            </a:r>
-            <a:r>
-              <a:rPr lang="ko-KR" altLang="en-US" b="1" dirty="0"/>
-              <a:t>코드 중복</a:t>
-            </a:r>
-            <a:r>
-              <a:rPr lang="ko-KR" altLang="en-US" dirty="0"/>
-              <a:t> 발생</a:t>
-            </a:r>
-            <a:endParaRPr lang="en-US" altLang="ko-KR" dirty="0"/>
-          </a:p>
-          <a:p>
-            <a:endParaRPr lang="en-US" altLang="ko-KR" dirty="0"/>
-          </a:p>
-          <a:p>
-            <a:r>
-              <a:rPr lang="ko-KR" altLang="en-US" dirty="0"/>
-              <a:t>공통 동작인 </a:t>
-            </a:r>
-            <a:r>
-              <a:rPr lang="en-US" altLang="ko-KR" dirty="0"/>
-              <a:t>“</a:t>
-            </a:r>
-            <a:r>
-              <a:rPr lang="ko-KR" altLang="en-US" dirty="0"/>
-              <a:t>짖다</a:t>
-            </a:r>
-            <a:r>
-              <a:rPr lang="en-US" altLang="ko-KR" dirty="0"/>
-              <a:t>, </a:t>
-            </a:r>
-            <a:r>
-              <a:rPr lang="ko-KR" altLang="en-US" dirty="0"/>
-              <a:t>먹다</a:t>
-            </a:r>
-            <a:r>
-              <a:rPr lang="en-US" altLang="ko-KR" dirty="0"/>
-              <a:t>”</a:t>
-            </a:r>
-            <a:r>
-              <a:rPr lang="ko-KR" altLang="en-US" dirty="0"/>
-              <a:t>를 </a:t>
-            </a:r>
-            <a:r>
-              <a:rPr lang="ko-KR" altLang="en-US" b="1" dirty="0"/>
-              <a:t>부모 클래스에 정의</a:t>
-            </a:r>
-            <a:endParaRPr lang="en-US" altLang="ko-KR" b="1" dirty="0"/>
-          </a:p>
-          <a:p>
-            <a:pPr>
-              <a:buNone/>
-            </a:pPr>
-            <a:r>
-              <a:rPr lang="ko-KR" altLang="en-US" dirty="0"/>
-              <a:t>자식 클래스는</a:t>
-            </a:r>
-            <a:r>
-              <a:rPr lang="en-US" altLang="ko-KR" dirty="0"/>
-              <a:t>:</a:t>
-            </a:r>
-          </a:p>
-          <a:p>
-            <a:pPr>
-              <a:buFont typeface="Arial" panose="020B0604020202020204" pitchFamily="34" charset="0"/>
-              <a:buChar char="•"/>
-            </a:pPr>
-            <a:r>
-              <a:rPr lang="ko-KR" altLang="en-US" dirty="0"/>
-              <a:t>공통 기능은 </a:t>
-            </a:r>
-            <a:r>
-              <a:rPr lang="ko-KR" altLang="en-US" b="1" dirty="0"/>
-              <a:t>부모로부터 물려받고</a:t>
-            </a:r>
-            <a:endParaRPr lang="ko-KR" altLang="en-US" dirty="0"/>
-          </a:p>
-          <a:p>
-            <a:pPr>
-              <a:buFont typeface="Arial" panose="020B0604020202020204" pitchFamily="34" charset="0"/>
-              <a:buChar char="•"/>
-            </a:pPr>
-            <a:r>
-              <a:rPr lang="ko-KR" altLang="en-US" dirty="0"/>
-              <a:t>고유 기능만 </a:t>
-            </a:r>
-            <a:r>
-              <a:rPr lang="ko-KR" altLang="en-US" b="1" dirty="0"/>
-              <a:t>자신만의 메서드로 추가</a:t>
-            </a:r>
-            <a:endParaRPr lang="ko-KR" altLang="en-US" dirty="0"/>
-          </a:p>
-          <a:p>
             <a:endParaRPr lang="ko-KR" altLang="en-US" dirty="0"/>
           </a:p>
         </p:txBody>
@@ -2780,59 +1687,6 @@
           <a:bodyPr/>
           <a:lstStyle/>
           <a:p>
-            <a:r>
-              <a:rPr lang="en-US" altLang="ko-KR" dirty="0"/>
-              <a:t>https://www.nextree.co.kr/p6753/</a:t>
-            </a:r>
-          </a:p>
-          <a:p>
-            <a:r>
-              <a:rPr lang="en-US" altLang="ko-KR" b="1" dirty="0"/>
-              <a:t>UML </a:t>
-            </a:r>
-            <a:r>
-              <a:rPr lang="ko-KR" altLang="en-US" b="1" dirty="0"/>
-              <a:t>작성 도구에 따라 자동으로 소스코드를 생성해주는 기능 포함</a:t>
-            </a:r>
-            <a:br>
-              <a:rPr lang="ko-KR" altLang="en-US" dirty="0"/>
-            </a:br>
-            <a:r>
-              <a:rPr lang="ko-KR" altLang="en-US" dirty="0"/>
-              <a:t>→ 일부 </a:t>
-            </a:r>
-            <a:r>
-              <a:rPr lang="en-US" altLang="ko-KR" dirty="0"/>
-              <a:t>UML </a:t>
-            </a:r>
-            <a:r>
-              <a:rPr lang="ko-KR" altLang="en-US" dirty="0"/>
-              <a:t>도구에서는 </a:t>
-            </a:r>
-            <a:r>
-              <a:rPr lang="en-US" altLang="ko-KR" dirty="0"/>
-              <a:t>UML</a:t>
-            </a:r>
-            <a:r>
-              <a:rPr lang="ko-KR" altLang="en-US" dirty="0"/>
-              <a:t>을 그리면 자동으로 </a:t>
-            </a:r>
-            <a:r>
-              <a:rPr lang="en-US" altLang="ko-KR" b="1" dirty="0"/>
-              <a:t>Java, C#, Python </a:t>
-            </a:r>
-            <a:r>
-              <a:rPr lang="ko-KR" altLang="en-US" b="1" dirty="0"/>
-              <a:t>등의 클래스 코드</a:t>
-            </a:r>
-            <a:r>
-              <a:rPr lang="ko-KR" altLang="en-US" dirty="0"/>
-              <a:t>를 생성해주는 기능이 포함되어 있습니다</a:t>
-            </a:r>
-            <a:r>
-              <a:rPr lang="en-US" altLang="ko-KR" dirty="0"/>
-              <a:t>.</a:t>
-            </a:r>
             <a:endParaRPr lang="ko-KR" altLang="en-US" dirty="0"/>
           </a:p>
         </p:txBody>
@@ -3168,167 +2022,6 @@
         <p:txBody>
           <a:bodyPr/>
           <a:lstStyle/>
-          <a:p>
-            <a:pPr>
-              <a:buNone/>
-            </a:pPr>
-            <a:r>
-              <a:rPr lang="ko-KR" altLang="en-US" dirty="0"/>
-              <a:t>클래스는 </a:t>
-            </a:r>
-            <a:r>
-              <a:rPr lang="ko-KR" altLang="en-US" b="1" dirty="0"/>
-              <a:t>한 번에 하나의 부모 클래스만 상속</a:t>
-            </a:r>
-            <a:r>
-              <a:rPr lang="ko-KR" altLang="en-US" dirty="0"/>
-              <a:t>할 수 있습니다</a:t>
-            </a:r>
-            <a:r>
-              <a:rPr lang="en-US" altLang="ko-KR" dirty="0"/>
-              <a:t>. (</a:t>
-            </a:r>
-            <a:r>
-              <a:rPr lang="ko-KR" altLang="en-US" dirty="0"/>
-              <a:t>단일 상속만 허용됨</a:t>
-            </a:r>
-            <a:r>
-              <a:rPr lang="en-US" altLang="ko-KR" dirty="0"/>
-              <a:t>)</a:t>
-            </a:r>
-          </a:p>
-          <a:p>
-            <a:r>
-              <a:rPr lang="ko-KR" altLang="en-US" dirty="0"/>
-              <a:t>하지만 여러 단계를 거쳐 상속하는 **다단계 상속</a:t>
-            </a:r>
-            <a:r>
-              <a:rPr lang="en-US" altLang="ko-KR" dirty="0"/>
-              <a:t>(</a:t>
-            </a:r>
-            <a:r>
-              <a:rPr lang="ko-KR" altLang="en-US" dirty="0"/>
-              <a:t>계층 구조</a:t>
-            </a:r>
-            <a:r>
-              <a:rPr lang="en-US" altLang="ko-KR" dirty="0"/>
-              <a:t>)**</a:t>
-            </a:r>
-            <a:r>
-              <a:rPr lang="ko-KR" altLang="en-US" dirty="0"/>
-              <a:t>은 가능합니다</a:t>
-            </a:r>
-            <a:r>
-              <a:rPr lang="en-US" altLang="ko-KR" dirty="0"/>
-              <a:t>.</a:t>
-            </a:r>
-          </a:p>
-          <a:p>
-            <a:endParaRPr lang="en-US" altLang="ko-KR" dirty="0"/>
-          </a:p>
-          <a:p>
-            <a:r>
-              <a:rPr lang="ko-KR" altLang="en-US" dirty="0"/>
-              <a:t>동물</a:t>
-            </a:r>
-          </a:p>
-          <a:p>
-            <a:r>
-              <a:rPr lang="ko-KR" altLang="en-US" dirty="0"/>
-              <a:t> ├── 육지생물</a:t>
-            </a:r>
-          </a:p>
-          <a:p>
-            <a:r>
-              <a:rPr lang="ko-KR" altLang="en-US" dirty="0"/>
-              <a:t> │     ├── 고양이</a:t>
-            </a:r>
-          </a:p>
-          <a:p>
-            <a:r>
-              <a:rPr lang="ko-KR" altLang="en-US" dirty="0"/>
-              <a:t> │     └── 강아지</a:t>
-            </a:r>
-          </a:p>
-          <a:p>
-            <a:r>
-              <a:rPr lang="ko-KR" altLang="en-US" dirty="0"/>
-              <a:t> └── 바다생물</a:t>
-            </a:r>
-          </a:p>
-          <a:p>
-            <a:r>
-              <a:rPr lang="ko-KR" altLang="en-US" dirty="0"/>
-              <a:t>       └── 고래</a:t>
-            </a:r>
-          </a:p>
-          <a:p>
-            <a:endParaRPr lang="en-US" altLang="ko-KR" dirty="0"/>
-          </a:p>
-          <a:p>
-            <a:r>
-              <a:rPr lang="ko-KR" altLang="en-US" dirty="0"/>
-              <a:t>문어</a:t>
-            </a:r>
-          </a:p>
-          <a:p>
-            <a:r>
-              <a:rPr lang="ko-KR" altLang="en-US" dirty="0"/>
-              <a:t> ├── 연체동물</a:t>
-            </a:r>
-          </a:p>
-          <a:p>
-            <a:r>
-              <a:rPr lang="ko-KR" altLang="en-US" dirty="0"/>
-              <a:t> └── 바다생물</a:t>
-            </a:r>
-          </a:p>
-          <a:p>
-            <a:endParaRPr lang="en-US" altLang="ko-KR" dirty="0"/>
-          </a:p>
-          <a:p>
-            <a:pPr>
-              <a:buNone/>
-            </a:pPr>
-            <a:r>
-              <a:rPr lang="ko-KR" altLang="en-US" dirty="0"/>
-              <a:t>하지만 클래스 상속으로는 </a:t>
-            </a:r>
-            <a:r>
-              <a:rPr lang="ko-KR" altLang="en-US" b="1" dirty="0"/>
-              <a:t>두 개 다 상속 불가</a:t>
-            </a:r>
-            <a:r>
-              <a:rPr lang="ko-KR" altLang="en-US" dirty="0"/>
-              <a:t> </a:t>
-            </a:r>
-            <a:r>
-              <a:rPr lang="en-US" altLang="ko-KR" dirty="0"/>
-              <a:t>(C#</a:t>
-            </a:r>
-            <a:r>
-              <a:rPr lang="ko-KR" altLang="en-US" dirty="0"/>
-              <a:t>은 다중 상속 불가</a:t>
-            </a:r>
-            <a:r>
-              <a:rPr lang="en-US" altLang="ko-KR" dirty="0"/>
-              <a:t>)</a:t>
-            </a:r>
-          </a:p>
-          <a:p>
-            <a:r>
-              <a:rPr lang="ko-KR" altLang="en-US" dirty="0"/>
-              <a:t>따라서 </a:t>
-            </a:r>
-            <a:r>
-              <a:rPr lang="ko-KR" altLang="en-US" b="1" dirty="0"/>
-              <a:t>인터페이스를 이용해 두 개의 특성을 동시에 구현</a:t>
-            </a:r>
-            <a:r>
-              <a:rPr lang="ko-KR" altLang="en-US" dirty="0"/>
-              <a:t> 가능</a:t>
-            </a:r>
-          </a:p>
           <a:p>
             <a:endParaRPr lang="ko-KR" altLang="en-US" dirty="0"/>
           </a:p>
@@ -3609,274 +2302,6 @@
           <a:bodyPr/>
           <a:lstStyle/>
           <a:p>
-            <a:r>
-              <a:rPr lang="ko-KR" altLang="en-US" dirty="0"/>
-              <a:t>업캐스팅과 다형성은 밀접하게 연관되어 있다</a:t>
-            </a:r>
-            <a:r>
-              <a:rPr lang="en-US" altLang="ko-KR" dirty="0"/>
-              <a:t>.</a:t>
-            </a:r>
-          </a:p>
-          <a:p>
-            <a:endParaRPr lang="en-US" altLang="ko-KR" dirty="0"/>
-          </a:p>
-          <a:p>
-            <a:r>
-              <a:rPr lang="ko-KR" altLang="en-US" dirty="0"/>
-              <a:t>여태까지 </a:t>
-            </a:r>
-            <a:r>
-              <a:rPr lang="ko-KR" altLang="en-US" dirty="0" err="1"/>
-              <a:t>형변환</a:t>
-            </a:r>
-            <a:r>
-              <a:rPr lang="ko-KR" altLang="en-US" dirty="0"/>
-              <a:t> 한 것 </a:t>
-            </a:r>
-            <a:r>
-              <a:rPr lang="en-US" altLang="ko-KR" dirty="0"/>
-              <a:t>=&gt; </a:t>
-            </a:r>
-            <a:r>
-              <a:rPr lang="ko-KR" altLang="en-US" dirty="0"/>
-              <a:t>캐스팅</a:t>
-            </a:r>
-            <a:r>
-              <a:rPr lang="en-US" altLang="ko-KR" dirty="0"/>
-              <a:t>.</a:t>
-            </a:r>
-          </a:p>
-          <a:p>
-            <a:r>
-              <a:rPr lang="en-US" altLang="ko-KR" dirty="0"/>
-              <a:t>Up: </a:t>
-            </a:r>
-            <a:r>
-              <a:rPr lang="ko-KR" altLang="en-US" dirty="0"/>
-              <a:t>부모 클래스 타입</a:t>
-            </a:r>
-            <a:endParaRPr lang="en-US" altLang="ko-KR" dirty="0"/>
-          </a:p>
-          <a:p>
-            <a:r>
-              <a:rPr lang="en-US" altLang="ko-KR" dirty="0" err="1"/>
-              <a:t>UpCasting</a:t>
-            </a:r>
-            <a:r>
-              <a:rPr lang="en-US" altLang="ko-KR" dirty="0"/>
-              <a:t>: </a:t>
-            </a:r>
-            <a:r>
-              <a:rPr lang="ko-KR" altLang="en-US" dirty="0"/>
-              <a:t>부모 클래스 타입으로 변경</a:t>
-            </a:r>
-            <a:r>
-              <a:rPr lang="en-US" altLang="ko-KR" dirty="0"/>
-              <a:t>.</a:t>
-            </a:r>
-          </a:p>
-          <a:p>
-            <a:r>
-              <a:rPr lang="en-US" altLang="ko-KR" dirty="0"/>
-              <a:t>How?</a:t>
-            </a:r>
-          </a:p>
-          <a:p>
-            <a:pPr marL="228600" indent="-228600">
-              <a:buAutoNum type="arabicParenR"/>
-            </a:pPr>
-            <a:r>
-              <a:rPr lang="ko-KR" altLang="en-US" dirty="0"/>
-              <a:t>명시적인 </a:t>
-            </a:r>
-            <a:r>
-              <a:rPr lang="ko-KR" altLang="en-US" dirty="0" err="1"/>
-              <a:t>형변환</a:t>
-            </a:r>
-            <a:endParaRPr lang="en-US" altLang="ko-KR" dirty="0"/>
-          </a:p>
-          <a:p>
-            <a:pPr marL="228600" indent="-228600">
-              <a:buAutoNum type="arabicParenR"/>
-            </a:pPr>
-            <a:r>
-              <a:rPr lang="ko-KR" altLang="en-US" dirty="0"/>
-              <a:t>묵시적인 </a:t>
-            </a:r>
-            <a:r>
-              <a:rPr lang="ko-KR" altLang="en-US" dirty="0" err="1"/>
-              <a:t>형변환</a:t>
-            </a:r>
-            <a:endParaRPr lang="en-US" altLang="ko-KR" dirty="0"/>
-          </a:p>
-          <a:p>
-            <a:pPr marL="228600" indent="-228600">
-              <a:buAutoNum type="arabicParenR"/>
-            </a:pPr>
-            <a:r>
-              <a:rPr lang="ko-KR" altLang="en-US" dirty="0"/>
-              <a:t>다이렉트 </a:t>
-            </a:r>
-            <a:r>
-              <a:rPr lang="ko-KR" altLang="en-US" dirty="0" err="1"/>
-              <a:t>형변환</a:t>
-            </a:r>
-            <a:endParaRPr lang="en-US" altLang="ko-KR" dirty="0"/>
-          </a:p>
-          <a:p>
-            <a:pPr marL="228600" indent="-228600">
-              <a:buAutoNum type="arabicParenR"/>
-            </a:pPr>
-            <a:endParaRPr lang="en-US" altLang="ko-KR" dirty="0"/>
-          </a:p>
-          <a:p>
-            <a:pPr marL="0" indent="0">
-              <a:buNone/>
-            </a:pPr>
-            <a:r>
-              <a:rPr lang="ko-KR" altLang="en-US" dirty="0"/>
-              <a:t>이렇게 하면 자식 클래스의 고유한 기능은 숨겨지고</a:t>
-            </a:r>
-            <a:r>
-              <a:rPr lang="en-US" altLang="ko-KR" dirty="0"/>
-              <a:t>,</a:t>
-            </a:r>
-            <a:br>
-              <a:rPr lang="en-US" altLang="ko-KR" dirty="0"/>
-            </a:br>
-            <a:r>
-              <a:rPr lang="ko-KR" altLang="en-US" dirty="0"/>
-              <a:t>부모 클래스의 메서드만 사용할 수 있게 됩니다</a:t>
-            </a:r>
-            <a:r>
-              <a:rPr lang="en-US" altLang="ko-KR" dirty="0"/>
-              <a:t>.</a:t>
-            </a:r>
-            <a:br>
-              <a:rPr lang="en-US" altLang="ko-KR" dirty="0"/>
-            </a:br>
-            <a:r>
-              <a:rPr lang="ko-KR" altLang="en-US" dirty="0"/>
-              <a:t>하지만 </a:t>
-            </a:r>
-            <a:r>
-              <a:rPr lang="ko-KR" altLang="en-US" b="1" dirty="0" err="1"/>
-              <a:t>오버라이딩한</a:t>
-            </a:r>
-            <a:r>
-              <a:rPr lang="ko-KR" altLang="en-US" b="1" dirty="0"/>
-              <a:t> 메서드는 </a:t>
-            </a:r>
-            <a:r>
-              <a:rPr lang="ko-KR" altLang="en-US" b="1" dirty="0" err="1"/>
-              <a:t>다형성</a:t>
-            </a:r>
-            <a:r>
-              <a:rPr lang="ko-KR" altLang="en-US" b="1" dirty="0"/>
-              <a:t> 덕분에 자식 것이 실행</a:t>
-            </a:r>
-            <a:r>
-              <a:rPr lang="ko-KR" altLang="en-US" dirty="0"/>
-              <a:t>됩니다</a:t>
-            </a:r>
-            <a:r>
-              <a:rPr lang="en-US" altLang="ko-KR" dirty="0"/>
-              <a:t>.</a:t>
-            </a:r>
-          </a:p>
-          <a:p>
-            <a:pPr marL="0" indent="0">
-              <a:buNone/>
-            </a:pPr>
-            <a:endParaRPr lang="en-US" altLang="ko-KR" dirty="0"/>
-          </a:p>
-          <a:p>
-            <a:pPr marL="0" indent="0">
-              <a:buNone/>
-            </a:pPr>
-            <a:r>
-              <a:rPr lang="ko-KR" altLang="en-US" dirty="0"/>
-              <a:t>다운캐스팅</a:t>
-            </a:r>
-            <a:endParaRPr lang="en-US" altLang="ko-KR" dirty="0"/>
-          </a:p>
-          <a:p>
-            <a:pPr marL="0" indent="0">
-              <a:buNone/>
-            </a:pPr>
-            <a:r>
-              <a:rPr lang="en-US" altLang="ko-KR" dirty="0"/>
-              <a:t>: </a:t>
-            </a:r>
-            <a:r>
-              <a:rPr lang="ko-KR" altLang="en-US" dirty="0"/>
-              <a:t>부모 타입으로 참조된 객체를 다시 자식 타입으로 변환하는 것</a:t>
-            </a:r>
-            <a:r>
-              <a:rPr lang="en-US" altLang="ko-KR" dirty="0"/>
-              <a:t>.</a:t>
-            </a:r>
-          </a:p>
-          <a:p>
-            <a:pPr marL="171450" indent="-171450">
-              <a:buFont typeface="Wingdings" panose="05000000000000000000" pitchFamily="2" charset="2"/>
-              <a:buChar char="è"/>
-            </a:pPr>
-            <a:r>
-              <a:rPr lang="ko-KR" altLang="en-US" dirty="0"/>
-              <a:t>강제 </a:t>
-            </a:r>
-            <a:r>
-              <a:rPr lang="ko-KR" altLang="en-US" dirty="0" err="1"/>
-              <a:t>형변환</a:t>
-            </a:r>
-            <a:r>
-              <a:rPr lang="ko-KR" altLang="en-US" dirty="0"/>
-              <a:t> 이기 때문에</a:t>
-            </a:r>
-            <a:r>
-              <a:rPr lang="en-US" altLang="ko-KR" dirty="0"/>
-              <a:t>, </a:t>
-            </a:r>
-            <a:r>
-              <a:rPr lang="ko-KR" altLang="en-US" dirty="0"/>
-              <a:t>그 객체가 해당 타입이 아닐 경우 런타임 오류가 발생함</a:t>
-            </a:r>
-            <a:r>
-              <a:rPr lang="en-US" altLang="ko-KR" dirty="0"/>
-              <a:t>! -&gt; </a:t>
-            </a:r>
-            <a:r>
-              <a:rPr lang="ko-KR" altLang="en-US" dirty="0"/>
-              <a:t>안전성 떨어짐</a:t>
-            </a:r>
-            <a:r>
-              <a:rPr lang="en-US" altLang="ko-KR" dirty="0"/>
-              <a:t>.</a:t>
-            </a:r>
-          </a:p>
-          <a:p>
-            <a:pPr marL="171450" indent="-171450">
-              <a:buFont typeface="Wingdings" panose="05000000000000000000" pitchFamily="2" charset="2"/>
-              <a:buChar char="è"/>
-            </a:pPr>
-            <a:r>
-              <a:rPr lang="ko-KR" altLang="en-US" dirty="0"/>
-              <a:t>대부분의 설계는 업캐스팅 </a:t>
-            </a:r>
-            <a:r>
-              <a:rPr lang="en-US" altLang="ko-KR" dirty="0"/>
-              <a:t>+ </a:t>
-            </a:r>
-            <a:r>
-              <a:rPr lang="ko-KR" altLang="en-US" dirty="0"/>
-              <a:t>다형성으로 충분함</a:t>
-            </a:r>
-            <a:r>
-              <a:rPr lang="en-US" altLang="ko-KR" dirty="0"/>
-              <a:t>.</a:t>
-            </a:r>
             <a:endParaRPr lang="ko-KR" altLang="en-US" dirty="0"/>
           </a:p>
         </p:txBody>
@@ -3961,377 +2386,6 @@
           <a:bodyPr/>
           <a:lstStyle/>
           <a:p>
-            <a:r>
-              <a:rPr lang="en-US" altLang="ko-KR" dirty="0"/>
-              <a:t>Weapon</a:t>
-            </a:r>
-            <a:r>
-              <a:rPr lang="ko-KR" altLang="en-US" dirty="0"/>
-              <a:t>은 </a:t>
-            </a:r>
-            <a:r>
-              <a:rPr lang="ko-KR" altLang="en-US" b="1" dirty="0"/>
-              <a:t>모든 무기의 공통 기능과 속성</a:t>
-            </a:r>
-            <a:r>
-              <a:rPr lang="ko-KR" altLang="en-US" dirty="0"/>
-              <a:t>을 가진 상위 클래스입니다</a:t>
-            </a:r>
-            <a:r>
-              <a:rPr lang="en-US" altLang="ko-KR" dirty="0"/>
-              <a:t>.</a:t>
-            </a:r>
-          </a:p>
-          <a:p>
-            <a:r>
-              <a:rPr lang="en-US" altLang="ko-KR" dirty="0"/>
-              <a:t>protected int damage → </a:t>
-            </a:r>
-            <a:r>
-              <a:rPr lang="ko-KR" altLang="en-US" dirty="0"/>
-              <a:t>자식 클래스에서 접근 가능한 </a:t>
-            </a:r>
-            <a:r>
-              <a:rPr lang="ko-KR" altLang="en-US" b="1" dirty="0"/>
-              <a:t>공격력</a:t>
-            </a:r>
-            <a:endParaRPr lang="en-US" altLang="ko-KR" b="1" dirty="0"/>
-          </a:p>
-          <a:p>
-            <a:r>
-              <a:rPr lang="en-US" altLang="ko-KR" dirty="0"/>
-              <a:t>Attack() → </a:t>
-            </a:r>
-            <a:r>
-              <a:rPr lang="ko-KR" altLang="en-US" dirty="0"/>
-              <a:t>현재 무기의 </a:t>
-            </a:r>
-            <a:r>
-              <a:rPr lang="en-US" altLang="ko-KR" dirty="0"/>
-              <a:t>damage </a:t>
-            </a:r>
-            <a:r>
-              <a:rPr lang="ko-KR" altLang="en-US" dirty="0"/>
-              <a:t>값을 반환하는 메서드</a:t>
-            </a:r>
-            <a:endParaRPr lang="en-US" altLang="ko-KR" b="1" dirty="0"/>
-          </a:p>
-          <a:p>
-            <a:endParaRPr lang="en-US" altLang="ko-KR" b="1" dirty="0"/>
-          </a:p>
-          <a:p>
-            <a:r>
-              <a:rPr lang="ko-KR" altLang="en-US" dirty="0"/>
-              <a:t>자식 클래스 </a:t>
-            </a:r>
-            <a:r>
-              <a:rPr lang="en-US" altLang="ko-KR" dirty="0"/>
-              <a:t>1: Sword</a:t>
-            </a:r>
-            <a:endParaRPr lang="en-US" altLang="ko-KR" b="1" dirty="0"/>
-          </a:p>
-          <a:p>
-            <a:r>
-              <a:rPr lang="en-US" altLang="ko-KR" dirty="0"/>
-              <a:t>Weapon </a:t>
-            </a:r>
-            <a:r>
-              <a:rPr lang="ko-KR" altLang="en-US" dirty="0"/>
-              <a:t>클래스를 </a:t>
-            </a:r>
-            <a:r>
-              <a:rPr lang="ko-KR" altLang="en-US" b="1" dirty="0"/>
-              <a:t>상속</a:t>
-            </a:r>
-            <a:r>
-              <a:rPr lang="ko-KR" altLang="en-US" dirty="0"/>
-              <a:t>한 자식 클래스</a:t>
-            </a:r>
-            <a:endParaRPr lang="en-US" altLang="ko-KR" dirty="0"/>
-          </a:p>
-          <a:p>
-            <a:r>
-              <a:rPr lang="en-US" altLang="ko-KR" dirty="0" err="1"/>
-              <a:t>attack_range</a:t>
-            </a:r>
-            <a:r>
-              <a:rPr lang="ko-KR" altLang="en-US" dirty="0"/>
-              <a:t>는 </a:t>
-            </a:r>
-            <a:r>
-              <a:rPr lang="en-US" altLang="ko-KR" dirty="0"/>
-              <a:t>1</a:t>
-            </a:r>
-            <a:r>
-              <a:rPr lang="ko-KR" altLang="en-US" dirty="0"/>
-              <a:t>로 고정 → </a:t>
-            </a:r>
-            <a:r>
-              <a:rPr lang="ko-KR" altLang="en-US" b="1" dirty="0"/>
-              <a:t>근접무기</a:t>
-            </a:r>
-            <a:endParaRPr lang="en-US" altLang="ko-KR" b="1" dirty="0"/>
-          </a:p>
-          <a:p>
-            <a:r>
-              <a:rPr lang="ko-KR" altLang="en-US" dirty="0"/>
-              <a:t>생성자에서 </a:t>
-            </a:r>
-            <a:r>
-              <a:rPr lang="en-US" altLang="ko-KR" dirty="0"/>
-              <a:t>base(damage)</a:t>
-            </a:r>
-            <a:r>
-              <a:rPr lang="ko-KR" altLang="en-US" dirty="0"/>
-              <a:t>로 부모 생성자 호출 </a:t>
-            </a:r>
-            <a:r>
-              <a:rPr lang="en-US" altLang="ko-KR" dirty="0"/>
-              <a:t>(</a:t>
-            </a:r>
-            <a:r>
-              <a:rPr lang="ko-KR" altLang="en-US" dirty="0"/>
-              <a:t>업캐스팅과 관련</a:t>
-            </a:r>
-            <a:r>
-              <a:rPr lang="en-US" altLang="ko-KR" dirty="0"/>
-              <a:t>)</a:t>
-            </a:r>
-          </a:p>
-          <a:p>
-            <a:pPr>
-              <a:buNone/>
-            </a:pPr>
-            <a:r>
-              <a:rPr lang="en-US" altLang="ko-KR" dirty="0"/>
-              <a:t>Slash() </a:t>
-            </a:r>
-            <a:r>
-              <a:rPr lang="ko-KR" altLang="en-US" dirty="0"/>
-              <a:t>메서드</a:t>
-            </a:r>
-            <a:r>
-              <a:rPr lang="en-US" altLang="ko-KR" dirty="0"/>
-              <a:t>:</a:t>
-            </a:r>
-          </a:p>
-          <a:p>
-            <a:pPr>
-              <a:buFont typeface="Arial" panose="020B0604020202020204" pitchFamily="34" charset="0"/>
-              <a:buChar char="•"/>
-            </a:pPr>
-            <a:r>
-              <a:rPr lang="ko-KR" altLang="en-US" sz="1200" kern="1200" dirty="0">
-                <a:solidFill>
-                  <a:schemeClr val="tx1"/>
-                </a:solidFill>
-                <a:latin typeface="+mn-lt"/>
-                <a:ea typeface="+mn-ea"/>
-                <a:cs typeface="+mn-cs"/>
-              </a:rPr>
-              <a:t>공격 사거리가 공격할 거리보다 같거나 길으면 </a:t>
-            </a:r>
-            <a:r>
-              <a:rPr lang="en-US" altLang="ko-KR" sz="1200" kern="1200" dirty="0">
-                <a:solidFill>
-                  <a:schemeClr val="tx1"/>
-                </a:solidFill>
-                <a:latin typeface="+mn-lt"/>
-                <a:ea typeface="+mn-ea"/>
-                <a:cs typeface="+mn-cs"/>
-              </a:rPr>
-              <a:t>= </a:t>
-            </a:r>
-            <a:r>
-              <a:rPr lang="ko-KR" altLang="en-US" sz="1200" kern="1200" dirty="0">
-                <a:solidFill>
-                  <a:schemeClr val="tx1"/>
-                </a:solidFill>
-                <a:latin typeface="+mn-lt"/>
-                <a:ea typeface="+mn-ea"/>
-                <a:cs typeface="+mn-cs"/>
-              </a:rPr>
-              <a:t>공격 성공</a:t>
-            </a:r>
-            <a:endParaRPr lang="en-US" altLang="ko-KR" sz="1200" kern="1200" dirty="0">
-              <a:solidFill>
-                <a:schemeClr val="tx1"/>
-              </a:solidFill>
-              <a:latin typeface="+mn-lt"/>
-              <a:ea typeface="+mn-ea"/>
-              <a:cs typeface="+mn-cs"/>
-            </a:endParaRPr>
-          </a:p>
-          <a:p>
-            <a:pPr>
-              <a:buFont typeface="Arial" panose="020B0604020202020204" pitchFamily="34" charset="0"/>
-              <a:buChar char="•"/>
-            </a:pPr>
-            <a:r>
-              <a:rPr lang="en-US" altLang="ko-KR" dirty="0"/>
-              <a:t>damage</a:t>
-            </a:r>
-            <a:r>
-              <a:rPr lang="ko-KR" altLang="en-US" dirty="0"/>
-              <a:t>를 반환</a:t>
-            </a:r>
-          </a:p>
-          <a:p>
-            <a:endParaRPr lang="en-US" altLang="ko-KR" dirty="0"/>
-          </a:p>
-          <a:p>
-            <a:pPr>
-              <a:buNone/>
-            </a:pPr>
-            <a:r>
-              <a:rPr lang="en-US" altLang="ko-KR" dirty="0"/>
-              <a:t>return 0;</a:t>
-            </a:r>
-            <a:r>
-              <a:rPr lang="ko-KR" altLang="en-US" dirty="0"/>
-              <a:t>은 운영체제</a:t>
-            </a:r>
-            <a:r>
-              <a:rPr lang="en-US" altLang="ko-KR" dirty="0"/>
-              <a:t>(Windows, macOS </a:t>
-            </a:r>
-            <a:r>
-              <a:rPr lang="ko-KR" altLang="en-US" dirty="0"/>
-              <a:t>등</a:t>
-            </a:r>
-            <a:r>
-              <a:rPr lang="en-US" altLang="ko-KR" dirty="0"/>
-              <a:t>)</a:t>
-            </a:r>
-            <a:r>
-              <a:rPr lang="ko-KR" altLang="en-US" dirty="0"/>
-              <a:t>에 </a:t>
-            </a:r>
-            <a:r>
-              <a:rPr lang="ko-KR" altLang="en-US" b="1" dirty="0"/>
-              <a:t>“정상적으로 끝났어요</a:t>
-            </a:r>
-            <a:r>
-              <a:rPr lang="en-US" altLang="ko-KR" b="1" dirty="0"/>
-              <a:t>~”</a:t>
-            </a:r>
-            <a:r>
-              <a:rPr lang="ko-KR" altLang="en-US" dirty="0"/>
-              <a:t> 라는 신호를 주는 거예요</a:t>
-            </a:r>
-            <a:r>
-              <a:rPr lang="en-US" altLang="ko-KR" dirty="0"/>
-              <a:t>.</a:t>
-            </a:r>
-          </a:p>
-          <a:p>
-            <a:r>
-              <a:rPr lang="ko-KR" altLang="en-US" dirty="0"/>
-              <a:t>반대로 </a:t>
-            </a:r>
-            <a:r>
-              <a:rPr lang="en-US" altLang="ko-KR" dirty="0"/>
-              <a:t>return 1;, return -1; </a:t>
-            </a:r>
-            <a:r>
-              <a:rPr lang="ko-KR" altLang="en-US" dirty="0"/>
-              <a:t>같은 값을 주면 **“문제가 있었어요”**라는 뜻이 될 수 있어요</a:t>
-            </a:r>
-            <a:r>
-              <a:rPr lang="en-US" altLang="ko-KR" dirty="0"/>
-              <a:t>.</a:t>
-            </a:r>
-          </a:p>
-          <a:p>
-            <a:endParaRPr lang="en-US" altLang="ko-KR" dirty="0"/>
-          </a:p>
-          <a:p>
-            <a:r>
-              <a:rPr lang="ko-KR" altLang="en-US" dirty="0"/>
-              <a:t>자식 클래스 </a:t>
-            </a:r>
-            <a:r>
-              <a:rPr lang="en-US" altLang="ko-KR" dirty="0"/>
-              <a:t>2: Gun</a:t>
-            </a:r>
-          </a:p>
-          <a:p>
-            <a:r>
-              <a:rPr lang="en-US" altLang="ko-KR" dirty="0"/>
-              <a:t>Gun </a:t>
-            </a:r>
-            <a:r>
-              <a:rPr lang="ko-KR" altLang="en-US" dirty="0"/>
-              <a:t>클래스도 </a:t>
-            </a:r>
-            <a:r>
-              <a:rPr lang="en-US" altLang="ko-KR" dirty="0"/>
-              <a:t>Weapon</a:t>
-            </a:r>
-            <a:r>
-              <a:rPr lang="ko-KR" altLang="en-US" dirty="0"/>
-              <a:t>을 상속</a:t>
-            </a:r>
-            <a:endParaRPr lang="en-US" altLang="ko-KR" dirty="0"/>
-          </a:p>
-          <a:p>
-            <a:pPr>
-              <a:buNone/>
-            </a:pPr>
-            <a:r>
-              <a:rPr lang="en-US" altLang="ko-KR" dirty="0" err="1"/>
-              <a:t>attack_range</a:t>
-            </a:r>
-            <a:r>
-              <a:rPr lang="en-US" altLang="ko-KR" dirty="0"/>
-              <a:t> = 10 → </a:t>
-            </a:r>
-            <a:r>
-              <a:rPr lang="ko-KR" altLang="en-US" b="1" dirty="0"/>
-              <a:t>원거리 무기</a:t>
-            </a:r>
-            <a:endParaRPr lang="ko-KR" altLang="en-US" dirty="0"/>
-          </a:p>
-          <a:p>
-            <a:pPr>
-              <a:buNone/>
-            </a:pPr>
-            <a:r>
-              <a:rPr lang="en-US" altLang="ko-KR" dirty="0"/>
-              <a:t>Fire() </a:t>
-            </a:r>
-            <a:r>
-              <a:rPr lang="ko-KR" altLang="en-US" dirty="0"/>
-              <a:t>메서드</a:t>
-            </a:r>
-            <a:r>
-              <a:rPr lang="en-US" altLang="ko-KR" dirty="0"/>
-              <a:t>:</a:t>
-            </a:r>
-          </a:p>
-          <a:p>
-            <a:pPr>
-              <a:buFont typeface="Arial" panose="020B0604020202020204" pitchFamily="34" charset="0"/>
-              <a:buChar char="•"/>
-            </a:pPr>
-            <a:r>
-              <a:rPr lang="en-US" altLang="ko-KR" dirty="0"/>
-              <a:t>range</a:t>
-            </a:r>
-            <a:r>
-              <a:rPr lang="ko-KR" altLang="en-US" dirty="0"/>
-              <a:t>가 총의 사거리 내면 </a:t>
-            </a:r>
-            <a:r>
-              <a:rPr lang="en-US" altLang="ko-KR" dirty="0"/>
-              <a:t>damage </a:t>
-            </a:r>
-            <a:r>
-              <a:rPr lang="ko-KR" altLang="en-US" dirty="0"/>
-              <a:t>반환</a:t>
-            </a:r>
-          </a:p>
-          <a:p>
             <a:endParaRPr lang="ko-KR" altLang="en-US" dirty="0"/>
           </a:p>
         </p:txBody>
@@ -4415,305 +2469,6 @@
         <p:txBody>
           <a:bodyPr/>
           <a:lstStyle/>
-          <a:p>
-            <a:r>
-              <a:rPr lang="ko-KR" altLang="en-US" dirty="0"/>
-              <a:t>자식 객체를 부모 타입 변수에 담았으므로 → </a:t>
-            </a:r>
-            <a:r>
-              <a:rPr lang="ko-KR" altLang="en-US" b="1" dirty="0"/>
-              <a:t>업캐스팅</a:t>
-            </a:r>
-            <a:endParaRPr lang="en-US" altLang="ko-KR" b="1" dirty="0"/>
-          </a:p>
-          <a:p>
-            <a:endParaRPr lang="en-US" altLang="ko-KR" dirty="0"/>
-          </a:p>
-          <a:p>
-            <a:r>
-              <a:rPr lang="ko-KR" altLang="en-US" dirty="0"/>
-              <a:t>즉</a:t>
-            </a:r>
-            <a:r>
-              <a:rPr lang="en-US" altLang="ko-KR" dirty="0"/>
-              <a:t>, weapon</a:t>
-            </a:r>
-            <a:r>
-              <a:rPr lang="ko-KR" altLang="en-US" dirty="0"/>
-              <a:t>이라는 이름으로 </a:t>
-            </a:r>
-            <a:r>
-              <a:rPr lang="en-US" altLang="ko-KR" b="1" dirty="0"/>
-              <a:t>Sword </a:t>
-            </a:r>
-            <a:r>
-              <a:rPr lang="ko-KR" altLang="en-US" b="1" dirty="0"/>
-              <a:t>객체를 </a:t>
-            </a:r>
-            <a:r>
-              <a:rPr lang="en-US" altLang="ko-KR" b="1" dirty="0"/>
-              <a:t>Weapon</a:t>
-            </a:r>
-            <a:r>
-              <a:rPr lang="ko-KR" altLang="en-US" b="1" dirty="0"/>
-              <a:t>처럼 다룸</a:t>
-            </a:r>
-            <a:endParaRPr lang="en-US" altLang="ko-KR" b="1" dirty="0"/>
-          </a:p>
-          <a:p>
-            <a:endParaRPr lang="en-US" altLang="ko-KR" b="1" dirty="0"/>
-          </a:p>
-          <a:p>
-            <a:pPr>
-              <a:buNone/>
-            </a:pPr>
-            <a:r>
-              <a:rPr lang="en-US" altLang="ko-KR" dirty="0"/>
-              <a:t>weapon</a:t>
-            </a:r>
-            <a:r>
-              <a:rPr lang="ko-KR" altLang="en-US" dirty="0"/>
-              <a:t>은 현재 </a:t>
-            </a:r>
-            <a:r>
-              <a:rPr lang="en-US" altLang="ko-KR" dirty="0"/>
-              <a:t>Weapon </a:t>
-            </a:r>
-            <a:r>
-              <a:rPr lang="ko-KR" altLang="en-US" dirty="0"/>
-              <a:t>타입이지만 </a:t>
-            </a:r>
-            <a:r>
-              <a:rPr lang="ko-KR" altLang="en-US" b="1" dirty="0"/>
-              <a:t>실제로는 </a:t>
-            </a:r>
-            <a:r>
-              <a:rPr lang="en-US" altLang="ko-KR" b="1" dirty="0"/>
-              <a:t>Sword </a:t>
-            </a:r>
-            <a:r>
-              <a:rPr lang="ko-KR" altLang="en-US" b="1" dirty="0"/>
-              <a:t>객체</a:t>
-            </a:r>
-            <a:endParaRPr lang="ko-KR" altLang="en-US" dirty="0"/>
-          </a:p>
-          <a:p>
-            <a:pPr>
-              <a:buNone/>
-            </a:pPr>
-            <a:r>
-              <a:rPr lang="en-US" altLang="ko-KR" dirty="0"/>
-              <a:t>Sword</a:t>
-            </a:r>
-            <a:r>
-              <a:rPr lang="ko-KR" altLang="en-US" dirty="0"/>
-              <a:t>만 가진 메서드인 </a:t>
-            </a:r>
-            <a:r>
-              <a:rPr lang="en-US" altLang="ko-KR" dirty="0"/>
-              <a:t>Slash()</a:t>
-            </a:r>
-            <a:r>
-              <a:rPr lang="ko-KR" altLang="en-US" dirty="0"/>
-              <a:t>를 쓰기 위해 </a:t>
-            </a:r>
-            <a:r>
-              <a:rPr lang="ko-KR" altLang="en-US" b="1" dirty="0"/>
-              <a:t>다운캐스팅</a:t>
-            </a:r>
-            <a:endParaRPr lang="ko-KR" altLang="en-US" dirty="0"/>
-          </a:p>
-          <a:p>
-            <a:r>
-              <a:rPr lang="en-US" altLang="ko-KR" dirty="0"/>
-              <a:t>((Sword)weapon) → </a:t>
-            </a:r>
-            <a:r>
-              <a:rPr lang="ko-KR" altLang="en-US" dirty="0"/>
-              <a:t>형을 다시 자식</a:t>
-            </a:r>
-            <a:r>
-              <a:rPr lang="en-US" altLang="ko-KR" dirty="0"/>
-              <a:t>(Sword)</a:t>
-            </a:r>
-            <a:r>
-              <a:rPr lang="ko-KR" altLang="en-US" dirty="0"/>
-              <a:t>으로 강제 변환</a:t>
-            </a:r>
-          </a:p>
-          <a:p>
-            <a:endParaRPr lang="en-US" altLang="ko-KR" dirty="0"/>
-          </a:p>
-          <a:p>
-            <a:endParaRPr lang="en-US" altLang="ko-KR" dirty="0"/>
-          </a:p>
-          <a:p>
-            <a:pPr>
-              <a:buFont typeface="Arial" panose="020B0604020202020204" pitchFamily="34" charset="0"/>
-              <a:buChar char="•"/>
-            </a:pPr>
-            <a:r>
-              <a:rPr lang="ko-KR" altLang="en-US" dirty="0"/>
-              <a:t>기존에 </a:t>
-            </a:r>
-            <a:r>
-              <a:rPr lang="en-US" altLang="ko-KR" dirty="0"/>
-              <a:t>Sword</a:t>
-            </a:r>
-            <a:r>
-              <a:rPr lang="ko-KR" altLang="en-US" dirty="0"/>
-              <a:t>였던 </a:t>
-            </a:r>
-            <a:r>
-              <a:rPr lang="en-US" altLang="ko-KR" dirty="0"/>
-              <a:t>weapon </a:t>
-            </a:r>
-            <a:r>
-              <a:rPr lang="ko-KR" altLang="en-US" dirty="0"/>
-              <a:t>변수에 </a:t>
-            </a:r>
-            <a:r>
-              <a:rPr lang="ko-KR" altLang="en-US" b="1" dirty="0"/>
-              <a:t>새로운 </a:t>
-            </a:r>
-            <a:r>
-              <a:rPr lang="en-US" altLang="ko-KR" b="1" dirty="0"/>
-              <a:t>Gun </a:t>
-            </a:r>
-            <a:r>
-              <a:rPr lang="ko-KR" altLang="en-US" b="1" dirty="0"/>
-              <a:t>객체</a:t>
-            </a:r>
-            <a:r>
-              <a:rPr lang="ko-KR" altLang="en-US" dirty="0"/>
-              <a:t>를 담음</a:t>
-            </a:r>
-          </a:p>
-          <a:p>
-            <a:pPr>
-              <a:buFont typeface="Arial" panose="020B0604020202020204" pitchFamily="34" charset="0"/>
-              <a:buChar char="•"/>
-            </a:pPr>
-            <a:r>
-              <a:rPr lang="ko-KR" altLang="en-US" dirty="0"/>
-              <a:t>여전히 타입은 </a:t>
-            </a:r>
-            <a:r>
-              <a:rPr lang="en-US" altLang="ko-KR" dirty="0"/>
-              <a:t>Weapon</a:t>
-            </a:r>
-            <a:r>
-              <a:rPr lang="ko-KR" altLang="en-US" dirty="0"/>
-              <a:t>이지만</a:t>
-            </a:r>
-            <a:r>
-              <a:rPr lang="en-US" altLang="ko-KR" dirty="0"/>
-              <a:t>, </a:t>
-            </a:r>
-            <a:r>
-              <a:rPr lang="ko-KR" altLang="en-US" dirty="0"/>
-              <a:t>실제 객체는 </a:t>
-            </a:r>
-            <a:r>
-              <a:rPr lang="en-US" altLang="ko-KR" dirty="0"/>
-              <a:t>Gun</a:t>
-            </a:r>
-            <a:r>
-              <a:rPr lang="ko-KR" altLang="en-US" dirty="0"/>
-              <a:t>으로 바뀜</a:t>
-            </a:r>
-          </a:p>
-          <a:p>
-            <a:pPr>
-              <a:buFont typeface="Arial" panose="020B0604020202020204" pitchFamily="34" charset="0"/>
-              <a:buChar char="•"/>
-            </a:pPr>
-            <a:r>
-              <a:rPr lang="ko-KR" altLang="en-US" dirty="0"/>
-              <a:t>다시 </a:t>
-            </a:r>
-            <a:r>
-              <a:rPr lang="ko-KR" altLang="en-US" b="1" dirty="0" err="1"/>
-              <a:t>업캐스팅</a:t>
-            </a:r>
-            <a:r>
-              <a:rPr lang="ko-KR" altLang="en-US" dirty="0" err="1"/>
-              <a:t>된</a:t>
-            </a:r>
-            <a:r>
-              <a:rPr lang="ko-KR" altLang="en-US" dirty="0"/>
-              <a:t> 형태</a:t>
-            </a:r>
-            <a:endParaRPr lang="en-US" altLang="ko-KR" dirty="0"/>
-          </a:p>
-          <a:p>
-            <a:pPr>
-              <a:buFont typeface="Arial" panose="020B0604020202020204" pitchFamily="34" charset="0"/>
-              <a:buChar char="•"/>
-            </a:pPr>
-            <a:endParaRPr lang="en-US" altLang="ko-KR" dirty="0"/>
-          </a:p>
-          <a:p>
-            <a:pPr>
-              <a:buFont typeface="Arial" panose="020B0604020202020204" pitchFamily="34" charset="0"/>
-              <a:buChar char="•"/>
-            </a:pPr>
-            <a:r>
-              <a:rPr lang="ko-KR" altLang="en-US" dirty="0"/>
-              <a:t>다운캐스팅은 실제 타입을 정확히 알고 있을 때는 안전합니다</a:t>
-            </a:r>
-            <a:r>
-              <a:rPr lang="en-US" altLang="ko-KR" dirty="0"/>
-              <a:t>.</a:t>
-            </a:r>
-          </a:p>
-          <a:p>
-            <a:pPr>
-              <a:buFont typeface="Arial" panose="020B0604020202020204" pitchFamily="34" charset="0"/>
-              <a:buChar char="•"/>
-            </a:pPr>
-            <a:r>
-              <a:rPr lang="en-US" altLang="ko-KR" dirty="0"/>
-              <a:t>weapon = new Sword(200);                  // </a:t>
-            </a:r>
-            <a:r>
-              <a:rPr lang="ko-KR" altLang="en-US" dirty="0"/>
-              <a:t>실제 객체는 </a:t>
-            </a:r>
-            <a:r>
-              <a:rPr lang="en-US" altLang="ko-KR" dirty="0"/>
-              <a:t>Sword</a:t>
-            </a:r>
-          </a:p>
-          <a:p>
-            <a:pPr>
-              <a:buFont typeface="Arial" panose="020B0604020202020204" pitchFamily="34" charset="0"/>
-              <a:buChar char="•"/>
-            </a:pPr>
-            <a:r>
-              <a:rPr lang="en-US" altLang="ko-KR" dirty="0" err="1"/>
-              <a:t>skill_attack</a:t>
-            </a:r>
-            <a:r>
-              <a:rPr lang="en-US" altLang="ko-KR" dirty="0"/>
-              <a:t> = ((Gun)weapon).Fire(10);    // </a:t>
-            </a:r>
-            <a:r>
-              <a:rPr lang="ko-KR" altLang="en-US" dirty="0"/>
-              <a:t>❌ 잘못된 다운캐스팅 → 런타임 오류</a:t>
-            </a:r>
-            <a:r>
-              <a:rPr lang="en-US" altLang="ko-KR" dirty="0"/>
-              <a:t>!</a:t>
-            </a:r>
-          </a:p>
-          <a:p>
-            <a:pPr>
-              <a:buFont typeface="Arial" panose="020B0604020202020204" pitchFamily="34" charset="0"/>
-              <a:buChar char="•"/>
-            </a:pPr>
-            <a:endParaRPr lang="ko-KR" altLang="en-US" dirty="0"/>
-          </a:p>
           <a:p>
             <a:endParaRPr lang="ko-KR" altLang="en-US" dirty="0"/>
           </a:p>
@@ -4980,7 +2735,7 @@
           <a:p>
             <a:fld id="{442BEE3F-2E9A-4FD8-8B8A-8619F3E161C0}" type="datetime1">
               <a:rPr lang="ko-KR" altLang="en-US" smtClean="0"/>
-              <a:t>2025-05-13</a:t>
+              <a:t>2025-06-08</a:t>
             </a:fld>
             <a:endParaRPr lang="ko-KR" altLang="en-US"/>
           </a:p>
@@ -5166,7 +2921,7 @@
           <a:p>
             <a:fld id="{2EAE422B-0E68-47B5-84BB-CA2BDA8EE46C}" type="datetime1">
               <a:rPr lang="ko-KR" altLang="en-US" smtClean="0"/>
-              <a:t>2025-05-13</a:t>
+              <a:t>2025-06-08</a:t>
             </a:fld>
             <a:endParaRPr lang="ko-KR" altLang="en-US"/>
           </a:p>
@@ -5374,7 +3129,7 @@
           <a:p>
             <a:fld id="{AF7C623F-179B-417F-99B6-50F6DF228D4B}" type="datetime1">
               <a:rPr lang="ko-KR" altLang="en-US" smtClean="0"/>
-              <a:t>2025-05-13</a:t>
+              <a:t>2025-06-08</a:t>
             </a:fld>
             <a:endParaRPr lang="ko-KR" altLang="en-US"/>
           </a:p>
@@ -5616,7 +3371,7 @@
           <a:p>
             <a:fld id="{0F78D9C4-20C1-4B15-A116-16DC77AD9A1E}" type="datetime1">
               <a:rPr lang="ko-KR" altLang="en-US" smtClean="0"/>
-              <a:t>2025-05-13</a:t>
+              <a:t>2025-06-08</a:t>
             </a:fld>
             <a:endParaRPr lang="ko-KR" altLang="en-US"/>
           </a:p>
@@ -5891,7 +3646,7 @@
           <a:p>
             <a:fld id="{C7F43723-C509-4DEA-8428-B50818F79709}" type="datetime1">
               <a:rPr lang="ko-KR" altLang="en-US" smtClean="0"/>
-              <a:t>2025-05-13</a:t>
+              <a:t>2025-06-08</a:t>
             </a:fld>
             <a:endParaRPr lang="ko-KR" altLang="en-US"/>
           </a:p>
@@ -6156,7 +3911,7 @@
           <a:p>
             <a:fld id="{5D2B7482-EE74-4DBD-97F4-D0DAC0C0E4E5}" type="datetime1">
               <a:rPr lang="ko-KR" altLang="en-US" smtClean="0"/>
-              <a:t>2025-05-13</a:t>
+              <a:t>2025-06-08</a:t>
             </a:fld>
             <a:endParaRPr lang="ko-KR" altLang="en-US"/>
           </a:p>
@@ -6569,7 +4324,7 @@
           <a:p>
             <a:fld id="{051A8C49-CED7-4A86-9B4A-621D7F62EE92}" type="datetime1">
               <a:rPr lang="ko-KR" altLang="en-US" smtClean="0"/>
-              <a:t>2025-05-13</a:t>
+              <a:t>2025-06-08</a:t>
             </a:fld>
             <a:endParaRPr lang="ko-KR" altLang="en-US"/>
           </a:p>
@@ -6716,7 +4471,7 @@
           <a:p>
             <a:fld id="{84082D76-7079-412D-848B-E1B9E7A6A286}" type="datetime1">
               <a:rPr lang="ko-KR" altLang="en-US" smtClean="0"/>
-              <a:t>2025-05-13</a:t>
+              <a:t>2025-06-08</a:t>
             </a:fld>
             <a:endParaRPr lang="ko-KR" altLang="en-US"/>
           </a:p>
@@ -6829,7 +4584,7 @@
           <a:p>
             <a:fld id="{10C5FEB5-5F88-4F49-9108-1795E314F09F}" type="datetime1">
               <a:rPr lang="ko-KR" altLang="en-US" smtClean="0"/>
-              <a:t>2025-05-13</a:t>
+              <a:t>2025-06-08</a:t>
             </a:fld>
             <a:endParaRPr lang="ko-KR" altLang="en-US"/>
           </a:p>
@@ -7140,7 +4895,7 @@
           <a:p>
             <a:fld id="{E37ABBEE-D8D4-48AD-9887-4DC578B8A684}" type="datetime1">
               <a:rPr lang="ko-KR" altLang="en-US" smtClean="0"/>
-              <a:t>2025-05-13</a:t>
+              <a:t>2025-06-08</a:t>
             </a:fld>
             <a:endParaRPr lang="ko-KR" altLang="en-US"/>
           </a:p>
@@ -7431,7 +5186,7 @@
           <a:p>
             <a:fld id="{A2D6A55C-F3DD-45DD-9D50-F8680410167D}" type="datetime1">
               <a:rPr lang="ko-KR" altLang="en-US" smtClean="0"/>
-              <a:t>2025-05-13</a:t>
+              <a:t>2025-06-08</a:t>
             </a:fld>
             <a:endParaRPr lang="ko-KR" altLang="en-US"/>
           </a:p>
@@ -7675,7 +5430,7 @@
             <a:fld id="{7F5E23C3-0E3D-4E4E-8486-D7FB4C073DC1}" type="datetime1">
               <a:rPr lang="ko-KR" altLang="en-US" smtClean="0"/>
               <a:pPr/>
-              <a:t>2025-05-13</a:t>
+              <a:t>2025-06-08</a:t>
             </a:fld>
             <a:endParaRPr lang="ko-KR" altLang="en-US" dirty="0"/>
           </a:p>
@@ -8197,7 +5952,7 @@
           <a:p>
             <a:fld id="{2E2BEDFA-D8AA-4914-9440-7DF713C99FA9}" type="datetime1">
               <a:rPr lang="ko-KR" altLang="en-US" smtClean="0"/>
-              <a:t>2025-05-13</a:t>
+              <a:t>2025-06-08</a:t>
             </a:fld>
             <a:endParaRPr lang="ko-KR" altLang="en-US"/>
           </a:p>
@@ -8577,7 +6332,7 @@
           <a:p>
             <a:fld id="{0F78D9C4-20C1-4B15-A116-16DC77AD9A1E}" type="datetime1">
               <a:rPr lang="ko-KR" altLang="en-US" smtClean="0"/>
-              <a:t>2025-05-13</a:t>
+              <a:t>2025-06-08</a:t>
             </a:fld>
             <a:endParaRPr lang="ko-KR" altLang="en-US"/>
           </a:p>
@@ -8771,7 +6526,7 @@
           <a:p>
             <a:fld id="{0F78D9C4-20C1-4B15-A116-16DC77AD9A1E}" type="datetime1">
               <a:rPr lang="ko-KR" altLang="en-US" smtClean="0"/>
-              <a:t>2025-05-13</a:t>
+              <a:t>2025-06-08</a:t>
             </a:fld>
             <a:endParaRPr lang="ko-KR" altLang="en-US"/>
           </a:p>
@@ -8966,7 +6721,7 @@
           <a:p>
             <a:fld id="{0F78D9C4-20C1-4B15-A116-16DC77AD9A1E}" type="datetime1">
               <a:rPr lang="ko-KR" altLang="en-US" smtClean="0"/>
-              <a:t>2025-05-13</a:t>
+              <a:t>2025-06-08</a:t>
             </a:fld>
             <a:endParaRPr lang="ko-KR" altLang="en-US"/>
           </a:p>
@@ -9516,7 +7271,7 @@
           <a:p>
             <a:fld id="{0F78D9C4-20C1-4B15-A116-16DC77AD9A1E}" type="datetime1">
               <a:rPr lang="ko-KR" altLang="en-US" smtClean="0"/>
-              <a:t>2025-05-13</a:t>
+              <a:t>2025-06-08</a:t>
             </a:fld>
             <a:endParaRPr lang="ko-KR" altLang="en-US"/>
           </a:p>
@@ -9659,7 +7414,7 @@
           <a:p>
             <a:fld id="{2E2BEDFA-D8AA-4914-9440-7DF713C99FA9}" type="datetime1">
               <a:rPr lang="ko-KR" altLang="en-US" smtClean="0"/>
-              <a:t>2025-05-13</a:t>
+              <a:t>2025-06-08</a:t>
             </a:fld>
             <a:endParaRPr lang="ko-KR" altLang="en-US" dirty="0"/>
           </a:p>
@@ -9803,7 +7558,7 @@
           <a:p>
             <a:fld id="{0F78D9C4-20C1-4B15-A116-16DC77AD9A1E}" type="datetime1">
               <a:rPr lang="ko-KR" altLang="en-US" smtClean="0"/>
-              <a:t>2025-05-13</a:t>
+              <a:t>2025-06-08</a:t>
             </a:fld>
             <a:endParaRPr lang="ko-KR" altLang="en-US"/>
           </a:p>
@@ -10042,7 +7797,7 @@
           <a:p>
             <a:fld id="{0F78D9C4-20C1-4B15-A116-16DC77AD9A1E}" type="datetime1">
               <a:rPr lang="ko-KR" altLang="en-US" smtClean="0"/>
-              <a:t>2025-05-13</a:t>
+              <a:t>2025-06-08</a:t>
             </a:fld>
             <a:endParaRPr lang="ko-KR" altLang="en-US"/>
           </a:p>
@@ -10286,7 +8041,7 @@
           <a:p>
             <a:fld id="{0F78D9C4-20C1-4B15-A116-16DC77AD9A1E}" type="datetime1">
               <a:rPr lang="ko-KR" altLang="en-US" smtClean="0"/>
-              <a:t>2025-05-13</a:t>
+              <a:t>2025-06-08</a:t>
             </a:fld>
             <a:endParaRPr lang="ko-KR" altLang="en-US"/>
           </a:p>
@@ -10581,7 +8336,7 @@
           <a:p>
             <a:fld id="{0F78D9C4-20C1-4B15-A116-16DC77AD9A1E}" type="datetime1">
               <a:rPr lang="ko-KR" altLang="en-US" smtClean="0"/>
-              <a:t>2025-05-13</a:t>
+              <a:t>2025-06-08</a:t>
             </a:fld>
             <a:endParaRPr lang="ko-KR" altLang="en-US"/>
           </a:p>
@@ -10839,7 +8594,7 @@
           <a:p>
             <a:fld id="{0F78D9C4-20C1-4B15-A116-16DC77AD9A1E}" type="datetime1">
               <a:rPr lang="ko-KR" altLang="en-US" smtClean="0"/>
-              <a:t>2025-05-13</a:t>
+              <a:t>2025-06-08</a:t>
             </a:fld>
             <a:endParaRPr lang="ko-KR" altLang="en-US"/>
           </a:p>
@@ -11054,6 +8809,10 @@
               <a:rPr lang="ko-KR" altLang="en-US" dirty="0"/>
               <a:t>의 속성과 메서드를 다른 클래스</a:t>
             </a:r>
+            <a:r>
+              <a:rPr lang="en-US" altLang="ko-KR" dirty="0"/>
+              <a:t/>
+            </a:r>
             <a:br>
               <a:rPr lang="en-US" altLang="ko-KR" dirty="0"/>
             </a:br>
@@ -11154,7 +8913,7 @@
           <a:p>
             <a:fld id="{0F78D9C4-20C1-4B15-A116-16DC77AD9A1E}" type="datetime1">
               <a:rPr lang="ko-KR" altLang="en-US" smtClean="0"/>
-              <a:t>2025-05-13</a:t>
+              <a:t>2025-06-08</a:t>
             </a:fld>
             <a:endParaRPr lang="ko-KR" altLang="en-US"/>
           </a:p>
@@ -12279,7 +10038,7 @@
           <a:p>
             <a:fld id="{0F78D9C4-20C1-4B15-A116-16DC77AD9A1E}" type="datetime1">
               <a:rPr lang="ko-KR" altLang="en-US" smtClean="0"/>
-              <a:t>2025-05-13</a:t>
+              <a:t>2025-06-08</a:t>
             </a:fld>
             <a:endParaRPr lang="ko-KR" altLang="en-US"/>
           </a:p>
@@ -12413,7 +10172,7 @@
           <a:p>
             <a:fld id="{2E2BEDFA-D8AA-4914-9440-7DF713C99FA9}" type="datetime1">
               <a:rPr lang="ko-KR" altLang="en-US" smtClean="0"/>
-              <a:t>2025-05-13</a:t>
+              <a:t>2025-06-08</a:t>
             </a:fld>
             <a:endParaRPr lang="ko-KR" altLang="en-US" dirty="0"/>
           </a:p>
@@ -12592,6 +10351,10 @@
               <a:rPr lang="ko-KR" altLang="en-US" dirty="0"/>
               <a:t>인터페이스를 상속 받는 클래스들은 반드시 인터페이스의 메소드들을 </a:t>
             </a:r>
+            <a:r>
+              <a:rPr lang="en-US" altLang="ko-KR" dirty="0"/>
+              <a:t/>
+            </a:r>
             <a:br>
               <a:rPr lang="en-US" altLang="ko-KR" dirty="0"/>
             </a:br>
@@ -12665,6 +10428,10 @@
               <a:rPr lang="ko-KR" altLang="en-US" dirty="0"/>
               <a:t> </a:t>
             </a:r>
+            <a:r>
+              <a:rPr lang="en-US" altLang="ko-KR" dirty="0"/>
+              <a:t/>
+            </a:r>
             <a:br>
               <a:rPr lang="en-US" altLang="ko-KR" dirty="0"/>
             </a:br>
@@ -12708,7 +10475,7 @@
           <a:p>
             <a:fld id="{0F78D9C4-20C1-4B15-A116-16DC77AD9A1E}" type="datetime1">
               <a:rPr lang="ko-KR" altLang="en-US" smtClean="0"/>
-              <a:t>2025-05-13</a:t>
+              <a:t>2025-06-08</a:t>
             </a:fld>
             <a:endParaRPr lang="ko-KR" altLang="en-US"/>
           </a:p>
@@ -12859,7 +10626,7 @@
           <a:p>
             <a:fld id="{0F78D9C4-20C1-4B15-A116-16DC77AD9A1E}" type="datetime1">
               <a:rPr lang="ko-KR" altLang="en-US" smtClean="0"/>
-              <a:t>2025-05-13</a:t>
+              <a:t>2025-06-08</a:t>
             </a:fld>
             <a:endParaRPr lang="ko-KR" altLang="en-US"/>
           </a:p>
@@ -13062,7 +10829,7 @@
           <a:p>
             <a:fld id="{0F78D9C4-20C1-4B15-A116-16DC77AD9A1E}" type="datetime1">
               <a:rPr lang="ko-KR" altLang="en-US" smtClean="0"/>
-              <a:t>2025-05-13</a:t>
+              <a:t>2025-06-08</a:t>
             </a:fld>
             <a:endParaRPr lang="ko-KR" altLang="en-US"/>
           </a:p>
@@ -13522,7 +11289,7 @@
           <a:p>
             <a:fld id="{0F78D9C4-20C1-4B15-A116-16DC77AD9A1E}" type="datetime1">
               <a:rPr lang="ko-KR" altLang="en-US" smtClean="0"/>
-              <a:t>2025-05-13</a:t>
+              <a:t>2025-06-08</a:t>
             </a:fld>
             <a:endParaRPr lang="ko-KR" altLang="en-US"/>
           </a:p>
@@ -13851,7 +11618,7 @@
           <a:p>
             <a:fld id="{0F78D9C4-20C1-4B15-A116-16DC77AD9A1E}" type="datetime1">
               <a:rPr lang="ko-KR" altLang="en-US" smtClean="0"/>
-              <a:t>2025-05-13</a:t>
+              <a:t>2025-06-08</a:t>
             </a:fld>
             <a:endParaRPr lang="ko-KR" altLang="en-US"/>
           </a:p>
@@ -14243,7 +12010,7 @@
           <a:p>
             <a:fld id="{0F78D9C4-20C1-4B15-A116-16DC77AD9A1E}" type="datetime1">
               <a:rPr lang="ko-KR" altLang="en-US" smtClean="0"/>
-              <a:t>2025-05-13</a:t>
+              <a:t>2025-06-08</a:t>
             </a:fld>
             <a:endParaRPr lang="ko-KR" altLang="en-US"/>
           </a:p>
@@ -14460,7 +12227,7 @@
           <a:p>
             <a:fld id="{0F78D9C4-20C1-4B15-A116-16DC77AD9A1E}" type="datetime1">
               <a:rPr lang="ko-KR" altLang="en-US" smtClean="0"/>
-              <a:t>2025-05-13</a:t>
+              <a:t>2025-06-08</a:t>
             </a:fld>
             <a:endParaRPr lang="ko-KR" altLang="en-US"/>
           </a:p>
@@ -15468,7 +13235,7 @@
           <a:p>
             <a:fld id="{0F78D9C4-20C1-4B15-A116-16DC77AD9A1E}" type="datetime1">
               <a:rPr lang="ko-KR" altLang="en-US" smtClean="0"/>
-              <a:t>2025-05-13</a:t>
+              <a:t>2025-06-08</a:t>
             </a:fld>
             <a:endParaRPr lang="ko-KR" altLang="en-US"/>
           </a:p>
@@ -15719,7 +13486,7 @@
           <a:p>
             <a:fld id="{0F78D9C4-20C1-4B15-A116-16DC77AD9A1E}" type="datetime1">
               <a:rPr lang="ko-KR" altLang="en-US" smtClean="0"/>
-              <a:t>2025-05-13</a:t>
+              <a:t>2025-06-08</a:t>
             </a:fld>
             <a:endParaRPr lang="ko-KR" altLang="en-US"/>
           </a:p>
@@ -15929,7 +13696,7 @@
           <a:p>
             <a:fld id="{0F78D9C4-20C1-4B15-A116-16DC77AD9A1E}" type="datetime1">
               <a:rPr lang="ko-KR" altLang="en-US" smtClean="0"/>
-              <a:t>2025-05-13</a:t>
+              <a:t>2025-06-08</a:t>
             </a:fld>
             <a:endParaRPr lang="ko-KR" altLang="en-US"/>
           </a:p>
@@ -16162,7 +13929,7 @@
           <a:p>
             <a:fld id="{0F78D9C4-20C1-4B15-A116-16DC77AD9A1E}" type="datetime1">
               <a:rPr lang="ko-KR" altLang="en-US" smtClean="0"/>
-              <a:t>2025-05-13</a:t>
+              <a:t>2025-06-08</a:t>
             </a:fld>
             <a:endParaRPr lang="ko-KR" altLang="en-US"/>
           </a:p>
@@ -16404,7 +14171,7 @@
           <a:p>
             <a:fld id="{0F78D9C4-20C1-4B15-A116-16DC77AD9A1E}" type="datetime1">
               <a:rPr lang="ko-KR" altLang="en-US" smtClean="0"/>
-              <a:t>2025-05-13</a:t>
+              <a:t>2025-06-08</a:t>
             </a:fld>
             <a:endParaRPr lang="ko-KR" altLang="en-US"/>
           </a:p>
@@ -16607,7 +14374,7 @@
           <a:p>
             <a:fld id="{2E2BEDFA-D8AA-4914-9440-7DF713C99FA9}" type="datetime1">
               <a:rPr lang="ko-KR" altLang="en-US" smtClean="0"/>
-              <a:t>2025-05-13</a:t>
+              <a:t>2025-06-08</a:t>
             </a:fld>
             <a:endParaRPr lang="ko-KR" altLang="en-US" dirty="0"/>
           </a:p>
